--- a/thesis/presentations/2 second/second.pptx
+++ b/thesis/presentations/2 second/second.pptx
@@ -140,7 +140,7 @@
   </p:defaultTextStyle>
   <p:extLst>
     <p:ext uri="{EFAFB233-063F-42B5-8137-9DF3F51BA10A}">
-      <p15:sldGuideLst xmlns:p15="http://schemas.microsoft.com/office/powerpoint/2012/main" xmlns="">
+      <p15:sldGuideLst xmlns="" xmlns:p15="http://schemas.microsoft.com/office/powerpoint/2012/main">
         <p15:guide id="1" orient="horz" pos="2160" userDrawn="1">
           <p15:clr>
             <a:srgbClr val="A4A3A4"/>
@@ -155,6 +155,377 @@
     </p:ext>
   </p:extLst>
 </p:presentation>
+</file>
+
+<file path=ppt/charts/chart1.xml><?xml version="1.0" encoding="utf-8"?>
+<c:chartSpace xmlns:c="http://schemas.openxmlformats.org/drawingml/2006/chart" xmlns:a="http://schemas.openxmlformats.org/drawingml/2006/main" xmlns:r="http://schemas.openxmlformats.org/officeDocument/2006/relationships">
+  <c:date1904 val="0"/>
+  <c:lang val="en-US"/>
+  <c:roundedCorners val="0"/>
+  <mc:AlternateContent xmlns:mc="http://schemas.openxmlformats.org/markup-compatibility/2006">
+    <mc:Choice xmlns:c14="http://schemas.microsoft.com/office/drawing/2007/8/2/chart" Requires="c14">
+      <c14:style val="102"/>
+    </mc:Choice>
+    <mc:Fallback>
+      <c:style val="2"/>
+    </mc:Fallback>
+  </mc:AlternateContent>
+  <c:chart>
+    <c:title>
+      <c:tx>
+        <c:rich>
+          <a:bodyPr/>
+          <a:lstStyle/>
+          <a:p>
+            <a:pPr>
+              <a:defRPr/>
+            </a:pPr>
+            <a:r>
+              <a:rPr lang="en-US" dirty="0" smtClean="0"/>
+              <a:t>Score</a:t>
+            </a:r>
+            <a:r>
+              <a:rPr lang="en-US" baseline="0" dirty="0" smtClean="0"/>
+              <a:t> </a:t>
+            </a:r>
+            <a:r>
+              <a:rPr lang="en-US" baseline="0" dirty="0" err="1" smtClean="0"/>
+              <a:t>k</a:t>
+            </a:r>
+            <a:r>
+              <a:rPr lang="en-US" dirty="0" err="1" smtClean="0"/>
+              <a:t>ans</a:t>
+            </a:r>
+            <a:r>
+              <a:rPr lang="en-US" baseline="0" dirty="0" smtClean="0"/>
+              <a:t> </a:t>
+            </a:r>
+            <a:r>
+              <a:rPr lang="en-US" baseline="0" dirty="0" err="1" smtClean="0"/>
+              <a:t>distributie</a:t>
+            </a:r>
+            <a:r>
+              <a:rPr lang="en-US" baseline="0" dirty="0" smtClean="0"/>
+              <a:t> van 3x3 </a:t>
+            </a:r>
+            <a:r>
+              <a:rPr lang="en-US" baseline="0" dirty="0" err="1" smtClean="0"/>
+              <a:t>bord</a:t>
+            </a:r>
+            <a:r>
+              <a:rPr lang="en-US" baseline="0" dirty="0" smtClean="0"/>
+              <a:t> </a:t>
+            </a:r>
+            <a:r>
+              <a:rPr lang="en-US" baseline="0" dirty="0" err="1" smtClean="0"/>
+              <a:t>na</a:t>
+            </a:r>
+            <a:r>
+              <a:rPr lang="en-US" baseline="0" dirty="0" smtClean="0"/>
+              <a:t> 2 </a:t>
+            </a:r>
+            <a:r>
+              <a:rPr lang="en-US" baseline="0" dirty="0" err="1" smtClean="0"/>
+              <a:t>beurten</a:t>
+            </a:r>
+            <a:endParaRPr lang="en-US" dirty="0"/>
+          </a:p>
+        </c:rich>
+      </c:tx>
+      <c:layout/>
+      <c:overlay val="0"/>
+    </c:title>
+    <c:autoTitleDeleted val="0"/>
+    <c:plotArea>
+      <c:layout/>
+      <c:barChart>
+        <c:barDir val="col"/>
+        <c:grouping val="clustered"/>
+        <c:varyColors val="0"/>
+        <c:ser>
+          <c:idx val="0"/>
+          <c:order val="0"/>
+          <c:tx>
+            <c:strRef>
+              <c:f>Sheet1!$B$1</c:f>
+              <c:strCache>
+                <c:ptCount val="1"/>
+                <c:pt idx="0">
+                  <c:v>Uniform</c:v>
+                </c:pt>
+              </c:strCache>
+            </c:strRef>
+          </c:tx>
+          <c:invertIfNegative val="0"/>
+          <c:cat>
+            <c:numRef>
+              <c:f>Sheet1!$A$2:$A$5</c:f>
+              <c:numCache>
+                <c:formatCode>General</c:formatCode>
+                <c:ptCount val="4"/>
+                <c:pt idx="0">
+                  <c:v>0</c:v>
+                </c:pt>
+                <c:pt idx="1">
+                  <c:v>3</c:v>
+                </c:pt>
+                <c:pt idx="2">
+                  <c:v>5</c:v>
+                </c:pt>
+                <c:pt idx="3">
+                  <c:v>6</c:v>
+                </c:pt>
+              </c:numCache>
+            </c:numRef>
+          </c:cat>
+          <c:val>
+            <c:numRef>
+              <c:f>Sheet1!$B$2:$B$5</c:f>
+              <c:numCache>
+                <c:formatCode>General</c:formatCode>
+                <c:ptCount val="4"/>
+                <c:pt idx="0">
+                  <c:v>0.78444444000000002</c:v>
+                </c:pt>
+                <c:pt idx="1">
+                  <c:v>0.19249999500000001</c:v>
+                </c:pt>
+                <c:pt idx="2">
+                  <c:v>2.7777766666666E-3</c:v>
+                </c:pt>
+                <c:pt idx="3">
+                  <c:v>2.13888883333333E-2</c:v>
+                </c:pt>
+              </c:numCache>
+            </c:numRef>
+          </c:val>
+        </c:ser>
+        <c:ser>
+          <c:idx val="1"/>
+          <c:order val="1"/>
+          <c:tx>
+            <c:strRef>
+              <c:f>Sheet1!$C$1</c:f>
+              <c:strCache>
+                <c:ptCount val="1"/>
+                <c:pt idx="0">
+                  <c:v>Kleuren ratio</c:v>
+                </c:pt>
+              </c:strCache>
+            </c:strRef>
+          </c:tx>
+          <c:invertIfNegative val="0"/>
+          <c:cat>
+            <c:numRef>
+              <c:f>Sheet1!$A$2:$A$5</c:f>
+              <c:numCache>
+                <c:formatCode>General</c:formatCode>
+                <c:ptCount val="4"/>
+                <c:pt idx="0">
+                  <c:v>0</c:v>
+                </c:pt>
+                <c:pt idx="1">
+                  <c:v>3</c:v>
+                </c:pt>
+                <c:pt idx="2">
+                  <c:v>5</c:v>
+                </c:pt>
+                <c:pt idx="3">
+                  <c:v>6</c:v>
+                </c:pt>
+              </c:numCache>
+            </c:numRef>
+          </c:cat>
+          <c:val>
+            <c:numRef>
+              <c:f>Sheet1!$C$2:$C$5</c:f>
+              <c:numCache>
+                <c:formatCode>General</c:formatCode>
+                <c:ptCount val="4"/>
+                <c:pt idx="0">
+                  <c:v>0.44444444</c:v>
+                </c:pt>
+                <c:pt idx="1">
+                  <c:v>0.38888888999999999</c:v>
+                </c:pt>
+                <c:pt idx="2">
+                  <c:v>5.5555555999999999E-2</c:v>
+                </c:pt>
+                <c:pt idx="3">
+                  <c:v>0.11111111</c:v>
+                </c:pt>
+              </c:numCache>
+            </c:numRef>
+          </c:val>
+        </c:ser>
+        <c:ser>
+          <c:idx val="2"/>
+          <c:order val="2"/>
+          <c:tx>
+            <c:strRef>
+              <c:f>Sheet1!$D$1</c:f>
+              <c:strCache>
+                <c:ptCount val="1"/>
+                <c:pt idx="0">
+                  <c:v>Mogelijke score</c:v>
+                </c:pt>
+              </c:strCache>
+            </c:strRef>
+          </c:tx>
+          <c:invertIfNegative val="0"/>
+          <c:cat>
+            <c:numRef>
+              <c:f>Sheet1!$A$2:$A$5</c:f>
+              <c:numCache>
+                <c:formatCode>General</c:formatCode>
+                <c:ptCount val="4"/>
+                <c:pt idx="0">
+                  <c:v>0</c:v>
+                </c:pt>
+                <c:pt idx="1">
+                  <c:v>3</c:v>
+                </c:pt>
+                <c:pt idx="2">
+                  <c:v>5</c:v>
+                </c:pt>
+                <c:pt idx="3">
+                  <c:v>6</c:v>
+                </c:pt>
+              </c:numCache>
+            </c:numRef>
+          </c:cat>
+          <c:val>
+            <c:numRef>
+              <c:f>Sheet1!$D$2:$D$5</c:f>
+              <c:numCache>
+                <c:formatCode>General</c:formatCode>
+                <c:ptCount val="4"/>
+                <c:pt idx="0">
+                  <c:v>0.36222221999999998</c:v>
+                </c:pt>
+                <c:pt idx="1">
+                  <c:v>0.5</c:v>
+                </c:pt>
+                <c:pt idx="2">
+                  <c:v>4.4444443999999998E-3</c:v>
+                </c:pt>
+                <c:pt idx="3">
+                  <c:v>0.13333333</c:v>
+                </c:pt>
+              </c:numCache>
+            </c:numRef>
+          </c:val>
+        </c:ser>
+        <c:dLbls>
+          <c:showLegendKey val="0"/>
+          <c:showVal val="0"/>
+          <c:showCatName val="0"/>
+          <c:showSerName val="0"/>
+          <c:showPercent val="0"/>
+          <c:showBubbleSize val="0"/>
+        </c:dLbls>
+        <c:gapWidth val="150"/>
+        <c:axId val="136237824"/>
+        <c:axId val="137433088"/>
+      </c:barChart>
+      <c:catAx>
+        <c:axId val="136237824"/>
+        <c:scaling>
+          <c:orientation val="minMax"/>
+        </c:scaling>
+        <c:delete val="0"/>
+        <c:axPos val="b"/>
+        <c:title>
+          <c:tx>
+            <c:rich>
+              <a:bodyPr/>
+              <a:lstStyle/>
+              <a:p>
+                <a:pPr>
+                  <a:defRPr/>
+                </a:pPr>
+                <a:r>
+                  <a:rPr lang="en-US" dirty="0" smtClean="0"/>
+                  <a:t>Score</a:t>
+                </a:r>
+                <a:endParaRPr lang="en-US" dirty="0"/>
+              </a:p>
+            </c:rich>
+          </c:tx>
+          <c:layout/>
+          <c:overlay val="0"/>
+        </c:title>
+        <c:numFmt formatCode="General" sourceLinked="1"/>
+        <c:majorTickMark val="out"/>
+        <c:minorTickMark val="none"/>
+        <c:tickLblPos val="nextTo"/>
+        <c:crossAx val="137433088"/>
+        <c:crosses val="autoZero"/>
+        <c:auto val="1"/>
+        <c:lblAlgn val="ctr"/>
+        <c:lblOffset val="100"/>
+        <c:noMultiLvlLbl val="0"/>
+      </c:catAx>
+      <c:valAx>
+        <c:axId val="137433088"/>
+        <c:scaling>
+          <c:orientation val="minMax"/>
+        </c:scaling>
+        <c:delete val="0"/>
+        <c:axPos val="l"/>
+        <c:majorGridlines/>
+        <c:title>
+          <c:tx>
+            <c:rich>
+              <a:bodyPr rot="-5400000" vert="horz"/>
+              <a:lstStyle/>
+              <a:p>
+                <a:pPr>
+                  <a:defRPr/>
+                </a:pPr>
+                <a:r>
+                  <a:rPr lang="en-US" dirty="0" err="1" smtClean="0"/>
+                  <a:t>Kans</a:t>
+                </a:r>
+                <a:endParaRPr lang="en-US" dirty="0"/>
+              </a:p>
+            </c:rich>
+          </c:tx>
+          <c:layout/>
+          <c:overlay val="0"/>
+        </c:title>
+        <c:numFmt formatCode="General" sourceLinked="1"/>
+        <c:majorTickMark val="out"/>
+        <c:minorTickMark val="none"/>
+        <c:tickLblPos val="nextTo"/>
+        <c:crossAx val="136237824"/>
+        <c:crosses val="autoZero"/>
+        <c:crossBetween val="between"/>
+      </c:valAx>
+    </c:plotArea>
+    <c:legend>
+      <c:legendPos val="r"/>
+      <c:layout/>
+      <c:overlay val="0"/>
+    </c:legend>
+    <c:plotVisOnly val="1"/>
+    <c:dispBlanksAs val="gap"/>
+    <c:showDLblsOverMax val="0"/>
+  </c:chart>
+  <c:txPr>
+    <a:bodyPr/>
+    <a:lstStyle/>
+    <a:p>
+      <a:pPr>
+        <a:defRPr sz="1800"/>
+      </a:pPr>
+      <a:endParaRPr lang="en-US"/>
+    </a:p>
+  </c:txPr>
+  <c:externalData r:id="rId1">
+    <c:autoUpdate val="0"/>
+  </c:externalData>
+</c:chartSpace>
 </file>
 
 <file path=ppt/handoutMasters/handoutMaster1.xml><?xml version="1.0" encoding="utf-8"?>
@@ -239,7 +610,7 @@
           <a:p>
             <a:fld id="{D6D09D9E-0F22-44ED-B43C-3F44EA87E898}" type="datetimeFigureOut">
               <a:rPr lang="en-US" smtClean="0"/>
-              <a:t>24-Nov-17</a:t>
+              <a:t>25-Nov-17</a:t>
             </a:fld>
             <a:endParaRPr lang="en-US"/>
           </a:p>
@@ -404,7 +775,7 @@
           <a:p>
             <a:fld id="{554F67E3-005B-4A5B-A64B-4E620D6532D3}" type="datetimeFigureOut">
               <a:rPr lang="nl-NL" smtClean="0"/>
-              <a:t>24-11-2017</a:t>
+              <a:t>25-11-2017</a:t>
             </a:fld>
             <a:endParaRPr lang="nl-NL"/>
           </a:p>
@@ -2648,11 +3019,7 @@
             </a:pPr>
             <a:r>
               <a:rPr lang="nl-NL" dirty="0" smtClean="0"/>
-              <a:t>Tijdens deze </a:t>
-            </a:r>
-            <a:r>
-              <a:rPr lang="nl-NL" dirty="0" smtClean="0"/>
-              <a:t>presentatie</a:t>
+              <a:t>Tijdens deze presentatie</a:t>
             </a:r>
             <a:r>
               <a:rPr lang="nl-NL" baseline="0" dirty="0" smtClean="0"/>
@@ -2660,11 +3027,7 @@
             </a:r>
             <a:r>
               <a:rPr lang="nl-NL" dirty="0" smtClean="0"/>
-              <a:t> </a:t>
-            </a:r>
-            <a:r>
-              <a:rPr lang="nl-NL" dirty="0" smtClean="0"/>
-              <a:t>de context van mijn thesis.</a:t>
+              <a:t> de context van mijn thesis.</a:t>
             </a:r>
             <a:r>
               <a:rPr lang="en-US" baseline="0" dirty="0" smtClean="0"/>
@@ -3072,6 +3435,90 @@
     <p:extLst>
       <p:ext uri="{BB962C8B-B14F-4D97-AF65-F5344CB8AC3E}">
         <p14:creationId xmlns:p14="http://schemas.microsoft.com/office/powerpoint/2010/main" val="1165993749"/>
+      </p:ext>
+    </p:extLst>
+  </p:cSld>
+  <p:clrMapOvr>
+    <a:masterClrMapping/>
+  </p:clrMapOvr>
+</p:notes>
+</file>
+
+<file path=ppt/notesSlides/notesSlide23.xml><?xml version="1.0" encoding="utf-8"?>
+<p:notes xmlns:a="http://schemas.openxmlformats.org/drawingml/2006/main" xmlns:r="http://schemas.openxmlformats.org/officeDocument/2006/relationships" xmlns:p="http://schemas.openxmlformats.org/presentationml/2006/main">
+  <p:cSld>
+    <p:spTree>
+      <p:nvGrpSpPr>
+        <p:cNvPr id="1" name=""/>
+        <p:cNvGrpSpPr/>
+        <p:nvPr/>
+      </p:nvGrpSpPr>
+      <p:grpSpPr>
+        <a:xfrm>
+          <a:off x="0" y="0"/>
+          <a:ext cx="0" cy="0"/>
+          <a:chOff x="0" y="0"/>
+          <a:chExt cx="0" cy="0"/>
+        </a:xfrm>
+      </p:grpSpPr>
+      <p:sp>
+        <p:nvSpPr>
+          <p:cNvPr id="2" name="Slide Image Placeholder 1"/>
+          <p:cNvSpPr>
+            <a:spLocks noGrp="1" noRot="1" noChangeAspect="1"/>
+          </p:cNvSpPr>
+          <p:nvPr>
+            <p:ph type="sldImg"/>
+          </p:nvPr>
+        </p:nvSpPr>
+        <p:spPr/>
+      </p:sp>
+      <p:sp>
+        <p:nvSpPr>
+          <p:cNvPr id="3" name="Notes Placeholder 2"/>
+          <p:cNvSpPr>
+            <a:spLocks noGrp="1"/>
+          </p:cNvSpPr>
+          <p:nvPr>
+            <p:ph type="body" idx="1"/>
+          </p:nvPr>
+        </p:nvSpPr>
+        <p:spPr/>
+        <p:txBody>
+          <a:bodyPr/>
+          <a:lstStyle/>
+          <a:p>
+            <a:endParaRPr lang="nl-BE" dirty="0"/>
+          </a:p>
+        </p:txBody>
+      </p:sp>
+      <p:sp>
+        <p:nvSpPr>
+          <p:cNvPr id="4" name="Slide Number Placeholder 3"/>
+          <p:cNvSpPr>
+            <a:spLocks noGrp="1"/>
+          </p:cNvSpPr>
+          <p:nvPr>
+            <p:ph type="sldNum" sz="quarter" idx="10"/>
+          </p:nvPr>
+        </p:nvSpPr>
+        <p:spPr/>
+        <p:txBody>
+          <a:bodyPr/>
+          <a:lstStyle/>
+          <a:p>
+            <a:fld id="{76F6EB55-D046-4316-A421-6DEA4C9E91D3}" type="slidenum">
+              <a:rPr lang="nl-NL" smtClean="0"/>
+              <a:t>25</a:t>
+            </a:fld>
+            <a:endParaRPr lang="nl-NL"/>
+          </a:p>
+        </p:txBody>
+      </p:sp>
+    </p:spTree>
+    <p:extLst>
+      <p:ext uri="{BB962C8B-B14F-4D97-AF65-F5344CB8AC3E}">
+        <p14:creationId xmlns:p14="http://schemas.microsoft.com/office/powerpoint/2010/main" val="3027252725"/>
       </p:ext>
     </p:extLst>
   </p:cSld>
@@ -5709,7 +6156,7 @@
   </p:clrMapOvr>
   <p:extLst mod="1">
     <p:ext uri="{DCECCB84-F9BA-43D5-87BE-67443E8EF086}">
-      <p15:sldGuideLst xmlns:p15="http://schemas.microsoft.com/office/powerpoint/2012/main" xmlns="">
+      <p15:sldGuideLst xmlns="" xmlns:p15="http://schemas.microsoft.com/office/powerpoint/2012/main">
         <p15:guide id="1" orient="horz" pos="3929" userDrawn="1">
           <p15:clr>
             <a:srgbClr val="FBAE40"/>
@@ -6020,7 +6467,7 @@
   </p:clrMapOvr>
   <p:extLst mod="1">
     <p:ext uri="{DCECCB84-F9BA-43D5-87BE-67443E8EF086}">
-      <p15:sldGuideLst xmlns:p15="http://schemas.microsoft.com/office/powerpoint/2012/main" xmlns="">
+      <p15:sldGuideLst xmlns="" xmlns:p15="http://schemas.microsoft.com/office/powerpoint/2012/main">
         <p15:guide id="1" orient="horz" pos="3929">
           <p15:clr>
             <a:srgbClr val="FBAE40"/>
@@ -6308,7 +6755,7 @@
           <a:p>
             <a:fld id="{BA252000-72D1-4588-81D0-A21B268C4F60}" type="datetime1">
               <a:rPr lang="nl-BE" smtClean="0"/>
-              <a:t>24/11/2017</a:t>
+              <a:t>25/11/2017</a:t>
             </a:fld>
             <a:endParaRPr lang="nl-NL" dirty="0"/>
           </a:p>
@@ -6373,7 +6820,7 @@
   </p:clrMapOvr>
   <p:extLst mod="1">
     <p:ext uri="{DCECCB84-F9BA-43D5-87BE-67443E8EF086}">
-      <p15:sldGuideLst xmlns:p15="http://schemas.microsoft.com/office/powerpoint/2012/main" xmlns="">
+      <p15:sldGuideLst xmlns="" xmlns:p15="http://schemas.microsoft.com/office/powerpoint/2012/main">
         <p15:guide id="1" orient="horz" pos="2160">
           <p15:clr>
             <a:srgbClr val="FBAE40"/>
@@ -6615,7 +7062,7 @@
           <a:p>
             <a:fld id="{51B5EE41-54AE-48CB-8D18-4748453B9BC8}" type="datetime1">
               <a:rPr lang="nl-BE" smtClean="0"/>
-              <a:t>24/11/2017</a:t>
+              <a:t>25/11/2017</a:t>
             </a:fld>
             <a:endParaRPr lang="nl-NL" dirty="0"/>
           </a:p>
@@ -6680,7 +7127,7 @@
   </p:clrMapOvr>
   <p:extLst mod="1">
     <p:ext uri="{DCECCB84-F9BA-43D5-87BE-67443E8EF086}">
-      <p15:sldGuideLst xmlns:p15="http://schemas.microsoft.com/office/powerpoint/2012/main" xmlns="">
+      <p15:sldGuideLst xmlns="" xmlns:p15="http://schemas.microsoft.com/office/powerpoint/2012/main">
         <p15:guide id="1" orient="horz" pos="2160">
           <p15:clr>
             <a:srgbClr val="FBAE40"/>
@@ -6731,7 +7178,7 @@
           <a:p>
             <a:fld id="{325CFB26-3E0B-43F3-B1DB-8FF4C39B3D0D}" type="datetime1">
               <a:rPr lang="nl-BE" smtClean="0"/>
-              <a:t>24/11/2017</a:t>
+              <a:t>25/11/2017</a:t>
             </a:fld>
             <a:endParaRPr lang="nl-NL" dirty="0"/>
           </a:p>
@@ -7121,7 +7568,7 @@
           <a:p>
             <a:fld id="{DC4FC34B-922A-43D1-878B-5EF44FE511A8}" type="datetime1">
               <a:rPr lang="nl-BE" smtClean="0"/>
-              <a:t>24/11/2017</a:t>
+              <a:t>25/11/2017</a:t>
             </a:fld>
             <a:endParaRPr lang="nl-NL" dirty="0"/>
           </a:p>
@@ -7240,7 +7687,7 @@
   </p:clrMapOvr>
   <p:extLst mod="1">
     <p:ext uri="{DCECCB84-F9BA-43D5-87BE-67443E8EF086}">
-      <p15:sldGuideLst xmlns:p15="http://schemas.microsoft.com/office/powerpoint/2012/main" xmlns="">
+      <p15:sldGuideLst xmlns="" xmlns:p15="http://schemas.microsoft.com/office/powerpoint/2012/main">
         <p15:guide id="1" orient="horz" pos="2160" userDrawn="1">
           <p15:clr>
             <a:srgbClr val="FBAE40"/>
@@ -7452,7 +7899,7 @@
           <a:p>
             <a:fld id="{FD918A91-1924-4471-9808-ACB04D0ED8EA}" type="datetime1">
               <a:rPr lang="nl-BE" smtClean="0"/>
-              <a:t>24/11/2017</a:t>
+              <a:t>25/11/2017</a:t>
             </a:fld>
             <a:endParaRPr lang="nl-NL" dirty="0"/>
           </a:p>
@@ -7571,7 +8018,7 @@
   </p:clrMapOvr>
   <p:extLst mod="1">
     <p:ext uri="{DCECCB84-F9BA-43D5-87BE-67443E8EF086}">
-      <p15:sldGuideLst xmlns:p15="http://schemas.microsoft.com/office/powerpoint/2012/main" xmlns="">
+      <p15:sldGuideLst xmlns="" xmlns:p15="http://schemas.microsoft.com/office/powerpoint/2012/main">
         <p15:guide id="1" orient="horz" pos="2160" userDrawn="1">
           <p15:clr>
             <a:srgbClr val="FBAE40"/>
@@ -7742,7 +8189,7 @@
           <a:p>
             <a:fld id="{EA5FBAB9-5FA3-46D6-A3EF-8850D13E3E94}" type="datetime1">
               <a:rPr lang="nl-BE" smtClean="0"/>
-              <a:t>24/11/2017</a:t>
+              <a:t>25/11/2017</a:t>
             </a:fld>
             <a:endParaRPr lang="nl-NL" dirty="0"/>
           </a:p>
@@ -8121,7 +8568,7 @@
           <a:p>
             <a:fld id="{D02784A5-45C8-4246-ADE0-8842E3C66E5D}" type="datetime1">
               <a:rPr lang="nl-BE" smtClean="0"/>
-              <a:t>24/11/2017</a:t>
+              <a:t>25/11/2017</a:t>
             </a:fld>
             <a:endParaRPr lang="nl-NL" dirty="0"/>
           </a:p>
@@ -8244,7 +8691,7 @@
           <a:p>
             <a:fld id="{C477E6CE-7017-4F77-9645-5F8638D9B9E2}" type="datetime1">
               <a:rPr lang="nl-BE" smtClean="0"/>
-              <a:t>24/11/2017</a:t>
+              <a:t>25/11/2017</a:t>
             </a:fld>
             <a:endParaRPr lang="nl-NL" dirty="0"/>
           </a:p>
@@ -8367,7 +8814,7 @@
           <a:p>
             <a:fld id="{56055E81-6827-4C1D-AD12-F50C5BE907ED}" type="datetime1">
               <a:rPr lang="nl-BE" smtClean="0"/>
-              <a:t>24/11/2017</a:t>
+              <a:t>25/11/2017</a:t>
             </a:fld>
             <a:endParaRPr lang="nl-NL" dirty="0"/>
           </a:p>
@@ -8516,7 +8963,7 @@
           <a:p>
             <a:fld id="{F7042BA5-0515-4B7F-B8A4-B74FD521147B}" type="datetime1">
               <a:rPr lang="nl-BE" smtClean="0"/>
-              <a:t>24/11/2017</a:t>
+              <a:t>25/11/2017</a:t>
             </a:fld>
             <a:endParaRPr lang="nl-NL" dirty="0"/>
           </a:p>
@@ -8684,7 +9131,7 @@
           <a:p>
             <a:fld id="{09EF3F9E-B585-4D67-B28C-5D7ABCECB608}" type="datetime1">
               <a:rPr lang="nl-BE" smtClean="0"/>
-              <a:t>24/11/2017</a:t>
+              <a:t>25/11/2017</a:t>
             </a:fld>
             <a:endParaRPr lang="nl-NL" dirty="0"/>
           </a:p>
@@ -9198,7 +9645,7 @@
   </p:txStyles>
   <p:extLst mod="1">
     <p:ext uri="{27BBF7A9-308A-43DC-89C8-2F10F3537804}">
-      <p15:sldGuideLst xmlns:p15="http://schemas.microsoft.com/office/powerpoint/2012/main" xmlns="">
+      <p15:sldGuideLst xmlns="" xmlns:p15="http://schemas.microsoft.com/office/powerpoint/2012/main">
         <p15:guide id="1" orient="horz" pos="3816" userDrawn="1">
           <p15:clr>
             <a:srgbClr val="F26B43"/>
@@ -9322,7 +9769,7 @@
           <a:p>
             <a:fld id="{15BE6352-CF92-4CB8-B2C0-9F716CAEF608}" type="datetime1">
               <a:rPr lang="nl-BE" smtClean="0"/>
-              <a:t>24/11/2017</a:t>
+              <a:t>25/11/2017</a:t>
             </a:fld>
             <a:endParaRPr lang="nl-NL" dirty="0"/>
           </a:p>
@@ -9830,7 +10277,7 @@
   </p:txStyles>
   <p:extLst mod="1">
     <p:ext uri="{27BBF7A9-308A-43DC-89C8-2F10F3537804}">
-      <p15:sldGuideLst xmlns:p15="http://schemas.microsoft.com/office/powerpoint/2012/main" xmlns="">
+      <p15:sldGuideLst xmlns="" xmlns:p15="http://schemas.microsoft.com/office/powerpoint/2012/main">
         <p15:guide id="1" orient="horz" pos="1026" userDrawn="1">
           <p15:clr>
             <a:srgbClr val="F26B43"/>
@@ -13483,7 +13930,6 @@
               <a:rPr lang="en-US" dirty="0" smtClean="0"/>
               <a:t>Context</a:t>
             </a:r>
-            <a:endParaRPr lang="en-US" dirty="0" smtClean="0"/>
           </a:p>
           <a:p>
             <a:r>
@@ -14747,6 +15193,788 @@
           </a:p>
         </p:txBody>
       </p:sp>
+      <p:sp>
+        <p:nvSpPr>
+          <p:cNvPr id="11" name="Rectangle 10"/>
+          <p:cNvSpPr/>
+          <p:nvPr/>
+        </p:nvSpPr>
+        <p:spPr>
+          <a:xfrm>
+            <a:off x="3667125" y="1693314"/>
+            <a:ext cx="452437" cy="459336"/>
+          </a:xfrm>
+          <a:prstGeom prst="rect">
+            <a:avLst/>
+          </a:prstGeom>
+          <a:noFill/>
+          <a:ln w="28575">
+            <a:solidFill>
+              <a:schemeClr val="bg1"/>
+            </a:solidFill>
+          </a:ln>
+        </p:spPr>
+        <p:style>
+          <a:lnRef idx="2">
+            <a:schemeClr val="accent1">
+              <a:shade val="50000"/>
+            </a:schemeClr>
+          </a:lnRef>
+          <a:fillRef idx="1">
+            <a:schemeClr val="accent1"/>
+          </a:fillRef>
+          <a:effectRef idx="0">
+            <a:schemeClr val="accent1"/>
+          </a:effectRef>
+          <a:fontRef idx="minor">
+            <a:schemeClr val="lt1"/>
+          </a:fontRef>
+        </p:style>
+        <p:txBody>
+          <a:bodyPr rtlCol="0" anchor="ctr"/>
+          <a:lstStyle/>
+          <a:p>
+            <a:pPr algn="ctr"/>
+            <a:endParaRPr lang="nl-BE"/>
+          </a:p>
+        </p:txBody>
+      </p:sp>
+      <p:sp>
+        <p:nvSpPr>
+          <p:cNvPr id="13" name="Rectangle 12"/>
+          <p:cNvSpPr/>
+          <p:nvPr/>
+        </p:nvSpPr>
+        <p:spPr>
+          <a:xfrm>
+            <a:off x="4119563" y="1693314"/>
+            <a:ext cx="452437" cy="459336"/>
+          </a:xfrm>
+          <a:prstGeom prst="rect">
+            <a:avLst/>
+          </a:prstGeom>
+          <a:noFill/>
+          <a:ln w="28575">
+            <a:solidFill>
+              <a:schemeClr val="bg1"/>
+            </a:solidFill>
+          </a:ln>
+        </p:spPr>
+        <p:style>
+          <a:lnRef idx="2">
+            <a:schemeClr val="accent1">
+              <a:shade val="50000"/>
+            </a:schemeClr>
+          </a:lnRef>
+          <a:fillRef idx="1">
+            <a:schemeClr val="accent1"/>
+          </a:fillRef>
+          <a:effectRef idx="0">
+            <a:schemeClr val="accent1"/>
+          </a:effectRef>
+          <a:fontRef idx="minor">
+            <a:schemeClr val="lt1"/>
+          </a:fontRef>
+        </p:style>
+        <p:txBody>
+          <a:bodyPr rtlCol="0" anchor="ctr"/>
+          <a:lstStyle/>
+          <a:p>
+            <a:pPr algn="ctr"/>
+            <a:endParaRPr lang="nl-BE"/>
+          </a:p>
+        </p:txBody>
+      </p:sp>
+      <p:sp>
+        <p:nvSpPr>
+          <p:cNvPr id="14" name="Rectangle 13"/>
+          <p:cNvSpPr/>
+          <p:nvPr/>
+        </p:nvSpPr>
+        <p:spPr>
+          <a:xfrm>
+            <a:off x="2757488" y="1240876"/>
+            <a:ext cx="452437" cy="459336"/>
+          </a:xfrm>
+          <a:prstGeom prst="rect">
+            <a:avLst/>
+          </a:prstGeom>
+          <a:noFill/>
+          <a:ln w="28575">
+            <a:solidFill>
+              <a:schemeClr val="bg1"/>
+            </a:solidFill>
+          </a:ln>
+        </p:spPr>
+        <p:style>
+          <a:lnRef idx="2">
+            <a:schemeClr val="accent1">
+              <a:shade val="50000"/>
+            </a:schemeClr>
+          </a:lnRef>
+          <a:fillRef idx="1">
+            <a:schemeClr val="accent1"/>
+          </a:fillRef>
+          <a:effectRef idx="0">
+            <a:schemeClr val="accent1"/>
+          </a:effectRef>
+          <a:fontRef idx="minor">
+            <a:schemeClr val="lt1"/>
+          </a:fontRef>
+        </p:style>
+        <p:txBody>
+          <a:bodyPr rtlCol="0" anchor="ctr"/>
+          <a:lstStyle/>
+          <a:p>
+            <a:pPr algn="ctr"/>
+            <a:endParaRPr lang="nl-BE"/>
+          </a:p>
+        </p:txBody>
+      </p:sp>
+      <p:sp>
+        <p:nvSpPr>
+          <p:cNvPr id="15" name="Rectangle 14"/>
+          <p:cNvSpPr/>
+          <p:nvPr/>
+        </p:nvSpPr>
+        <p:spPr>
+          <a:xfrm>
+            <a:off x="5934075" y="1240877"/>
+            <a:ext cx="452437" cy="459336"/>
+          </a:xfrm>
+          <a:prstGeom prst="rect">
+            <a:avLst/>
+          </a:prstGeom>
+          <a:noFill/>
+          <a:ln w="28575">
+            <a:solidFill>
+              <a:schemeClr val="bg1"/>
+            </a:solidFill>
+          </a:ln>
+        </p:spPr>
+        <p:style>
+          <a:lnRef idx="2">
+            <a:schemeClr val="accent1">
+              <a:shade val="50000"/>
+            </a:schemeClr>
+          </a:lnRef>
+          <a:fillRef idx="1">
+            <a:schemeClr val="accent1"/>
+          </a:fillRef>
+          <a:effectRef idx="0">
+            <a:schemeClr val="accent1"/>
+          </a:effectRef>
+          <a:fontRef idx="minor">
+            <a:schemeClr val="lt1"/>
+          </a:fontRef>
+        </p:style>
+        <p:txBody>
+          <a:bodyPr rtlCol="0" anchor="ctr"/>
+          <a:lstStyle/>
+          <a:p>
+            <a:pPr algn="ctr"/>
+            <a:endParaRPr lang="nl-BE"/>
+          </a:p>
+        </p:txBody>
+      </p:sp>
+      <p:sp>
+        <p:nvSpPr>
+          <p:cNvPr id="16" name="Rectangle 15"/>
+          <p:cNvSpPr/>
+          <p:nvPr/>
+        </p:nvSpPr>
+        <p:spPr>
+          <a:xfrm>
+            <a:off x="6386513" y="2145751"/>
+            <a:ext cx="452437" cy="459336"/>
+          </a:xfrm>
+          <a:prstGeom prst="rect">
+            <a:avLst/>
+          </a:prstGeom>
+          <a:noFill/>
+          <a:ln w="28575">
+            <a:solidFill>
+              <a:schemeClr val="bg1"/>
+            </a:solidFill>
+          </a:ln>
+        </p:spPr>
+        <p:style>
+          <a:lnRef idx="2">
+            <a:schemeClr val="accent1">
+              <a:shade val="50000"/>
+            </a:schemeClr>
+          </a:lnRef>
+          <a:fillRef idx="1">
+            <a:schemeClr val="accent1"/>
+          </a:fillRef>
+          <a:effectRef idx="0">
+            <a:schemeClr val="accent1"/>
+          </a:effectRef>
+          <a:fontRef idx="minor">
+            <a:schemeClr val="lt1"/>
+          </a:fontRef>
+        </p:style>
+        <p:txBody>
+          <a:bodyPr rtlCol="0" anchor="ctr"/>
+          <a:lstStyle/>
+          <a:p>
+            <a:pPr algn="ctr"/>
+            <a:endParaRPr lang="nl-BE"/>
+          </a:p>
+        </p:txBody>
+      </p:sp>
+      <p:sp>
+        <p:nvSpPr>
+          <p:cNvPr id="17" name="Rectangle 16"/>
+          <p:cNvSpPr/>
+          <p:nvPr/>
+        </p:nvSpPr>
+        <p:spPr>
+          <a:xfrm>
+            <a:off x="3667125" y="2140989"/>
+            <a:ext cx="452437" cy="459336"/>
+          </a:xfrm>
+          <a:prstGeom prst="rect">
+            <a:avLst/>
+          </a:prstGeom>
+          <a:noFill/>
+          <a:ln w="28575">
+            <a:solidFill>
+              <a:schemeClr val="bg1"/>
+            </a:solidFill>
+          </a:ln>
+        </p:spPr>
+        <p:style>
+          <a:lnRef idx="2">
+            <a:schemeClr val="accent1">
+              <a:shade val="50000"/>
+            </a:schemeClr>
+          </a:lnRef>
+          <a:fillRef idx="1">
+            <a:schemeClr val="accent1"/>
+          </a:fillRef>
+          <a:effectRef idx="0">
+            <a:schemeClr val="accent1"/>
+          </a:effectRef>
+          <a:fontRef idx="minor">
+            <a:schemeClr val="lt1"/>
+          </a:fontRef>
+        </p:style>
+        <p:txBody>
+          <a:bodyPr rtlCol="0" anchor="ctr"/>
+          <a:lstStyle/>
+          <a:p>
+            <a:pPr algn="ctr"/>
+            <a:endParaRPr lang="nl-BE"/>
+          </a:p>
+        </p:txBody>
+      </p:sp>
+      <p:sp>
+        <p:nvSpPr>
+          <p:cNvPr id="18" name="Rectangle 17"/>
+          <p:cNvSpPr/>
+          <p:nvPr/>
+        </p:nvSpPr>
+        <p:spPr>
+          <a:xfrm>
+            <a:off x="2305050" y="3050627"/>
+            <a:ext cx="452437" cy="459336"/>
+          </a:xfrm>
+          <a:prstGeom prst="rect">
+            <a:avLst/>
+          </a:prstGeom>
+          <a:noFill/>
+          <a:ln w="28575">
+            <a:solidFill>
+              <a:schemeClr val="bg1"/>
+            </a:solidFill>
+          </a:ln>
+        </p:spPr>
+        <p:style>
+          <a:lnRef idx="2">
+            <a:schemeClr val="accent1">
+              <a:shade val="50000"/>
+            </a:schemeClr>
+          </a:lnRef>
+          <a:fillRef idx="1">
+            <a:schemeClr val="accent1"/>
+          </a:fillRef>
+          <a:effectRef idx="0">
+            <a:schemeClr val="accent1"/>
+          </a:effectRef>
+          <a:fontRef idx="minor">
+            <a:schemeClr val="lt1"/>
+          </a:fontRef>
+        </p:style>
+        <p:txBody>
+          <a:bodyPr rtlCol="0" anchor="ctr"/>
+          <a:lstStyle/>
+          <a:p>
+            <a:pPr algn="ctr"/>
+            <a:endParaRPr lang="nl-BE"/>
+          </a:p>
+        </p:txBody>
+      </p:sp>
+      <p:sp>
+        <p:nvSpPr>
+          <p:cNvPr id="19" name="Rectangle 18"/>
+          <p:cNvSpPr/>
+          <p:nvPr/>
+        </p:nvSpPr>
+        <p:spPr>
+          <a:xfrm>
+            <a:off x="5476875" y="2598189"/>
+            <a:ext cx="452437" cy="459336"/>
+          </a:xfrm>
+          <a:prstGeom prst="rect">
+            <a:avLst/>
+          </a:prstGeom>
+          <a:noFill/>
+          <a:ln w="28575">
+            <a:solidFill>
+              <a:schemeClr val="bg1"/>
+            </a:solidFill>
+          </a:ln>
+        </p:spPr>
+        <p:style>
+          <a:lnRef idx="2">
+            <a:schemeClr val="accent1">
+              <a:shade val="50000"/>
+            </a:schemeClr>
+          </a:lnRef>
+          <a:fillRef idx="1">
+            <a:schemeClr val="accent1"/>
+          </a:fillRef>
+          <a:effectRef idx="0">
+            <a:schemeClr val="accent1"/>
+          </a:effectRef>
+          <a:fontRef idx="minor">
+            <a:schemeClr val="lt1"/>
+          </a:fontRef>
+        </p:style>
+        <p:txBody>
+          <a:bodyPr rtlCol="0" anchor="ctr"/>
+          <a:lstStyle/>
+          <a:p>
+            <a:pPr algn="ctr"/>
+            <a:endParaRPr lang="nl-BE"/>
+          </a:p>
+        </p:txBody>
+      </p:sp>
+      <p:sp>
+        <p:nvSpPr>
+          <p:cNvPr id="20" name="Rectangle 19"/>
+          <p:cNvSpPr/>
+          <p:nvPr/>
+        </p:nvSpPr>
+        <p:spPr>
+          <a:xfrm>
+            <a:off x="5479256" y="3050627"/>
+            <a:ext cx="452437" cy="459336"/>
+          </a:xfrm>
+          <a:prstGeom prst="rect">
+            <a:avLst/>
+          </a:prstGeom>
+          <a:noFill/>
+          <a:ln w="28575">
+            <a:solidFill>
+              <a:schemeClr val="bg1"/>
+            </a:solidFill>
+          </a:ln>
+        </p:spPr>
+        <p:style>
+          <a:lnRef idx="2">
+            <a:schemeClr val="accent1">
+              <a:shade val="50000"/>
+            </a:schemeClr>
+          </a:lnRef>
+          <a:fillRef idx="1">
+            <a:schemeClr val="accent1"/>
+          </a:fillRef>
+          <a:effectRef idx="0">
+            <a:schemeClr val="accent1"/>
+          </a:effectRef>
+          <a:fontRef idx="minor">
+            <a:schemeClr val="lt1"/>
+          </a:fontRef>
+        </p:style>
+        <p:txBody>
+          <a:bodyPr rtlCol="0" anchor="ctr"/>
+          <a:lstStyle/>
+          <a:p>
+            <a:pPr algn="ctr"/>
+            <a:endParaRPr lang="nl-BE"/>
+          </a:p>
+        </p:txBody>
+      </p:sp>
+      <p:sp>
+        <p:nvSpPr>
+          <p:cNvPr id="21" name="Rectangle 20"/>
+          <p:cNvSpPr/>
+          <p:nvPr/>
+        </p:nvSpPr>
+        <p:spPr>
+          <a:xfrm>
+            <a:off x="4571999" y="3505446"/>
+            <a:ext cx="452437" cy="459336"/>
+          </a:xfrm>
+          <a:prstGeom prst="rect">
+            <a:avLst/>
+          </a:prstGeom>
+          <a:noFill/>
+          <a:ln w="28575">
+            <a:solidFill>
+              <a:schemeClr val="bg1"/>
+            </a:solidFill>
+          </a:ln>
+        </p:spPr>
+        <p:style>
+          <a:lnRef idx="2">
+            <a:schemeClr val="accent1">
+              <a:shade val="50000"/>
+            </a:schemeClr>
+          </a:lnRef>
+          <a:fillRef idx="1">
+            <a:schemeClr val="accent1"/>
+          </a:fillRef>
+          <a:effectRef idx="0">
+            <a:schemeClr val="accent1"/>
+          </a:effectRef>
+          <a:fontRef idx="minor">
+            <a:schemeClr val="lt1"/>
+          </a:fontRef>
+        </p:style>
+        <p:txBody>
+          <a:bodyPr rtlCol="0" anchor="ctr"/>
+          <a:lstStyle/>
+          <a:p>
+            <a:pPr algn="ctr"/>
+            <a:endParaRPr lang="nl-BE"/>
+          </a:p>
+        </p:txBody>
+      </p:sp>
+      <p:sp>
+        <p:nvSpPr>
+          <p:cNvPr id="22" name="Rectangle 21"/>
+          <p:cNvSpPr/>
+          <p:nvPr/>
+        </p:nvSpPr>
+        <p:spPr>
+          <a:xfrm>
+            <a:off x="4571999" y="3955502"/>
+            <a:ext cx="452437" cy="459336"/>
+          </a:xfrm>
+          <a:prstGeom prst="rect">
+            <a:avLst/>
+          </a:prstGeom>
+          <a:noFill/>
+          <a:ln w="28575">
+            <a:solidFill>
+              <a:schemeClr val="bg1"/>
+            </a:solidFill>
+          </a:ln>
+        </p:spPr>
+        <p:style>
+          <a:lnRef idx="2">
+            <a:schemeClr val="accent1">
+              <a:shade val="50000"/>
+            </a:schemeClr>
+          </a:lnRef>
+          <a:fillRef idx="1">
+            <a:schemeClr val="accent1"/>
+          </a:fillRef>
+          <a:effectRef idx="0">
+            <a:schemeClr val="accent1"/>
+          </a:effectRef>
+          <a:fontRef idx="minor">
+            <a:schemeClr val="lt1"/>
+          </a:fontRef>
+        </p:style>
+        <p:txBody>
+          <a:bodyPr rtlCol="0" anchor="ctr"/>
+          <a:lstStyle/>
+          <a:p>
+            <a:pPr algn="ctr"/>
+            <a:endParaRPr lang="nl-BE"/>
+          </a:p>
+        </p:txBody>
+      </p:sp>
+      <p:sp>
+        <p:nvSpPr>
+          <p:cNvPr id="23" name="Rectangle 22"/>
+          <p:cNvSpPr/>
+          <p:nvPr/>
+        </p:nvSpPr>
+        <p:spPr>
+          <a:xfrm>
+            <a:off x="5934074" y="3955502"/>
+            <a:ext cx="452437" cy="459336"/>
+          </a:xfrm>
+          <a:prstGeom prst="rect">
+            <a:avLst/>
+          </a:prstGeom>
+          <a:noFill/>
+          <a:ln w="28575">
+            <a:solidFill>
+              <a:schemeClr val="bg1"/>
+            </a:solidFill>
+          </a:ln>
+        </p:spPr>
+        <p:style>
+          <a:lnRef idx="2">
+            <a:schemeClr val="accent1">
+              <a:shade val="50000"/>
+            </a:schemeClr>
+          </a:lnRef>
+          <a:fillRef idx="1">
+            <a:schemeClr val="accent1"/>
+          </a:fillRef>
+          <a:effectRef idx="0">
+            <a:schemeClr val="accent1"/>
+          </a:effectRef>
+          <a:fontRef idx="minor">
+            <a:schemeClr val="lt1"/>
+          </a:fontRef>
+        </p:style>
+        <p:txBody>
+          <a:bodyPr rtlCol="0" anchor="ctr"/>
+          <a:lstStyle/>
+          <a:p>
+            <a:pPr algn="ctr"/>
+            <a:endParaRPr lang="nl-BE"/>
+          </a:p>
+        </p:txBody>
+      </p:sp>
+      <p:sp>
+        <p:nvSpPr>
+          <p:cNvPr id="24" name="Rectangle 23"/>
+          <p:cNvSpPr/>
+          <p:nvPr/>
+        </p:nvSpPr>
+        <p:spPr>
+          <a:xfrm>
+            <a:off x="6393655" y="3957884"/>
+            <a:ext cx="452437" cy="459336"/>
+          </a:xfrm>
+          <a:prstGeom prst="rect">
+            <a:avLst/>
+          </a:prstGeom>
+          <a:noFill/>
+          <a:ln w="28575">
+            <a:solidFill>
+              <a:schemeClr val="bg1"/>
+            </a:solidFill>
+          </a:ln>
+        </p:spPr>
+        <p:style>
+          <a:lnRef idx="2">
+            <a:schemeClr val="accent1">
+              <a:shade val="50000"/>
+            </a:schemeClr>
+          </a:lnRef>
+          <a:fillRef idx="1">
+            <a:schemeClr val="accent1"/>
+          </a:fillRef>
+          <a:effectRef idx="0">
+            <a:schemeClr val="accent1"/>
+          </a:effectRef>
+          <a:fontRef idx="minor">
+            <a:schemeClr val="lt1"/>
+          </a:fontRef>
+        </p:style>
+        <p:txBody>
+          <a:bodyPr rtlCol="0" anchor="ctr"/>
+          <a:lstStyle/>
+          <a:p>
+            <a:pPr algn="ctr"/>
+            <a:endParaRPr lang="nl-BE"/>
+          </a:p>
+        </p:txBody>
+      </p:sp>
+      <p:sp>
+        <p:nvSpPr>
+          <p:cNvPr id="25" name="Rectangle 24"/>
+          <p:cNvSpPr/>
+          <p:nvPr/>
+        </p:nvSpPr>
+        <p:spPr>
+          <a:xfrm>
+            <a:off x="2755105" y="3505446"/>
+            <a:ext cx="452437" cy="459336"/>
+          </a:xfrm>
+          <a:prstGeom prst="rect">
+            <a:avLst/>
+          </a:prstGeom>
+          <a:noFill/>
+          <a:ln w="28575">
+            <a:solidFill>
+              <a:schemeClr val="bg1"/>
+            </a:solidFill>
+          </a:ln>
+        </p:spPr>
+        <p:style>
+          <a:lnRef idx="2">
+            <a:schemeClr val="accent1">
+              <a:shade val="50000"/>
+            </a:schemeClr>
+          </a:lnRef>
+          <a:fillRef idx="1">
+            <a:schemeClr val="accent1"/>
+          </a:fillRef>
+          <a:effectRef idx="0">
+            <a:schemeClr val="accent1"/>
+          </a:effectRef>
+          <a:fontRef idx="minor">
+            <a:schemeClr val="lt1"/>
+          </a:fontRef>
+        </p:style>
+        <p:txBody>
+          <a:bodyPr rtlCol="0" anchor="ctr"/>
+          <a:lstStyle/>
+          <a:p>
+            <a:pPr algn="ctr"/>
+            <a:endParaRPr lang="nl-BE"/>
+          </a:p>
+        </p:txBody>
+      </p:sp>
+      <p:sp>
+        <p:nvSpPr>
+          <p:cNvPr id="26" name="Rectangle 25"/>
+          <p:cNvSpPr/>
+          <p:nvPr/>
+        </p:nvSpPr>
+        <p:spPr>
+          <a:xfrm>
+            <a:off x="3207543" y="3955502"/>
+            <a:ext cx="452437" cy="459336"/>
+          </a:xfrm>
+          <a:prstGeom prst="rect">
+            <a:avLst/>
+          </a:prstGeom>
+          <a:noFill/>
+          <a:ln w="28575">
+            <a:solidFill>
+              <a:schemeClr val="bg1"/>
+            </a:solidFill>
+          </a:ln>
+        </p:spPr>
+        <p:style>
+          <a:lnRef idx="2">
+            <a:schemeClr val="accent1">
+              <a:shade val="50000"/>
+            </a:schemeClr>
+          </a:lnRef>
+          <a:fillRef idx="1">
+            <a:schemeClr val="accent1"/>
+          </a:fillRef>
+          <a:effectRef idx="0">
+            <a:schemeClr val="accent1"/>
+          </a:effectRef>
+          <a:fontRef idx="minor">
+            <a:schemeClr val="lt1"/>
+          </a:fontRef>
+        </p:style>
+        <p:txBody>
+          <a:bodyPr rtlCol="0" anchor="ctr"/>
+          <a:lstStyle/>
+          <a:p>
+            <a:pPr algn="ctr"/>
+            <a:endParaRPr lang="nl-BE"/>
+          </a:p>
+        </p:txBody>
+      </p:sp>
+      <p:sp>
+        <p:nvSpPr>
+          <p:cNvPr id="27" name="Rectangle 26"/>
+          <p:cNvSpPr/>
+          <p:nvPr/>
+        </p:nvSpPr>
+        <p:spPr>
+          <a:xfrm>
+            <a:off x="3667124" y="3955503"/>
+            <a:ext cx="452437" cy="459336"/>
+          </a:xfrm>
+          <a:prstGeom prst="rect">
+            <a:avLst/>
+          </a:prstGeom>
+          <a:noFill/>
+          <a:ln w="28575">
+            <a:solidFill>
+              <a:schemeClr val="bg1"/>
+            </a:solidFill>
+          </a:ln>
+        </p:spPr>
+        <p:style>
+          <a:lnRef idx="2">
+            <a:schemeClr val="accent1">
+              <a:shade val="50000"/>
+            </a:schemeClr>
+          </a:lnRef>
+          <a:fillRef idx="1">
+            <a:schemeClr val="accent1"/>
+          </a:fillRef>
+          <a:effectRef idx="0">
+            <a:schemeClr val="accent1"/>
+          </a:effectRef>
+          <a:fontRef idx="minor">
+            <a:schemeClr val="lt1"/>
+          </a:fontRef>
+        </p:style>
+        <p:txBody>
+          <a:bodyPr rtlCol="0" anchor="ctr"/>
+          <a:lstStyle/>
+          <a:p>
+            <a:pPr algn="ctr"/>
+            <a:endParaRPr lang="nl-BE"/>
+          </a:p>
+        </p:txBody>
+      </p:sp>
+      <p:sp>
+        <p:nvSpPr>
+          <p:cNvPr id="28" name="Rectangle 27"/>
+          <p:cNvSpPr/>
+          <p:nvPr/>
+        </p:nvSpPr>
+        <p:spPr>
+          <a:xfrm>
+            <a:off x="6384130" y="4865934"/>
+            <a:ext cx="452437" cy="459336"/>
+          </a:xfrm>
+          <a:prstGeom prst="rect">
+            <a:avLst/>
+          </a:prstGeom>
+          <a:noFill/>
+          <a:ln w="28575">
+            <a:solidFill>
+              <a:schemeClr val="bg1"/>
+            </a:solidFill>
+          </a:ln>
+        </p:spPr>
+        <p:style>
+          <a:lnRef idx="2">
+            <a:schemeClr val="accent1">
+              <a:shade val="50000"/>
+            </a:schemeClr>
+          </a:lnRef>
+          <a:fillRef idx="1">
+            <a:schemeClr val="accent1"/>
+          </a:fillRef>
+          <a:effectRef idx="0">
+            <a:schemeClr val="accent1"/>
+          </a:effectRef>
+          <a:fontRef idx="minor">
+            <a:schemeClr val="lt1"/>
+          </a:fontRef>
+        </p:style>
+        <p:txBody>
+          <a:bodyPr rtlCol="0" anchor="ctr"/>
+          <a:lstStyle/>
+          <a:p>
+            <a:pPr algn="ctr"/>
+            <a:endParaRPr lang="nl-BE"/>
+          </a:p>
+        </p:txBody>
+      </p:sp>
     </p:spTree>
     <p:extLst>
       <p:ext uri="{BB962C8B-B14F-4D97-AF65-F5344CB8AC3E}">
@@ -14893,6 +16121,1994 @@
           </a:extLst>
         </p:spPr>
       </p:pic>
+      <p:sp>
+        <p:nvSpPr>
+          <p:cNvPr id="53" name="TextBox 52"/>
+          <p:cNvSpPr txBox="1"/>
+          <p:nvPr/>
+        </p:nvSpPr>
+        <p:spPr>
+          <a:xfrm>
+            <a:off x="219075" y="1304925"/>
+            <a:ext cx="1828800" cy="923330"/>
+          </a:xfrm>
+          <a:prstGeom prst="rect">
+            <a:avLst/>
+          </a:prstGeom>
+          <a:noFill/>
+        </p:spPr>
+        <p:txBody>
+          <a:bodyPr wrap="square" rtlCol="0">
+            <a:spAutoFit/>
+          </a:bodyPr>
+          <a:lstStyle/>
+          <a:p>
+            <a:r>
+              <a:rPr lang="nl-BE" dirty="0" smtClean="0"/>
+              <a:t>48 blokken met een mogelijke score</a:t>
+            </a:r>
+            <a:endParaRPr lang="nl-BE" dirty="0"/>
+          </a:p>
+        </p:txBody>
+      </p:sp>
+      <p:sp>
+        <p:nvSpPr>
+          <p:cNvPr id="54" name="TextBox 53"/>
+          <p:cNvSpPr txBox="1"/>
+          <p:nvPr/>
+        </p:nvSpPr>
+        <p:spPr>
+          <a:xfrm>
+            <a:off x="219075" y="2809875"/>
+            <a:ext cx="1828800" cy="1754326"/>
+          </a:xfrm>
+          <a:prstGeom prst="rect">
+            <a:avLst/>
+          </a:prstGeom>
+          <a:noFill/>
+        </p:spPr>
+        <p:txBody>
+          <a:bodyPr wrap="square" rtlCol="0">
+            <a:spAutoFit/>
+          </a:bodyPr>
+          <a:lstStyle/>
+          <a:p>
+            <a:r>
+              <a:rPr lang="nl-BE" dirty="0" smtClean="0"/>
+              <a:t>Er wordt </a:t>
+            </a:r>
+            <a:r>
+              <a:rPr lang="nl-BE" dirty="0" smtClean="0"/>
+              <a:t>uniform 1 blok gekozen uit de 48 mogelijke opties </a:t>
+            </a:r>
+            <a:r>
+              <a:rPr lang="nl-BE" dirty="0" smtClean="0"/>
+              <a:t>om op te drukken</a:t>
+            </a:r>
+            <a:endParaRPr lang="nl-BE" dirty="0"/>
+          </a:p>
+        </p:txBody>
+      </p:sp>
+      <p:sp>
+        <p:nvSpPr>
+          <p:cNvPr id="4" name="Oval 3"/>
+          <p:cNvSpPr/>
+          <p:nvPr/>
+        </p:nvSpPr>
+        <p:spPr>
+          <a:xfrm>
+            <a:off x="3814762" y="1395413"/>
+            <a:ext cx="146237" cy="138113"/>
+          </a:xfrm>
+          <a:prstGeom prst="ellipse">
+            <a:avLst/>
+          </a:prstGeom>
+        </p:spPr>
+        <p:style>
+          <a:lnRef idx="2">
+            <a:schemeClr val="accent1">
+              <a:shade val="50000"/>
+            </a:schemeClr>
+          </a:lnRef>
+          <a:fillRef idx="1">
+            <a:schemeClr val="accent1"/>
+          </a:fillRef>
+          <a:effectRef idx="0">
+            <a:schemeClr val="accent1"/>
+          </a:effectRef>
+          <a:fontRef idx="minor">
+            <a:schemeClr val="lt1"/>
+          </a:fontRef>
+        </p:style>
+        <p:txBody>
+          <a:bodyPr rtlCol="0" anchor="ctr"/>
+          <a:lstStyle/>
+          <a:p>
+            <a:pPr algn="ctr"/>
+            <a:endParaRPr lang="nl-BE"/>
+          </a:p>
+        </p:txBody>
+      </p:sp>
+      <p:sp>
+        <p:nvSpPr>
+          <p:cNvPr id="55" name="Oval 54"/>
+          <p:cNvSpPr/>
+          <p:nvPr/>
+        </p:nvSpPr>
+        <p:spPr>
+          <a:xfrm>
+            <a:off x="5167312" y="1395413"/>
+            <a:ext cx="146237" cy="138113"/>
+          </a:xfrm>
+          <a:prstGeom prst="ellipse">
+            <a:avLst/>
+          </a:prstGeom>
+        </p:spPr>
+        <p:style>
+          <a:lnRef idx="2">
+            <a:schemeClr val="accent1">
+              <a:shade val="50000"/>
+            </a:schemeClr>
+          </a:lnRef>
+          <a:fillRef idx="1">
+            <a:schemeClr val="accent1"/>
+          </a:fillRef>
+          <a:effectRef idx="0">
+            <a:schemeClr val="accent1"/>
+          </a:effectRef>
+          <a:fontRef idx="minor">
+            <a:schemeClr val="lt1"/>
+          </a:fontRef>
+        </p:style>
+        <p:txBody>
+          <a:bodyPr rtlCol="0" anchor="ctr"/>
+          <a:lstStyle/>
+          <a:p>
+            <a:pPr algn="ctr"/>
+            <a:endParaRPr lang="nl-BE"/>
+          </a:p>
+        </p:txBody>
+      </p:sp>
+      <p:sp>
+        <p:nvSpPr>
+          <p:cNvPr id="56" name="Oval 55"/>
+          <p:cNvSpPr/>
+          <p:nvPr/>
+        </p:nvSpPr>
+        <p:spPr>
+          <a:xfrm>
+            <a:off x="2909887" y="1847850"/>
+            <a:ext cx="146237" cy="138113"/>
+          </a:xfrm>
+          <a:prstGeom prst="ellipse">
+            <a:avLst/>
+          </a:prstGeom>
+        </p:spPr>
+        <p:style>
+          <a:lnRef idx="2">
+            <a:schemeClr val="accent1">
+              <a:shade val="50000"/>
+            </a:schemeClr>
+          </a:lnRef>
+          <a:fillRef idx="1">
+            <a:schemeClr val="accent1"/>
+          </a:fillRef>
+          <a:effectRef idx="0">
+            <a:schemeClr val="accent1"/>
+          </a:effectRef>
+          <a:fontRef idx="minor">
+            <a:schemeClr val="lt1"/>
+          </a:fontRef>
+        </p:style>
+        <p:txBody>
+          <a:bodyPr rtlCol="0" anchor="ctr"/>
+          <a:lstStyle/>
+          <a:p>
+            <a:pPr algn="ctr"/>
+            <a:endParaRPr lang="nl-BE"/>
+          </a:p>
+        </p:txBody>
+      </p:sp>
+      <p:sp>
+        <p:nvSpPr>
+          <p:cNvPr id="57" name="Oval 56"/>
+          <p:cNvSpPr/>
+          <p:nvPr/>
+        </p:nvSpPr>
+        <p:spPr>
+          <a:xfrm>
+            <a:off x="3348037" y="1843088"/>
+            <a:ext cx="146237" cy="138113"/>
+          </a:xfrm>
+          <a:prstGeom prst="ellipse">
+            <a:avLst/>
+          </a:prstGeom>
+        </p:spPr>
+        <p:style>
+          <a:lnRef idx="2">
+            <a:schemeClr val="accent1">
+              <a:shade val="50000"/>
+            </a:schemeClr>
+          </a:lnRef>
+          <a:fillRef idx="1">
+            <a:schemeClr val="accent1"/>
+          </a:fillRef>
+          <a:effectRef idx="0">
+            <a:schemeClr val="accent1"/>
+          </a:effectRef>
+          <a:fontRef idx="minor">
+            <a:schemeClr val="lt1"/>
+          </a:fontRef>
+        </p:style>
+        <p:txBody>
+          <a:bodyPr rtlCol="0" anchor="ctr"/>
+          <a:lstStyle/>
+          <a:p>
+            <a:pPr algn="ctr"/>
+            <a:endParaRPr lang="nl-BE"/>
+          </a:p>
+        </p:txBody>
+      </p:sp>
+      <p:sp>
+        <p:nvSpPr>
+          <p:cNvPr id="58" name="Oval 57"/>
+          <p:cNvSpPr/>
+          <p:nvPr/>
+        </p:nvSpPr>
+        <p:spPr>
+          <a:xfrm>
+            <a:off x="4719637" y="1847851"/>
+            <a:ext cx="146237" cy="138113"/>
+          </a:xfrm>
+          <a:prstGeom prst="ellipse">
+            <a:avLst/>
+          </a:prstGeom>
+        </p:spPr>
+        <p:style>
+          <a:lnRef idx="2">
+            <a:schemeClr val="accent1">
+              <a:shade val="50000"/>
+            </a:schemeClr>
+          </a:lnRef>
+          <a:fillRef idx="1">
+            <a:schemeClr val="accent1"/>
+          </a:fillRef>
+          <a:effectRef idx="0">
+            <a:schemeClr val="accent1"/>
+          </a:effectRef>
+          <a:fontRef idx="minor">
+            <a:schemeClr val="lt1"/>
+          </a:fontRef>
+        </p:style>
+        <p:txBody>
+          <a:bodyPr rtlCol="0" anchor="ctr"/>
+          <a:lstStyle/>
+          <a:p>
+            <a:pPr algn="ctr"/>
+            <a:endParaRPr lang="nl-BE"/>
+          </a:p>
+        </p:txBody>
+      </p:sp>
+      <p:sp>
+        <p:nvSpPr>
+          <p:cNvPr id="59" name="Oval 58"/>
+          <p:cNvSpPr/>
+          <p:nvPr/>
+        </p:nvSpPr>
+        <p:spPr>
+          <a:xfrm>
+            <a:off x="5186362" y="1843088"/>
+            <a:ext cx="146237" cy="138113"/>
+          </a:xfrm>
+          <a:prstGeom prst="ellipse">
+            <a:avLst/>
+          </a:prstGeom>
+        </p:spPr>
+        <p:style>
+          <a:lnRef idx="2">
+            <a:schemeClr val="accent1">
+              <a:shade val="50000"/>
+            </a:schemeClr>
+          </a:lnRef>
+          <a:fillRef idx="1">
+            <a:schemeClr val="accent1"/>
+          </a:fillRef>
+          <a:effectRef idx="0">
+            <a:schemeClr val="accent1"/>
+          </a:effectRef>
+          <a:fontRef idx="minor">
+            <a:schemeClr val="lt1"/>
+          </a:fontRef>
+        </p:style>
+        <p:txBody>
+          <a:bodyPr rtlCol="0" anchor="ctr"/>
+          <a:lstStyle/>
+          <a:p>
+            <a:pPr algn="ctr"/>
+            <a:endParaRPr lang="nl-BE"/>
+          </a:p>
+        </p:txBody>
+      </p:sp>
+      <p:sp>
+        <p:nvSpPr>
+          <p:cNvPr id="60" name="Oval 59"/>
+          <p:cNvSpPr/>
+          <p:nvPr/>
+        </p:nvSpPr>
+        <p:spPr>
+          <a:xfrm>
+            <a:off x="5638799" y="1852613"/>
+            <a:ext cx="146237" cy="138113"/>
+          </a:xfrm>
+          <a:prstGeom prst="ellipse">
+            <a:avLst/>
+          </a:prstGeom>
+        </p:spPr>
+        <p:style>
+          <a:lnRef idx="2">
+            <a:schemeClr val="accent1">
+              <a:shade val="50000"/>
+            </a:schemeClr>
+          </a:lnRef>
+          <a:fillRef idx="1">
+            <a:schemeClr val="accent1"/>
+          </a:fillRef>
+          <a:effectRef idx="0">
+            <a:schemeClr val="accent1"/>
+          </a:effectRef>
+          <a:fontRef idx="minor">
+            <a:schemeClr val="lt1"/>
+          </a:fontRef>
+        </p:style>
+        <p:txBody>
+          <a:bodyPr rtlCol="0" anchor="ctr"/>
+          <a:lstStyle/>
+          <a:p>
+            <a:pPr algn="ctr"/>
+            <a:endParaRPr lang="nl-BE"/>
+          </a:p>
+        </p:txBody>
+      </p:sp>
+      <p:sp>
+        <p:nvSpPr>
+          <p:cNvPr id="61" name="Oval 60"/>
+          <p:cNvSpPr/>
+          <p:nvPr/>
+        </p:nvSpPr>
+        <p:spPr>
+          <a:xfrm>
+            <a:off x="6543675" y="1857376"/>
+            <a:ext cx="146237" cy="138113"/>
+          </a:xfrm>
+          <a:prstGeom prst="ellipse">
+            <a:avLst/>
+          </a:prstGeom>
+        </p:spPr>
+        <p:style>
+          <a:lnRef idx="2">
+            <a:schemeClr val="accent1">
+              <a:shade val="50000"/>
+            </a:schemeClr>
+          </a:lnRef>
+          <a:fillRef idx="1">
+            <a:schemeClr val="accent1"/>
+          </a:fillRef>
+          <a:effectRef idx="0">
+            <a:schemeClr val="accent1"/>
+          </a:effectRef>
+          <a:fontRef idx="minor">
+            <a:schemeClr val="lt1"/>
+          </a:fontRef>
+        </p:style>
+        <p:txBody>
+          <a:bodyPr rtlCol="0" anchor="ctr"/>
+          <a:lstStyle/>
+          <a:p>
+            <a:pPr algn="ctr"/>
+            <a:endParaRPr lang="nl-BE"/>
+          </a:p>
+        </p:txBody>
+      </p:sp>
+      <p:sp>
+        <p:nvSpPr>
+          <p:cNvPr id="62" name="Oval 61"/>
+          <p:cNvSpPr/>
+          <p:nvPr/>
+        </p:nvSpPr>
+        <p:spPr>
+          <a:xfrm>
+            <a:off x="2457450" y="2300288"/>
+            <a:ext cx="146237" cy="138113"/>
+          </a:xfrm>
+          <a:prstGeom prst="ellipse">
+            <a:avLst/>
+          </a:prstGeom>
+        </p:spPr>
+        <p:style>
+          <a:lnRef idx="2">
+            <a:schemeClr val="accent1">
+              <a:shade val="50000"/>
+            </a:schemeClr>
+          </a:lnRef>
+          <a:fillRef idx="1">
+            <a:schemeClr val="accent1"/>
+          </a:fillRef>
+          <a:effectRef idx="0">
+            <a:schemeClr val="accent1"/>
+          </a:effectRef>
+          <a:fontRef idx="minor">
+            <a:schemeClr val="lt1"/>
+          </a:fontRef>
+        </p:style>
+        <p:txBody>
+          <a:bodyPr rtlCol="0" anchor="ctr"/>
+          <a:lstStyle/>
+          <a:p>
+            <a:pPr algn="ctr"/>
+            <a:endParaRPr lang="nl-BE"/>
+          </a:p>
+        </p:txBody>
+      </p:sp>
+      <p:sp>
+        <p:nvSpPr>
+          <p:cNvPr id="63" name="Oval 62"/>
+          <p:cNvSpPr/>
+          <p:nvPr/>
+        </p:nvSpPr>
+        <p:spPr>
+          <a:xfrm>
+            <a:off x="3809999" y="2300288"/>
+            <a:ext cx="146237" cy="138113"/>
+          </a:xfrm>
+          <a:prstGeom prst="ellipse">
+            <a:avLst/>
+          </a:prstGeom>
+        </p:spPr>
+        <p:style>
+          <a:lnRef idx="2">
+            <a:schemeClr val="accent1">
+              <a:shade val="50000"/>
+            </a:schemeClr>
+          </a:lnRef>
+          <a:fillRef idx="1">
+            <a:schemeClr val="accent1"/>
+          </a:fillRef>
+          <a:effectRef idx="0">
+            <a:schemeClr val="accent1"/>
+          </a:effectRef>
+          <a:fontRef idx="minor">
+            <a:schemeClr val="lt1"/>
+          </a:fontRef>
+        </p:style>
+        <p:txBody>
+          <a:bodyPr rtlCol="0" anchor="ctr"/>
+          <a:lstStyle/>
+          <a:p>
+            <a:pPr algn="ctr"/>
+            <a:endParaRPr lang="nl-BE"/>
+          </a:p>
+        </p:txBody>
+      </p:sp>
+      <p:sp>
+        <p:nvSpPr>
+          <p:cNvPr id="64" name="Oval 63"/>
+          <p:cNvSpPr/>
+          <p:nvPr/>
+        </p:nvSpPr>
+        <p:spPr>
+          <a:xfrm>
+            <a:off x="4710112" y="2295525"/>
+            <a:ext cx="146237" cy="138113"/>
+          </a:xfrm>
+          <a:prstGeom prst="ellipse">
+            <a:avLst/>
+          </a:prstGeom>
+        </p:spPr>
+        <p:style>
+          <a:lnRef idx="2">
+            <a:schemeClr val="accent1">
+              <a:shade val="50000"/>
+            </a:schemeClr>
+          </a:lnRef>
+          <a:fillRef idx="1">
+            <a:schemeClr val="accent1"/>
+          </a:fillRef>
+          <a:effectRef idx="0">
+            <a:schemeClr val="accent1"/>
+          </a:effectRef>
+          <a:fontRef idx="minor">
+            <a:schemeClr val="lt1"/>
+          </a:fontRef>
+        </p:style>
+        <p:txBody>
+          <a:bodyPr rtlCol="0" anchor="ctr"/>
+          <a:lstStyle/>
+          <a:p>
+            <a:pPr algn="ctr"/>
+            <a:endParaRPr lang="nl-BE"/>
+          </a:p>
+        </p:txBody>
+      </p:sp>
+      <p:sp>
+        <p:nvSpPr>
+          <p:cNvPr id="65" name="Oval 64"/>
+          <p:cNvSpPr/>
+          <p:nvPr/>
+        </p:nvSpPr>
+        <p:spPr>
+          <a:xfrm>
+            <a:off x="5167312" y="2305050"/>
+            <a:ext cx="146237" cy="138113"/>
+          </a:xfrm>
+          <a:prstGeom prst="ellipse">
+            <a:avLst/>
+          </a:prstGeom>
+        </p:spPr>
+        <p:style>
+          <a:lnRef idx="2">
+            <a:schemeClr val="accent1">
+              <a:shade val="50000"/>
+            </a:schemeClr>
+          </a:lnRef>
+          <a:fillRef idx="1">
+            <a:schemeClr val="accent1"/>
+          </a:fillRef>
+          <a:effectRef idx="0">
+            <a:schemeClr val="accent1"/>
+          </a:effectRef>
+          <a:fontRef idx="minor">
+            <a:schemeClr val="lt1"/>
+          </a:fontRef>
+        </p:style>
+        <p:txBody>
+          <a:bodyPr rtlCol="0" anchor="ctr"/>
+          <a:lstStyle/>
+          <a:p>
+            <a:pPr algn="ctr"/>
+            <a:endParaRPr lang="nl-BE"/>
+          </a:p>
+        </p:txBody>
+      </p:sp>
+      <p:sp>
+        <p:nvSpPr>
+          <p:cNvPr id="66" name="Oval 65"/>
+          <p:cNvSpPr/>
+          <p:nvPr/>
+        </p:nvSpPr>
+        <p:spPr>
+          <a:xfrm>
+            <a:off x="5629274" y="2300288"/>
+            <a:ext cx="146237" cy="138113"/>
+          </a:xfrm>
+          <a:prstGeom prst="ellipse">
+            <a:avLst/>
+          </a:prstGeom>
+        </p:spPr>
+        <p:style>
+          <a:lnRef idx="2">
+            <a:schemeClr val="accent1">
+              <a:shade val="50000"/>
+            </a:schemeClr>
+          </a:lnRef>
+          <a:fillRef idx="1">
+            <a:schemeClr val="accent1"/>
+          </a:fillRef>
+          <a:effectRef idx="0">
+            <a:schemeClr val="accent1"/>
+          </a:effectRef>
+          <a:fontRef idx="minor">
+            <a:schemeClr val="lt1"/>
+          </a:fontRef>
+        </p:style>
+        <p:txBody>
+          <a:bodyPr rtlCol="0" anchor="ctr"/>
+          <a:lstStyle/>
+          <a:p>
+            <a:pPr algn="ctr"/>
+            <a:endParaRPr lang="nl-BE"/>
+          </a:p>
+        </p:txBody>
+      </p:sp>
+      <p:sp>
+        <p:nvSpPr>
+          <p:cNvPr id="67" name="Oval 66"/>
+          <p:cNvSpPr/>
+          <p:nvPr/>
+        </p:nvSpPr>
+        <p:spPr>
+          <a:xfrm>
+            <a:off x="6538912" y="2295525"/>
+            <a:ext cx="146237" cy="138113"/>
+          </a:xfrm>
+          <a:prstGeom prst="ellipse">
+            <a:avLst/>
+          </a:prstGeom>
+        </p:spPr>
+        <p:style>
+          <a:lnRef idx="2">
+            <a:schemeClr val="accent1">
+              <a:shade val="50000"/>
+            </a:schemeClr>
+          </a:lnRef>
+          <a:fillRef idx="1">
+            <a:schemeClr val="accent1"/>
+          </a:fillRef>
+          <a:effectRef idx="0">
+            <a:schemeClr val="accent1"/>
+          </a:effectRef>
+          <a:fontRef idx="minor">
+            <a:schemeClr val="lt1"/>
+          </a:fontRef>
+        </p:style>
+        <p:txBody>
+          <a:bodyPr rtlCol="0" anchor="ctr"/>
+          <a:lstStyle/>
+          <a:p>
+            <a:pPr algn="ctr"/>
+            <a:endParaRPr lang="nl-BE"/>
+          </a:p>
+        </p:txBody>
+      </p:sp>
+      <p:sp>
+        <p:nvSpPr>
+          <p:cNvPr id="68" name="Oval 67"/>
+          <p:cNvSpPr/>
+          <p:nvPr/>
+        </p:nvSpPr>
+        <p:spPr>
+          <a:xfrm>
+            <a:off x="6086474" y="2309813"/>
+            <a:ext cx="146237" cy="138113"/>
+          </a:xfrm>
+          <a:prstGeom prst="ellipse">
+            <a:avLst/>
+          </a:prstGeom>
+        </p:spPr>
+        <p:style>
+          <a:lnRef idx="2">
+            <a:schemeClr val="accent1">
+              <a:shade val="50000"/>
+            </a:schemeClr>
+          </a:lnRef>
+          <a:fillRef idx="1">
+            <a:schemeClr val="accent1"/>
+          </a:fillRef>
+          <a:effectRef idx="0">
+            <a:schemeClr val="accent1"/>
+          </a:effectRef>
+          <a:fontRef idx="minor">
+            <a:schemeClr val="lt1"/>
+          </a:fontRef>
+        </p:style>
+        <p:txBody>
+          <a:bodyPr rtlCol="0" anchor="ctr"/>
+          <a:lstStyle/>
+          <a:p>
+            <a:pPr algn="ctr"/>
+            <a:endParaRPr lang="nl-BE"/>
+          </a:p>
+        </p:txBody>
+      </p:sp>
+      <p:sp>
+        <p:nvSpPr>
+          <p:cNvPr id="69" name="Oval 68"/>
+          <p:cNvSpPr/>
+          <p:nvPr/>
+        </p:nvSpPr>
+        <p:spPr>
+          <a:xfrm>
+            <a:off x="6086474" y="2762250"/>
+            <a:ext cx="146237" cy="138113"/>
+          </a:xfrm>
+          <a:prstGeom prst="ellipse">
+            <a:avLst/>
+          </a:prstGeom>
+        </p:spPr>
+        <p:style>
+          <a:lnRef idx="2">
+            <a:schemeClr val="accent1">
+              <a:shade val="50000"/>
+            </a:schemeClr>
+          </a:lnRef>
+          <a:fillRef idx="1">
+            <a:schemeClr val="accent1"/>
+          </a:fillRef>
+          <a:effectRef idx="0">
+            <a:schemeClr val="accent1"/>
+          </a:effectRef>
+          <a:fontRef idx="minor">
+            <a:schemeClr val="lt1"/>
+          </a:fontRef>
+        </p:style>
+        <p:txBody>
+          <a:bodyPr rtlCol="0" anchor="ctr"/>
+          <a:lstStyle/>
+          <a:p>
+            <a:pPr algn="ctr"/>
+            <a:endParaRPr lang="nl-BE"/>
+          </a:p>
+        </p:txBody>
+      </p:sp>
+      <p:sp>
+        <p:nvSpPr>
+          <p:cNvPr id="70" name="Oval 69"/>
+          <p:cNvSpPr/>
+          <p:nvPr/>
+        </p:nvSpPr>
+        <p:spPr>
+          <a:xfrm>
+            <a:off x="4719636" y="3219450"/>
+            <a:ext cx="146237" cy="138113"/>
+          </a:xfrm>
+          <a:prstGeom prst="ellipse">
+            <a:avLst/>
+          </a:prstGeom>
+        </p:spPr>
+        <p:style>
+          <a:lnRef idx="2">
+            <a:schemeClr val="accent1">
+              <a:shade val="50000"/>
+            </a:schemeClr>
+          </a:lnRef>
+          <a:fillRef idx="1">
+            <a:schemeClr val="accent1"/>
+          </a:fillRef>
+          <a:effectRef idx="0">
+            <a:schemeClr val="accent1"/>
+          </a:effectRef>
+          <a:fontRef idx="minor">
+            <a:schemeClr val="lt1"/>
+          </a:fontRef>
+        </p:style>
+        <p:txBody>
+          <a:bodyPr rtlCol="0" anchor="ctr"/>
+          <a:lstStyle/>
+          <a:p>
+            <a:pPr algn="ctr"/>
+            <a:endParaRPr lang="nl-BE"/>
+          </a:p>
+        </p:txBody>
+      </p:sp>
+      <p:sp>
+        <p:nvSpPr>
+          <p:cNvPr id="71" name="Oval 70"/>
+          <p:cNvSpPr/>
+          <p:nvPr/>
+        </p:nvSpPr>
+        <p:spPr>
+          <a:xfrm>
+            <a:off x="4267199" y="2767012"/>
+            <a:ext cx="146237" cy="138113"/>
+          </a:xfrm>
+          <a:prstGeom prst="ellipse">
+            <a:avLst/>
+          </a:prstGeom>
+        </p:spPr>
+        <p:style>
+          <a:lnRef idx="2">
+            <a:schemeClr val="accent1">
+              <a:shade val="50000"/>
+            </a:schemeClr>
+          </a:lnRef>
+          <a:fillRef idx="1">
+            <a:schemeClr val="accent1"/>
+          </a:fillRef>
+          <a:effectRef idx="0">
+            <a:schemeClr val="accent1"/>
+          </a:effectRef>
+          <a:fontRef idx="minor">
+            <a:schemeClr val="lt1"/>
+          </a:fontRef>
+        </p:style>
+        <p:txBody>
+          <a:bodyPr rtlCol="0" anchor="ctr"/>
+          <a:lstStyle/>
+          <a:p>
+            <a:pPr algn="ctr"/>
+            <a:endParaRPr lang="nl-BE"/>
+          </a:p>
+        </p:txBody>
+      </p:sp>
+      <p:sp>
+        <p:nvSpPr>
+          <p:cNvPr id="72" name="Oval 71"/>
+          <p:cNvSpPr/>
+          <p:nvPr/>
+        </p:nvSpPr>
+        <p:spPr>
+          <a:xfrm>
+            <a:off x="3814762" y="2762249"/>
+            <a:ext cx="146237" cy="138113"/>
+          </a:xfrm>
+          <a:prstGeom prst="ellipse">
+            <a:avLst/>
+          </a:prstGeom>
+        </p:spPr>
+        <p:style>
+          <a:lnRef idx="2">
+            <a:schemeClr val="accent1">
+              <a:shade val="50000"/>
+            </a:schemeClr>
+          </a:lnRef>
+          <a:fillRef idx="1">
+            <a:schemeClr val="accent1"/>
+          </a:fillRef>
+          <a:effectRef idx="0">
+            <a:schemeClr val="accent1"/>
+          </a:effectRef>
+          <a:fontRef idx="minor">
+            <a:schemeClr val="lt1"/>
+          </a:fontRef>
+        </p:style>
+        <p:txBody>
+          <a:bodyPr rtlCol="0" anchor="ctr"/>
+          <a:lstStyle/>
+          <a:p>
+            <a:pPr algn="ctr"/>
+            <a:endParaRPr lang="nl-BE"/>
+          </a:p>
+        </p:txBody>
+      </p:sp>
+      <p:sp>
+        <p:nvSpPr>
+          <p:cNvPr id="73" name="Oval 72"/>
+          <p:cNvSpPr/>
+          <p:nvPr/>
+        </p:nvSpPr>
+        <p:spPr>
+          <a:xfrm>
+            <a:off x="2895599" y="2762249"/>
+            <a:ext cx="146237" cy="138113"/>
+          </a:xfrm>
+          <a:prstGeom prst="ellipse">
+            <a:avLst/>
+          </a:prstGeom>
+        </p:spPr>
+        <p:style>
+          <a:lnRef idx="2">
+            <a:schemeClr val="accent1">
+              <a:shade val="50000"/>
+            </a:schemeClr>
+          </a:lnRef>
+          <a:fillRef idx="1">
+            <a:schemeClr val="accent1"/>
+          </a:fillRef>
+          <a:effectRef idx="0">
+            <a:schemeClr val="accent1"/>
+          </a:effectRef>
+          <a:fontRef idx="minor">
+            <a:schemeClr val="lt1"/>
+          </a:fontRef>
+        </p:style>
+        <p:txBody>
+          <a:bodyPr rtlCol="0" anchor="ctr"/>
+          <a:lstStyle/>
+          <a:p>
+            <a:pPr algn="ctr"/>
+            <a:endParaRPr lang="nl-BE"/>
+          </a:p>
+        </p:txBody>
+      </p:sp>
+      <p:sp>
+        <p:nvSpPr>
+          <p:cNvPr id="74" name="Oval 73"/>
+          <p:cNvSpPr/>
+          <p:nvPr/>
+        </p:nvSpPr>
+        <p:spPr>
+          <a:xfrm>
+            <a:off x="3367086" y="3205162"/>
+            <a:ext cx="146237" cy="138113"/>
+          </a:xfrm>
+          <a:prstGeom prst="ellipse">
+            <a:avLst/>
+          </a:prstGeom>
+        </p:spPr>
+        <p:style>
+          <a:lnRef idx="2">
+            <a:schemeClr val="accent1">
+              <a:shade val="50000"/>
+            </a:schemeClr>
+          </a:lnRef>
+          <a:fillRef idx="1">
+            <a:schemeClr val="accent1"/>
+          </a:fillRef>
+          <a:effectRef idx="0">
+            <a:schemeClr val="accent1"/>
+          </a:effectRef>
+          <a:fontRef idx="minor">
+            <a:schemeClr val="lt1"/>
+          </a:fontRef>
+        </p:style>
+        <p:txBody>
+          <a:bodyPr rtlCol="0" anchor="ctr"/>
+          <a:lstStyle/>
+          <a:p>
+            <a:pPr algn="ctr"/>
+            <a:endParaRPr lang="nl-BE"/>
+          </a:p>
+        </p:txBody>
+      </p:sp>
+      <p:sp>
+        <p:nvSpPr>
+          <p:cNvPr id="75" name="Oval 74"/>
+          <p:cNvSpPr/>
+          <p:nvPr/>
+        </p:nvSpPr>
+        <p:spPr>
+          <a:xfrm>
+            <a:off x="2905124" y="3214687"/>
+            <a:ext cx="146237" cy="138113"/>
+          </a:xfrm>
+          <a:prstGeom prst="ellipse">
+            <a:avLst/>
+          </a:prstGeom>
+        </p:spPr>
+        <p:style>
+          <a:lnRef idx="2">
+            <a:schemeClr val="accent1">
+              <a:shade val="50000"/>
+            </a:schemeClr>
+          </a:lnRef>
+          <a:fillRef idx="1">
+            <a:schemeClr val="accent1"/>
+          </a:fillRef>
+          <a:effectRef idx="0">
+            <a:schemeClr val="accent1"/>
+          </a:effectRef>
+          <a:fontRef idx="minor">
+            <a:schemeClr val="lt1"/>
+          </a:fontRef>
+        </p:style>
+        <p:txBody>
+          <a:bodyPr rtlCol="0" anchor="ctr"/>
+          <a:lstStyle/>
+          <a:p>
+            <a:pPr algn="ctr"/>
+            <a:endParaRPr lang="nl-BE"/>
+          </a:p>
+        </p:txBody>
+      </p:sp>
+      <p:sp>
+        <p:nvSpPr>
+          <p:cNvPr id="76" name="Oval 75"/>
+          <p:cNvSpPr/>
+          <p:nvPr/>
+        </p:nvSpPr>
+        <p:spPr>
+          <a:xfrm>
+            <a:off x="2433636" y="3219450"/>
+            <a:ext cx="146237" cy="138113"/>
+          </a:xfrm>
+          <a:prstGeom prst="ellipse">
+            <a:avLst/>
+          </a:prstGeom>
+        </p:spPr>
+        <p:style>
+          <a:lnRef idx="2">
+            <a:schemeClr val="accent1">
+              <a:shade val="50000"/>
+            </a:schemeClr>
+          </a:lnRef>
+          <a:fillRef idx="1">
+            <a:schemeClr val="accent1"/>
+          </a:fillRef>
+          <a:effectRef idx="0">
+            <a:schemeClr val="accent1"/>
+          </a:effectRef>
+          <a:fontRef idx="minor">
+            <a:schemeClr val="lt1"/>
+          </a:fontRef>
+        </p:style>
+        <p:txBody>
+          <a:bodyPr rtlCol="0" anchor="ctr"/>
+          <a:lstStyle/>
+          <a:p>
+            <a:pPr algn="ctr"/>
+            <a:endParaRPr lang="nl-BE"/>
+          </a:p>
+        </p:txBody>
+      </p:sp>
+      <p:sp>
+        <p:nvSpPr>
+          <p:cNvPr id="77" name="Oval 76"/>
+          <p:cNvSpPr/>
+          <p:nvPr/>
+        </p:nvSpPr>
+        <p:spPr>
+          <a:xfrm>
+            <a:off x="5181599" y="3214687"/>
+            <a:ext cx="146237" cy="138113"/>
+          </a:xfrm>
+          <a:prstGeom prst="ellipse">
+            <a:avLst/>
+          </a:prstGeom>
+        </p:spPr>
+        <p:style>
+          <a:lnRef idx="2">
+            <a:schemeClr val="accent1">
+              <a:shade val="50000"/>
+            </a:schemeClr>
+          </a:lnRef>
+          <a:fillRef idx="1">
+            <a:schemeClr val="accent1"/>
+          </a:fillRef>
+          <a:effectRef idx="0">
+            <a:schemeClr val="accent1"/>
+          </a:effectRef>
+          <a:fontRef idx="minor">
+            <a:schemeClr val="lt1"/>
+          </a:fontRef>
+        </p:style>
+        <p:txBody>
+          <a:bodyPr rtlCol="0" anchor="ctr"/>
+          <a:lstStyle/>
+          <a:p>
+            <a:pPr algn="ctr"/>
+            <a:endParaRPr lang="nl-BE"/>
+          </a:p>
+        </p:txBody>
+      </p:sp>
+      <p:sp>
+        <p:nvSpPr>
+          <p:cNvPr id="78" name="Oval 77"/>
+          <p:cNvSpPr/>
+          <p:nvPr/>
+        </p:nvSpPr>
+        <p:spPr>
+          <a:xfrm>
+            <a:off x="5624511" y="3667125"/>
+            <a:ext cx="146237" cy="138113"/>
+          </a:xfrm>
+          <a:prstGeom prst="ellipse">
+            <a:avLst/>
+          </a:prstGeom>
+        </p:spPr>
+        <p:style>
+          <a:lnRef idx="2">
+            <a:schemeClr val="accent1">
+              <a:shade val="50000"/>
+            </a:schemeClr>
+          </a:lnRef>
+          <a:fillRef idx="1">
+            <a:schemeClr val="accent1"/>
+          </a:fillRef>
+          <a:effectRef idx="0">
+            <a:schemeClr val="accent1"/>
+          </a:effectRef>
+          <a:fontRef idx="minor">
+            <a:schemeClr val="lt1"/>
+          </a:fontRef>
+        </p:style>
+        <p:txBody>
+          <a:bodyPr rtlCol="0" anchor="ctr"/>
+          <a:lstStyle/>
+          <a:p>
+            <a:pPr algn="ctr"/>
+            <a:endParaRPr lang="nl-BE"/>
+          </a:p>
+        </p:txBody>
+      </p:sp>
+      <p:sp>
+        <p:nvSpPr>
+          <p:cNvPr id="79" name="Oval 78"/>
+          <p:cNvSpPr/>
+          <p:nvPr/>
+        </p:nvSpPr>
+        <p:spPr>
+          <a:xfrm>
+            <a:off x="6553199" y="3662362"/>
+            <a:ext cx="146237" cy="138113"/>
+          </a:xfrm>
+          <a:prstGeom prst="ellipse">
+            <a:avLst/>
+          </a:prstGeom>
+        </p:spPr>
+        <p:style>
+          <a:lnRef idx="2">
+            <a:schemeClr val="accent1">
+              <a:shade val="50000"/>
+            </a:schemeClr>
+          </a:lnRef>
+          <a:fillRef idx="1">
+            <a:schemeClr val="accent1"/>
+          </a:fillRef>
+          <a:effectRef idx="0">
+            <a:schemeClr val="accent1"/>
+          </a:effectRef>
+          <a:fontRef idx="minor">
+            <a:schemeClr val="lt1"/>
+          </a:fontRef>
+        </p:style>
+        <p:txBody>
+          <a:bodyPr rtlCol="0" anchor="ctr"/>
+          <a:lstStyle/>
+          <a:p>
+            <a:pPr algn="ctr"/>
+            <a:endParaRPr lang="nl-BE"/>
+          </a:p>
+        </p:txBody>
+      </p:sp>
+      <p:sp>
+        <p:nvSpPr>
+          <p:cNvPr id="80" name="Oval 79"/>
+          <p:cNvSpPr/>
+          <p:nvPr/>
+        </p:nvSpPr>
+        <p:spPr>
+          <a:xfrm>
+            <a:off x="3357561" y="4114800"/>
+            <a:ext cx="146237" cy="138113"/>
+          </a:xfrm>
+          <a:prstGeom prst="ellipse">
+            <a:avLst/>
+          </a:prstGeom>
+        </p:spPr>
+        <p:style>
+          <a:lnRef idx="2">
+            <a:schemeClr val="accent1">
+              <a:shade val="50000"/>
+            </a:schemeClr>
+          </a:lnRef>
+          <a:fillRef idx="1">
+            <a:schemeClr val="accent1"/>
+          </a:fillRef>
+          <a:effectRef idx="0">
+            <a:schemeClr val="accent1"/>
+          </a:effectRef>
+          <a:fontRef idx="minor">
+            <a:schemeClr val="lt1"/>
+          </a:fontRef>
+        </p:style>
+        <p:txBody>
+          <a:bodyPr rtlCol="0" anchor="ctr"/>
+          <a:lstStyle/>
+          <a:p>
+            <a:pPr algn="ctr"/>
+            <a:endParaRPr lang="nl-BE"/>
+          </a:p>
+        </p:txBody>
+      </p:sp>
+      <p:sp>
+        <p:nvSpPr>
+          <p:cNvPr id="81" name="Oval 80"/>
+          <p:cNvSpPr/>
+          <p:nvPr/>
+        </p:nvSpPr>
+        <p:spPr>
+          <a:xfrm>
+            <a:off x="2900361" y="4129087"/>
+            <a:ext cx="146237" cy="138113"/>
+          </a:xfrm>
+          <a:prstGeom prst="ellipse">
+            <a:avLst/>
+          </a:prstGeom>
+        </p:spPr>
+        <p:style>
+          <a:lnRef idx="2">
+            <a:schemeClr val="accent1">
+              <a:shade val="50000"/>
+            </a:schemeClr>
+          </a:lnRef>
+          <a:fillRef idx="1">
+            <a:schemeClr val="accent1"/>
+          </a:fillRef>
+          <a:effectRef idx="0">
+            <a:schemeClr val="accent1"/>
+          </a:effectRef>
+          <a:fontRef idx="minor">
+            <a:schemeClr val="lt1"/>
+          </a:fontRef>
+        </p:style>
+        <p:txBody>
+          <a:bodyPr rtlCol="0" anchor="ctr"/>
+          <a:lstStyle/>
+          <a:p>
+            <a:pPr algn="ctr"/>
+            <a:endParaRPr lang="nl-BE"/>
+          </a:p>
+        </p:txBody>
+      </p:sp>
+      <p:sp>
+        <p:nvSpPr>
+          <p:cNvPr id="82" name="Oval 81"/>
+          <p:cNvSpPr/>
+          <p:nvPr/>
+        </p:nvSpPr>
+        <p:spPr>
+          <a:xfrm>
+            <a:off x="4276723" y="4119562"/>
+            <a:ext cx="146237" cy="138113"/>
+          </a:xfrm>
+          <a:prstGeom prst="ellipse">
+            <a:avLst/>
+          </a:prstGeom>
+        </p:spPr>
+        <p:style>
+          <a:lnRef idx="2">
+            <a:schemeClr val="accent1">
+              <a:shade val="50000"/>
+            </a:schemeClr>
+          </a:lnRef>
+          <a:fillRef idx="1">
+            <a:schemeClr val="accent1"/>
+          </a:fillRef>
+          <a:effectRef idx="0">
+            <a:schemeClr val="accent1"/>
+          </a:effectRef>
+          <a:fontRef idx="minor">
+            <a:schemeClr val="lt1"/>
+          </a:fontRef>
+        </p:style>
+        <p:txBody>
+          <a:bodyPr rtlCol="0" anchor="ctr"/>
+          <a:lstStyle/>
+          <a:p>
+            <a:pPr algn="ctr"/>
+            <a:endParaRPr lang="nl-BE"/>
+          </a:p>
+        </p:txBody>
+      </p:sp>
+      <p:sp>
+        <p:nvSpPr>
+          <p:cNvPr id="83" name="Oval 82"/>
+          <p:cNvSpPr/>
+          <p:nvPr/>
+        </p:nvSpPr>
+        <p:spPr>
+          <a:xfrm>
+            <a:off x="5638798" y="4124325"/>
+            <a:ext cx="146237" cy="138113"/>
+          </a:xfrm>
+          <a:prstGeom prst="ellipse">
+            <a:avLst/>
+          </a:prstGeom>
+        </p:spPr>
+        <p:style>
+          <a:lnRef idx="2">
+            <a:schemeClr val="accent1">
+              <a:shade val="50000"/>
+            </a:schemeClr>
+          </a:lnRef>
+          <a:fillRef idx="1">
+            <a:schemeClr val="accent1"/>
+          </a:fillRef>
+          <a:effectRef idx="0">
+            <a:schemeClr val="accent1"/>
+          </a:effectRef>
+          <a:fontRef idx="minor">
+            <a:schemeClr val="lt1"/>
+          </a:fontRef>
+        </p:style>
+        <p:txBody>
+          <a:bodyPr rtlCol="0" anchor="ctr"/>
+          <a:lstStyle/>
+          <a:p>
+            <a:pPr algn="ctr"/>
+            <a:endParaRPr lang="nl-BE"/>
+          </a:p>
+        </p:txBody>
+      </p:sp>
+      <p:sp>
+        <p:nvSpPr>
+          <p:cNvPr id="84" name="Oval 83"/>
+          <p:cNvSpPr/>
+          <p:nvPr/>
+        </p:nvSpPr>
+        <p:spPr>
+          <a:xfrm>
+            <a:off x="6100761" y="4110037"/>
+            <a:ext cx="146237" cy="138113"/>
+          </a:xfrm>
+          <a:prstGeom prst="ellipse">
+            <a:avLst/>
+          </a:prstGeom>
+        </p:spPr>
+        <p:style>
+          <a:lnRef idx="2">
+            <a:schemeClr val="accent1">
+              <a:shade val="50000"/>
+            </a:schemeClr>
+          </a:lnRef>
+          <a:fillRef idx="1">
+            <a:schemeClr val="accent1"/>
+          </a:fillRef>
+          <a:effectRef idx="0">
+            <a:schemeClr val="accent1"/>
+          </a:effectRef>
+          <a:fontRef idx="minor">
+            <a:schemeClr val="lt1"/>
+          </a:fontRef>
+        </p:style>
+        <p:txBody>
+          <a:bodyPr rtlCol="0" anchor="ctr"/>
+          <a:lstStyle/>
+          <a:p>
+            <a:pPr algn="ctr"/>
+            <a:endParaRPr lang="nl-BE"/>
+          </a:p>
+        </p:txBody>
+      </p:sp>
+      <p:sp>
+        <p:nvSpPr>
+          <p:cNvPr id="85" name="Oval 84"/>
+          <p:cNvSpPr/>
+          <p:nvPr/>
+        </p:nvSpPr>
+        <p:spPr>
+          <a:xfrm>
+            <a:off x="6553198" y="4576762"/>
+            <a:ext cx="146237" cy="138113"/>
+          </a:xfrm>
+          <a:prstGeom prst="ellipse">
+            <a:avLst/>
+          </a:prstGeom>
+        </p:spPr>
+        <p:style>
+          <a:lnRef idx="2">
+            <a:schemeClr val="accent1">
+              <a:shade val="50000"/>
+            </a:schemeClr>
+          </a:lnRef>
+          <a:fillRef idx="1">
+            <a:schemeClr val="accent1"/>
+          </a:fillRef>
+          <a:effectRef idx="0">
+            <a:schemeClr val="accent1"/>
+          </a:effectRef>
+          <a:fontRef idx="minor">
+            <a:schemeClr val="lt1"/>
+          </a:fontRef>
+        </p:style>
+        <p:txBody>
+          <a:bodyPr rtlCol="0" anchor="ctr"/>
+          <a:lstStyle/>
+          <a:p>
+            <a:pPr algn="ctr"/>
+            <a:endParaRPr lang="nl-BE"/>
+          </a:p>
+        </p:txBody>
+      </p:sp>
+      <p:sp>
+        <p:nvSpPr>
+          <p:cNvPr id="86" name="Oval 85"/>
+          <p:cNvSpPr/>
+          <p:nvPr/>
+        </p:nvSpPr>
+        <p:spPr>
+          <a:xfrm>
+            <a:off x="5634036" y="4576762"/>
+            <a:ext cx="146237" cy="138113"/>
+          </a:xfrm>
+          <a:prstGeom prst="ellipse">
+            <a:avLst/>
+          </a:prstGeom>
+        </p:spPr>
+        <p:style>
+          <a:lnRef idx="2">
+            <a:schemeClr val="accent1">
+              <a:shade val="50000"/>
+            </a:schemeClr>
+          </a:lnRef>
+          <a:fillRef idx="1">
+            <a:schemeClr val="accent1"/>
+          </a:fillRef>
+          <a:effectRef idx="0">
+            <a:schemeClr val="accent1"/>
+          </a:effectRef>
+          <a:fontRef idx="minor">
+            <a:schemeClr val="lt1"/>
+          </a:fontRef>
+        </p:style>
+        <p:txBody>
+          <a:bodyPr rtlCol="0" anchor="ctr"/>
+          <a:lstStyle/>
+          <a:p>
+            <a:pPr algn="ctr"/>
+            <a:endParaRPr lang="nl-BE"/>
+          </a:p>
+        </p:txBody>
+      </p:sp>
+      <p:sp>
+        <p:nvSpPr>
+          <p:cNvPr id="87" name="Oval 86"/>
+          <p:cNvSpPr/>
+          <p:nvPr/>
+        </p:nvSpPr>
+        <p:spPr>
+          <a:xfrm>
+            <a:off x="5176836" y="4571999"/>
+            <a:ext cx="146237" cy="138113"/>
+          </a:xfrm>
+          <a:prstGeom prst="ellipse">
+            <a:avLst/>
+          </a:prstGeom>
+        </p:spPr>
+        <p:style>
+          <a:lnRef idx="2">
+            <a:schemeClr val="accent1">
+              <a:shade val="50000"/>
+            </a:schemeClr>
+          </a:lnRef>
+          <a:fillRef idx="1">
+            <a:schemeClr val="accent1"/>
+          </a:fillRef>
+          <a:effectRef idx="0">
+            <a:schemeClr val="accent1"/>
+          </a:effectRef>
+          <a:fontRef idx="minor">
+            <a:schemeClr val="lt1"/>
+          </a:fontRef>
+        </p:style>
+        <p:txBody>
+          <a:bodyPr rtlCol="0" anchor="ctr"/>
+          <a:lstStyle/>
+          <a:p>
+            <a:pPr algn="ctr"/>
+            <a:endParaRPr lang="nl-BE"/>
+          </a:p>
+        </p:txBody>
+      </p:sp>
+      <p:sp>
+        <p:nvSpPr>
+          <p:cNvPr id="88" name="Oval 87"/>
+          <p:cNvSpPr/>
+          <p:nvPr/>
+        </p:nvSpPr>
+        <p:spPr>
+          <a:xfrm>
+            <a:off x="3814761" y="4586287"/>
+            <a:ext cx="146237" cy="138113"/>
+          </a:xfrm>
+          <a:prstGeom prst="ellipse">
+            <a:avLst/>
+          </a:prstGeom>
+        </p:spPr>
+        <p:style>
+          <a:lnRef idx="2">
+            <a:schemeClr val="accent1">
+              <a:shade val="50000"/>
+            </a:schemeClr>
+          </a:lnRef>
+          <a:fillRef idx="1">
+            <a:schemeClr val="accent1"/>
+          </a:fillRef>
+          <a:effectRef idx="0">
+            <a:schemeClr val="accent1"/>
+          </a:effectRef>
+          <a:fontRef idx="minor">
+            <a:schemeClr val="lt1"/>
+          </a:fontRef>
+        </p:style>
+        <p:txBody>
+          <a:bodyPr rtlCol="0" anchor="ctr"/>
+          <a:lstStyle/>
+          <a:p>
+            <a:pPr algn="ctr"/>
+            <a:endParaRPr lang="nl-BE"/>
+          </a:p>
+        </p:txBody>
+      </p:sp>
+      <p:sp>
+        <p:nvSpPr>
+          <p:cNvPr id="89" name="Oval 88"/>
+          <p:cNvSpPr/>
+          <p:nvPr/>
+        </p:nvSpPr>
+        <p:spPr>
+          <a:xfrm>
+            <a:off x="4729161" y="4581525"/>
+            <a:ext cx="146237" cy="138113"/>
+          </a:xfrm>
+          <a:prstGeom prst="ellipse">
+            <a:avLst/>
+          </a:prstGeom>
+        </p:spPr>
+        <p:style>
+          <a:lnRef idx="2">
+            <a:schemeClr val="accent1">
+              <a:shade val="50000"/>
+            </a:schemeClr>
+          </a:lnRef>
+          <a:fillRef idx="1">
+            <a:schemeClr val="accent1"/>
+          </a:fillRef>
+          <a:effectRef idx="0">
+            <a:schemeClr val="accent1"/>
+          </a:effectRef>
+          <a:fontRef idx="minor">
+            <a:schemeClr val="lt1"/>
+          </a:fontRef>
+        </p:style>
+        <p:txBody>
+          <a:bodyPr rtlCol="0" anchor="ctr"/>
+          <a:lstStyle/>
+          <a:p>
+            <a:pPr algn="ctr"/>
+            <a:endParaRPr lang="nl-BE"/>
+          </a:p>
+        </p:txBody>
+      </p:sp>
+      <p:sp>
+        <p:nvSpPr>
+          <p:cNvPr id="90" name="Oval 89"/>
+          <p:cNvSpPr/>
+          <p:nvPr/>
+        </p:nvSpPr>
+        <p:spPr>
+          <a:xfrm>
+            <a:off x="6548436" y="5029199"/>
+            <a:ext cx="146237" cy="138113"/>
+          </a:xfrm>
+          <a:prstGeom prst="ellipse">
+            <a:avLst/>
+          </a:prstGeom>
+        </p:spPr>
+        <p:style>
+          <a:lnRef idx="2">
+            <a:schemeClr val="accent1">
+              <a:shade val="50000"/>
+            </a:schemeClr>
+          </a:lnRef>
+          <a:fillRef idx="1">
+            <a:schemeClr val="accent1"/>
+          </a:fillRef>
+          <a:effectRef idx="0">
+            <a:schemeClr val="accent1"/>
+          </a:effectRef>
+          <a:fontRef idx="minor">
+            <a:schemeClr val="lt1"/>
+          </a:fontRef>
+        </p:style>
+        <p:txBody>
+          <a:bodyPr rtlCol="0" anchor="ctr"/>
+          <a:lstStyle/>
+          <a:p>
+            <a:pPr algn="ctr"/>
+            <a:endParaRPr lang="nl-BE"/>
+          </a:p>
+        </p:txBody>
+      </p:sp>
+      <p:sp>
+        <p:nvSpPr>
+          <p:cNvPr id="91" name="Oval 90"/>
+          <p:cNvSpPr/>
+          <p:nvPr/>
+        </p:nvSpPr>
+        <p:spPr>
+          <a:xfrm>
+            <a:off x="5186361" y="5029200"/>
+            <a:ext cx="146237" cy="138113"/>
+          </a:xfrm>
+          <a:prstGeom prst="ellipse">
+            <a:avLst/>
+          </a:prstGeom>
+        </p:spPr>
+        <p:style>
+          <a:lnRef idx="2">
+            <a:schemeClr val="accent1">
+              <a:shade val="50000"/>
+            </a:schemeClr>
+          </a:lnRef>
+          <a:fillRef idx="1">
+            <a:schemeClr val="accent1"/>
+          </a:fillRef>
+          <a:effectRef idx="0">
+            <a:schemeClr val="accent1"/>
+          </a:effectRef>
+          <a:fontRef idx="minor">
+            <a:schemeClr val="lt1"/>
+          </a:fontRef>
+        </p:style>
+        <p:txBody>
+          <a:bodyPr rtlCol="0" anchor="ctr"/>
+          <a:lstStyle/>
+          <a:p>
+            <a:pPr algn="ctr"/>
+            <a:endParaRPr lang="nl-BE"/>
+          </a:p>
+        </p:txBody>
+      </p:sp>
+      <p:sp>
+        <p:nvSpPr>
+          <p:cNvPr id="92" name="Oval 91"/>
+          <p:cNvSpPr/>
+          <p:nvPr/>
+        </p:nvSpPr>
+        <p:spPr>
+          <a:xfrm>
+            <a:off x="4267199" y="5024437"/>
+            <a:ext cx="146237" cy="138113"/>
+          </a:xfrm>
+          <a:prstGeom prst="ellipse">
+            <a:avLst/>
+          </a:prstGeom>
+        </p:spPr>
+        <p:style>
+          <a:lnRef idx="2">
+            <a:schemeClr val="accent1">
+              <a:shade val="50000"/>
+            </a:schemeClr>
+          </a:lnRef>
+          <a:fillRef idx="1">
+            <a:schemeClr val="accent1"/>
+          </a:fillRef>
+          <a:effectRef idx="0">
+            <a:schemeClr val="accent1"/>
+          </a:effectRef>
+          <a:fontRef idx="minor">
+            <a:schemeClr val="lt1"/>
+          </a:fontRef>
+        </p:style>
+        <p:txBody>
+          <a:bodyPr rtlCol="0" anchor="ctr"/>
+          <a:lstStyle/>
+          <a:p>
+            <a:pPr algn="ctr"/>
+            <a:endParaRPr lang="nl-BE"/>
+          </a:p>
+        </p:txBody>
+      </p:sp>
+      <p:sp>
+        <p:nvSpPr>
+          <p:cNvPr id="93" name="Oval 92"/>
+          <p:cNvSpPr/>
+          <p:nvPr/>
+        </p:nvSpPr>
+        <p:spPr>
+          <a:xfrm>
+            <a:off x="2909887" y="5500687"/>
+            <a:ext cx="146237" cy="138113"/>
+          </a:xfrm>
+          <a:prstGeom prst="ellipse">
+            <a:avLst/>
+          </a:prstGeom>
+        </p:spPr>
+        <p:style>
+          <a:lnRef idx="2">
+            <a:schemeClr val="accent1">
+              <a:shade val="50000"/>
+            </a:schemeClr>
+          </a:lnRef>
+          <a:fillRef idx="1">
+            <a:schemeClr val="accent1"/>
+          </a:fillRef>
+          <a:effectRef idx="0">
+            <a:schemeClr val="accent1"/>
+          </a:effectRef>
+          <a:fontRef idx="minor">
+            <a:schemeClr val="lt1"/>
+          </a:fontRef>
+        </p:style>
+        <p:txBody>
+          <a:bodyPr rtlCol="0" anchor="ctr"/>
+          <a:lstStyle/>
+          <a:p>
+            <a:pPr algn="ctr"/>
+            <a:endParaRPr lang="nl-BE"/>
+          </a:p>
+        </p:txBody>
+      </p:sp>
+      <p:sp>
+        <p:nvSpPr>
+          <p:cNvPr id="94" name="Oval 93"/>
+          <p:cNvSpPr/>
+          <p:nvPr/>
+        </p:nvSpPr>
+        <p:spPr>
+          <a:xfrm>
+            <a:off x="3352799" y="5481637"/>
+            <a:ext cx="146237" cy="138113"/>
+          </a:xfrm>
+          <a:prstGeom prst="ellipse">
+            <a:avLst/>
+          </a:prstGeom>
+        </p:spPr>
+        <p:style>
+          <a:lnRef idx="2">
+            <a:schemeClr val="accent1">
+              <a:shade val="50000"/>
+            </a:schemeClr>
+          </a:lnRef>
+          <a:fillRef idx="1">
+            <a:schemeClr val="accent1"/>
+          </a:fillRef>
+          <a:effectRef idx="0">
+            <a:schemeClr val="accent1"/>
+          </a:effectRef>
+          <a:fontRef idx="minor">
+            <a:schemeClr val="lt1"/>
+          </a:fontRef>
+        </p:style>
+        <p:txBody>
+          <a:bodyPr rtlCol="0" anchor="ctr"/>
+          <a:lstStyle/>
+          <a:p>
+            <a:pPr algn="ctr"/>
+            <a:endParaRPr lang="nl-BE"/>
+          </a:p>
+        </p:txBody>
+      </p:sp>
+      <p:sp>
+        <p:nvSpPr>
+          <p:cNvPr id="95" name="Oval 94"/>
+          <p:cNvSpPr/>
+          <p:nvPr/>
+        </p:nvSpPr>
+        <p:spPr>
+          <a:xfrm>
+            <a:off x="4271961" y="5486400"/>
+            <a:ext cx="146237" cy="138113"/>
+          </a:xfrm>
+          <a:prstGeom prst="ellipse">
+            <a:avLst/>
+          </a:prstGeom>
+        </p:spPr>
+        <p:style>
+          <a:lnRef idx="2">
+            <a:schemeClr val="accent1">
+              <a:shade val="50000"/>
+            </a:schemeClr>
+          </a:lnRef>
+          <a:fillRef idx="1">
+            <a:schemeClr val="accent1"/>
+          </a:fillRef>
+          <a:effectRef idx="0">
+            <a:schemeClr val="accent1"/>
+          </a:effectRef>
+          <a:fontRef idx="minor">
+            <a:schemeClr val="lt1"/>
+          </a:fontRef>
+        </p:style>
+        <p:txBody>
+          <a:bodyPr rtlCol="0" anchor="ctr"/>
+          <a:lstStyle/>
+          <a:p>
+            <a:pPr algn="ctr"/>
+            <a:endParaRPr lang="nl-BE"/>
+          </a:p>
+        </p:txBody>
+      </p:sp>
+      <p:sp>
+        <p:nvSpPr>
+          <p:cNvPr id="96" name="Oval 95"/>
+          <p:cNvSpPr/>
+          <p:nvPr/>
+        </p:nvSpPr>
+        <p:spPr>
+          <a:xfrm>
+            <a:off x="5634037" y="5476875"/>
+            <a:ext cx="146237" cy="138113"/>
+          </a:xfrm>
+          <a:prstGeom prst="ellipse">
+            <a:avLst/>
+          </a:prstGeom>
+        </p:spPr>
+        <p:style>
+          <a:lnRef idx="2">
+            <a:schemeClr val="accent1">
+              <a:shade val="50000"/>
+            </a:schemeClr>
+          </a:lnRef>
+          <a:fillRef idx="1">
+            <a:schemeClr val="accent1"/>
+          </a:fillRef>
+          <a:effectRef idx="0">
+            <a:schemeClr val="accent1"/>
+          </a:effectRef>
+          <a:fontRef idx="minor">
+            <a:schemeClr val="lt1"/>
+          </a:fontRef>
+        </p:style>
+        <p:txBody>
+          <a:bodyPr rtlCol="0" anchor="ctr"/>
+          <a:lstStyle/>
+          <a:p>
+            <a:pPr algn="ctr"/>
+            <a:endParaRPr lang="nl-BE"/>
+          </a:p>
+        </p:txBody>
+      </p:sp>
+      <p:sp>
+        <p:nvSpPr>
+          <p:cNvPr id="97" name="Oval 96"/>
+          <p:cNvSpPr/>
+          <p:nvPr/>
+        </p:nvSpPr>
+        <p:spPr>
+          <a:xfrm>
+            <a:off x="6086474" y="5486400"/>
+            <a:ext cx="146237" cy="138113"/>
+          </a:xfrm>
+          <a:prstGeom prst="ellipse">
+            <a:avLst/>
+          </a:prstGeom>
+        </p:spPr>
+        <p:style>
+          <a:lnRef idx="2">
+            <a:schemeClr val="accent1">
+              <a:shade val="50000"/>
+            </a:schemeClr>
+          </a:lnRef>
+          <a:fillRef idx="1">
+            <a:schemeClr val="accent1"/>
+          </a:fillRef>
+          <a:effectRef idx="0">
+            <a:schemeClr val="accent1"/>
+          </a:effectRef>
+          <a:fontRef idx="minor">
+            <a:schemeClr val="lt1"/>
+          </a:fontRef>
+        </p:style>
+        <p:txBody>
+          <a:bodyPr rtlCol="0" anchor="ctr"/>
+          <a:lstStyle/>
+          <a:p>
+            <a:pPr algn="ctr"/>
+            <a:endParaRPr lang="nl-BE"/>
+          </a:p>
+        </p:txBody>
+      </p:sp>
+      <p:sp>
+        <p:nvSpPr>
+          <p:cNvPr id="98" name="Oval 97"/>
+          <p:cNvSpPr/>
+          <p:nvPr/>
+        </p:nvSpPr>
+        <p:spPr>
+          <a:xfrm>
+            <a:off x="2462211" y="4579937"/>
+            <a:ext cx="146237" cy="138113"/>
+          </a:xfrm>
+          <a:prstGeom prst="ellipse">
+            <a:avLst/>
+          </a:prstGeom>
+        </p:spPr>
+        <p:style>
+          <a:lnRef idx="2">
+            <a:schemeClr val="accent1">
+              <a:shade val="50000"/>
+            </a:schemeClr>
+          </a:lnRef>
+          <a:fillRef idx="1">
+            <a:schemeClr val="accent1"/>
+          </a:fillRef>
+          <a:effectRef idx="0">
+            <a:schemeClr val="accent1"/>
+          </a:effectRef>
+          <a:fontRef idx="minor">
+            <a:schemeClr val="lt1"/>
+          </a:fontRef>
+        </p:style>
+        <p:txBody>
+          <a:bodyPr rtlCol="0" anchor="ctr"/>
+          <a:lstStyle/>
+          <a:p>
+            <a:pPr algn="ctr"/>
+            <a:endParaRPr lang="nl-BE"/>
+          </a:p>
+        </p:txBody>
+      </p:sp>
+      <p:sp>
+        <p:nvSpPr>
+          <p:cNvPr id="99" name="Oval 98"/>
+          <p:cNvSpPr/>
+          <p:nvPr/>
+        </p:nvSpPr>
+        <p:spPr>
+          <a:xfrm>
+            <a:off x="2913061" y="4573587"/>
+            <a:ext cx="146237" cy="138113"/>
+          </a:xfrm>
+          <a:prstGeom prst="ellipse">
+            <a:avLst/>
+          </a:prstGeom>
+        </p:spPr>
+        <p:style>
+          <a:lnRef idx="2">
+            <a:schemeClr val="accent1">
+              <a:shade val="50000"/>
+            </a:schemeClr>
+          </a:lnRef>
+          <a:fillRef idx="1">
+            <a:schemeClr val="accent1"/>
+          </a:fillRef>
+          <a:effectRef idx="0">
+            <a:schemeClr val="accent1"/>
+          </a:effectRef>
+          <a:fontRef idx="minor">
+            <a:schemeClr val="lt1"/>
+          </a:fontRef>
+        </p:style>
+        <p:txBody>
+          <a:bodyPr rtlCol="0" anchor="ctr"/>
+          <a:lstStyle/>
+          <a:p>
+            <a:pPr algn="ctr"/>
+            <a:endParaRPr lang="nl-BE"/>
+          </a:p>
+        </p:txBody>
+      </p:sp>
+      <p:sp>
+        <p:nvSpPr>
+          <p:cNvPr id="100" name="Oval 99"/>
+          <p:cNvSpPr/>
+          <p:nvPr/>
+        </p:nvSpPr>
+        <p:spPr>
+          <a:xfrm>
+            <a:off x="3367086" y="2747962"/>
+            <a:ext cx="146237" cy="138113"/>
+          </a:xfrm>
+          <a:prstGeom prst="ellipse">
+            <a:avLst/>
+          </a:prstGeom>
+        </p:spPr>
+        <p:style>
+          <a:lnRef idx="2">
+            <a:schemeClr val="accent1">
+              <a:shade val="50000"/>
+            </a:schemeClr>
+          </a:lnRef>
+          <a:fillRef idx="1">
+            <a:schemeClr val="accent1"/>
+          </a:fillRef>
+          <a:effectRef idx="0">
+            <a:schemeClr val="accent1"/>
+          </a:effectRef>
+          <a:fontRef idx="minor">
+            <a:schemeClr val="lt1"/>
+          </a:fontRef>
+        </p:style>
+        <p:txBody>
+          <a:bodyPr rtlCol="0" anchor="ctr"/>
+          <a:lstStyle/>
+          <a:p>
+            <a:pPr algn="ctr"/>
+            <a:endParaRPr lang="nl-BE"/>
+          </a:p>
+        </p:txBody>
+      </p:sp>
+      <p:sp>
+        <p:nvSpPr>
+          <p:cNvPr id="101" name="Oval 100"/>
+          <p:cNvSpPr/>
+          <p:nvPr/>
+        </p:nvSpPr>
+        <p:spPr>
+          <a:xfrm>
+            <a:off x="4738686" y="5038725"/>
+            <a:ext cx="146237" cy="138113"/>
+          </a:xfrm>
+          <a:prstGeom prst="ellipse">
+            <a:avLst/>
+          </a:prstGeom>
+        </p:spPr>
+        <p:style>
+          <a:lnRef idx="2">
+            <a:schemeClr val="accent1">
+              <a:shade val="50000"/>
+            </a:schemeClr>
+          </a:lnRef>
+          <a:fillRef idx="1">
+            <a:schemeClr val="accent1"/>
+          </a:fillRef>
+          <a:effectRef idx="0">
+            <a:schemeClr val="accent1"/>
+          </a:effectRef>
+          <a:fontRef idx="minor">
+            <a:schemeClr val="lt1"/>
+          </a:fontRef>
+        </p:style>
+        <p:txBody>
+          <a:bodyPr rtlCol="0" anchor="ctr"/>
+          <a:lstStyle/>
+          <a:p>
+            <a:pPr algn="ctr"/>
+            <a:endParaRPr lang="nl-BE"/>
+          </a:p>
+        </p:txBody>
+      </p:sp>
     </p:spTree>
     <p:extLst>
       <p:ext uri="{BB962C8B-B14F-4D97-AF65-F5344CB8AC3E}">
@@ -14972,42 +18188,53 @@
       </p:sp>
       <p:sp>
         <p:nvSpPr>
-          <p:cNvPr id="4" name="Content Placeholder 3"/>
+          <p:cNvPr id="5" name="Title 4"/>
           <p:cNvSpPr>
             <a:spLocks noGrp="1"/>
           </p:cNvSpPr>
           <p:nvPr>
+            <p:ph type="title"/>
+          </p:nvPr>
+        </p:nvSpPr>
+        <p:spPr/>
+        <p:txBody>
+          <a:bodyPr/>
+          <a:lstStyle/>
+          <a:p>
+            <a:pPr algn="ctr"/>
+            <a:r>
+              <a:rPr lang="en-US" dirty="0" err="1"/>
+              <a:t>Spel</a:t>
+            </a:r>
+            <a:endParaRPr lang="en-US" dirty="0"/>
+          </a:p>
+        </p:txBody>
+      </p:sp>
+      <p:graphicFrame>
+        <p:nvGraphicFramePr>
+          <p:cNvPr id="10" name="Content Placeholder 9"/>
+          <p:cNvGraphicFramePr>
+            <a:graphicFrameLocks noGrp="1"/>
+          </p:cNvGraphicFramePr>
+          <p:nvPr>
             <p:ph sz="quarter" idx="13"/>
-          </p:nvPr>
-        </p:nvSpPr>
-        <p:spPr/>
-        <p:txBody>
-          <a:bodyPr/>
-          <a:lstStyle/>
-          <a:p>
-            <a:endParaRPr lang="en-US"/>
-          </a:p>
-        </p:txBody>
-      </p:sp>
-      <p:sp>
-        <p:nvSpPr>
-          <p:cNvPr id="5" name="Title 4"/>
-          <p:cNvSpPr>
-            <a:spLocks noGrp="1"/>
-          </p:cNvSpPr>
-          <p:nvPr>
-            <p:ph type="title"/>
-          </p:nvPr>
-        </p:nvSpPr>
-        <p:spPr/>
-        <p:txBody>
-          <a:bodyPr/>
-          <a:lstStyle/>
-          <a:p>
-            <a:endParaRPr lang="en-US"/>
-          </a:p>
-        </p:txBody>
-      </p:sp>
+            <p:extLst>
+              <p:ext uri="{D42A27DB-BD31-4B8C-83A1-F6EECF244321}">
+                <p14:modId xmlns:p14="http://schemas.microsoft.com/office/powerpoint/2010/main" val="2814454932"/>
+              </p:ext>
+            </p:extLst>
+          </p:nvPr>
+        </p:nvGraphicFramePr>
+        <p:xfrm>
+          <a:off x="576263" y="1655763"/>
+          <a:ext cx="7991475" cy="4392612"/>
+        </p:xfrm>
+        <a:graphic>
+          <a:graphicData uri="http://schemas.openxmlformats.org/drawingml/2006/chart">
+            <c:chart xmlns:c="http://schemas.openxmlformats.org/drawingml/2006/chart" xmlns:r="http://schemas.openxmlformats.org/officeDocument/2006/relationships" r:id="rId3"/>
+          </a:graphicData>
+        </a:graphic>
+      </p:graphicFrame>
     </p:spTree>
     <p:extLst>
       <p:ext uri="{BB962C8B-B14F-4D97-AF65-F5344CB8AC3E}">
@@ -15227,7 +18454,107 @@
           <a:bodyPr/>
           <a:lstStyle/>
           <a:p>
-            <a:endParaRPr lang="en-US"/>
+            <a:r>
+              <a:rPr lang="en-US" dirty="0" err="1" smtClean="0"/>
+              <a:t>Verdere</a:t>
+            </a:r>
+            <a:r>
+              <a:rPr lang="en-US" dirty="0" smtClean="0"/>
+              <a:t> </a:t>
+            </a:r>
+            <a:r>
+              <a:rPr lang="en-US" dirty="0" err="1" smtClean="0"/>
+              <a:t>evaluatie</a:t>
+            </a:r>
+            <a:r>
+              <a:rPr lang="en-US" dirty="0" smtClean="0"/>
+              <a:t> van </a:t>
+            </a:r>
+            <a:r>
+              <a:rPr lang="en-US" dirty="0" err="1" smtClean="0"/>
+              <a:t>ProbLog</a:t>
+            </a:r>
+            <a:r>
+              <a:rPr lang="en-US" smtClean="0"/>
+              <a:t>.</a:t>
+            </a:r>
+            <a:endParaRPr lang="en-US" dirty="0" smtClean="0"/>
+          </a:p>
+          <a:p>
+            <a:r>
+              <a:rPr lang="en-US" dirty="0" err="1" smtClean="0"/>
+              <a:t>Implementatie</a:t>
+            </a:r>
+            <a:r>
+              <a:rPr lang="en-US" dirty="0" smtClean="0"/>
+              <a:t> van model in Anglican.</a:t>
+            </a:r>
+          </a:p>
+          <a:p>
+            <a:r>
+              <a:rPr lang="en-US" dirty="0" err="1" smtClean="0"/>
+              <a:t>Evaluatie</a:t>
+            </a:r>
+            <a:r>
+              <a:rPr lang="en-US" dirty="0" smtClean="0"/>
+              <a:t> van Anglican.</a:t>
+            </a:r>
+          </a:p>
+          <a:p>
+            <a:r>
+              <a:rPr lang="en-US" dirty="0" err="1" smtClean="0"/>
+              <a:t>Evaluatie</a:t>
+            </a:r>
+            <a:r>
+              <a:rPr lang="en-US" dirty="0" smtClean="0"/>
+              <a:t> Anglican                 </a:t>
+            </a:r>
+            <a:r>
+              <a:rPr lang="en-US" dirty="0" err="1" smtClean="0"/>
+              <a:t>ProbLog</a:t>
+            </a:r>
+            <a:r>
+              <a:rPr lang="en-US" dirty="0" smtClean="0"/>
+              <a:t>.</a:t>
+            </a:r>
+          </a:p>
+          <a:p>
+            <a:r>
+              <a:rPr lang="en-US" dirty="0" err="1" smtClean="0"/>
+              <a:t>Derde</a:t>
+            </a:r>
+            <a:r>
+              <a:rPr lang="en-US" dirty="0" smtClean="0"/>
+              <a:t> </a:t>
+            </a:r>
+            <a:r>
+              <a:rPr lang="en-US" dirty="0" err="1" smtClean="0"/>
+              <a:t>taal</a:t>
+            </a:r>
+            <a:r>
+              <a:rPr lang="en-US" dirty="0" smtClean="0"/>
+              <a:t> </a:t>
+            </a:r>
+            <a:r>
+              <a:rPr lang="en-US" dirty="0" err="1" smtClean="0"/>
+              <a:t>implementeren</a:t>
+            </a:r>
+            <a:r>
+              <a:rPr lang="en-US" dirty="0" smtClean="0"/>
+              <a:t> en </a:t>
+            </a:r>
+            <a:r>
+              <a:rPr lang="en-US" dirty="0" err="1" smtClean="0"/>
+              <a:t>evalueren</a:t>
+            </a:r>
+            <a:r>
+              <a:rPr lang="en-US" dirty="0" smtClean="0"/>
+              <a:t>.</a:t>
+            </a:r>
+            <a:endParaRPr lang="en-US" dirty="0" smtClean="0"/>
+          </a:p>
+          <a:p>
+            <a:endParaRPr lang="en-US" dirty="0"/>
           </a:p>
         </p:txBody>
       </p:sp>
@@ -15252,6 +18579,46 @@
               <a:t>Toekomst</a:t>
             </a:r>
             <a:endParaRPr lang="en-US" dirty="0"/>
+          </a:p>
+        </p:txBody>
+      </p:sp>
+      <p:sp>
+        <p:nvSpPr>
+          <p:cNvPr id="6" name="Left-Right Arrow 5"/>
+          <p:cNvSpPr/>
+          <p:nvPr/>
+        </p:nvSpPr>
+        <p:spPr>
+          <a:xfrm>
+            <a:off x="3550141" y="3312217"/>
+            <a:ext cx="1124606" cy="168899"/>
+          </a:xfrm>
+          <a:prstGeom prst="leftRightArrow">
+            <a:avLst/>
+          </a:prstGeom>
+        </p:spPr>
+        <p:style>
+          <a:lnRef idx="2">
+            <a:schemeClr val="accent1">
+              <a:shade val="50000"/>
+            </a:schemeClr>
+          </a:lnRef>
+          <a:fillRef idx="1">
+            <a:schemeClr val="accent1"/>
+          </a:fillRef>
+          <a:effectRef idx="0">
+            <a:schemeClr val="accent1"/>
+          </a:effectRef>
+          <a:fontRef idx="minor">
+            <a:schemeClr val="lt1"/>
+          </a:fontRef>
+        </p:style>
+        <p:txBody>
+          <a:bodyPr rtlCol="0" anchor="ctr"/>
+          <a:lstStyle/>
+          <a:p>
+            <a:pPr algn="ctr"/>
+            <a:endParaRPr lang="nl-BE"/>
           </a:p>
         </p:txBody>
       </p:sp>
@@ -16916,7 +20283,6 @@
               <a:rPr lang="en-US" dirty="0"/>
               <a:t>)</a:t>
             </a:r>
-            <a:endParaRPr lang="en-US" dirty="0"/>
           </a:p>
         </p:txBody>
       </p:sp>
@@ -18684,7 +22050,7 @@
   <a:extraClrSchemeLst/>
   <a:extLst>
     <a:ext uri="{05A4C25C-085E-4340-85A3-A5531E510DB2}">
-      <thm15:themeFamily xmlns:thm15="http://schemas.microsoft.com/office/thememl/2012/main" xmlns="" name="Office Theme" id="{62F939B6-93AF-4DB8-9C6B-D6C7DFDC589F}" vid="{4A3C46E8-61CC-4603-A589-7422A47A8E4A}"/>
+      <thm15:themeFamily xmlns="" xmlns:thm15="http://schemas.microsoft.com/office/thememl/2012/main" name="Office Theme" id="{62F939B6-93AF-4DB8-9C6B-D6C7DFDC589F}" vid="{4A3C46E8-61CC-4603-A589-7422A47A8E4A}"/>
     </a:ext>
   </a:extLst>
 </a:theme>
@@ -18945,7 +22311,7 @@
   <a:extraClrSchemeLst/>
   <a:extLst>
     <a:ext uri="{05A4C25C-085E-4340-85A3-A5531E510DB2}">
-      <thm15:themeFamily xmlns:thm15="http://schemas.microsoft.com/office/thememl/2012/main" xmlns="" name="Office Theme" id="{62F939B6-93AF-4DB8-9C6B-D6C7DFDC589F}" vid="{4A3C46E8-61CC-4603-A589-7422A47A8E4A}"/>
+      <thm15:themeFamily xmlns="" xmlns:thm15="http://schemas.microsoft.com/office/thememl/2012/main" name="Office Theme" id="{62F939B6-93AF-4DB8-9C6B-D6C7DFDC589F}" vid="{4A3C46E8-61CC-4603-A589-7422A47A8E4A}"/>
     </a:ext>
   </a:extLst>
 </a:theme>
@@ -19206,7 +22572,7 @@
   <a:extraClrSchemeLst/>
   <a:extLst>
     <a:ext uri="{05A4C25C-085E-4340-85A3-A5531E510DB2}">
-      <thm15:themeFamily xmlns:thm15="http://schemas.microsoft.com/office/thememl/2012/main" xmlns="" name="Office Theme" id="{62F939B6-93AF-4DB8-9C6B-D6C7DFDC589F}" vid="{4A3C46E8-61CC-4603-A589-7422A47A8E4A}"/>
+      <thm15:themeFamily xmlns="" xmlns:thm15="http://schemas.microsoft.com/office/thememl/2012/main" name="Office Theme" id="{62F939B6-93AF-4DB8-9C6B-D6C7DFDC589F}" vid="{4A3C46E8-61CC-4603-A589-7422A47A8E4A}"/>
     </a:ext>
   </a:extLst>
 </a:theme>

--- a/thesis/presentations/2 second/second.pptx
+++ b/thesis/presentations/2 second/second.pptx
@@ -140,7 +140,7 @@
   </p:defaultTextStyle>
   <p:extLst>
     <p:ext uri="{EFAFB233-063F-42B5-8137-9DF3F51BA10A}">
-      <p15:sldGuideLst xmlns="" xmlns:p15="http://schemas.microsoft.com/office/powerpoint/2012/main">
+      <p15:sldGuideLst xmlns:p15="http://schemas.microsoft.com/office/powerpoint/2012/main" xmlns="">
         <p15:guide id="1" orient="horz" pos="2160" userDrawn="1">
           <p15:clr>
             <a:srgbClr val="A4A3A4"/>
@@ -425,11 +425,11 @@
           <c:showBubbleSize val="0"/>
         </c:dLbls>
         <c:gapWidth val="150"/>
-        <c:axId val="136237824"/>
-        <c:axId val="137433088"/>
+        <c:axId val="130548480"/>
+        <c:axId val="130550400"/>
       </c:barChart>
       <c:catAx>
-        <c:axId val="136237824"/>
+        <c:axId val="130548480"/>
         <c:scaling>
           <c:orientation val="minMax"/>
         </c:scaling>
@@ -459,7 +459,7 @@
         <c:majorTickMark val="out"/>
         <c:minorTickMark val="none"/>
         <c:tickLblPos val="nextTo"/>
-        <c:crossAx val="137433088"/>
+        <c:crossAx val="130550400"/>
         <c:crosses val="autoZero"/>
         <c:auto val="1"/>
         <c:lblAlgn val="ctr"/>
@@ -467,7 +467,7 @@
         <c:noMultiLvlLbl val="0"/>
       </c:catAx>
       <c:valAx>
-        <c:axId val="137433088"/>
+        <c:axId val="130550400"/>
         <c:scaling>
           <c:orientation val="minMax"/>
         </c:scaling>
@@ -498,7 +498,7 @@
         <c:majorTickMark val="out"/>
         <c:minorTickMark val="none"/>
         <c:tickLblPos val="nextTo"/>
-        <c:crossAx val="136237824"/>
+        <c:crossAx val="130548480"/>
         <c:crosses val="autoZero"/>
         <c:crossBetween val="between"/>
       </c:valAx>
@@ -1718,7 +1718,51 @@
             </a:r>
             <a:r>
               <a:rPr lang="en-US" baseline="0" dirty="0" smtClean="0"/>
-              <a:t> PPL. </a:t>
+              <a:t> </a:t>
+            </a:r>
+            <a:r>
+              <a:rPr lang="en-US" baseline="0" dirty="0" smtClean="0"/>
+              <a:t>PPL of van </a:t>
+            </a:r>
+            <a:r>
+              <a:rPr lang="en-US" baseline="0" dirty="0" err="1" smtClean="0"/>
+              <a:t>programmeer</a:t>
+            </a:r>
+            <a:r>
+              <a:rPr lang="en-US" baseline="0" dirty="0" smtClean="0"/>
+              <a:t> </a:t>
+            </a:r>
+            <a:r>
+              <a:rPr lang="en-US" baseline="0" dirty="0" err="1" smtClean="0"/>
+              <a:t>paradigma</a:t>
+            </a:r>
+            <a:r>
+              <a:rPr lang="en-US" baseline="0" dirty="0" smtClean="0"/>
+              <a:t> </a:t>
+            </a:r>
+            <a:r>
+              <a:rPr lang="en-US" baseline="0" dirty="0" err="1" smtClean="0"/>
+              <a:t>naar</a:t>
+            </a:r>
+            <a:r>
+              <a:rPr lang="en-US" baseline="0" dirty="0" smtClean="0"/>
+              <a:t> </a:t>
+            </a:r>
+            <a:r>
+              <a:rPr lang="en-US" baseline="0" dirty="0" err="1" smtClean="0"/>
+              <a:t>programmeer</a:t>
+            </a:r>
+            <a:r>
+              <a:rPr lang="en-US" baseline="0" dirty="0" smtClean="0"/>
+              <a:t> </a:t>
+            </a:r>
+            <a:r>
+              <a:rPr lang="en-US" baseline="0" dirty="0" err="1" smtClean="0"/>
+              <a:t>paradigma</a:t>
+            </a:r>
+            <a:r>
+              <a:rPr lang="en-US" baseline="0" dirty="0" smtClean="0"/>
+              <a:t>. </a:t>
             </a:r>
             <a:r>
               <a:rPr lang="en-US" baseline="0" dirty="0" err="1" smtClean="0"/>
@@ -3528,6 +3572,90 @@
 </p:notes>
 </file>
 
+<file path=ppt/notesSlides/notesSlide24.xml><?xml version="1.0" encoding="utf-8"?>
+<p:notes xmlns:a="http://schemas.openxmlformats.org/drawingml/2006/main" xmlns:r="http://schemas.openxmlformats.org/officeDocument/2006/relationships" xmlns:p="http://schemas.openxmlformats.org/presentationml/2006/main">
+  <p:cSld>
+    <p:spTree>
+      <p:nvGrpSpPr>
+        <p:cNvPr id="1" name=""/>
+        <p:cNvGrpSpPr/>
+        <p:nvPr/>
+      </p:nvGrpSpPr>
+      <p:grpSpPr>
+        <a:xfrm>
+          <a:off x="0" y="0"/>
+          <a:ext cx="0" cy="0"/>
+          <a:chOff x="0" y="0"/>
+          <a:chExt cx="0" cy="0"/>
+        </a:xfrm>
+      </p:grpSpPr>
+      <p:sp>
+        <p:nvSpPr>
+          <p:cNvPr id="2" name="Slide Image Placeholder 1"/>
+          <p:cNvSpPr>
+            <a:spLocks noGrp="1" noRot="1" noChangeAspect="1"/>
+          </p:cNvSpPr>
+          <p:nvPr>
+            <p:ph type="sldImg"/>
+          </p:nvPr>
+        </p:nvSpPr>
+        <p:spPr/>
+      </p:sp>
+      <p:sp>
+        <p:nvSpPr>
+          <p:cNvPr id="3" name="Notes Placeholder 2"/>
+          <p:cNvSpPr>
+            <a:spLocks noGrp="1"/>
+          </p:cNvSpPr>
+          <p:nvPr>
+            <p:ph type="body" idx="1"/>
+          </p:nvPr>
+        </p:nvSpPr>
+        <p:spPr/>
+        <p:txBody>
+          <a:bodyPr/>
+          <a:lstStyle/>
+          <a:p>
+            <a:endParaRPr lang="nl-BE" dirty="0"/>
+          </a:p>
+        </p:txBody>
+      </p:sp>
+      <p:sp>
+        <p:nvSpPr>
+          <p:cNvPr id="4" name="Slide Number Placeholder 3"/>
+          <p:cNvSpPr>
+            <a:spLocks noGrp="1"/>
+          </p:cNvSpPr>
+          <p:nvPr>
+            <p:ph type="sldNum" sz="quarter" idx="10"/>
+          </p:nvPr>
+        </p:nvSpPr>
+        <p:spPr/>
+        <p:txBody>
+          <a:bodyPr/>
+          <a:lstStyle/>
+          <a:p>
+            <a:fld id="{76F6EB55-D046-4316-A421-6DEA4C9E91D3}" type="slidenum">
+              <a:rPr lang="nl-NL" smtClean="0"/>
+              <a:t>27</a:t>
+            </a:fld>
+            <a:endParaRPr lang="nl-NL"/>
+          </a:p>
+        </p:txBody>
+      </p:sp>
+    </p:spTree>
+    <p:extLst>
+      <p:ext uri="{BB962C8B-B14F-4D97-AF65-F5344CB8AC3E}">
+        <p14:creationId xmlns:p14="http://schemas.microsoft.com/office/powerpoint/2010/main" val="2194780279"/>
+      </p:ext>
+    </p:extLst>
+  </p:cSld>
+  <p:clrMapOvr>
+    <a:masterClrMapping/>
+  </p:clrMapOvr>
+</p:notes>
+</file>
+
 <file path=ppt/notesSlides/notesSlide3.xml><?xml version="1.0" encoding="utf-8"?>
 <p:notes xmlns:a="http://schemas.openxmlformats.org/drawingml/2006/main" xmlns:r="http://schemas.openxmlformats.org/officeDocument/2006/relationships" xmlns:p="http://schemas.openxmlformats.org/presentationml/2006/main">
   <p:cSld>
@@ -5553,11 +5681,15 @@
             </a:r>
             <a:r>
               <a:rPr lang="en-US" baseline="0" dirty="0" err="1" smtClean="0"/>
-              <a:t>leren</a:t>
-            </a:r>
-            <a:r>
-              <a:rPr lang="en-US" baseline="0" dirty="0" smtClean="0"/>
-              <a:t> in de </a:t>
+              <a:t>programmeren</a:t>
+            </a:r>
+            <a:r>
+              <a:rPr lang="en-US" baseline="0" dirty="0" smtClean="0"/>
+              <a:t> in </a:t>
+            </a:r>
+            <a:r>
+              <a:rPr lang="en-US" baseline="0" dirty="0" smtClean="0"/>
+              <a:t>de </a:t>
             </a:r>
             <a:r>
               <a:rPr lang="en-US" baseline="0" dirty="0" err="1" smtClean="0"/>
@@ -6156,7 +6288,7 @@
   </p:clrMapOvr>
   <p:extLst mod="1">
     <p:ext uri="{DCECCB84-F9BA-43D5-87BE-67443E8EF086}">
-      <p15:sldGuideLst xmlns="" xmlns:p15="http://schemas.microsoft.com/office/powerpoint/2012/main">
+      <p15:sldGuideLst xmlns:p15="http://schemas.microsoft.com/office/powerpoint/2012/main" xmlns="">
         <p15:guide id="1" orient="horz" pos="3929" userDrawn="1">
           <p15:clr>
             <a:srgbClr val="FBAE40"/>
@@ -6467,7 +6599,7 @@
   </p:clrMapOvr>
   <p:extLst mod="1">
     <p:ext uri="{DCECCB84-F9BA-43D5-87BE-67443E8EF086}">
-      <p15:sldGuideLst xmlns="" xmlns:p15="http://schemas.microsoft.com/office/powerpoint/2012/main">
+      <p15:sldGuideLst xmlns:p15="http://schemas.microsoft.com/office/powerpoint/2012/main" xmlns="">
         <p15:guide id="1" orient="horz" pos="3929">
           <p15:clr>
             <a:srgbClr val="FBAE40"/>
@@ -6820,7 +6952,7 @@
   </p:clrMapOvr>
   <p:extLst mod="1">
     <p:ext uri="{DCECCB84-F9BA-43D5-87BE-67443E8EF086}">
-      <p15:sldGuideLst xmlns="" xmlns:p15="http://schemas.microsoft.com/office/powerpoint/2012/main">
+      <p15:sldGuideLst xmlns:p15="http://schemas.microsoft.com/office/powerpoint/2012/main" xmlns="">
         <p15:guide id="1" orient="horz" pos="2160">
           <p15:clr>
             <a:srgbClr val="FBAE40"/>
@@ -7127,7 +7259,7 @@
   </p:clrMapOvr>
   <p:extLst mod="1">
     <p:ext uri="{DCECCB84-F9BA-43D5-87BE-67443E8EF086}">
-      <p15:sldGuideLst xmlns="" xmlns:p15="http://schemas.microsoft.com/office/powerpoint/2012/main">
+      <p15:sldGuideLst xmlns:p15="http://schemas.microsoft.com/office/powerpoint/2012/main" xmlns="">
         <p15:guide id="1" orient="horz" pos="2160">
           <p15:clr>
             <a:srgbClr val="FBAE40"/>
@@ -7687,7 +7819,7 @@
   </p:clrMapOvr>
   <p:extLst mod="1">
     <p:ext uri="{DCECCB84-F9BA-43D5-87BE-67443E8EF086}">
-      <p15:sldGuideLst xmlns="" xmlns:p15="http://schemas.microsoft.com/office/powerpoint/2012/main">
+      <p15:sldGuideLst xmlns:p15="http://schemas.microsoft.com/office/powerpoint/2012/main" xmlns="">
         <p15:guide id="1" orient="horz" pos="2160" userDrawn="1">
           <p15:clr>
             <a:srgbClr val="FBAE40"/>
@@ -8018,7 +8150,7 @@
   </p:clrMapOvr>
   <p:extLst mod="1">
     <p:ext uri="{DCECCB84-F9BA-43D5-87BE-67443E8EF086}">
-      <p15:sldGuideLst xmlns="" xmlns:p15="http://schemas.microsoft.com/office/powerpoint/2012/main">
+      <p15:sldGuideLst xmlns:p15="http://schemas.microsoft.com/office/powerpoint/2012/main" xmlns="">
         <p15:guide id="1" orient="horz" pos="2160" userDrawn="1">
           <p15:clr>
             <a:srgbClr val="FBAE40"/>
@@ -9645,7 +9777,7 @@
   </p:txStyles>
   <p:extLst mod="1">
     <p:ext uri="{27BBF7A9-308A-43DC-89C8-2F10F3537804}">
-      <p15:sldGuideLst xmlns="" xmlns:p15="http://schemas.microsoft.com/office/powerpoint/2012/main">
+      <p15:sldGuideLst xmlns:p15="http://schemas.microsoft.com/office/powerpoint/2012/main" xmlns="">
         <p15:guide id="1" orient="horz" pos="3816" userDrawn="1">
           <p15:clr>
             <a:srgbClr val="F26B43"/>
@@ -10277,7 +10409,7 @@
   </p:txStyles>
   <p:extLst mod="1">
     <p:ext uri="{27BBF7A9-308A-43DC-89C8-2F10F3537804}">
-      <p15:sldGuideLst xmlns="" xmlns:p15="http://schemas.microsoft.com/office/powerpoint/2012/main">
+      <p15:sldGuideLst xmlns:p15="http://schemas.microsoft.com/office/powerpoint/2012/main" xmlns="">
         <p15:guide id="1" orient="horz" pos="1026" userDrawn="1">
           <p15:clr>
             <a:srgbClr val="F26B43"/>
@@ -11653,7 +11785,7 @@
       </p:sp>
       <p:grpSp>
         <p:nvGrpSpPr>
-          <p:cNvPr id="6" name="Group 5"/>
+          <p:cNvPr id="14" name="Group 13"/>
           <p:cNvGrpSpPr/>
           <p:nvPr/>
         </p:nvGrpSpPr>
@@ -11667,7 +11799,7 @@
         </p:grpSpPr>
         <p:sp>
           <p:nvSpPr>
-            <p:cNvPr id="7" name="Oval 6"/>
+            <p:cNvPr id="15" name="Oval 14"/>
             <p:cNvSpPr/>
             <p:nvPr/>
           </p:nvSpPr>
@@ -11708,13 +11840,13 @@
         </p:sp>
         <p:sp>
           <p:nvSpPr>
-            <p:cNvPr id="8" name="TextBox 7"/>
+            <p:cNvPr id="16" name="TextBox 15"/>
             <p:cNvSpPr txBox="1"/>
             <p:nvPr/>
           </p:nvSpPr>
           <p:spPr>
             <a:xfrm>
-              <a:off x="913359" y="4038625"/>
+              <a:off x="913360" y="4038625"/>
               <a:ext cx="1250731" cy="646331"/>
             </a:xfrm>
             <a:prstGeom prst="rect">
@@ -11730,15 +11862,15 @@
             <a:p>
               <a:pPr algn="ctr"/>
               <a:r>
-                <a:rPr lang="en-US" dirty="0" smtClean="0"/>
+                <a:rPr lang="en-US" dirty="0"/>
                 <a:t>Host-</a:t>
               </a:r>
               <a:r>
-                <a:rPr lang="en-US" dirty="0" err="1" smtClean="0"/>
+                <a:rPr lang="en-US" dirty="0" err="1"/>
                 <a:t>taal</a:t>
               </a:r>
               <a:r>
-                <a:rPr lang="en-US" dirty="0" smtClean="0"/>
+                <a:rPr lang="en-US" dirty="0"/>
                 <a:t> PPL</a:t>
               </a:r>
               <a:endParaRPr lang="en-US" dirty="0"/>
@@ -11746,104 +11878,23 @@
           </p:txBody>
         </p:sp>
       </p:grpSp>
-      <p:sp>
-        <p:nvSpPr>
-          <p:cNvPr id="10" name="Oval 9"/>
-          <p:cNvSpPr/>
-          <p:nvPr/>
-        </p:nvSpPr>
-        <p:spPr>
-          <a:xfrm>
-            <a:off x="5291761" y="2471758"/>
-            <a:ext cx="1774168" cy="1114097"/>
-          </a:xfrm>
-          <a:prstGeom prst="ellipse">
-            <a:avLst/>
-          </a:prstGeom>
-          <a:noFill/>
-        </p:spPr>
-        <p:style>
-          <a:lnRef idx="2">
-            <a:schemeClr val="accent1">
-              <a:shade val="50000"/>
-            </a:schemeClr>
-          </a:lnRef>
-          <a:fillRef idx="1">
-            <a:schemeClr val="accent1"/>
-          </a:fillRef>
-          <a:effectRef idx="0">
-            <a:schemeClr val="accent1"/>
-          </a:effectRef>
-          <a:fontRef idx="minor">
-            <a:schemeClr val="lt1"/>
-          </a:fontRef>
-        </p:style>
-        <p:txBody>
-          <a:bodyPr rtlCol="0" anchor="ctr"/>
-          <a:lstStyle/>
-          <a:p>
-            <a:pPr algn="ctr"/>
-            <a:endParaRPr lang="en-US"/>
-          </a:p>
-        </p:txBody>
-      </p:sp>
-      <p:sp>
-        <p:nvSpPr>
-          <p:cNvPr id="13" name="Left-Right Arrow 12"/>
-          <p:cNvSpPr/>
-          <p:nvPr/>
-        </p:nvSpPr>
-        <p:spPr>
-          <a:xfrm>
-            <a:off x="4023106" y="2944355"/>
-            <a:ext cx="1124606" cy="168899"/>
-          </a:xfrm>
-          <a:prstGeom prst="leftRightArrow">
-            <a:avLst/>
-          </a:prstGeom>
-        </p:spPr>
-        <p:style>
-          <a:lnRef idx="2">
-            <a:schemeClr val="accent1">
-              <a:shade val="50000"/>
-            </a:schemeClr>
-          </a:lnRef>
-          <a:fillRef idx="1">
-            <a:schemeClr val="accent1"/>
-          </a:fillRef>
-          <a:effectRef idx="0">
-            <a:schemeClr val="accent1"/>
-          </a:effectRef>
-          <a:fontRef idx="minor">
-            <a:schemeClr val="lt1"/>
-          </a:fontRef>
-        </p:style>
-        <p:txBody>
-          <a:bodyPr rtlCol="0" anchor="ctr"/>
-          <a:lstStyle/>
-          <a:p>
-            <a:pPr algn="ctr"/>
-            <a:endParaRPr lang="nl-BE"/>
-          </a:p>
-        </p:txBody>
-      </p:sp>
       <p:grpSp>
         <p:nvGrpSpPr>
-          <p:cNvPr id="19" name="Group 18"/>
+          <p:cNvPr id="17" name="Group 16"/>
           <p:cNvGrpSpPr/>
           <p:nvPr/>
         </p:nvGrpSpPr>
         <p:grpSpPr>
           <a:xfrm>
-            <a:off x="5291761" y="2471753"/>
-            <a:ext cx="1774168" cy="1114097"/>
+            <a:off x="5291761" y="2471758"/>
+            <a:ext cx="1774168" cy="1157209"/>
             <a:chOff x="651642" y="3804743"/>
-            <a:chExt cx="1774168" cy="1114097"/>
+            <a:chExt cx="1774168" cy="1157209"/>
           </a:xfrm>
         </p:grpSpPr>
         <p:sp>
           <p:nvSpPr>
-            <p:cNvPr id="24" name="Oval 23"/>
+            <p:cNvPr id="18" name="Oval 17"/>
             <p:cNvSpPr/>
             <p:nvPr/>
           </p:nvSpPr>
@@ -11884,14 +11935,14 @@
         </p:sp>
         <p:sp>
           <p:nvSpPr>
-            <p:cNvPr id="25" name="TextBox 24"/>
+            <p:cNvPr id="20" name="TextBox 19"/>
             <p:cNvSpPr txBox="1"/>
             <p:nvPr/>
           </p:nvSpPr>
           <p:spPr>
             <a:xfrm>
-              <a:off x="913360" y="4038630"/>
-              <a:ext cx="1250731" cy="646331"/>
+              <a:off x="913360" y="4038622"/>
+              <a:ext cx="1250731" cy="923330"/>
             </a:xfrm>
             <a:prstGeom prst="rect">
               <a:avLst/>
@@ -11906,15 +11957,284 @@
             <a:p>
               <a:pPr algn="ctr"/>
               <a:r>
-                <a:rPr lang="en-US" dirty="0" smtClean="0"/>
+                <a:rPr lang="en-US" dirty="0"/>
                 <a:t>Host-</a:t>
               </a:r>
               <a:r>
-                <a:rPr lang="en-US" dirty="0" err="1" smtClean="0"/>
+                <a:rPr lang="en-US" dirty="0" err="1"/>
                 <a:t>taal</a:t>
               </a:r>
               <a:r>
+                <a:rPr lang="en-US" dirty="0"/>
+                <a:t> PPL</a:t>
+              </a:r>
+            </a:p>
+            <a:p>
+              <a:pPr algn="ctr"/>
+              <a:endParaRPr lang="en-US" dirty="0"/>
+            </a:p>
+          </p:txBody>
+        </p:sp>
+      </p:grpSp>
+      <p:sp>
+        <p:nvSpPr>
+          <p:cNvPr id="21" name="Left-Right Arrow 20"/>
+          <p:cNvSpPr/>
+          <p:nvPr/>
+        </p:nvSpPr>
+        <p:spPr>
+          <a:xfrm>
+            <a:off x="4023106" y="2944355"/>
+            <a:ext cx="1124606" cy="168899"/>
+          </a:xfrm>
+          <a:prstGeom prst="leftRightArrow">
+            <a:avLst/>
+          </a:prstGeom>
+        </p:spPr>
+        <p:style>
+          <a:lnRef idx="2">
+            <a:schemeClr val="accent1">
+              <a:shade val="50000"/>
+            </a:schemeClr>
+          </a:lnRef>
+          <a:fillRef idx="1">
+            <a:schemeClr val="accent1"/>
+          </a:fillRef>
+          <a:effectRef idx="0">
+            <a:schemeClr val="accent1"/>
+          </a:effectRef>
+          <a:fontRef idx="minor">
+            <a:schemeClr val="lt1"/>
+          </a:fontRef>
+        </p:style>
+        <p:txBody>
+          <a:bodyPr rtlCol="0" anchor="ctr"/>
+          <a:lstStyle/>
+          <a:p>
+            <a:pPr algn="ctr"/>
+            <a:endParaRPr lang="nl-BE"/>
+          </a:p>
+        </p:txBody>
+      </p:sp>
+      <p:grpSp>
+        <p:nvGrpSpPr>
+          <p:cNvPr id="22" name="Group 21"/>
+          <p:cNvGrpSpPr/>
+          <p:nvPr/>
+        </p:nvGrpSpPr>
+        <p:grpSpPr>
+          <a:xfrm>
+            <a:off x="2122891" y="3738255"/>
+            <a:ext cx="1774168" cy="1114097"/>
+            <a:chOff x="651642" y="3804743"/>
+            <a:chExt cx="1774168" cy="1114097"/>
+          </a:xfrm>
+        </p:grpSpPr>
+        <p:sp>
+          <p:nvSpPr>
+            <p:cNvPr id="23" name="Oval 22"/>
+            <p:cNvSpPr/>
+            <p:nvPr/>
+          </p:nvSpPr>
+          <p:spPr>
+            <a:xfrm>
+              <a:off x="651642" y="3804743"/>
+              <a:ext cx="1774168" cy="1114097"/>
+            </a:xfrm>
+            <a:prstGeom prst="ellipse">
+              <a:avLst/>
+            </a:prstGeom>
+            <a:noFill/>
+          </p:spPr>
+          <p:style>
+            <a:lnRef idx="2">
+              <a:schemeClr val="accent1">
+                <a:shade val="50000"/>
+              </a:schemeClr>
+            </a:lnRef>
+            <a:fillRef idx="1">
+              <a:schemeClr val="accent1"/>
+            </a:fillRef>
+            <a:effectRef idx="0">
+              <a:schemeClr val="accent1"/>
+            </a:effectRef>
+            <a:fontRef idx="minor">
+              <a:schemeClr val="lt1"/>
+            </a:fontRef>
+          </p:style>
+          <p:txBody>
+            <a:bodyPr rtlCol="0" anchor="ctr"/>
+            <a:lstStyle/>
+            <a:p>
+              <a:pPr algn="ctr"/>
+              <a:endParaRPr lang="en-US"/>
+            </a:p>
+          </p:txBody>
+        </p:sp>
+        <p:sp>
+          <p:nvSpPr>
+            <p:cNvPr id="26" name="TextBox 25"/>
+            <p:cNvSpPr txBox="1"/>
+            <p:nvPr/>
+          </p:nvSpPr>
+          <p:spPr>
+            <a:xfrm>
+              <a:off x="852851" y="4038628"/>
+              <a:ext cx="1371600" cy="646331"/>
+            </a:xfrm>
+            <a:prstGeom prst="rect">
+              <a:avLst/>
+            </a:prstGeom>
+            <a:noFill/>
+          </p:spPr>
+          <p:txBody>
+            <a:bodyPr wrap="square" rtlCol="0">
+              <a:spAutoFit/>
+            </a:bodyPr>
+            <a:lstStyle/>
+            <a:p>
+              <a:pPr algn="ctr"/>
+              <a:r>
+                <a:rPr lang="en-US" dirty="0" err="1" smtClean="0"/>
+                <a:t>Paradigma</a:t>
+              </a:r>
+              <a:r>
                 <a:rPr lang="en-US" dirty="0" smtClean="0"/>
+                <a:t> </a:t>
+              </a:r>
+              <a:r>
+                <a:rPr lang="en-US" dirty="0" smtClean="0"/>
+                <a:t>PPL</a:t>
+              </a:r>
+              <a:endParaRPr lang="en-US" dirty="0"/>
+            </a:p>
+          </p:txBody>
+        </p:sp>
+      </p:grpSp>
+      <p:sp>
+        <p:nvSpPr>
+          <p:cNvPr id="27" name="Left-Right Arrow 26"/>
+          <p:cNvSpPr/>
+          <p:nvPr/>
+        </p:nvSpPr>
+        <p:spPr>
+          <a:xfrm>
+            <a:off x="4023105" y="4210855"/>
+            <a:ext cx="1124606" cy="168899"/>
+          </a:xfrm>
+          <a:prstGeom prst="leftRightArrow">
+            <a:avLst/>
+          </a:prstGeom>
+        </p:spPr>
+        <p:style>
+          <a:lnRef idx="2">
+            <a:schemeClr val="accent1">
+              <a:shade val="50000"/>
+            </a:schemeClr>
+          </a:lnRef>
+          <a:fillRef idx="1">
+            <a:schemeClr val="accent1"/>
+          </a:fillRef>
+          <a:effectRef idx="0">
+            <a:schemeClr val="accent1"/>
+          </a:effectRef>
+          <a:fontRef idx="minor">
+            <a:schemeClr val="lt1"/>
+          </a:fontRef>
+        </p:style>
+        <p:txBody>
+          <a:bodyPr rtlCol="0" anchor="ctr"/>
+          <a:lstStyle/>
+          <a:p>
+            <a:pPr algn="ctr"/>
+            <a:endParaRPr lang="nl-BE"/>
+          </a:p>
+        </p:txBody>
+      </p:sp>
+      <p:grpSp>
+        <p:nvGrpSpPr>
+          <p:cNvPr id="28" name="Group 27"/>
+          <p:cNvGrpSpPr/>
+          <p:nvPr/>
+        </p:nvGrpSpPr>
+        <p:grpSpPr>
+          <a:xfrm>
+            <a:off x="5291760" y="3738256"/>
+            <a:ext cx="1774168" cy="1114097"/>
+            <a:chOff x="651642" y="3804743"/>
+            <a:chExt cx="1774168" cy="1114097"/>
+          </a:xfrm>
+        </p:grpSpPr>
+        <p:sp>
+          <p:nvSpPr>
+            <p:cNvPr id="29" name="Oval 28"/>
+            <p:cNvSpPr/>
+            <p:nvPr/>
+          </p:nvSpPr>
+          <p:spPr>
+            <a:xfrm>
+              <a:off x="651642" y="3804743"/>
+              <a:ext cx="1774168" cy="1114097"/>
+            </a:xfrm>
+            <a:prstGeom prst="ellipse">
+              <a:avLst/>
+            </a:prstGeom>
+            <a:noFill/>
+          </p:spPr>
+          <p:style>
+            <a:lnRef idx="2">
+              <a:schemeClr val="accent1">
+                <a:shade val="50000"/>
+              </a:schemeClr>
+            </a:lnRef>
+            <a:fillRef idx="1">
+              <a:schemeClr val="accent1"/>
+            </a:fillRef>
+            <a:effectRef idx="0">
+              <a:schemeClr val="accent1"/>
+            </a:effectRef>
+            <a:fontRef idx="minor">
+              <a:schemeClr val="lt1"/>
+            </a:fontRef>
+          </p:style>
+          <p:txBody>
+            <a:bodyPr rtlCol="0" anchor="ctr"/>
+            <a:lstStyle/>
+            <a:p>
+              <a:pPr algn="ctr"/>
+              <a:endParaRPr lang="en-US"/>
+            </a:p>
+          </p:txBody>
+        </p:sp>
+        <p:sp>
+          <p:nvSpPr>
+            <p:cNvPr id="30" name="TextBox 29"/>
+            <p:cNvSpPr txBox="1"/>
+            <p:nvPr/>
+          </p:nvSpPr>
+          <p:spPr>
+            <a:xfrm>
+              <a:off x="846283" y="4038628"/>
+              <a:ext cx="1371600" cy="646331"/>
+            </a:xfrm>
+            <a:prstGeom prst="rect">
+              <a:avLst/>
+            </a:prstGeom>
+            <a:noFill/>
+          </p:spPr>
+          <p:txBody>
+            <a:bodyPr wrap="square" rtlCol="0">
+              <a:spAutoFit/>
+            </a:bodyPr>
+            <a:lstStyle/>
+            <a:p>
+              <a:pPr algn="ctr"/>
+              <a:r>
+                <a:rPr lang="en-US" dirty="0" err="1"/>
+                <a:t>Paradigma</a:t>
+              </a:r>
+              <a:r>
+                <a:rPr lang="en-US" dirty="0"/>
                 <a:t> PPL</a:t>
               </a:r>
               <a:endParaRPr lang="en-US" dirty="0"/>
@@ -12841,12 +13161,8 @@
           <a:p>
             <a:pPr lvl="1"/>
             <a:r>
-              <a:rPr lang="en-US" dirty="0" err="1"/>
-              <a:t>ProbLog</a:t>
-            </a:r>
-            <a:r>
-              <a:rPr lang="en-US" dirty="0"/>
-              <a:t> </a:t>
+              <a:rPr lang="en-US" dirty="0" smtClean="0"/>
+              <a:t>ProbLog2 </a:t>
             </a:r>
             <a:r>
               <a:rPr lang="en-US" dirty="0" err="1"/>
@@ -15195,24 +15511,18 @@
       </p:sp>
       <p:sp>
         <p:nvSpPr>
-          <p:cNvPr id="11" name="Rectangle 10"/>
+          <p:cNvPr id="29" name="Oval 28"/>
           <p:cNvSpPr/>
           <p:nvPr/>
         </p:nvSpPr>
         <p:spPr>
           <a:xfrm>
-            <a:off x="3667125" y="1693314"/>
-            <a:ext cx="452437" cy="459336"/>
+            <a:off x="2915602" y="1401982"/>
+            <a:ext cx="146237" cy="138113"/>
           </a:xfrm>
-          <a:prstGeom prst="rect">
+          <a:prstGeom prst="ellipse">
             <a:avLst/>
           </a:prstGeom>
-          <a:noFill/>
-          <a:ln w="28575">
-            <a:solidFill>
-              <a:schemeClr val="bg1"/>
-            </a:solidFill>
-          </a:ln>
         </p:spPr>
         <p:style>
           <a:lnRef idx="2">
@@ -15241,24 +15551,18 @@
       </p:sp>
       <p:sp>
         <p:nvSpPr>
-          <p:cNvPr id="13" name="Rectangle 12"/>
+          <p:cNvPr id="30" name="Oval 29"/>
           <p:cNvSpPr/>
           <p:nvPr/>
         </p:nvSpPr>
         <p:spPr>
           <a:xfrm>
-            <a:off x="4119563" y="1693314"/>
-            <a:ext cx="452437" cy="459336"/>
+            <a:off x="3814762" y="1844993"/>
+            <a:ext cx="146237" cy="138113"/>
           </a:xfrm>
-          <a:prstGeom prst="rect">
+          <a:prstGeom prst="ellipse">
             <a:avLst/>
           </a:prstGeom>
-          <a:noFill/>
-          <a:ln w="28575">
-            <a:solidFill>
-              <a:schemeClr val="bg1"/>
-            </a:solidFill>
-          </a:ln>
         </p:spPr>
         <p:style>
           <a:lnRef idx="2">
@@ -15287,24 +15591,18 @@
       </p:sp>
       <p:sp>
         <p:nvSpPr>
-          <p:cNvPr id="14" name="Rectangle 13"/>
+          <p:cNvPr id="31" name="Oval 30"/>
           <p:cNvSpPr/>
           <p:nvPr/>
         </p:nvSpPr>
         <p:spPr>
           <a:xfrm>
-            <a:off x="2757488" y="1240876"/>
-            <a:ext cx="452437" cy="459336"/>
+            <a:off x="4271962" y="1852613"/>
+            <a:ext cx="146237" cy="138113"/>
           </a:xfrm>
-          <a:prstGeom prst="rect">
+          <a:prstGeom prst="ellipse">
             <a:avLst/>
           </a:prstGeom>
-          <a:noFill/>
-          <a:ln w="28575">
-            <a:solidFill>
-              <a:schemeClr val="bg1"/>
-            </a:solidFill>
-          </a:ln>
         </p:spPr>
         <p:style>
           <a:lnRef idx="2">
@@ -15333,24 +15631,18 @@
       </p:sp>
       <p:sp>
         <p:nvSpPr>
-          <p:cNvPr id="15" name="Rectangle 14"/>
+          <p:cNvPr id="32" name="Oval 31"/>
           <p:cNvSpPr/>
           <p:nvPr/>
         </p:nvSpPr>
         <p:spPr>
           <a:xfrm>
-            <a:off x="5934075" y="1240877"/>
-            <a:ext cx="452437" cy="459336"/>
+            <a:off x="6077902" y="1387793"/>
+            <a:ext cx="146237" cy="138113"/>
           </a:xfrm>
-          <a:prstGeom prst="rect">
+          <a:prstGeom prst="ellipse">
             <a:avLst/>
           </a:prstGeom>
-          <a:noFill/>
-          <a:ln w="28575">
-            <a:solidFill>
-              <a:schemeClr val="bg1"/>
-            </a:solidFill>
-          </a:ln>
         </p:spPr>
         <p:style>
           <a:lnRef idx="2">
@@ -15379,24 +15671,18 @@
       </p:sp>
       <p:sp>
         <p:nvSpPr>
-          <p:cNvPr id="16" name="Rectangle 15"/>
+          <p:cNvPr id="33" name="Oval 32"/>
           <p:cNvSpPr/>
           <p:nvPr/>
         </p:nvSpPr>
         <p:spPr>
           <a:xfrm>
-            <a:off x="6386513" y="2145751"/>
-            <a:ext cx="452437" cy="459336"/>
+            <a:off x="6527482" y="2294573"/>
+            <a:ext cx="146237" cy="138113"/>
           </a:xfrm>
-          <a:prstGeom prst="rect">
+          <a:prstGeom prst="ellipse">
             <a:avLst/>
           </a:prstGeom>
-          <a:noFill/>
-          <a:ln w="28575">
-            <a:solidFill>
-              <a:schemeClr val="bg1"/>
-            </a:solidFill>
-          </a:ln>
         </p:spPr>
         <p:style>
           <a:lnRef idx="2">
@@ -15425,24 +15711,18 @@
       </p:sp>
       <p:sp>
         <p:nvSpPr>
-          <p:cNvPr id="17" name="Rectangle 16"/>
+          <p:cNvPr id="34" name="Oval 33"/>
           <p:cNvSpPr/>
           <p:nvPr/>
         </p:nvSpPr>
         <p:spPr>
           <a:xfrm>
-            <a:off x="3667125" y="2140989"/>
-            <a:ext cx="452437" cy="459336"/>
+            <a:off x="3814762" y="2317433"/>
+            <a:ext cx="146237" cy="138113"/>
           </a:xfrm>
-          <a:prstGeom prst="rect">
+          <a:prstGeom prst="ellipse">
             <a:avLst/>
           </a:prstGeom>
-          <a:noFill/>
-          <a:ln w="28575">
-            <a:solidFill>
-              <a:schemeClr val="bg1"/>
-            </a:solidFill>
-          </a:ln>
         </p:spPr>
         <p:style>
           <a:lnRef idx="2">
@@ -15471,24 +15751,18 @@
       </p:sp>
       <p:sp>
         <p:nvSpPr>
-          <p:cNvPr id="18" name="Rectangle 17"/>
+          <p:cNvPr id="35" name="Oval 34"/>
           <p:cNvSpPr/>
           <p:nvPr/>
         </p:nvSpPr>
         <p:spPr>
           <a:xfrm>
-            <a:off x="2305050" y="3050627"/>
-            <a:ext cx="452437" cy="459336"/>
+            <a:off x="5635942" y="2759393"/>
+            <a:ext cx="146237" cy="138113"/>
           </a:xfrm>
-          <a:prstGeom prst="rect">
+          <a:prstGeom prst="ellipse">
             <a:avLst/>
           </a:prstGeom>
-          <a:noFill/>
-          <a:ln w="28575">
-            <a:solidFill>
-              <a:schemeClr val="bg1"/>
-            </a:solidFill>
-          </a:ln>
         </p:spPr>
         <p:style>
           <a:lnRef idx="2">
@@ -15517,24 +15791,18 @@
       </p:sp>
       <p:sp>
         <p:nvSpPr>
-          <p:cNvPr id="19" name="Rectangle 18"/>
+          <p:cNvPr id="36" name="Oval 35"/>
           <p:cNvSpPr/>
           <p:nvPr/>
         </p:nvSpPr>
         <p:spPr>
           <a:xfrm>
-            <a:off x="5476875" y="2598189"/>
-            <a:ext cx="452437" cy="459336"/>
+            <a:off x="5628322" y="3224213"/>
+            <a:ext cx="146237" cy="138113"/>
           </a:xfrm>
-          <a:prstGeom prst="rect">
+          <a:prstGeom prst="ellipse">
             <a:avLst/>
           </a:prstGeom>
-          <a:noFill/>
-          <a:ln w="28575">
-            <a:solidFill>
-              <a:schemeClr val="bg1"/>
-            </a:solidFill>
-          </a:ln>
         </p:spPr>
         <p:style>
           <a:lnRef idx="2">
@@ -15563,24 +15831,18 @@
       </p:sp>
       <p:sp>
         <p:nvSpPr>
-          <p:cNvPr id="20" name="Rectangle 19"/>
+          <p:cNvPr id="37" name="Oval 36"/>
           <p:cNvSpPr/>
           <p:nvPr/>
         </p:nvSpPr>
         <p:spPr>
           <a:xfrm>
-            <a:off x="5479256" y="3050627"/>
-            <a:ext cx="452437" cy="459336"/>
+            <a:off x="2443162" y="3216593"/>
+            <a:ext cx="146237" cy="138113"/>
           </a:xfrm>
-          <a:prstGeom prst="rect">
+          <a:prstGeom prst="ellipse">
             <a:avLst/>
           </a:prstGeom>
-          <a:noFill/>
-          <a:ln w="28575">
-            <a:solidFill>
-              <a:schemeClr val="bg1"/>
-            </a:solidFill>
-          </a:ln>
         </p:spPr>
         <p:style>
           <a:lnRef idx="2">
@@ -15609,24 +15871,18 @@
       </p:sp>
       <p:sp>
         <p:nvSpPr>
-          <p:cNvPr id="21" name="Rectangle 20"/>
+          <p:cNvPr id="38" name="Oval 37"/>
           <p:cNvSpPr/>
           <p:nvPr/>
         </p:nvSpPr>
         <p:spPr>
           <a:xfrm>
-            <a:off x="4571999" y="3505446"/>
-            <a:ext cx="452437" cy="459336"/>
+            <a:off x="2907982" y="3673793"/>
+            <a:ext cx="146237" cy="138113"/>
           </a:xfrm>
-          <a:prstGeom prst="rect">
+          <a:prstGeom prst="ellipse">
             <a:avLst/>
           </a:prstGeom>
-          <a:noFill/>
-          <a:ln w="28575">
-            <a:solidFill>
-              <a:schemeClr val="bg1"/>
-            </a:solidFill>
-          </a:ln>
         </p:spPr>
         <p:style>
           <a:lnRef idx="2">
@@ -15655,24 +15911,18 @@
       </p:sp>
       <p:sp>
         <p:nvSpPr>
-          <p:cNvPr id="22" name="Rectangle 21"/>
+          <p:cNvPr id="39" name="Oval 38"/>
           <p:cNvSpPr/>
           <p:nvPr/>
         </p:nvSpPr>
         <p:spPr>
           <a:xfrm>
-            <a:off x="4571999" y="3955502"/>
-            <a:ext cx="452437" cy="459336"/>
+            <a:off x="3365182" y="4115753"/>
+            <a:ext cx="146237" cy="138113"/>
           </a:xfrm>
-          <a:prstGeom prst="rect">
+          <a:prstGeom prst="ellipse">
             <a:avLst/>
           </a:prstGeom>
-          <a:noFill/>
-          <a:ln w="28575">
-            <a:solidFill>
-              <a:schemeClr val="bg1"/>
-            </a:solidFill>
-          </a:ln>
         </p:spPr>
         <p:style>
           <a:lnRef idx="2">
@@ -15701,24 +15951,18 @@
       </p:sp>
       <p:sp>
         <p:nvSpPr>
-          <p:cNvPr id="23" name="Rectangle 22"/>
+          <p:cNvPr id="40" name="Oval 39"/>
           <p:cNvSpPr/>
           <p:nvPr/>
         </p:nvSpPr>
         <p:spPr>
           <a:xfrm>
-            <a:off x="5934074" y="3955502"/>
-            <a:ext cx="452437" cy="459336"/>
+            <a:off x="3814762" y="4123373"/>
+            <a:ext cx="146237" cy="138113"/>
           </a:xfrm>
-          <a:prstGeom prst="rect">
+          <a:prstGeom prst="ellipse">
             <a:avLst/>
           </a:prstGeom>
-          <a:noFill/>
-          <a:ln w="28575">
-            <a:solidFill>
-              <a:schemeClr val="bg1"/>
-            </a:solidFill>
-          </a:ln>
         </p:spPr>
         <p:style>
           <a:lnRef idx="2">
@@ -15747,24 +15991,18 @@
       </p:sp>
       <p:sp>
         <p:nvSpPr>
-          <p:cNvPr id="24" name="Rectangle 23"/>
+          <p:cNvPr id="41" name="Oval 40"/>
           <p:cNvSpPr/>
           <p:nvPr/>
         </p:nvSpPr>
         <p:spPr>
           <a:xfrm>
-            <a:off x="6393655" y="3957884"/>
-            <a:ext cx="452437" cy="459336"/>
+            <a:off x="4713922" y="3658553"/>
+            <a:ext cx="146237" cy="138113"/>
           </a:xfrm>
-          <a:prstGeom prst="rect">
+          <a:prstGeom prst="ellipse">
             <a:avLst/>
           </a:prstGeom>
-          <a:noFill/>
-          <a:ln w="28575">
-            <a:solidFill>
-              <a:schemeClr val="bg1"/>
-            </a:solidFill>
-          </a:ln>
         </p:spPr>
         <p:style>
           <a:lnRef idx="2">
@@ -15793,24 +16031,18 @@
       </p:sp>
       <p:sp>
         <p:nvSpPr>
-          <p:cNvPr id="25" name="Rectangle 24"/>
+          <p:cNvPr id="42" name="Oval 41"/>
           <p:cNvSpPr/>
           <p:nvPr/>
         </p:nvSpPr>
         <p:spPr>
           <a:xfrm>
-            <a:off x="2755105" y="3505446"/>
-            <a:ext cx="452437" cy="459336"/>
+            <a:off x="4721542" y="4130993"/>
+            <a:ext cx="146237" cy="138113"/>
           </a:xfrm>
-          <a:prstGeom prst="rect">
+          <a:prstGeom prst="ellipse">
             <a:avLst/>
           </a:prstGeom>
-          <a:noFill/>
-          <a:ln w="28575">
-            <a:solidFill>
-              <a:schemeClr val="bg1"/>
-            </a:solidFill>
-          </a:ln>
         </p:spPr>
         <p:style>
           <a:lnRef idx="2">
@@ -15839,24 +16071,18 @@
       </p:sp>
       <p:sp>
         <p:nvSpPr>
-          <p:cNvPr id="26" name="Rectangle 25"/>
+          <p:cNvPr id="43" name="Oval 42"/>
           <p:cNvSpPr/>
           <p:nvPr/>
         </p:nvSpPr>
         <p:spPr>
           <a:xfrm>
-            <a:off x="3207543" y="3955502"/>
-            <a:ext cx="452437" cy="459336"/>
+            <a:off x="6085522" y="4108133"/>
+            <a:ext cx="146237" cy="138113"/>
           </a:xfrm>
-          <a:prstGeom prst="rect">
+          <a:prstGeom prst="ellipse">
             <a:avLst/>
           </a:prstGeom>
-          <a:noFill/>
-          <a:ln w="28575">
-            <a:solidFill>
-              <a:schemeClr val="bg1"/>
-            </a:solidFill>
-          </a:ln>
         </p:spPr>
         <p:style>
           <a:lnRef idx="2">
@@ -15885,24 +16111,18 @@
       </p:sp>
       <p:sp>
         <p:nvSpPr>
-          <p:cNvPr id="27" name="Rectangle 26"/>
+          <p:cNvPr id="44" name="Oval 43"/>
           <p:cNvSpPr/>
           <p:nvPr/>
         </p:nvSpPr>
         <p:spPr>
           <a:xfrm>
-            <a:off x="3667124" y="3955503"/>
-            <a:ext cx="452437" cy="459336"/>
+            <a:off x="6535102" y="4115753"/>
+            <a:ext cx="146237" cy="138113"/>
           </a:xfrm>
-          <a:prstGeom prst="rect">
+          <a:prstGeom prst="ellipse">
             <a:avLst/>
           </a:prstGeom>
-          <a:noFill/>
-          <a:ln w="28575">
-            <a:solidFill>
-              <a:schemeClr val="bg1"/>
-            </a:solidFill>
-          </a:ln>
         </p:spPr>
         <p:style>
           <a:lnRef idx="2">
@@ -15931,24 +16151,18 @@
       </p:sp>
       <p:sp>
         <p:nvSpPr>
-          <p:cNvPr id="28" name="Rectangle 27"/>
+          <p:cNvPr id="45" name="Oval 44"/>
           <p:cNvSpPr/>
           <p:nvPr/>
         </p:nvSpPr>
         <p:spPr>
           <a:xfrm>
-            <a:off x="6384130" y="4865934"/>
-            <a:ext cx="452437" cy="459336"/>
+            <a:off x="6542722" y="5030153"/>
+            <a:ext cx="146237" cy="138113"/>
           </a:xfrm>
-          <a:prstGeom prst="rect">
+          <a:prstGeom prst="ellipse">
             <a:avLst/>
           </a:prstGeom>
-          <a:noFill/>
-          <a:ln w="28575">
-            <a:solidFill>
-              <a:schemeClr val="bg1"/>
-            </a:solidFill>
-          </a:ln>
         </p:spPr>
         <p:style>
           <a:lnRef idx="2">
@@ -16175,15 +16389,7 @@
           <a:p>
             <a:r>
               <a:rPr lang="nl-BE" dirty="0" smtClean="0"/>
-              <a:t>Er wordt </a:t>
-            </a:r>
-            <a:r>
-              <a:rPr lang="nl-BE" dirty="0" smtClean="0"/>
-              <a:t>uniform 1 blok gekozen uit de 48 mogelijke opties </a:t>
-            </a:r>
-            <a:r>
-              <a:rPr lang="nl-BE" dirty="0" smtClean="0"/>
-              <a:t>om op te drukken</a:t>
+              <a:t>Er wordt uniform 1 blok gekozen uit de 48 mogelijke opties om op te drukken</a:t>
             </a:r>
             <a:endParaRPr lang="nl-BE" dirty="0"/>
           </a:p>
@@ -18475,10 +18681,9 @@
               <a:t>ProbLog</a:t>
             </a:r>
             <a:r>
-              <a:rPr lang="en-US" smtClean="0"/>
+              <a:rPr lang="en-US" dirty="0" smtClean="0"/>
               <a:t>.</a:t>
             </a:r>
-            <a:endParaRPr lang="en-US" dirty="0" smtClean="0"/>
           </a:p>
           <a:p>
             <a:r>
@@ -18517,6 +18722,7 @@
               <a:rPr lang="en-US" dirty="0" smtClean="0"/>
               <a:t>.</a:t>
             </a:r>
+            <a:endParaRPr lang="en-US" dirty="0" smtClean="0"/>
           </a:p>
           <a:p>
             <a:r>
@@ -18528,20 +18734,20 @@
               <a:t> </a:t>
             </a:r>
             <a:r>
+              <a:rPr lang="en-US" dirty="0" smtClean="0"/>
+              <a:t>PPL </a:t>
+            </a:r>
+            <a:r>
               <a:rPr lang="en-US" dirty="0" err="1" smtClean="0"/>
-              <a:t>taal</a:t>
+              <a:t>implementeren</a:t>
             </a:r>
             <a:r>
               <a:rPr lang="en-US" dirty="0" smtClean="0"/>
               <a:t> </a:t>
             </a:r>
             <a:r>
-              <a:rPr lang="en-US" dirty="0" err="1" smtClean="0"/>
-              <a:t>implementeren</a:t>
-            </a:r>
-            <a:r>
               <a:rPr lang="en-US" dirty="0" smtClean="0"/>
-              <a:t> en </a:t>
+              <a:t>en </a:t>
             </a:r>
             <a:r>
               <a:rPr lang="en-US" dirty="0" err="1" smtClean="0"/>
@@ -18551,7 +18757,6 @@
               <a:rPr lang="en-US" dirty="0" smtClean="0"/>
               <a:t>.</a:t>
             </a:r>
-            <a:endParaRPr lang="en-US" dirty="0" smtClean="0"/>
           </a:p>
           <a:p>
             <a:endParaRPr lang="en-US" dirty="0"/>
@@ -19482,7 +19687,7 @@
         <p:spPr>
           <a:xfrm>
             <a:off x="1460938" y="5034455"/>
-            <a:ext cx="6222124" cy="923330"/>
+            <a:ext cx="6222124" cy="646331"/>
           </a:xfrm>
           <a:prstGeom prst="rect">
             <a:avLst/>
@@ -19537,11 +19742,11 @@
             </a:r>
             <a:r>
               <a:rPr lang="en-US" dirty="0" err="1" smtClean="0"/>
-              <a:t>niet</a:t>
+              <a:t>eerlijk</a:t>
             </a:r>
             <a:r>
               <a:rPr lang="en-US" dirty="0" smtClean="0"/>
-              <a:t> biased is </a:t>
+              <a:t> is </a:t>
             </a:r>
             <a:r>
               <a:rPr lang="en-US" dirty="0" err="1" smtClean="0"/>
@@ -19877,8 +20082,8 @@
             <a:p>
               <a:pPr algn="ctr"/>
               <a:r>
-                <a:rPr lang="en-US" dirty="0" err="1" smtClean="0"/>
-                <a:t>ProbLog</a:t>
+                <a:rPr lang="en-US" dirty="0" smtClean="0"/>
+                <a:t>ProbLog2</a:t>
               </a:r>
               <a:endParaRPr lang="en-US" dirty="0"/>
             </a:p>
@@ -20431,8 +20636,8 @@
             <a:p>
               <a:pPr algn="ctr"/>
               <a:r>
-                <a:rPr lang="en-US" dirty="0" err="1" smtClean="0"/>
-                <a:t>ProbLog</a:t>
+                <a:rPr lang="en-US" dirty="0" smtClean="0"/>
+                <a:t>ProbLog2</a:t>
               </a:r>
               <a:endParaRPr lang="en-US" dirty="0"/>
             </a:p>
@@ -21650,8 +21855,8 @@
             <a:p>
               <a:pPr algn="ctr"/>
               <a:r>
-                <a:rPr lang="en-US" dirty="0" err="1" smtClean="0"/>
-                <a:t>ProbLog</a:t>
+                <a:rPr lang="en-US" dirty="0" smtClean="0"/>
+                <a:t>ProbLog2</a:t>
               </a:r>
               <a:endParaRPr lang="en-US" dirty="0"/>
             </a:p>
@@ -22050,7 +22255,7 @@
   <a:extraClrSchemeLst/>
   <a:extLst>
     <a:ext uri="{05A4C25C-085E-4340-85A3-A5531E510DB2}">
-      <thm15:themeFamily xmlns="" xmlns:thm15="http://schemas.microsoft.com/office/thememl/2012/main" name="Office Theme" id="{62F939B6-93AF-4DB8-9C6B-D6C7DFDC589F}" vid="{4A3C46E8-61CC-4603-A589-7422A47A8E4A}"/>
+      <thm15:themeFamily xmlns:thm15="http://schemas.microsoft.com/office/thememl/2012/main" xmlns="" name="Office Theme" id="{62F939B6-93AF-4DB8-9C6B-D6C7DFDC589F}" vid="{4A3C46E8-61CC-4603-A589-7422A47A8E4A}"/>
     </a:ext>
   </a:extLst>
 </a:theme>
@@ -22311,7 +22516,7 @@
   <a:extraClrSchemeLst/>
   <a:extLst>
     <a:ext uri="{05A4C25C-085E-4340-85A3-A5531E510DB2}">
-      <thm15:themeFamily xmlns="" xmlns:thm15="http://schemas.microsoft.com/office/thememl/2012/main" name="Office Theme" id="{62F939B6-93AF-4DB8-9C6B-D6C7DFDC589F}" vid="{4A3C46E8-61CC-4603-A589-7422A47A8E4A}"/>
+      <thm15:themeFamily xmlns:thm15="http://schemas.microsoft.com/office/thememl/2012/main" xmlns="" name="Office Theme" id="{62F939B6-93AF-4DB8-9C6B-D6C7DFDC589F}" vid="{4A3C46E8-61CC-4603-A589-7422A47A8E4A}"/>
     </a:ext>
   </a:extLst>
 </a:theme>
@@ -22572,7 +22777,7 @@
   <a:extraClrSchemeLst/>
   <a:extLst>
     <a:ext uri="{05A4C25C-085E-4340-85A3-A5531E510DB2}">
-      <thm15:themeFamily xmlns="" xmlns:thm15="http://schemas.microsoft.com/office/thememl/2012/main" name="Office Theme" id="{62F939B6-93AF-4DB8-9C6B-D6C7DFDC589F}" vid="{4A3C46E8-61CC-4603-A589-7422A47A8E4A}"/>
+      <thm15:themeFamily xmlns:thm15="http://schemas.microsoft.com/office/thememl/2012/main" xmlns="" name="Office Theme" id="{62F939B6-93AF-4DB8-9C6B-D6C7DFDC589F}" vid="{4A3C46E8-61CC-4603-A589-7422A47A8E4A}"/>
     </a:ext>
   </a:extLst>
 </a:theme>

--- a/thesis/presentations/2 second/second.pptx
+++ b/thesis/presentations/2 second/second.pptx
@@ -140,7 +140,7 @@
   </p:defaultTextStyle>
   <p:extLst>
     <p:ext uri="{EFAFB233-063F-42B5-8137-9DF3F51BA10A}">
-      <p15:sldGuideLst xmlns:p15="http://schemas.microsoft.com/office/powerpoint/2012/main" xmlns="">
+      <p15:sldGuideLst xmlns="" xmlns:p15="http://schemas.microsoft.com/office/powerpoint/2012/main">
         <p15:guide id="1" orient="horz" pos="2160" userDrawn="1">
           <p15:clr>
             <a:srgbClr val="A4A3A4"/>
@@ -181,16 +181,8 @@
               <a:defRPr/>
             </a:pPr>
             <a:r>
-              <a:rPr lang="en-US" dirty="0" smtClean="0"/>
-              <a:t>Score</a:t>
-            </a:r>
-            <a:r>
-              <a:rPr lang="en-US" baseline="0" dirty="0" smtClean="0"/>
-              <a:t> </a:t>
-            </a:r>
-            <a:r>
-              <a:rPr lang="en-US" baseline="0" dirty="0" err="1" smtClean="0"/>
-              <a:t>k</a:t>
+              <a:rPr lang="en-US" baseline="0" dirty="0" err="1" smtClean="0"/>
+              <a:t>K</a:t>
             </a:r>
             <a:r>
               <a:rPr lang="en-US" dirty="0" err="1" smtClean="0"/>
@@ -206,7 +198,21 @@
             </a:r>
             <a:r>
               <a:rPr lang="en-US" baseline="0" dirty="0" smtClean="0"/>
-              <a:t> van 3x3 </a:t>
+              <a:t> van </a:t>
+            </a:r>
+            <a:r>
+              <a:rPr lang="en-US" sz="2160" b="1" i="0" u="none" strike="noStrike" baseline="0" dirty="0" smtClean="0">
+                <a:effectLst/>
+              </a:rPr>
+              <a:t>score</a:t>
+            </a:r>
+            <a:r>
+              <a:rPr lang="en-US" baseline="0" dirty="0" smtClean="0"/>
+              <a:t> </a:t>
+            </a:r>
+            <a:r>
+              <a:rPr lang="en-US" baseline="0" dirty="0" smtClean="0"/>
+              <a:t>van 3x3 </a:t>
             </a:r>
             <a:r>
               <a:rPr lang="en-US" baseline="0" dirty="0" err="1" smtClean="0"/>
@@ -425,11 +431,11 @@
           <c:showBubbleSize val="0"/>
         </c:dLbls>
         <c:gapWidth val="150"/>
-        <c:axId val="130548480"/>
-        <c:axId val="130550400"/>
+        <c:axId val="130329600"/>
+        <c:axId val="130335872"/>
       </c:barChart>
       <c:catAx>
-        <c:axId val="130548480"/>
+        <c:axId val="130329600"/>
         <c:scaling>
           <c:orientation val="minMax"/>
         </c:scaling>
@@ -459,7 +465,7 @@
         <c:majorTickMark val="out"/>
         <c:minorTickMark val="none"/>
         <c:tickLblPos val="nextTo"/>
-        <c:crossAx val="130550400"/>
+        <c:crossAx val="130335872"/>
         <c:crosses val="autoZero"/>
         <c:auto val="1"/>
         <c:lblAlgn val="ctr"/>
@@ -467,7 +473,7 @@
         <c:noMultiLvlLbl val="0"/>
       </c:catAx>
       <c:valAx>
-        <c:axId val="130550400"/>
+        <c:axId val="130335872"/>
         <c:scaling>
           <c:orientation val="minMax"/>
         </c:scaling>
@@ -498,7 +504,7 @@
         <c:majorTickMark val="out"/>
         <c:minorTickMark val="none"/>
         <c:tickLblPos val="nextTo"/>
-        <c:crossAx val="130548480"/>
+        <c:crossAx val="130329600"/>
         <c:crosses val="autoZero"/>
         <c:crossBetween val="between"/>
       </c:valAx>
@@ -610,7 +616,7 @@
           <a:p>
             <a:fld id="{D6D09D9E-0F22-44ED-B43C-3F44EA87E898}" type="datetimeFigureOut">
               <a:rPr lang="en-US" smtClean="0"/>
-              <a:t>25-Nov-17</a:t>
+              <a:t>26-Nov-17</a:t>
             </a:fld>
             <a:endParaRPr lang="en-US"/>
           </a:p>
@@ -775,7 +781,7 @@
           <a:p>
             <a:fld id="{554F67E3-005B-4A5B-A64B-4E620D6532D3}" type="datetimeFigureOut">
               <a:rPr lang="nl-NL" smtClean="0"/>
-              <a:t>25-11-2017</a:t>
+              <a:t>26-11-2017</a:t>
             </a:fld>
             <a:endParaRPr lang="nl-NL"/>
           </a:p>
@@ -1718,11 +1724,7 @@
             </a:r>
             <a:r>
               <a:rPr lang="en-US" baseline="0" dirty="0" smtClean="0"/>
-              <a:t> </a:t>
-            </a:r>
-            <a:r>
-              <a:rPr lang="en-US" baseline="0" dirty="0" smtClean="0"/>
-              <a:t>PPL of van </a:t>
+              <a:t> PPL of van </a:t>
             </a:r>
             <a:r>
               <a:rPr lang="en-US" baseline="0" dirty="0" err="1" smtClean="0"/>
@@ -5685,11 +5687,7 @@
             </a:r>
             <a:r>
               <a:rPr lang="en-US" baseline="0" dirty="0" smtClean="0"/>
-              <a:t> in </a:t>
-            </a:r>
-            <a:r>
-              <a:rPr lang="en-US" baseline="0" dirty="0" smtClean="0"/>
-              <a:t>de </a:t>
+              <a:t> in de </a:t>
             </a:r>
             <a:r>
               <a:rPr lang="en-US" baseline="0" dirty="0" err="1" smtClean="0"/>
@@ -6288,7 +6286,7 @@
   </p:clrMapOvr>
   <p:extLst mod="1">
     <p:ext uri="{DCECCB84-F9BA-43D5-87BE-67443E8EF086}">
-      <p15:sldGuideLst xmlns:p15="http://schemas.microsoft.com/office/powerpoint/2012/main" xmlns="">
+      <p15:sldGuideLst xmlns="" xmlns:p15="http://schemas.microsoft.com/office/powerpoint/2012/main">
         <p15:guide id="1" orient="horz" pos="3929" userDrawn="1">
           <p15:clr>
             <a:srgbClr val="FBAE40"/>
@@ -6599,7 +6597,7 @@
   </p:clrMapOvr>
   <p:extLst mod="1">
     <p:ext uri="{DCECCB84-F9BA-43D5-87BE-67443E8EF086}">
-      <p15:sldGuideLst xmlns:p15="http://schemas.microsoft.com/office/powerpoint/2012/main" xmlns="">
+      <p15:sldGuideLst xmlns="" xmlns:p15="http://schemas.microsoft.com/office/powerpoint/2012/main">
         <p15:guide id="1" orient="horz" pos="3929">
           <p15:clr>
             <a:srgbClr val="FBAE40"/>
@@ -6887,7 +6885,7 @@
           <a:p>
             <a:fld id="{BA252000-72D1-4588-81D0-A21B268C4F60}" type="datetime1">
               <a:rPr lang="nl-BE" smtClean="0"/>
-              <a:t>25/11/2017</a:t>
+              <a:t>26/11/2017</a:t>
             </a:fld>
             <a:endParaRPr lang="nl-NL" dirty="0"/>
           </a:p>
@@ -6952,7 +6950,7 @@
   </p:clrMapOvr>
   <p:extLst mod="1">
     <p:ext uri="{DCECCB84-F9BA-43D5-87BE-67443E8EF086}">
-      <p15:sldGuideLst xmlns:p15="http://schemas.microsoft.com/office/powerpoint/2012/main" xmlns="">
+      <p15:sldGuideLst xmlns="" xmlns:p15="http://schemas.microsoft.com/office/powerpoint/2012/main">
         <p15:guide id="1" orient="horz" pos="2160">
           <p15:clr>
             <a:srgbClr val="FBAE40"/>
@@ -7194,7 +7192,7 @@
           <a:p>
             <a:fld id="{51B5EE41-54AE-48CB-8D18-4748453B9BC8}" type="datetime1">
               <a:rPr lang="nl-BE" smtClean="0"/>
-              <a:t>25/11/2017</a:t>
+              <a:t>26/11/2017</a:t>
             </a:fld>
             <a:endParaRPr lang="nl-NL" dirty="0"/>
           </a:p>
@@ -7259,7 +7257,7 @@
   </p:clrMapOvr>
   <p:extLst mod="1">
     <p:ext uri="{DCECCB84-F9BA-43D5-87BE-67443E8EF086}">
-      <p15:sldGuideLst xmlns:p15="http://schemas.microsoft.com/office/powerpoint/2012/main" xmlns="">
+      <p15:sldGuideLst xmlns="" xmlns:p15="http://schemas.microsoft.com/office/powerpoint/2012/main">
         <p15:guide id="1" orient="horz" pos="2160">
           <p15:clr>
             <a:srgbClr val="FBAE40"/>
@@ -7310,7 +7308,7 @@
           <a:p>
             <a:fld id="{325CFB26-3E0B-43F3-B1DB-8FF4C39B3D0D}" type="datetime1">
               <a:rPr lang="nl-BE" smtClean="0"/>
-              <a:t>25/11/2017</a:t>
+              <a:t>26/11/2017</a:t>
             </a:fld>
             <a:endParaRPr lang="nl-NL" dirty="0"/>
           </a:p>
@@ -7700,7 +7698,7 @@
           <a:p>
             <a:fld id="{DC4FC34B-922A-43D1-878B-5EF44FE511A8}" type="datetime1">
               <a:rPr lang="nl-BE" smtClean="0"/>
-              <a:t>25/11/2017</a:t>
+              <a:t>26/11/2017</a:t>
             </a:fld>
             <a:endParaRPr lang="nl-NL" dirty="0"/>
           </a:p>
@@ -7819,7 +7817,7 @@
   </p:clrMapOvr>
   <p:extLst mod="1">
     <p:ext uri="{DCECCB84-F9BA-43D5-87BE-67443E8EF086}">
-      <p15:sldGuideLst xmlns:p15="http://schemas.microsoft.com/office/powerpoint/2012/main" xmlns="">
+      <p15:sldGuideLst xmlns="" xmlns:p15="http://schemas.microsoft.com/office/powerpoint/2012/main">
         <p15:guide id="1" orient="horz" pos="2160" userDrawn="1">
           <p15:clr>
             <a:srgbClr val="FBAE40"/>
@@ -8031,7 +8029,7 @@
           <a:p>
             <a:fld id="{FD918A91-1924-4471-9808-ACB04D0ED8EA}" type="datetime1">
               <a:rPr lang="nl-BE" smtClean="0"/>
-              <a:t>25/11/2017</a:t>
+              <a:t>26/11/2017</a:t>
             </a:fld>
             <a:endParaRPr lang="nl-NL" dirty="0"/>
           </a:p>
@@ -8150,7 +8148,7 @@
   </p:clrMapOvr>
   <p:extLst mod="1">
     <p:ext uri="{DCECCB84-F9BA-43D5-87BE-67443E8EF086}">
-      <p15:sldGuideLst xmlns:p15="http://schemas.microsoft.com/office/powerpoint/2012/main" xmlns="">
+      <p15:sldGuideLst xmlns="" xmlns:p15="http://schemas.microsoft.com/office/powerpoint/2012/main">
         <p15:guide id="1" orient="horz" pos="2160" userDrawn="1">
           <p15:clr>
             <a:srgbClr val="FBAE40"/>
@@ -8321,7 +8319,7 @@
           <a:p>
             <a:fld id="{EA5FBAB9-5FA3-46D6-A3EF-8850D13E3E94}" type="datetime1">
               <a:rPr lang="nl-BE" smtClean="0"/>
-              <a:t>25/11/2017</a:t>
+              <a:t>26/11/2017</a:t>
             </a:fld>
             <a:endParaRPr lang="nl-NL" dirty="0"/>
           </a:p>
@@ -8700,7 +8698,7 @@
           <a:p>
             <a:fld id="{D02784A5-45C8-4246-ADE0-8842E3C66E5D}" type="datetime1">
               <a:rPr lang="nl-BE" smtClean="0"/>
-              <a:t>25/11/2017</a:t>
+              <a:t>26/11/2017</a:t>
             </a:fld>
             <a:endParaRPr lang="nl-NL" dirty="0"/>
           </a:p>
@@ -8823,7 +8821,7 @@
           <a:p>
             <a:fld id="{C477E6CE-7017-4F77-9645-5F8638D9B9E2}" type="datetime1">
               <a:rPr lang="nl-BE" smtClean="0"/>
-              <a:t>25/11/2017</a:t>
+              <a:t>26/11/2017</a:t>
             </a:fld>
             <a:endParaRPr lang="nl-NL" dirty="0"/>
           </a:p>
@@ -8946,7 +8944,7 @@
           <a:p>
             <a:fld id="{56055E81-6827-4C1D-AD12-F50C5BE907ED}" type="datetime1">
               <a:rPr lang="nl-BE" smtClean="0"/>
-              <a:t>25/11/2017</a:t>
+              <a:t>26/11/2017</a:t>
             </a:fld>
             <a:endParaRPr lang="nl-NL" dirty="0"/>
           </a:p>
@@ -9095,7 +9093,7 @@
           <a:p>
             <a:fld id="{F7042BA5-0515-4B7F-B8A4-B74FD521147B}" type="datetime1">
               <a:rPr lang="nl-BE" smtClean="0"/>
-              <a:t>25/11/2017</a:t>
+              <a:t>26/11/2017</a:t>
             </a:fld>
             <a:endParaRPr lang="nl-NL" dirty="0"/>
           </a:p>
@@ -9263,7 +9261,7 @@
           <a:p>
             <a:fld id="{09EF3F9E-B585-4D67-B28C-5D7ABCECB608}" type="datetime1">
               <a:rPr lang="nl-BE" smtClean="0"/>
-              <a:t>25/11/2017</a:t>
+              <a:t>26/11/2017</a:t>
             </a:fld>
             <a:endParaRPr lang="nl-NL" dirty="0"/>
           </a:p>
@@ -9777,7 +9775,7 @@
   </p:txStyles>
   <p:extLst mod="1">
     <p:ext uri="{27BBF7A9-308A-43DC-89C8-2F10F3537804}">
-      <p15:sldGuideLst xmlns:p15="http://schemas.microsoft.com/office/powerpoint/2012/main" xmlns="">
+      <p15:sldGuideLst xmlns="" xmlns:p15="http://schemas.microsoft.com/office/powerpoint/2012/main">
         <p15:guide id="1" orient="horz" pos="3816" userDrawn="1">
           <p15:clr>
             <a:srgbClr val="F26B43"/>
@@ -9901,7 +9899,7 @@
           <a:p>
             <a:fld id="{15BE6352-CF92-4CB8-B2C0-9F716CAEF608}" type="datetime1">
               <a:rPr lang="nl-BE" smtClean="0"/>
-              <a:t>25/11/2017</a:t>
+              <a:t>26/11/2017</a:t>
             </a:fld>
             <a:endParaRPr lang="nl-NL" dirty="0"/>
           </a:p>
@@ -10409,7 +10407,7 @@
   </p:txStyles>
   <p:extLst mod="1">
     <p:ext uri="{27BBF7A9-308A-43DC-89C8-2F10F3537804}">
-      <p15:sldGuideLst xmlns:p15="http://schemas.microsoft.com/office/powerpoint/2012/main" xmlns="">
+      <p15:sldGuideLst xmlns="" xmlns:p15="http://schemas.microsoft.com/office/powerpoint/2012/main">
         <p15:guide id="1" orient="horz" pos="1026" userDrawn="1">
           <p15:clr>
             <a:srgbClr val="F26B43"/>
@@ -11873,7 +11871,6 @@
                 <a:rPr lang="en-US" dirty="0"/>
                 <a:t> PPL</a:t>
               </a:r>
-              <a:endParaRPr lang="en-US" dirty="0"/>
             </a:p>
           </p:txBody>
         </p:sp>
@@ -12100,11 +12097,7 @@
               </a:r>
               <a:r>
                 <a:rPr lang="en-US" dirty="0" smtClean="0"/>
-                <a:t> </a:t>
-              </a:r>
-              <a:r>
-                <a:rPr lang="en-US" dirty="0" smtClean="0"/>
-                <a:t>PPL</a:t>
+                <a:t> PPL</a:t>
               </a:r>
               <a:endParaRPr lang="en-US" dirty="0"/>
             </a:p>
@@ -12237,7 +12230,6 @@
                 <a:rPr lang="en-US" dirty="0"/>
                 <a:t> PPL</a:t>
               </a:r>
-              <a:endParaRPr lang="en-US" dirty="0"/>
             </a:p>
           </p:txBody>
         </p:sp>
@@ -18426,7 +18418,7 @@
             <p:ph sz="quarter" idx="13"/>
             <p:extLst>
               <p:ext uri="{D42A27DB-BD31-4B8C-83A1-F6EECF244321}">
-                <p14:modId xmlns:p14="http://schemas.microsoft.com/office/powerpoint/2010/main" val="2814454932"/>
+                <p14:modId xmlns:p14="http://schemas.microsoft.com/office/powerpoint/2010/main" val="545286861"/>
               </p:ext>
             </p:extLst>
           </p:nvPr>
@@ -18722,7 +18714,6 @@
               <a:rPr lang="en-US" dirty="0" smtClean="0"/>
               <a:t>.</a:t>
             </a:r>
-            <a:endParaRPr lang="en-US" dirty="0" smtClean="0"/>
           </a:p>
           <a:p>
             <a:r>
@@ -18731,11 +18722,7 @@
             </a:r>
             <a:r>
               <a:rPr lang="en-US" dirty="0" smtClean="0"/>
-              <a:t> </a:t>
-            </a:r>
-            <a:r>
-              <a:rPr lang="en-US" dirty="0" smtClean="0"/>
-              <a:t>PPL </a:t>
+              <a:t> PPL </a:t>
             </a:r>
             <a:r>
               <a:rPr lang="en-US" dirty="0" err="1" smtClean="0"/>
@@ -18743,11 +18730,7 @@
             </a:r>
             <a:r>
               <a:rPr lang="en-US" dirty="0" smtClean="0"/>
-              <a:t> </a:t>
-            </a:r>
-            <a:r>
-              <a:rPr lang="en-US" dirty="0" smtClean="0"/>
-              <a:t>en </a:t>
+              <a:t> en </a:t>
             </a:r>
             <a:r>
               <a:rPr lang="en-US" dirty="0" err="1" smtClean="0"/>
@@ -22255,7 +22238,7 @@
   <a:extraClrSchemeLst/>
   <a:extLst>
     <a:ext uri="{05A4C25C-085E-4340-85A3-A5531E510DB2}">
-      <thm15:themeFamily xmlns:thm15="http://schemas.microsoft.com/office/thememl/2012/main" xmlns="" name="Office Theme" id="{62F939B6-93AF-4DB8-9C6B-D6C7DFDC589F}" vid="{4A3C46E8-61CC-4603-A589-7422A47A8E4A}"/>
+      <thm15:themeFamily xmlns="" xmlns:thm15="http://schemas.microsoft.com/office/thememl/2012/main" name="Office Theme" id="{62F939B6-93AF-4DB8-9C6B-D6C7DFDC589F}" vid="{4A3C46E8-61CC-4603-A589-7422A47A8E4A}"/>
     </a:ext>
   </a:extLst>
 </a:theme>
@@ -22516,7 +22499,7 @@
   <a:extraClrSchemeLst/>
   <a:extLst>
     <a:ext uri="{05A4C25C-085E-4340-85A3-A5531E510DB2}">
-      <thm15:themeFamily xmlns:thm15="http://schemas.microsoft.com/office/thememl/2012/main" xmlns="" name="Office Theme" id="{62F939B6-93AF-4DB8-9C6B-D6C7DFDC589F}" vid="{4A3C46E8-61CC-4603-A589-7422A47A8E4A}"/>
+      <thm15:themeFamily xmlns="" xmlns:thm15="http://schemas.microsoft.com/office/thememl/2012/main" name="Office Theme" id="{62F939B6-93AF-4DB8-9C6B-D6C7DFDC589F}" vid="{4A3C46E8-61CC-4603-A589-7422A47A8E4A}"/>
     </a:ext>
   </a:extLst>
 </a:theme>
@@ -22777,7 +22760,7 @@
   <a:extraClrSchemeLst/>
   <a:extLst>
     <a:ext uri="{05A4C25C-085E-4340-85A3-A5531E510DB2}">
-      <thm15:themeFamily xmlns:thm15="http://schemas.microsoft.com/office/thememl/2012/main" xmlns="" name="Office Theme" id="{62F939B6-93AF-4DB8-9C6B-D6C7DFDC589F}" vid="{4A3C46E8-61CC-4603-A589-7422A47A8E4A}"/>
+      <thm15:themeFamily xmlns="" xmlns:thm15="http://schemas.microsoft.com/office/thememl/2012/main" name="Office Theme" id="{62F939B6-93AF-4DB8-9C6B-D6C7DFDC589F}" vid="{4A3C46E8-61CC-4603-A589-7422A47A8E4A}"/>
     </a:ext>
   </a:extLst>
 </a:theme>

--- a/thesis/presentations/2 second/second.pptx
+++ b/thesis/presentations/2 second/second.pptx
@@ -6,10 +6,10 @@
     <p:sldMasterId id="2147483677" r:id="rId2"/>
   </p:sldMasterIdLst>
   <p:notesMasterIdLst>
-    <p:notesMasterId r:id="rId31"/>
+    <p:notesMasterId r:id="rId35"/>
   </p:notesMasterIdLst>
   <p:handoutMasterIdLst>
-    <p:handoutMasterId r:id="rId32"/>
+    <p:handoutMasterId r:id="rId36"/>
   </p:handoutMasterIdLst>
   <p:sldIdLst>
     <p:sldId id="259" r:id="rId3"/>
@@ -38,8 +38,12 @@
     <p:sldId id="291" r:id="rId26"/>
     <p:sldId id="293" r:id="rId27"/>
     <p:sldId id="295" r:id="rId28"/>
-    <p:sldId id="273" r:id="rId29"/>
-    <p:sldId id="282" r:id="rId30"/>
+    <p:sldId id="299" r:id="rId29"/>
+    <p:sldId id="297" r:id="rId30"/>
+    <p:sldId id="298" r:id="rId31"/>
+    <p:sldId id="273" r:id="rId32"/>
+    <p:sldId id="300" r:id="rId33"/>
+    <p:sldId id="282" r:id="rId34"/>
   </p:sldIdLst>
   <p:sldSz cx="9144000" cy="6858000" type="screen4x3"/>
   <p:notesSz cx="6858000" cy="9144000"/>
@@ -140,7 +144,7 @@
   </p:defaultTextStyle>
   <p:extLst>
     <p:ext uri="{EFAFB233-063F-42B5-8137-9DF3F51BA10A}">
-      <p15:sldGuideLst xmlns="" xmlns:p15="http://schemas.microsoft.com/office/powerpoint/2012/main">
+      <p15:sldGuideLst xmlns:p15="http://schemas.microsoft.com/office/powerpoint/2012/main" xmlns="">
         <p15:guide id="1" orient="horz" pos="2160" userDrawn="1">
           <p15:clr>
             <a:srgbClr val="A4A3A4"/>
@@ -208,27 +212,34 @@
             </a:r>
             <a:r>
               <a:rPr lang="en-US" baseline="0" dirty="0" smtClean="0"/>
+              <a:t> van 3x3 </a:t>
+            </a:r>
+            <a:r>
+              <a:rPr lang="en-US" baseline="0" dirty="0" err="1" smtClean="0"/>
+              <a:t>bord</a:t>
+            </a:r>
+            <a:r>
+              <a:rPr lang="en-US" baseline="0" dirty="0" smtClean="0"/>
               <a:t> </a:t>
             </a:r>
             <a:r>
-              <a:rPr lang="en-US" baseline="0" dirty="0" smtClean="0"/>
-              <a:t>van 3x3 </a:t>
-            </a:r>
-            <a:r>
-              <a:rPr lang="en-US" baseline="0" dirty="0" err="1" smtClean="0"/>
-              <a:t>bord</a:t>
+              <a:rPr lang="en-US" baseline="0" dirty="0" err="1" smtClean="0"/>
+              <a:t>na</a:t>
             </a:r>
             <a:r>
               <a:rPr lang="en-US" baseline="0" dirty="0" smtClean="0"/>
               <a:t> </a:t>
             </a:r>
             <a:r>
-              <a:rPr lang="en-US" baseline="0" dirty="0" err="1" smtClean="0"/>
-              <a:t>na</a:t>
-            </a:r>
-            <a:r>
-              <a:rPr lang="en-US" baseline="0" dirty="0" smtClean="0"/>
-              <a:t> 2 </a:t>
+              <a:rPr lang="en-US" baseline="0" dirty="0" smtClean="0"/>
+              <a:t/>
+            </a:r>
+            <a:br>
+              <a:rPr lang="en-US" baseline="0" dirty="0" smtClean="0"/>
+            </a:br>
+            <a:r>
+              <a:rPr lang="en-US" baseline="0" dirty="0" smtClean="0"/>
+              <a:t>2 </a:t>
             </a:r>
             <a:r>
               <a:rPr lang="en-US" baseline="0" dirty="0" err="1" smtClean="0"/>
@@ -431,11 +442,11 @@
           <c:showBubbleSize val="0"/>
         </c:dLbls>
         <c:gapWidth val="150"/>
-        <c:axId val="130329600"/>
-        <c:axId val="130335872"/>
+        <c:axId val="133994368"/>
+        <c:axId val="134004736"/>
       </c:barChart>
       <c:catAx>
-        <c:axId val="130329600"/>
+        <c:axId val="133994368"/>
         <c:scaling>
           <c:orientation val="minMax"/>
         </c:scaling>
@@ -465,7 +476,7 @@
         <c:majorTickMark val="out"/>
         <c:minorTickMark val="none"/>
         <c:tickLblPos val="nextTo"/>
-        <c:crossAx val="130335872"/>
+        <c:crossAx val="134004736"/>
         <c:crosses val="autoZero"/>
         <c:auto val="1"/>
         <c:lblAlgn val="ctr"/>
@@ -473,7 +484,7 @@
         <c:noMultiLvlLbl val="0"/>
       </c:catAx>
       <c:valAx>
-        <c:axId val="130335872"/>
+        <c:axId val="134004736"/>
         <c:scaling>
           <c:orientation val="minMax"/>
         </c:scaling>
@@ -504,7 +515,7 @@
         <c:majorTickMark val="out"/>
         <c:minorTickMark val="none"/>
         <c:tickLblPos val="nextTo"/>
-        <c:crossAx val="130329600"/>
+        <c:crossAx val="133994368"/>
         <c:crosses val="autoZero"/>
         <c:crossBetween val="between"/>
       </c:valAx>
@@ -616,7 +627,7 @@
           <a:p>
             <a:fld id="{D6D09D9E-0F22-44ED-B43C-3F44EA87E898}" type="datetimeFigureOut">
               <a:rPr lang="en-US" smtClean="0"/>
-              <a:t>26-Nov-17</a:t>
+              <a:t>27-Nov-17</a:t>
             </a:fld>
             <a:endParaRPr lang="en-US"/>
           </a:p>
@@ -781,7 +792,7 @@
           <a:p>
             <a:fld id="{554F67E3-005B-4A5B-A64B-4E620D6532D3}" type="datetimeFigureOut">
               <a:rPr lang="nl-NL" smtClean="0"/>
-              <a:t>26-11-2017</a:t>
+              <a:t>27-11-2017</a:t>
             </a:fld>
             <a:endParaRPr lang="nl-NL"/>
           </a:p>
@@ -1112,7 +1123,23 @@
             </a:pPr>
             <a:r>
               <a:rPr lang="nl-NL" dirty="0" smtClean="0"/>
-              <a:t>Hallo, Ik ben Sus Verwimp, een master student toegepaste informatica en mijn thesis onderwerp bestaat uit een case study over het programmeren met onzekerheid.</a:t>
+              <a:t>Hallo, Ik ben Sus Verwimp, een master </a:t>
+            </a:r>
+            <a:r>
+              <a:rPr lang="nl-NL" dirty="0" smtClean="0"/>
+              <a:t>student</a:t>
+            </a:r>
+            <a:r>
+              <a:rPr lang="nl-NL" baseline="0" dirty="0" smtClean="0"/>
+              <a:t> </a:t>
+            </a:r>
+            <a:r>
+              <a:rPr lang="nl-NL" dirty="0" smtClean="0"/>
+              <a:t>toegepaste </a:t>
+            </a:r>
+            <a:r>
+              <a:rPr lang="nl-NL" dirty="0" smtClean="0"/>
+              <a:t>informatica en mijn thesis onderwerp bestaat uit een case study over het programmeren met onzekerheid.</a:t>
             </a:r>
             <a:endParaRPr lang="en-US" baseline="0" dirty="0" smtClean="0"/>
           </a:p>
@@ -1228,7 +1255,15 @@
             </a:r>
             <a:r>
               <a:rPr lang="en-US" baseline="0" dirty="0" err="1" smtClean="0"/>
-              <a:t>geevalueerd</a:t>
+              <a:t>ge</a:t>
+            </a:r>
+            <a:r>
+              <a:rPr lang="pt-BR" dirty="0" smtClean="0"/>
+              <a:t>ë</a:t>
+            </a:r>
+            <a:r>
+              <a:rPr lang="en-US" baseline="0" dirty="0" err="1" smtClean="0"/>
+              <a:t>valueerd</a:t>
             </a:r>
             <a:r>
               <a:rPr lang="en-US" baseline="0" dirty="0" smtClean="0"/>
@@ -1356,27 +1391,27 @@
             </a:r>
             <a:r>
               <a:rPr lang="en-US" baseline="0" dirty="0" err="1" smtClean="0"/>
-              <a:t>een</a:t>
+              <a:t>eenzelfde</a:t>
             </a:r>
             <a:r>
               <a:rPr lang="en-US" baseline="0" dirty="0" smtClean="0"/>
               <a:t> </a:t>
             </a:r>
             <a:r>
-              <a:rPr lang="en-US" baseline="0" dirty="0" err="1" smtClean="0"/>
-              <a:t>zelfde</a:t>
-            </a:r>
-            <a:r>
-              <a:rPr lang="en-US" baseline="0" dirty="0" smtClean="0"/>
-              <a:t> technology, </a:t>
-            </a:r>
-            <a:r>
-              <a:rPr lang="en-US" baseline="0" dirty="0" err="1" smtClean="0"/>
-              <a:t>Zoals</a:t>
-            </a:r>
-            <a:r>
-              <a:rPr lang="en-US" baseline="0" dirty="0" smtClean="0"/>
-              <a:t> Anglican en Church die </a:t>
+              <a:rPr lang="en-US" baseline="0" dirty="0" smtClean="0"/>
+              <a:t>technology, </a:t>
+            </a:r>
+            <a:r>
+              <a:rPr lang="en-US" baseline="0" dirty="0" err="1" smtClean="0"/>
+              <a:t>zoals</a:t>
+            </a:r>
+            <a:r>
+              <a:rPr lang="en-US" baseline="0" dirty="0" smtClean="0"/>
+              <a:t> </a:t>
+            </a:r>
+            <a:r>
+              <a:rPr lang="en-US" baseline="0" dirty="0" smtClean="0"/>
+              <a:t>Anglican en Church die </a:t>
             </a:r>
             <a:r>
               <a:rPr lang="en-US" baseline="0" dirty="0" err="1" smtClean="0"/>
@@ -1580,7 +1615,15 @@
             </a:r>
             <a:r>
               <a:rPr lang="en-US" baseline="0" dirty="0" smtClean="0"/>
-              <a:t>. Logic PPL </a:t>
+              <a:t>. </a:t>
+            </a:r>
+            <a:r>
+              <a:rPr lang="en-US" baseline="0" dirty="0" smtClean="0"/>
+              <a:t>Logic </a:t>
+            </a:r>
+            <a:r>
+              <a:rPr lang="en-US" baseline="0" dirty="0" smtClean="0"/>
+              <a:t>PPL </a:t>
             </a:r>
             <a:r>
               <a:rPr lang="en-US" baseline="0" dirty="0" err="1" smtClean="0"/>
@@ -1588,7 +1631,15 @@
             </a:r>
             <a:r>
               <a:rPr lang="en-US" baseline="0" dirty="0" smtClean="0"/>
-              <a:t> Logic PPL of van LISP-like PPL </a:t>
+              <a:t> </a:t>
+            </a:r>
+            <a:r>
+              <a:rPr lang="en-US" baseline="0" dirty="0" smtClean="0"/>
+              <a:t>logic </a:t>
+            </a:r>
+            <a:r>
+              <a:rPr lang="en-US" baseline="0" dirty="0" smtClean="0"/>
+              <a:t>PPL of van LISP-like PPL </a:t>
             </a:r>
             <a:r>
               <a:rPr lang="en-US" baseline="0" dirty="0" err="1" smtClean="0"/>
@@ -1700,7 +1751,11 @@
           <a:p>
             <a:r>
               <a:rPr lang="en-US" dirty="0" smtClean="0"/>
-              <a:t>Van Host-</a:t>
+              <a:t>Van </a:t>
+            </a:r>
+            <a:r>
+              <a:rPr lang="en-US" dirty="0" smtClean="0"/>
+              <a:t>host-</a:t>
             </a:r>
             <a:r>
               <a:rPr lang="en-US" dirty="0" err="1" smtClean="0"/>
@@ -1708,7 +1763,11 @@
             </a:r>
             <a:r>
               <a:rPr lang="en-US" dirty="0" smtClean="0"/>
-              <a:t> PPL </a:t>
+              <a:t> </a:t>
+            </a:r>
+            <a:r>
+              <a:rPr lang="en-US" dirty="0" smtClean="0"/>
+              <a:t>PPL </a:t>
             </a:r>
             <a:r>
               <a:rPr lang="en-US" dirty="0" err="1" smtClean="0"/>
@@ -1716,7 +1775,11 @@
             </a:r>
             <a:r>
               <a:rPr lang="en-US" dirty="0" smtClean="0"/>
-              <a:t> Host-</a:t>
+              <a:t> </a:t>
+            </a:r>
+            <a:r>
+              <a:rPr lang="en-US" dirty="0" smtClean="0"/>
+              <a:t>host-</a:t>
             </a:r>
             <a:r>
               <a:rPr lang="en-US" dirty="0" err="1" smtClean="0"/>
@@ -1724,7 +1787,11 @@
             </a:r>
             <a:r>
               <a:rPr lang="en-US" baseline="0" dirty="0" smtClean="0"/>
-              <a:t> PPL of van </a:t>
+              <a:t> </a:t>
+            </a:r>
+            <a:r>
+              <a:rPr lang="en-US" baseline="0" dirty="0" smtClean="0"/>
+              <a:t>PPL of van </a:t>
             </a:r>
             <a:r>
               <a:rPr lang="en-US" baseline="0" dirty="0" err="1" smtClean="0"/>
@@ -1992,7 +2059,11 @@
             </a:r>
             <a:r>
               <a:rPr lang="en-US" baseline="0" dirty="0" smtClean="0"/>
-              <a:t> is </a:t>
+              <a:t> </a:t>
+            </a:r>
+            <a:r>
+              <a:rPr lang="en-US" baseline="0" dirty="0" smtClean="0"/>
+              <a:t>is, </a:t>
             </a:r>
             <a:r>
               <a:rPr lang="en-US" baseline="0" dirty="0" err="1" smtClean="0"/>
@@ -2040,7 +2111,11 @@
             </a:r>
             <a:r>
               <a:rPr lang="en-US" baseline="0" dirty="0" smtClean="0"/>
-              <a:t> case </a:t>
+              <a:t> </a:t>
+            </a:r>
+            <a:r>
+              <a:rPr lang="en-US" baseline="0" dirty="0" smtClean="0"/>
+              <a:t>case study </a:t>
             </a:r>
             <a:r>
               <a:rPr lang="en-US" baseline="0" dirty="0" err="1" smtClean="0"/>
@@ -2059,12 +2134,12 @@
               <a:t> </a:t>
             </a:r>
             <a:r>
-              <a:rPr lang="en-US" baseline="0" dirty="0" err="1" smtClean="0"/>
-              <a:t>dan</a:t>
-            </a:r>
-            <a:r>
-              <a:rPr lang="en-US" baseline="0" dirty="0" smtClean="0"/>
-              <a:t> de criteria </a:t>
+              <a:rPr lang="en-US" baseline="0" dirty="0" smtClean="0"/>
+              <a:t>de </a:t>
+            </a:r>
+            <a:r>
+              <a:rPr lang="en-US" baseline="0" dirty="0" smtClean="0"/>
+              <a:t>criteria </a:t>
             </a:r>
             <a:r>
               <a:rPr lang="en-US" baseline="0" dirty="0" err="1" smtClean="0"/>
@@ -2088,7 +2163,27 @@
             </a:r>
             <a:r>
               <a:rPr lang="en-US" baseline="0" dirty="0" smtClean="0"/>
-              <a:t> slides </a:t>
+              <a:t> </a:t>
+            </a:r>
+            <a:r>
+              <a:rPr lang="en-US" baseline="0" dirty="0" smtClean="0"/>
+              <a:t>slides </a:t>
+            </a:r>
+            <a:r>
+              <a:rPr lang="en-US" baseline="0" dirty="0" err="1" smtClean="0"/>
+              <a:t>volgt</a:t>
+            </a:r>
+            <a:r>
+              <a:rPr lang="en-US" baseline="0" dirty="0" smtClean="0"/>
+              <a:t> </a:t>
+            </a:r>
+            <a:r>
+              <a:rPr lang="en-US" baseline="0" dirty="0" err="1" smtClean="0"/>
+              <a:t>hierover</a:t>
+            </a:r>
+            <a:r>
+              <a:rPr lang="en-US" baseline="0" dirty="0" smtClean="0"/>
+              <a:t> </a:t>
             </a:r>
             <a:r>
               <a:rPr lang="en-US" baseline="0" dirty="0" err="1" smtClean="0"/>
@@ -2441,7 +2536,11 @@
             </a:r>
             <a:r>
               <a:rPr lang="en-US" baseline="0" dirty="0" smtClean="0"/>
-              <a:t> het de </a:t>
+              <a:t> </a:t>
+            </a:r>
+            <a:r>
+              <a:rPr lang="en-US" baseline="0" dirty="0" smtClean="0"/>
+              <a:t>het de </a:t>
             </a:r>
             <a:r>
               <a:rPr lang="en-US" baseline="0" dirty="0" err="1" smtClean="0"/>
@@ -2481,17 +2580,13 @@
             </a:r>
             <a:r>
               <a:rPr lang="en-US" baseline="0" dirty="0" smtClean="0"/>
-              <a:t> (</a:t>
-            </a:r>
-            <a:r>
-              <a:rPr lang="en-US" baseline="0" dirty="0" err="1" smtClean="0"/>
-              <a:t>problog</a:t>
-            </a:r>
-            <a:r>
-              <a:rPr lang="en-US" baseline="0" dirty="0" smtClean="0"/>
               <a:t> </a:t>
             </a:r>
             <a:r>
+              <a:rPr lang="en-US" baseline="0" dirty="0" smtClean="0"/>
+              <a:t>(ProbLog2 </a:t>
+            </a:r>
+            <a:r>
               <a:rPr lang="en-US" baseline="0" dirty="0" err="1" smtClean="0"/>
               <a:t>logisch</a:t>
             </a:r>
@@ -2505,23 +2600,11 @@
             </a:r>
             <a:r>
               <a:rPr lang="en-US" baseline="0" dirty="0" smtClean="0"/>
-              <a:t> met </a:t>
-            </a:r>
-            <a:r>
-              <a:rPr lang="en-US" baseline="0" dirty="0" err="1" smtClean="0"/>
-              <a:t>gebruik</a:t>
-            </a:r>
-            <a:r>
-              <a:rPr lang="en-US" baseline="0" dirty="0" smtClean="0"/>
-              <a:t> van </a:t>
-            </a:r>
-            <a:r>
-              <a:rPr lang="en-US" baseline="0" dirty="0" err="1" smtClean="0"/>
-              <a:t>unificatie</a:t>
-            </a:r>
-            <a:r>
-              <a:rPr lang="en-US" baseline="0" dirty="0" smtClean="0"/>
-              <a:t>, Anglican </a:t>
+              <a:t>, </a:t>
+            </a:r>
+            <a:r>
+              <a:rPr lang="en-US" baseline="0" dirty="0" smtClean="0"/>
+              <a:t>Anglican </a:t>
             </a:r>
             <a:r>
               <a:rPr lang="en-US" baseline="0" dirty="0" err="1" smtClean="0"/>
@@ -3069,23 +3152,47 @@
             </a:r>
             <a:r>
               <a:rPr lang="nl-NL" baseline="0" dirty="0" smtClean="0"/>
-              <a:t> geef ik eerst korte achtergrond informatie,</a:t>
+              <a:t> geef ik </a:t>
+            </a:r>
+            <a:r>
+              <a:rPr lang="nl-NL" baseline="0" dirty="0" smtClean="0"/>
+              <a:t>eerst een </a:t>
+            </a:r>
+            <a:r>
+              <a:rPr lang="nl-NL" baseline="0" dirty="0" smtClean="0"/>
+              <a:t>korte achtergrond </a:t>
+            </a:r>
+            <a:r>
+              <a:rPr lang="nl-NL" baseline="0" dirty="0" smtClean="0"/>
+              <a:t>informatie;</a:t>
             </a:r>
             <a:r>
               <a:rPr lang="nl-NL" dirty="0" smtClean="0"/>
-              <a:t> de context van mijn thesis.</a:t>
-            </a:r>
-            <a:r>
-              <a:rPr lang="en-US" baseline="0" dirty="0" smtClean="0"/>
               <a:t> </a:t>
             </a:r>
             <a:r>
-              <a:rPr lang="en-US" baseline="0" dirty="0" err="1" smtClean="0"/>
-              <a:t>Daarna</a:t>
-            </a:r>
-            <a:r>
-              <a:rPr lang="en-US" baseline="0" dirty="0" smtClean="0"/>
-              <a:t> de </a:t>
+              <a:rPr lang="nl-NL" dirty="0" smtClean="0"/>
+              <a:t>de context van mijn </a:t>
+            </a:r>
+            <a:r>
+              <a:rPr lang="nl-NL" dirty="0" smtClean="0"/>
+              <a:t>thesis;</a:t>
+            </a:r>
+            <a:r>
+              <a:rPr lang="en-US" baseline="0" dirty="0" smtClean="0"/>
+              <a:t> </a:t>
+            </a:r>
+            <a:r>
+              <a:rPr lang="en-US" baseline="0" dirty="0" err="1" smtClean="0"/>
+              <a:t>daarna</a:t>
+            </a:r>
+            <a:r>
+              <a:rPr lang="en-US" baseline="0" dirty="0" smtClean="0"/>
+              <a:t> </a:t>
+            </a:r>
+            <a:r>
+              <a:rPr lang="en-US" baseline="0" dirty="0" smtClean="0"/>
+              <a:t>de </a:t>
             </a:r>
             <a:r>
               <a:rPr lang="en-US" baseline="0" dirty="0" err="1" smtClean="0"/>
@@ -3133,11 +3240,15 @@
             </a:r>
             <a:r>
               <a:rPr lang="en-US" baseline="0" dirty="0" smtClean="0"/>
-              <a:t>, </a:t>
-            </a:r>
-            <a:r>
-              <a:rPr lang="en-US" baseline="0" dirty="0" err="1" smtClean="0"/>
-              <a:t>waarna</a:t>
+              <a:t> en tot slot de tot </a:t>
+            </a:r>
+            <a:r>
+              <a:rPr lang="en-US" baseline="0" dirty="0" smtClean="0"/>
+              <a:t>nu toe </a:t>
+            </a:r>
+            <a:r>
+              <a:rPr lang="en-US" baseline="0" dirty="0" err="1" smtClean="0"/>
+              <a:t>behaalde</a:t>
             </a:r>
             <a:r>
               <a:rPr lang="en-US" baseline="0" dirty="0" smtClean="0"/>
@@ -3145,51 +3256,35 @@
             </a:r>
             <a:r>
               <a:rPr lang="en-US" baseline="0" dirty="0" err="1" smtClean="0"/>
-              <a:t>ik</a:t>
-            </a:r>
-            <a:r>
-              <a:rPr lang="en-US" baseline="0" dirty="0" smtClean="0"/>
-              <a:t> de tot nu toe </a:t>
-            </a:r>
-            <a:r>
-              <a:rPr lang="en-US" baseline="0" dirty="0" err="1" smtClean="0"/>
-              <a:t>behaalde</a:t>
+              <a:t>resultaten</a:t>
             </a:r>
             <a:r>
               <a:rPr lang="en-US" baseline="0" dirty="0" smtClean="0"/>
               <a:t> </a:t>
             </a:r>
             <a:r>
-              <a:rPr lang="en-US" baseline="0" dirty="0" err="1" smtClean="0"/>
-              <a:t>resultaten</a:t>
+              <a:rPr lang="en-US" baseline="0" dirty="0" smtClean="0"/>
+              <a:t>en </a:t>
+            </a:r>
+            <a:r>
+              <a:rPr lang="en-US" baseline="0" dirty="0" err="1" smtClean="0"/>
+              <a:t>mijn</a:t>
+            </a:r>
+            <a:r>
+              <a:rPr lang="en-US" baseline="0" dirty="0" smtClean="0"/>
+              <a:t> planning </a:t>
+            </a:r>
+            <a:r>
+              <a:rPr lang="en-US" baseline="0" dirty="0" err="1" smtClean="0"/>
+              <a:t>voor</a:t>
             </a:r>
             <a:r>
               <a:rPr lang="en-US" baseline="0" dirty="0" smtClean="0"/>
               <a:t> </a:t>
             </a:r>
             <a:r>
-              <a:rPr lang="en-US" baseline="0" dirty="0" err="1" smtClean="0"/>
-              <a:t>vermeld</a:t>
-            </a:r>
-            <a:r>
-              <a:rPr lang="en-US" baseline="0" dirty="0" smtClean="0"/>
-              <a:t> en </a:t>
-            </a:r>
-            <a:r>
-              <a:rPr lang="en-US" baseline="0" dirty="0" err="1" smtClean="0"/>
-              <a:t>mijn</a:t>
-            </a:r>
-            <a:r>
-              <a:rPr lang="en-US" baseline="0" dirty="0" smtClean="0"/>
-              <a:t> planning </a:t>
-            </a:r>
-            <a:r>
-              <a:rPr lang="en-US" baseline="0" dirty="0" err="1" smtClean="0"/>
-              <a:t>voor</a:t>
-            </a:r>
-            <a:r>
-              <a:rPr lang="en-US" baseline="0" dirty="0" smtClean="0"/>
-              <a:t> in de </a:t>
+              <a:rPr lang="en-US" baseline="0" dirty="0" smtClean="0"/>
+              <a:t>de </a:t>
             </a:r>
             <a:r>
               <a:rPr lang="en-US" baseline="0" dirty="0" err="1" smtClean="0"/>
@@ -3639,7 +3734,91 @@
           <a:p>
             <a:fld id="{76F6EB55-D046-4316-A421-6DEA4C9E91D3}" type="slidenum">
               <a:rPr lang="nl-NL" smtClean="0"/>
-              <a:t>27</a:t>
+              <a:t>29</a:t>
+            </a:fld>
+            <a:endParaRPr lang="nl-NL"/>
+          </a:p>
+        </p:txBody>
+      </p:sp>
+    </p:spTree>
+    <p:extLst>
+      <p:ext uri="{BB962C8B-B14F-4D97-AF65-F5344CB8AC3E}">
+        <p14:creationId xmlns:p14="http://schemas.microsoft.com/office/powerpoint/2010/main" val="388441275"/>
+      </p:ext>
+    </p:extLst>
+  </p:cSld>
+  <p:clrMapOvr>
+    <a:masterClrMapping/>
+  </p:clrMapOvr>
+</p:notes>
+</file>
+
+<file path=ppt/notesSlides/notesSlide25.xml><?xml version="1.0" encoding="utf-8"?>
+<p:notes xmlns:a="http://schemas.openxmlformats.org/drawingml/2006/main" xmlns:r="http://schemas.openxmlformats.org/officeDocument/2006/relationships" xmlns:p="http://schemas.openxmlformats.org/presentationml/2006/main">
+  <p:cSld>
+    <p:spTree>
+      <p:nvGrpSpPr>
+        <p:cNvPr id="1" name=""/>
+        <p:cNvGrpSpPr/>
+        <p:nvPr/>
+      </p:nvGrpSpPr>
+      <p:grpSpPr>
+        <a:xfrm>
+          <a:off x="0" y="0"/>
+          <a:ext cx="0" cy="0"/>
+          <a:chOff x="0" y="0"/>
+          <a:chExt cx="0" cy="0"/>
+        </a:xfrm>
+      </p:grpSpPr>
+      <p:sp>
+        <p:nvSpPr>
+          <p:cNvPr id="2" name="Slide Image Placeholder 1"/>
+          <p:cNvSpPr>
+            <a:spLocks noGrp="1" noRot="1" noChangeAspect="1"/>
+          </p:cNvSpPr>
+          <p:nvPr>
+            <p:ph type="sldImg"/>
+          </p:nvPr>
+        </p:nvSpPr>
+        <p:spPr/>
+      </p:sp>
+      <p:sp>
+        <p:nvSpPr>
+          <p:cNvPr id="3" name="Notes Placeholder 2"/>
+          <p:cNvSpPr>
+            <a:spLocks noGrp="1"/>
+          </p:cNvSpPr>
+          <p:nvPr>
+            <p:ph type="body" idx="1"/>
+          </p:nvPr>
+        </p:nvSpPr>
+        <p:spPr/>
+        <p:txBody>
+          <a:bodyPr/>
+          <a:lstStyle/>
+          <a:p>
+            <a:endParaRPr lang="nl-BE" dirty="0"/>
+          </a:p>
+        </p:txBody>
+      </p:sp>
+      <p:sp>
+        <p:nvSpPr>
+          <p:cNvPr id="4" name="Slide Number Placeholder 3"/>
+          <p:cNvSpPr>
+            <a:spLocks noGrp="1"/>
+          </p:cNvSpPr>
+          <p:nvPr>
+            <p:ph type="sldNum" sz="quarter" idx="10"/>
+          </p:nvPr>
+        </p:nvSpPr>
+        <p:spPr/>
+        <p:txBody>
+          <a:bodyPr/>
+          <a:lstStyle/>
+          <a:p>
+            <a:fld id="{76F6EB55-D046-4316-A421-6DEA4C9E91D3}" type="slidenum">
+              <a:rPr lang="nl-NL" smtClean="0"/>
+              <a:t>31</a:t>
             </a:fld>
             <a:endParaRPr lang="nl-NL"/>
           </a:p>
@@ -3704,7 +3883,19 @@
           <a:p>
             <a:r>
               <a:rPr lang="en-US" baseline="0" dirty="0" smtClean="0"/>
-              <a:t>1 van de </a:t>
+              <a:t>E</a:t>
+            </a:r>
+            <a:r>
+              <a:rPr lang="pt-BR" dirty="0" smtClean="0"/>
+              <a:t>én</a:t>
+            </a:r>
+            <a:r>
+              <a:rPr lang="en-US" baseline="0" dirty="0" smtClean="0"/>
+              <a:t> </a:t>
+            </a:r>
+            <a:r>
+              <a:rPr lang="en-US" baseline="0" dirty="0" smtClean="0"/>
+              <a:t>van de </a:t>
             </a:r>
             <a:r>
               <a:rPr lang="en-US" baseline="0" dirty="0" err="1" smtClean="0"/>
@@ -3732,15 +3923,28 @@
             </a:r>
             <a:r>
               <a:rPr lang="en-US" baseline="0" dirty="0" smtClean="0"/>
-              <a:t>is de </a:t>
-            </a:r>
-            <a:r>
-              <a:rPr lang="en-US" baseline="0" dirty="0" err="1" smtClean="0"/>
-              <a:t>Bayes’s</a:t>
-            </a:r>
-            <a:r>
-              <a:rPr lang="en-US" baseline="0" dirty="0" smtClean="0"/>
-              <a:t> Rule.</a:t>
+              <a:t>is de Bayes</a:t>
+            </a:r>
+            <a:r>
+              <a:rPr lang="en-US" baseline="0" dirty="0" smtClean="0"/>
+              <a:t>’ </a:t>
+            </a:r>
+            <a:r>
+              <a:rPr lang="en-US" baseline="0" dirty="0" smtClean="0"/>
+              <a:t>Rule</a:t>
+            </a:r>
+            <a:r>
+              <a:rPr lang="en-US" baseline="0" dirty="0" smtClean="0"/>
+              <a:t>.</a:t>
+            </a:r>
+          </a:p>
+          <a:p>
+            <a:endParaRPr lang="en-US" baseline="0" dirty="0" smtClean="0"/>
+          </a:p>
+          <a:p>
+            <a:r>
+              <a:rPr lang="pt-BR" dirty="0" smtClean="0"/>
+              <a:t>French e, è, é, ê, ë</a:t>
             </a:r>
             <a:endParaRPr lang="en-US" dirty="0"/>
           </a:p>
@@ -3848,7 +4052,7 @@
             </a:r>
             <a:r>
               <a:rPr lang="en-US" baseline="0" dirty="0" err="1" smtClean="0"/>
-              <a:t>voor</a:t>
+              <a:t>om</a:t>
             </a:r>
             <a:r>
               <a:rPr lang="en-US" baseline="0" dirty="0" smtClean="0"/>
@@ -3909,6 +4113,14 @@
             <a:r>
               <a:rPr lang="en-US" baseline="0" dirty="0" smtClean="0"/>
               <a:t> is </a:t>
+            </a:r>
+            <a:r>
+              <a:rPr lang="en-US" baseline="0" dirty="0" err="1" smtClean="0"/>
+              <a:t>aan</a:t>
+            </a:r>
+            <a:r>
+              <a:rPr lang="en-US" baseline="0" dirty="0" smtClean="0"/>
+              <a:t> de hand van het </a:t>
             </a:r>
             <a:r>
               <a:rPr lang="en-US" baseline="0" dirty="0" err="1" smtClean="0"/>
@@ -4056,15 +4268,27 @@
             </a:r>
             <a:r>
               <a:rPr lang="en-US" baseline="0" dirty="0" smtClean="0"/>
-              <a:t> munt </a:t>
-            </a:r>
-            <a:r>
-              <a:rPr lang="en-US" baseline="0" dirty="0" err="1" smtClean="0"/>
-              <a:t>waar</a:t>
-            </a:r>
-            <a:r>
-              <a:rPr lang="en-US" baseline="0" dirty="0" smtClean="0"/>
-              <a:t> de </a:t>
+              <a:t> </a:t>
+            </a:r>
+            <a:r>
+              <a:rPr lang="en-US" baseline="0" dirty="0" err="1" smtClean="0"/>
+              <a:t>muntstuk</a:t>
+            </a:r>
+            <a:r>
+              <a:rPr lang="en-US" baseline="0" dirty="0" smtClean="0"/>
+              <a:t> </a:t>
+            </a:r>
+            <a:r>
+              <a:rPr lang="en-US" baseline="0" dirty="0" err="1" smtClean="0"/>
+              <a:t>waarbij</a:t>
+            </a:r>
+            <a:r>
+              <a:rPr lang="en-US" baseline="0" dirty="0" smtClean="0"/>
+              <a:t> </a:t>
+            </a:r>
+            <a:r>
+              <a:rPr lang="en-US" baseline="0" dirty="0" smtClean="0"/>
+              <a:t>de </a:t>
             </a:r>
             <a:r>
               <a:rPr lang="en-US" baseline="0" dirty="0" err="1" smtClean="0"/>
@@ -4116,19 +4340,27 @@
             </a:r>
             <a:r>
               <a:rPr lang="en-US" baseline="0" dirty="0" err="1" smtClean="0"/>
-              <a:t>deze</a:t>
-            </a:r>
-            <a:r>
-              <a:rPr lang="en-US" baseline="0" dirty="0" smtClean="0"/>
-              <a:t> munt </a:t>
-            </a:r>
-            <a:r>
-              <a:rPr lang="en-US" baseline="0" dirty="0" err="1" smtClean="0"/>
-              <a:t>niet</a:t>
-            </a:r>
-            <a:r>
-              <a:rPr lang="en-US" baseline="0" dirty="0" smtClean="0"/>
-              <a:t> biased is. </a:t>
+              <a:t>dit</a:t>
+            </a:r>
+            <a:r>
+              <a:rPr lang="en-US" baseline="0" dirty="0" smtClean="0"/>
+              <a:t> </a:t>
+            </a:r>
+            <a:r>
+              <a:rPr lang="en-US" baseline="0" dirty="0" err="1" smtClean="0"/>
+              <a:t>muntstuk</a:t>
+            </a:r>
+            <a:r>
+              <a:rPr lang="en-US" baseline="0" dirty="0" smtClean="0"/>
+              <a:t> </a:t>
+            </a:r>
+            <a:r>
+              <a:rPr lang="en-US" baseline="0" dirty="0" err="1" smtClean="0"/>
+              <a:t>eerlijk</a:t>
+            </a:r>
+            <a:r>
+              <a:rPr lang="en-US" baseline="0" dirty="0" smtClean="0"/>
+              <a:t> is? </a:t>
             </a:r>
             <a:r>
               <a:rPr lang="en-US" baseline="0" dirty="0" err="1" smtClean="0"/>
@@ -4144,7 +4376,11 @@
             </a:r>
             <a:r>
               <a:rPr lang="en-US" baseline="0" dirty="0" smtClean="0"/>
-              <a:t> de 20 </a:t>
+              <a:t>: de </a:t>
+            </a:r>
+            <a:r>
+              <a:rPr lang="en-US" baseline="0" dirty="0" smtClean="0"/>
+              <a:t>20 </a:t>
             </a:r>
             <a:r>
               <a:rPr lang="en-US" baseline="0" dirty="0" err="1" smtClean="0"/>
@@ -4184,15 +4420,27 @@
             </a:r>
             <a:r>
               <a:rPr lang="en-US" baseline="0" dirty="0" smtClean="0"/>
-              <a:t> de munt </a:t>
-            </a:r>
-            <a:r>
-              <a:rPr lang="en-US" baseline="0" dirty="0" err="1" smtClean="0"/>
-              <a:t>niet</a:t>
-            </a:r>
-            <a:r>
-              <a:rPr lang="en-US" baseline="0" dirty="0" smtClean="0"/>
-              <a:t> biased. </a:t>
+              <a:t> </a:t>
+            </a:r>
+            <a:r>
+              <a:rPr lang="en-US" baseline="0" dirty="0" smtClean="0"/>
+              <a:t>het </a:t>
+            </a:r>
+            <a:r>
+              <a:rPr lang="en-US" baseline="0" dirty="0" err="1" smtClean="0"/>
+              <a:t>muntstuk</a:t>
+            </a:r>
+            <a:r>
+              <a:rPr lang="en-US" baseline="0" dirty="0" smtClean="0"/>
+              <a:t> </a:t>
+            </a:r>
+            <a:r>
+              <a:rPr lang="en-US" baseline="0" dirty="0" err="1" smtClean="0"/>
+              <a:t>eerlijk</a:t>
+            </a:r>
+            <a:r>
+              <a:rPr lang="en-US" baseline="0" dirty="0" smtClean="0"/>
+              <a:t> is. </a:t>
             </a:r>
             <a:r>
               <a:rPr lang="en-US" baseline="0" dirty="0" err="1" smtClean="0"/>
@@ -4251,6 +4499,10 @@
               <a:t> de hand van </a:t>
             </a:r>
             <a:r>
+              <a:rPr lang="en-US" baseline="0" dirty="0" smtClean="0"/>
+              <a:t>het </a:t>
+            </a:r>
+            <a:r>
               <a:rPr lang="en-US" baseline="0" dirty="0" err="1" smtClean="0"/>
               <a:t>bewijs</a:t>
             </a:r>
@@ -4262,11 +4514,15 @@
           <a:p>
             <a:r>
               <a:rPr lang="en-US" baseline="0" dirty="0" err="1" smtClean="0"/>
-              <a:t>inferentie</a:t>
-            </a:r>
-            <a:r>
-              <a:rPr lang="en-US" baseline="0" dirty="0" smtClean="0"/>
-              <a:t> van </a:t>
+              <a:t>Inferentie</a:t>
+            </a:r>
+            <a:r>
+              <a:rPr lang="en-US" baseline="0" dirty="0" smtClean="0"/>
+              <a:t> </a:t>
+            </a:r>
+            <a:r>
+              <a:rPr lang="en-US" baseline="0" dirty="0" smtClean="0"/>
+              <a:t>van </a:t>
             </a:r>
             <a:r>
               <a:rPr lang="en-US" baseline="0" dirty="0" err="1" smtClean="0"/>
@@ -4290,7 +4546,11 @@
             </a:r>
             <a:r>
               <a:rPr lang="en-US" baseline="0" dirty="0" smtClean="0"/>
-              <a:t> de hand van </a:t>
+              <a:t> de hand </a:t>
+            </a:r>
+            <a:r>
+              <a:rPr lang="en-US" baseline="0" dirty="0" smtClean="0"/>
+              <a:t>van het </a:t>
             </a:r>
             <a:r>
               <a:rPr lang="en-US" baseline="0" dirty="0" err="1" smtClean="0"/>
@@ -4450,159 +4710,11 @@
             </a:r>
             <a:r>
               <a:rPr lang="en-US" baseline="0" dirty="0" smtClean="0"/>
-              <a:t> Programming Languages (PPL’s)? In </a:t>
-            </a:r>
-            <a:r>
-              <a:rPr lang="en-US" baseline="0" dirty="0" err="1" smtClean="0"/>
-              <a:t>deze</a:t>
-            </a:r>
-            <a:r>
-              <a:rPr lang="en-US" baseline="0" dirty="0" smtClean="0"/>
-              <a:t> </a:t>
-            </a:r>
-            <a:r>
-              <a:rPr lang="en-US" baseline="0" dirty="0" err="1" smtClean="0"/>
-              <a:t>presentatie</a:t>
-            </a:r>
-            <a:r>
-              <a:rPr lang="en-US" baseline="0" dirty="0" smtClean="0"/>
-              <a:t> </a:t>
-            </a:r>
-            <a:r>
-              <a:rPr lang="en-US" baseline="0" dirty="0" err="1" smtClean="0"/>
-              <a:t>ga</a:t>
-            </a:r>
-            <a:r>
-              <a:rPr lang="en-US" baseline="0" dirty="0" smtClean="0"/>
-              <a:t> </a:t>
-            </a:r>
-            <a:r>
-              <a:rPr lang="en-US" baseline="0" dirty="0" err="1" smtClean="0"/>
-              <a:t>ik</a:t>
-            </a:r>
-            <a:r>
-              <a:rPr lang="en-US" baseline="0" dirty="0" smtClean="0"/>
-              <a:t> de </a:t>
-            </a:r>
-            <a:r>
-              <a:rPr lang="en-US" baseline="0" dirty="0" err="1" smtClean="0"/>
-              <a:t>afkorting</a:t>
-            </a:r>
-            <a:r>
-              <a:rPr lang="en-US" baseline="0" dirty="0" smtClean="0"/>
-              <a:t> PPL’s </a:t>
-            </a:r>
-            <a:r>
-              <a:rPr lang="en-US" baseline="0" dirty="0" err="1" smtClean="0"/>
-              <a:t>meer</a:t>
-            </a:r>
-            <a:r>
-              <a:rPr lang="en-US" baseline="0" dirty="0" smtClean="0"/>
-              <a:t> </a:t>
-            </a:r>
-            <a:r>
-              <a:rPr lang="en-US" baseline="0" dirty="0" err="1" smtClean="0"/>
-              <a:t>gebruiken</a:t>
-            </a:r>
-            <a:r>
-              <a:rPr lang="en-US" baseline="0" dirty="0" smtClean="0"/>
-              <a:t>, </a:t>
-            </a:r>
-            <a:r>
-              <a:rPr lang="en-US" baseline="0" dirty="0" err="1" smtClean="0"/>
-              <a:t>dit</a:t>
-            </a:r>
-            <a:r>
-              <a:rPr lang="en-US" baseline="0" dirty="0" smtClean="0"/>
-              <a:t> </a:t>
-            </a:r>
-            <a:r>
-              <a:rPr lang="en-US" baseline="0" dirty="0" err="1" smtClean="0"/>
-              <a:t>verwijst</a:t>
-            </a:r>
-            <a:r>
-              <a:rPr lang="en-US" baseline="0" dirty="0" smtClean="0"/>
-              <a:t> </a:t>
-            </a:r>
-            <a:r>
-              <a:rPr lang="en-US" baseline="0" dirty="0" err="1" smtClean="0"/>
-              <a:t>altijd</a:t>
-            </a:r>
-            <a:r>
-              <a:rPr lang="en-US" baseline="0" dirty="0" smtClean="0"/>
-              <a:t> </a:t>
-            </a:r>
-            <a:r>
-              <a:rPr lang="en-US" baseline="0" dirty="0" err="1" smtClean="0"/>
-              <a:t>naar</a:t>
-            </a:r>
-            <a:r>
-              <a:rPr lang="en-US" baseline="0" dirty="0" smtClean="0"/>
-              <a:t> de </a:t>
-            </a:r>
-            <a:r>
-              <a:rPr lang="en-US" baseline="0" dirty="0" err="1" smtClean="0"/>
-              <a:t>groep</a:t>
-            </a:r>
-            <a:r>
-              <a:rPr lang="en-US" baseline="0" dirty="0" smtClean="0"/>
-              <a:t> van </a:t>
-            </a:r>
-            <a:r>
-              <a:rPr lang="en-US" baseline="0" dirty="0" err="1" smtClean="0"/>
-              <a:t>Probalistische</a:t>
-            </a:r>
-            <a:r>
-              <a:rPr lang="en-US" baseline="0" dirty="0" smtClean="0"/>
-              <a:t> </a:t>
-            </a:r>
-            <a:r>
-              <a:rPr lang="en-US" baseline="0" dirty="0" err="1" smtClean="0"/>
-              <a:t>programmeertalen</a:t>
-            </a:r>
-            <a:r>
-              <a:rPr lang="en-US" baseline="0" dirty="0" smtClean="0"/>
-              <a:t> of </a:t>
-            </a:r>
-            <a:r>
-              <a:rPr lang="en-US" baseline="0" dirty="0" err="1" smtClean="0"/>
-              <a:t>een</a:t>
-            </a:r>
-            <a:r>
-              <a:rPr lang="en-US" baseline="0" dirty="0" smtClean="0"/>
-              <a:t> </a:t>
-            </a:r>
-            <a:r>
-              <a:rPr lang="en-US" baseline="0" dirty="0" err="1" smtClean="0"/>
-              <a:t>enkele</a:t>
-            </a:r>
-            <a:r>
-              <a:rPr lang="en-US" baseline="0" dirty="0" smtClean="0"/>
-              <a:t> PPL is </a:t>
-            </a:r>
-            <a:r>
-              <a:rPr lang="en-US" baseline="0" dirty="0" err="1" smtClean="0"/>
-              <a:t>een</a:t>
-            </a:r>
-            <a:r>
-              <a:rPr lang="en-US" baseline="0" dirty="0" smtClean="0"/>
-              <a:t> </a:t>
-            </a:r>
-            <a:r>
-              <a:rPr lang="en-US" baseline="0" dirty="0" err="1" smtClean="0"/>
-              <a:t>Probalistische</a:t>
-            </a:r>
-            <a:r>
-              <a:rPr lang="en-US" baseline="0" dirty="0" smtClean="0"/>
-              <a:t> </a:t>
-            </a:r>
-            <a:r>
-              <a:rPr lang="en-US" baseline="0" dirty="0" err="1" smtClean="0"/>
-              <a:t>programmeertaal</a:t>
-            </a:r>
-            <a:r>
-              <a:rPr lang="en-US" baseline="0" dirty="0" smtClean="0"/>
-              <a:t>. PPL’s </a:t>
+              <a:t> Programming Languages (PPL’s)? </a:t>
+            </a:r>
+            <a:r>
+              <a:rPr lang="en-US" baseline="0" dirty="0" smtClean="0"/>
+              <a:t>PPL’s </a:t>
             </a:r>
             <a:r>
               <a:rPr lang="nl-BE" baseline="0" noProof="0" dirty="0" smtClean="0"/>
@@ -4738,7 +4850,31 @@
             </a:r>
             <a:r>
               <a:rPr lang="en-US" baseline="0" dirty="0" smtClean="0"/>
-              <a:t> PPL’s </a:t>
+              <a:t> </a:t>
+            </a:r>
+            <a:r>
+              <a:rPr lang="en-US" baseline="0" dirty="0" smtClean="0"/>
+              <a:t>PPL’s. </a:t>
+            </a:r>
+            <a:r>
+              <a:rPr lang="en-US" baseline="0" dirty="0" smtClean="0"/>
+              <a:t>De </a:t>
+            </a:r>
+            <a:r>
+              <a:rPr lang="en-US" baseline="0" dirty="0" err="1" smtClean="0"/>
+              <a:t>lijst</a:t>
+            </a:r>
+            <a:r>
+              <a:rPr lang="en-US" baseline="0" dirty="0" smtClean="0"/>
+              <a:t> met </a:t>
+            </a:r>
+            <a:r>
+              <a:rPr lang="en-US" baseline="0" dirty="0" err="1" smtClean="0"/>
+              <a:t>verschillende</a:t>
+            </a:r>
+            <a:r>
+              <a:rPr lang="en-US" baseline="0" dirty="0" smtClean="0"/>
+              <a:t> PPL’s is </a:t>
             </a:r>
             <a:r>
               <a:rPr lang="en-US" baseline="0" dirty="0" err="1" smtClean="0"/>
@@ -4746,30 +4882,6 @@
             </a:r>
             <a:r>
               <a:rPr lang="en-US" baseline="0" dirty="0" smtClean="0"/>
-              <a:t>. De </a:t>
-            </a:r>
-            <a:r>
-              <a:rPr lang="en-US" baseline="0" dirty="0" err="1" smtClean="0"/>
-              <a:t>lijst</a:t>
-            </a:r>
-            <a:r>
-              <a:rPr lang="en-US" baseline="0" dirty="0" smtClean="0"/>
-              <a:t> met </a:t>
-            </a:r>
-            <a:r>
-              <a:rPr lang="en-US" baseline="0" dirty="0" err="1" smtClean="0"/>
-              <a:t>verschillende</a:t>
-            </a:r>
-            <a:r>
-              <a:rPr lang="en-US" baseline="0" dirty="0" smtClean="0"/>
-              <a:t> PPL’s is </a:t>
-            </a:r>
-            <a:r>
-              <a:rPr lang="en-US" baseline="0" dirty="0" err="1" smtClean="0"/>
-              <a:t>beschikbaar</a:t>
-            </a:r>
-            <a:r>
-              <a:rPr lang="en-US" baseline="0" dirty="0" smtClean="0"/>
               <a:t> via </a:t>
             </a:r>
             <a:r>
@@ -4813,12 +4925,12 @@
               <a:t> </a:t>
             </a:r>
             <a:r>
-              <a:rPr lang="en-US" baseline="0" dirty="0" err="1" smtClean="0"/>
-              <a:t>ProbLog</a:t>
-            </a:r>
-            <a:r>
-              <a:rPr lang="en-US" baseline="0" dirty="0" smtClean="0"/>
-              <a:t> en Anglican.</a:t>
+              <a:rPr lang="en-US" baseline="0" dirty="0" smtClean="0"/>
+              <a:t>ProbLog2 </a:t>
+            </a:r>
+            <a:r>
+              <a:rPr lang="en-US" baseline="0" dirty="0" smtClean="0"/>
+              <a:t>en Anglican.</a:t>
             </a:r>
             <a:endParaRPr lang="en-US" dirty="0"/>
           </a:p>
@@ -5106,15 +5218,23 @@
             </a:r>
             <a:r>
               <a:rPr lang="en-US" baseline="0" dirty="0" smtClean="0"/>
-              <a:t> thesis. </a:t>
-            </a:r>
-            <a:r>
-              <a:rPr lang="en-US" baseline="0" dirty="0" err="1" smtClean="0"/>
-              <a:t>Wat</a:t>
-            </a:r>
-            <a:r>
-              <a:rPr lang="en-US" baseline="0" dirty="0" smtClean="0"/>
-              <a:t> ben </a:t>
+              <a:t> </a:t>
+            </a:r>
+            <a:r>
+              <a:rPr lang="en-US" baseline="0" dirty="0" smtClean="0"/>
+              <a:t>thesis, </a:t>
+            </a:r>
+            <a:r>
+              <a:rPr lang="en-US" baseline="0" dirty="0" err="1" smtClean="0"/>
+              <a:t>wat</a:t>
+            </a:r>
+            <a:r>
+              <a:rPr lang="en-US" baseline="0" dirty="0" smtClean="0"/>
+              <a:t> </a:t>
+            </a:r>
+            <a:r>
+              <a:rPr lang="en-US" baseline="0" dirty="0" smtClean="0"/>
+              <a:t>ben </a:t>
             </a:r>
             <a:r>
               <a:rPr lang="en-US" baseline="0" dirty="0" err="1" smtClean="0"/>
@@ -5126,7 +5246,7 @@
             </a:r>
             <a:r>
               <a:rPr lang="en-US" baseline="0" dirty="0" err="1" smtClean="0"/>
-              <a:t>Waarom</a:t>
+              <a:t>waarom</a:t>
             </a:r>
             <a:r>
               <a:rPr lang="en-US" baseline="0" dirty="0" smtClean="0"/>
@@ -5191,6 +5311,14 @@
             <a:r>
               <a:rPr lang="en-US" baseline="0" dirty="0" err="1" smtClean="0"/>
               <a:t>doen</a:t>
+            </a:r>
+            <a:r>
+              <a:rPr lang="en-US" baseline="0" dirty="0" smtClean="0"/>
+              <a:t>? </a:t>
+            </a:r>
+            <a:r>
+              <a:rPr lang="en-US" baseline="0" dirty="0" err="1" smtClean="0"/>
+              <a:t>Dit</a:t>
             </a:r>
             <a:r>
               <a:rPr lang="en-US" baseline="0" dirty="0" smtClean="0"/>
@@ -5423,10 +5551,106 @@
             </a:r>
             <a:r>
               <a:rPr lang="en-US" baseline="0" dirty="0" smtClean="0"/>
+              <a:t>: </a:t>
+            </a:r>
+            <a:r>
+              <a:rPr lang="en-US" baseline="0" dirty="0" err="1" smtClean="0"/>
+              <a:t>welke</a:t>
+            </a:r>
+            <a:r>
+              <a:rPr lang="en-US" baseline="0" dirty="0" smtClean="0"/>
+              <a:t> </a:t>
+            </a:r>
+            <a:r>
+              <a:rPr lang="en-US" baseline="0" dirty="0" err="1" smtClean="0"/>
+              <a:t>taal</a:t>
+            </a:r>
+            <a:r>
+              <a:rPr lang="en-US" baseline="0" dirty="0" smtClean="0"/>
+              <a:t> </a:t>
+            </a:r>
+            <a:r>
+              <a:rPr lang="en-US" baseline="0" dirty="0" err="1" smtClean="0"/>
+              <a:t>kan</a:t>
+            </a:r>
+            <a:r>
+              <a:rPr lang="en-US" baseline="0" dirty="0" smtClean="0"/>
+              <a:t> het </a:t>
+            </a:r>
+            <a:r>
+              <a:rPr lang="en-US" baseline="0" dirty="0" err="1" smtClean="0"/>
+              <a:t>snelst</a:t>
+            </a:r>
+            <a:r>
+              <a:rPr lang="en-US" baseline="0" dirty="0" smtClean="0"/>
+              <a:t> het </a:t>
+            </a:r>
+            <a:r>
+              <a:rPr lang="en-US" baseline="0" dirty="0" err="1" smtClean="0"/>
+              <a:t>gevraagde</a:t>
+            </a:r>
+            <a:r>
+              <a:rPr lang="en-US" baseline="0" dirty="0" smtClean="0"/>
+              <a:t> </a:t>
+            </a:r>
+            <a:r>
+              <a:rPr lang="en-US" baseline="0" dirty="0" err="1" smtClean="0"/>
+              <a:t>probleem</a:t>
+            </a:r>
+            <a:r>
+              <a:rPr lang="en-US" baseline="0" dirty="0" smtClean="0"/>
+              <a:t> </a:t>
+            </a:r>
+            <a:r>
+              <a:rPr lang="en-US" baseline="0" dirty="0" err="1" smtClean="0"/>
+              <a:t>oplossen</a:t>
+            </a:r>
+            <a:r>
+              <a:rPr lang="en-US" baseline="0" dirty="0" smtClean="0"/>
+              <a:t>; </a:t>
+            </a:r>
+            <a:r>
+              <a:rPr lang="en-US" baseline="0" dirty="0" err="1" smtClean="0"/>
+              <a:t>geheugengebruik</a:t>
+            </a:r>
+            <a:r>
+              <a:rPr lang="en-US" baseline="0" dirty="0" smtClean="0"/>
               <a:t>, </a:t>
             </a:r>
             <a:r>
               <a:rPr lang="en-US" baseline="0" dirty="0" err="1" smtClean="0"/>
+              <a:t>expressiviteit</a:t>
+            </a:r>
+            <a:r>
+              <a:rPr lang="en-US" baseline="0" dirty="0" smtClean="0"/>
+              <a:t>: </a:t>
+            </a:r>
+            <a:r>
+              <a:rPr lang="en-US" baseline="0" dirty="0" err="1" smtClean="0"/>
+              <a:t>dit</a:t>
+            </a:r>
+            <a:r>
+              <a:rPr lang="en-US" baseline="0" dirty="0" smtClean="0"/>
+              <a:t> </a:t>
+            </a:r>
+            <a:r>
+              <a:rPr lang="en-US" baseline="0" dirty="0" err="1" smtClean="0"/>
+              <a:t>wil</a:t>
+            </a:r>
+            <a:r>
+              <a:rPr lang="en-US" baseline="0" dirty="0" smtClean="0"/>
+              <a:t> </a:t>
+            </a:r>
+            <a:r>
+              <a:rPr lang="en-US" baseline="0" dirty="0" err="1" smtClean="0"/>
+              <a:t>zeggen</a:t>
+            </a:r>
+            <a:r>
+              <a:rPr lang="en-US" baseline="0" dirty="0" smtClean="0"/>
+              <a:t> in </a:t>
+            </a:r>
+            <a:r>
+              <a:rPr lang="en-US" baseline="0" dirty="0" err="1" smtClean="0"/>
               <a:t>welke</a:t>
             </a:r>
             <a:r>
@@ -5443,23 +5667,15 @@
             </a:r>
             <a:r>
               <a:rPr lang="en-US" baseline="0" dirty="0" err="1" smtClean="0"/>
-              <a:t>kan</a:t>
-            </a:r>
-            <a:r>
-              <a:rPr lang="en-US" baseline="0" dirty="0" smtClean="0"/>
-              <a:t> het </a:t>
-            </a:r>
-            <a:r>
-              <a:rPr lang="en-US" baseline="0" dirty="0" err="1" smtClean="0"/>
-              <a:t>snelst</a:t>
-            </a:r>
-            <a:r>
-              <a:rPr lang="en-US" baseline="0" dirty="0" smtClean="0"/>
-              <a:t> het </a:t>
-            </a:r>
-            <a:r>
-              <a:rPr lang="en-US" baseline="0" dirty="0" err="1" smtClean="0"/>
-              <a:t>gevraagde</a:t>
+              <a:t>kunnen</a:t>
+            </a:r>
+            <a:r>
+              <a:rPr lang="en-US" baseline="0" dirty="0" smtClean="0"/>
+              <a:t> we </a:t>
+            </a:r>
+            <a:r>
+              <a:rPr lang="en-US" baseline="0" dirty="0" err="1" smtClean="0"/>
+              <a:t>meer</a:t>
             </a:r>
             <a:r>
               <a:rPr lang="en-US" baseline="0" dirty="0" smtClean="0"/>
@@ -5467,7 +5683,7 @@
             </a:r>
             <a:r>
               <a:rPr lang="en-US" baseline="0" dirty="0" err="1" smtClean="0"/>
-              <a:t>probleem</a:t>
+              <a:t>simmuleren</a:t>
             </a:r>
             <a:r>
               <a:rPr lang="en-US" baseline="0" dirty="0" smtClean="0"/>
@@ -5475,7 +5691,143 @@
             </a:r>
             <a:r>
               <a:rPr lang="en-US" baseline="0" dirty="0" err="1" smtClean="0"/>
-              <a:t>oplossen</a:t>
+              <a:t>dan</a:t>
+            </a:r>
+            <a:r>
+              <a:rPr lang="en-US" baseline="0" dirty="0" smtClean="0"/>
+              <a:t> in de </a:t>
+            </a:r>
+            <a:r>
+              <a:rPr lang="en-US" baseline="0" dirty="0" err="1" smtClean="0"/>
+              <a:t>andere</a:t>
+            </a:r>
+            <a:r>
+              <a:rPr lang="en-US" baseline="0" dirty="0" smtClean="0"/>
+              <a:t>; </a:t>
+            </a:r>
+            <a:r>
+              <a:rPr lang="en-US" baseline="0" dirty="0" err="1" smtClean="0"/>
+              <a:t>uitbreidbaarheid</a:t>
+            </a:r>
+            <a:r>
+              <a:rPr lang="en-US" baseline="0" dirty="0" smtClean="0"/>
+              <a:t>: </a:t>
+            </a:r>
+            <a:r>
+              <a:rPr lang="en-US" baseline="0" dirty="0" err="1" smtClean="0"/>
+              <a:t>waar</a:t>
+            </a:r>
+            <a:r>
+              <a:rPr lang="en-US" baseline="0" dirty="0" smtClean="0"/>
+              <a:t> we </a:t>
+            </a:r>
+            <a:r>
+              <a:rPr lang="en-US" baseline="0" dirty="0" err="1" smtClean="0"/>
+              <a:t>zien</a:t>
+            </a:r>
+            <a:r>
+              <a:rPr lang="en-US" baseline="0" dirty="0" smtClean="0"/>
+              <a:t> </a:t>
+            </a:r>
+            <a:r>
+              <a:rPr lang="en-US" baseline="0" dirty="0" smtClean="0"/>
+              <a:t>hoe </a:t>
+            </a:r>
+            <a:r>
+              <a:rPr lang="en-US" baseline="0" dirty="0" err="1" smtClean="0"/>
+              <a:t>gemakkelijk</a:t>
+            </a:r>
+            <a:r>
+              <a:rPr lang="en-US" baseline="0" dirty="0" smtClean="0"/>
+              <a:t> het is </a:t>
+            </a:r>
+            <a:r>
+              <a:rPr lang="en-US" baseline="0" dirty="0" err="1" smtClean="0"/>
+              <a:t>om</a:t>
+            </a:r>
+            <a:r>
+              <a:rPr lang="en-US" baseline="0" dirty="0" smtClean="0"/>
+              <a:t> </a:t>
+            </a:r>
+            <a:r>
+              <a:rPr lang="en-US" baseline="0" dirty="0" err="1" smtClean="0"/>
+              <a:t>distributies</a:t>
+            </a:r>
+            <a:r>
+              <a:rPr lang="en-US" baseline="0" dirty="0" smtClean="0"/>
+              <a:t> en regels van het model </a:t>
+            </a:r>
+            <a:r>
+              <a:rPr lang="en-US" baseline="0" dirty="0" err="1" smtClean="0"/>
+              <a:t>aan</a:t>
+            </a:r>
+            <a:r>
+              <a:rPr lang="en-US" baseline="0" dirty="0" smtClean="0"/>
+              <a:t> </a:t>
+            </a:r>
+            <a:r>
+              <a:rPr lang="en-US" baseline="0" dirty="0" err="1" smtClean="0"/>
+              <a:t>te</a:t>
+            </a:r>
+            <a:r>
+              <a:rPr lang="en-US" baseline="0" dirty="0" smtClean="0"/>
+              <a:t> </a:t>
+            </a:r>
+            <a:r>
+              <a:rPr lang="en-US" baseline="0" dirty="0" err="1" smtClean="0"/>
+              <a:t>passen</a:t>
+            </a:r>
+            <a:r>
+              <a:rPr lang="en-US" baseline="0" dirty="0" smtClean="0"/>
+              <a:t>; tools </a:t>
+            </a:r>
+            <a:r>
+              <a:rPr lang="en-US" baseline="0" dirty="0" err="1" smtClean="0"/>
+              <a:t>beschikbaar</a:t>
+            </a:r>
+            <a:r>
+              <a:rPr lang="en-US" baseline="0" dirty="0" smtClean="0"/>
+              <a:t>: </a:t>
+            </a:r>
+            <a:r>
+              <a:rPr lang="en-US" baseline="0" dirty="0" err="1" smtClean="0"/>
+              <a:t>zoals</a:t>
+            </a:r>
+            <a:r>
+              <a:rPr lang="en-US" baseline="0" dirty="0" smtClean="0"/>
+              <a:t> debugger, REPL, IDE,… </a:t>
+            </a:r>
+            <a:r>
+              <a:rPr lang="en-US" baseline="0" dirty="0" smtClean="0"/>
+              <a:t>; de </a:t>
+            </a:r>
+            <a:r>
+              <a:rPr lang="en-US" baseline="0" dirty="0" err="1" smtClean="0"/>
+              <a:t>moeilijkheidsgraad</a:t>
+            </a:r>
+            <a:r>
+              <a:rPr lang="en-US" baseline="0" dirty="0" smtClean="0"/>
+              <a:t> van het </a:t>
+            </a:r>
+            <a:r>
+              <a:rPr lang="en-US" baseline="0" dirty="0" err="1" smtClean="0"/>
+              <a:t>leren</a:t>
+            </a:r>
+            <a:r>
+              <a:rPr lang="en-US" baseline="0" dirty="0" smtClean="0"/>
+              <a:t> van en het </a:t>
+            </a:r>
+            <a:r>
+              <a:rPr lang="en-US" baseline="0" dirty="0" err="1" smtClean="0"/>
+              <a:t>programmeren</a:t>
+            </a:r>
+            <a:r>
+              <a:rPr lang="en-US" baseline="0" dirty="0" smtClean="0"/>
+              <a:t> in de </a:t>
+            </a:r>
+            <a:r>
+              <a:rPr lang="en-US" baseline="0" dirty="0" err="1" smtClean="0"/>
+              <a:t>taal</a:t>
             </a:r>
             <a:r>
               <a:rPr lang="en-US" baseline="0" dirty="0" smtClean="0"/>
@@ -5483,39 +5835,7 @@
             </a:r>
             <a:r>
               <a:rPr lang="en-US" baseline="0" dirty="0" err="1" smtClean="0"/>
-              <a:t>Geheugengebruik</a:t>
-            </a:r>
-            <a:r>
-              <a:rPr lang="en-US" baseline="0" dirty="0" smtClean="0"/>
-              <a:t>, </a:t>
-            </a:r>
-            <a:r>
-              <a:rPr lang="en-US" baseline="0" dirty="0" err="1" smtClean="0"/>
-              <a:t>Expressiviteit</a:t>
-            </a:r>
-            <a:r>
-              <a:rPr lang="en-US" baseline="0" dirty="0" smtClean="0"/>
-              <a:t>, </a:t>
-            </a:r>
-            <a:r>
-              <a:rPr lang="en-US" baseline="0" dirty="0" err="1" smtClean="0"/>
-              <a:t>wat</a:t>
-            </a:r>
-            <a:r>
-              <a:rPr lang="en-US" baseline="0" dirty="0" smtClean="0"/>
-              <a:t> wilt </a:t>
-            </a:r>
-            <a:r>
-              <a:rPr lang="en-US" baseline="0" dirty="0" err="1" smtClean="0"/>
-              <a:t>zeggen</a:t>
-            </a:r>
-            <a:r>
-              <a:rPr lang="en-US" baseline="0" dirty="0" smtClean="0"/>
-              <a:t> in </a:t>
-            </a:r>
-            <a:r>
-              <a:rPr lang="en-US" baseline="0" dirty="0" err="1" smtClean="0"/>
-              <a:t>welke</a:t>
+              <a:t>Dit</a:t>
             </a:r>
             <a:r>
               <a:rPr lang="en-US" baseline="0" dirty="0" smtClean="0"/>
@@ -5523,7 +5843,7 @@
             </a:r>
             <a:r>
               <a:rPr lang="en-US" baseline="0" dirty="0" err="1" smtClean="0"/>
-              <a:t>taal</a:t>
+              <a:t>gaat</a:t>
             </a:r>
             <a:r>
               <a:rPr lang="en-US" baseline="0" dirty="0" smtClean="0"/>
@@ -5531,15 +5851,7 @@
             </a:r>
             <a:r>
               <a:rPr lang="en-US" baseline="0" dirty="0" err="1" smtClean="0"/>
-              <a:t>kunnen</a:t>
-            </a:r>
-            <a:r>
-              <a:rPr lang="en-US" baseline="0" dirty="0" smtClean="0"/>
-              <a:t> we </a:t>
-            </a:r>
-            <a:r>
-              <a:rPr lang="en-US" baseline="0" dirty="0" err="1" smtClean="0"/>
-              <a:t>meer</a:t>
+              <a:t>meestal</a:t>
             </a:r>
             <a:r>
               <a:rPr lang="en-US" baseline="0" dirty="0" smtClean="0"/>
@@ -5547,7 +5859,23 @@
             </a:r>
             <a:r>
               <a:rPr lang="en-US" baseline="0" dirty="0" err="1" smtClean="0"/>
-              <a:t>simmuleren</a:t>
+              <a:t>samen</a:t>
+            </a:r>
+            <a:r>
+              <a:rPr lang="en-US" baseline="0" dirty="0" smtClean="0"/>
+              <a:t> met het </a:t>
+            </a:r>
+            <a:r>
+              <a:rPr lang="en-US" baseline="0" dirty="0" err="1" smtClean="0"/>
+              <a:t>programmeerparadigma</a:t>
+            </a:r>
+            <a:r>
+              <a:rPr lang="en-US" baseline="0" dirty="0" smtClean="0"/>
+              <a:t>. Criteria </a:t>
+            </a:r>
+            <a:r>
+              <a:rPr lang="en-US" baseline="0" dirty="0" err="1" smtClean="0"/>
+              <a:t>zoals</a:t>
             </a:r>
             <a:r>
               <a:rPr lang="en-US" baseline="0" dirty="0" smtClean="0"/>
@@ -5555,199 +5883,7 @@
             </a:r>
             <a:r>
               <a:rPr lang="en-US" baseline="0" dirty="0" err="1" smtClean="0"/>
-              <a:t>dan</a:t>
-            </a:r>
-            <a:r>
-              <a:rPr lang="en-US" baseline="0" dirty="0" smtClean="0"/>
-              <a:t> in de </a:t>
-            </a:r>
-            <a:r>
-              <a:rPr lang="en-US" baseline="0" dirty="0" err="1" smtClean="0"/>
-              <a:t>andere</a:t>
-            </a:r>
-            <a:r>
-              <a:rPr lang="en-US" baseline="0" dirty="0" smtClean="0"/>
-              <a:t>, </a:t>
-            </a:r>
-            <a:r>
-              <a:rPr lang="en-US" baseline="0" dirty="0" err="1" smtClean="0"/>
-              <a:t>Uitbreidbaarheid</a:t>
-            </a:r>
-            <a:r>
-              <a:rPr lang="en-US" baseline="0" dirty="0" smtClean="0"/>
-              <a:t> </a:t>
-            </a:r>
-            <a:r>
-              <a:rPr lang="en-US" baseline="0" dirty="0" err="1" smtClean="0"/>
-              <a:t>waar</a:t>
-            </a:r>
-            <a:r>
-              <a:rPr lang="en-US" baseline="0" dirty="0" smtClean="0"/>
-              <a:t> we </a:t>
-            </a:r>
-            <a:r>
-              <a:rPr lang="en-US" baseline="0" dirty="0" err="1" smtClean="0"/>
-              <a:t>zien</a:t>
-            </a:r>
-            <a:r>
-              <a:rPr lang="en-US" baseline="0" dirty="0" smtClean="0"/>
-              <a:t> </a:t>
-            </a:r>
-            <a:r>
-              <a:rPr lang="en-US" baseline="0" dirty="0" err="1" smtClean="0"/>
-              <a:t>naar</a:t>
-            </a:r>
-            <a:r>
-              <a:rPr lang="en-US" baseline="0" dirty="0" smtClean="0"/>
-              <a:t> hoe </a:t>
-            </a:r>
-            <a:r>
-              <a:rPr lang="en-US" baseline="0" dirty="0" err="1" smtClean="0"/>
-              <a:t>makkelijk</a:t>
-            </a:r>
-            <a:r>
-              <a:rPr lang="en-US" baseline="0" dirty="0" smtClean="0"/>
-              <a:t> is het </a:t>
-            </a:r>
-            <a:r>
-              <a:rPr lang="en-US" baseline="0" dirty="0" err="1" smtClean="0"/>
-              <a:t>om</a:t>
-            </a:r>
-            <a:r>
-              <a:rPr lang="en-US" baseline="0" dirty="0" smtClean="0"/>
-              <a:t> </a:t>
-            </a:r>
-            <a:r>
-              <a:rPr lang="en-US" baseline="0" dirty="0" err="1" smtClean="0"/>
-              <a:t>distributies</a:t>
-            </a:r>
-            <a:r>
-              <a:rPr lang="en-US" baseline="0" dirty="0" smtClean="0"/>
-              <a:t> en regels van het model </a:t>
-            </a:r>
-            <a:r>
-              <a:rPr lang="en-US" baseline="0" dirty="0" err="1" smtClean="0"/>
-              <a:t>aan</a:t>
-            </a:r>
-            <a:r>
-              <a:rPr lang="en-US" baseline="0" dirty="0" smtClean="0"/>
-              <a:t> </a:t>
-            </a:r>
-            <a:r>
-              <a:rPr lang="en-US" baseline="0" dirty="0" err="1" smtClean="0"/>
-              <a:t>te</a:t>
-            </a:r>
-            <a:r>
-              <a:rPr lang="en-US" baseline="0" dirty="0" smtClean="0"/>
-              <a:t> </a:t>
-            </a:r>
-            <a:r>
-              <a:rPr lang="en-US" baseline="0" dirty="0" err="1" smtClean="0"/>
-              <a:t>passen</a:t>
-            </a:r>
-            <a:r>
-              <a:rPr lang="en-US" baseline="0" dirty="0" smtClean="0"/>
-              <a:t>. Tools </a:t>
-            </a:r>
-            <a:r>
-              <a:rPr lang="en-US" baseline="0" dirty="0" err="1" smtClean="0"/>
-              <a:t>beschikbaar</a:t>
-            </a:r>
-            <a:r>
-              <a:rPr lang="en-US" baseline="0" dirty="0" smtClean="0"/>
-              <a:t>, </a:t>
-            </a:r>
-            <a:r>
-              <a:rPr lang="en-US" baseline="0" dirty="0" err="1" smtClean="0"/>
-              <a:t>zoals</a:t>
-            </a:r>
-            <a:r>
-              <a:rPr lang="en-US" baseline="0" dirty="0" smtClean="0"/>
-              <a:t> debugger, REPL, IDE,… De </a:t>
-            </a:r>
-            <a:r>
-              <a:rPr lang="en-US" baseline="0" dirty="0" err="1" smtClean="0"/>
               <a:t>moeilijkheidsgraad</a:t>
-            </a:r>
-            <a:r>
-              <a:rPr lang="en-US" baseline="0" dirty="0" smtClean="0"/>
-              <a:t> van het </a:t>
-            </a:r>
-            <a:r>
-              <a:rPr lang="en-US" baseline="0" dirty="0" err="1" smtClean="0"/>
-              <a:t>leren</a:t>
-            </a:r>
-            <a:r>
-              <a:rPr lang="en-US" baseline="0" dirty="0" smtClean="0"/>
-              <a:t> van en het </a:t>
-            </a:r>
-            <a:r>
-              <a:rPr lang="en-US" baseline="0" dirty="0" err="1" smtClean="0"/>
-              <a:t>programmeren</a:t>
-            </a:r>
-            <a:r>
-              <a:rPr lang="en-US" baseline="0" dirty="0" smtClean="0"/>
-              <a:t> in de </a:t>
-            </a:r>
-            <a:r>
-              <a:rPr lang="en-US" baseline="0" dirty="0" err="1" smtClean="0"/>
-              <a:t>taal</a:t>
-            </a:r>
-            <a:r>
-              <a:rPr lang="en-US" baseline="0" dirty="0" smtClean="0"/>
-              <a:t>. </a:t>
-            </a:r>
-            <a:r>
-              <a:rPr lang="en-US" baseline="0" dirty="0" err="1" smtClean="0"/>
-              <a:t>Dit</a:t>
-            </a:r>
-            <a:r>
-              <a:rPr lang="en-US" baseline="0" dirty="0" smtClean="0"/>
-              <a:t> </a:t>
-            </a:r>
-            <a:r>
-              <a:rPr lang="en-US" baseline="0" dirty="0" err="1" smtClean="0"/>
-              <a:t>gaat</a:t>
-            </a:r>
-            <a:r>
-              <a:rPr lang="en-US" baseline="0" dirty="0" smtClean="0"/>
-              <a:t> </a:t>
-            </a:r>
-            <a:r>
-              <a:rPr lang="en-US" baseline="0" dirty="0" err="1" smtClean="0"/>
-              <a:t>meestal</a:t>
-            </a:r>
-            <a:r>
-              <a:rPr lang="en-US" baseline="0" dirty="0" smtClean="0"/>
-              <a:t> </a:t>
-            </a:r>
-            <a:r>
-              <a:rPr lang="en-US" baseline="0" dirty="0" err="1" smtClean="0"/>
-              <a:t>samen</a:t>
-            </a:r>
-            <a:r>
-              <a:rPr lang="en-US" baseline="0" dirty="0" smtClean="0"/>
-              <a:t> met het </a:t>
-            </a:r>
-            <a:r>
-              <a:rPr lang="en-US" baseline="0" dirty="0" err="1" smtClean="0"/>
-              <a:t>programmeerparadigma</a:t>
-            </a:r>
-            <a:r>
-              <a:rPr lang="en-US" baseline="0" dirty="0" smtClean="0"/>
-              <a:t>. Criteria </a:t>
-            </a:r>
-            <a:r>
-              <a:rPr lang="en-US" baseline="0" dirty="0" err="1" smtClean="0"/>
-              <a:t>zoals</a:t>
-            </a:r>
-            <a:r>
-              <a:rPr lang="en-US" baseline="0" dirty="0" smtClean="0"/>
-              <a:t> </a:t>
-            </a:r>
-            <a:r>
-              <a:rPr lang="en-US" baseline="0" dirty="0" err="1" smtClean="0"/>
-              <a:t>Moeilijkheidsgraad</a:t>
             </a:r>
             <a:r>
               <a:rPr lang="en-US" baseline="0" dirty="0" smtClean="0"/>
@@ -5874,7 +6010,15 @@
             </a:pPr>
             <a:r>
               <a:rPr lang="nl-NL" baseline="0" dirty="0" smtClean="0"/>
-              <a:t>Tijdens de ontwikkeling kan ik al verschillende criteria evalueren zoals welke tools er beschikbaar zijn, de moeilijkheidsgraad en programmeerparadigma. Na de implementatie kan ik andere criteria gaan evalueren, zoals </a:t>
+              <a:t>Tijdens de ontwikkeling kan ik al verschillende criteria evalueren zoals welke tools er beschikbaar zijn, de moeilijkheidsgraad en </a:t>
+            </a:r>
+            <a:r>
+              <a:rPr lang="nl-NL" baseline="0" dirty="0" smtClean="0"/>
+              <a:t>het programmeerparadigma</a:t>
+            </a:r>
+            <a:r>
+              <a:rPr lang="nl-NL" baseline="0" dirty="0" smtClean="0"/>
+              <a:t>. Na de implementatie kan ik andere criteria gaan evalueren, zoals </a:t>
             </a:r>
             <a:r>
               <a:rPr lang="nl-NL" baseline="0" dirty="0" err="1" smtClean="0"/>
@@ -6286,7 +6430,7 @@
   </p:clrMapOvr>
   <p:extLst mod="1">
     <p:ext uri="{DCECCB84-F9BA-43D5-87BE-67443E8EF086}">
-      <p15:sldGuideLst xmlns="" xmlns:p15="http://schemas.microsoft.com/office/powerpoint/2012/main">
+      <p15:sldGuideLst xmlns:p15="http://schemas.microsoft.com/office/powerpoint/2012/main" xmlns="">
         <p15:guide id="1" orient="horz" pos="3929" userDrawn="1">
           <p15:clr>
             <a:srgbClr val="FBAE40"/>
@@ -6597,7 +6741,7 @@
   </p:clrMapOvr>
   <p:extLst mod="1">
     <p:ext uri="{DCECCB84-F9BA-43D5-87BE-67443E8EF086}">
-      <p15:sldGuideLst xmlns="" xmlns:p15="http://schemas.microsoft.com/office/powerpoint/2012/main">
+      <p15:sldGuideLst xmlns:p15="http://schemas.microsoft.com/office/powerpoint/2012/main" xmlns="">
         <p15:guide id="1" orient="horz" pos="3929">
           <p15:clr>
             <a:srgbClr val="FBAE40"/>
@@ -6885,7 +7029,7 @@
           <a:p>
             <a:fld id="{BA252000-72D1-4588-81D0-A21B268C4F60}" type="datetime1">
               <a:rPr lang="nl-BE" smtClean="0"/>
-              <a:t>26/11/2017</a:t>
+              <a:t>27/11/2017</a:t>
             </a:fld>
             <a:endParaRPr lang="nl-NL" dirty="0"/>
           </a:p>
@@ -6950,7 +7094,7 @@
   </p:clrMapOvr>
   <p:extLst mod="1">
     <p:ext uri="{DCECCB84-F9BA-43D5-87BE-67443E8EF086}">
-      <p15:sldGuideLst xmlns="" xmlns:p15="http://schemas.microsoft.com/office/powerpoint/2012/main">
+      <p15:sldGuideLst xmlns:p15="http://schemas.microsoft.com/office/powerpoint/2012/main" xmlns="">
         <p15:guide id="1" orient="horz" pos="2160">
           <p15:clr>
             <a:srgbClr val="FBAE40"/>
@@ -7192,7 +7336,7 @@
           <a:p>
             <a:fld id="{51B5EE41-54AE-48CB-8D18-4748453B9BC8}" type="datetime1">
               <a:rPr lang="nl-BE" smtClean="0"/>
-              <a:t>26/11/2017</a:t>
+              <a:t>27/11/2017</a:t>
             </a:fld>
             <a:endParaRPr lang="nl-NL" dirty="0"/>
           </a:p>
@@ -7257,7 +7401,7 @@
   </p:clrMapOvr>
   <p:extLst mod="1">
     <p:ext uri="{DCECCB84-F9BA-43D5-87BE-67443E8EF086}">
-      <p15:sldGuideLst xmlns="" xmlns:p15="http://schemas.microsoft.com/office/powerpoint/2012/main">
+      <p15:sldGuideLst xmlns:p15="http://schemas.microsoft.com/office/powerpoint/2012/main" xmlns="">
         <p15:guide id="1" orient="horz" pos="2160">
           <p15:clr>
             <a:srgbClr val="FBAE40"/>
@@ -7308,7 +7452,7 @@
           <a:p>
             <a:fld id="{325CFB26-3E0B-43F3-B1DB-8FF4C39B3D0D}" type="datetime1">
               <a:rPr lang="nl-BE" smtClean="0"/>
-              <a:t>26/11/2017</a:t>
+              <a:t>27/11/2017</a:t>
             </a:fld>
             <a:endParaRPr lang="nl-NL" dirty="0"/>
           </a:p>
@@ -7698,7 +7842,7 @@
           <a:p>
             <a:fld id="{DC4FC34B-922A-43D1-878B-5EF44FE511A8}" type="datetime1">
               <a:rPr lang="nl-BE" smtClean="0"/>
-              <a:t>26/11/2017</a:t>
+              <a:t>27/11/2017</a:t>
             </a:fld>
             <a:endParaRPr lang="nl-NL" dirty="0"/>
           </a:p>
@@ -7817,7 +7961,7 @@
   </p:clrMapOvr>
   <p:extLst mod="1">
     <p:ext uri="{DCECCB84-F9BA-43D5-87BE-67443E8EF086}">
-      <p15:sldGuideLst xmlns="" xmlns:p15="http://schemas.microsoft.com/office/powerpoint/2012/main">
+      <p15:sldGuideLst xmlns:p15="http://schemas.microsoft.com/office/powerpoint/2012/main" xmlns="">
         <p15:guide id="1" orient="horz" pos="2160" userDrawn="1">
           <p15:clr>
             <a:srgbClr val="FBAE40"/>
@@ -8029,7 +8173,7 @@
           <a:p>
             <a:fld id="{FD918A91-1924-4471-9808-ACB04D0ED8EA}" type="datetime1">
               <a:rPr lang="nl-BE" smtClean="0"/>
-              <a:t>26/11/2017</a:t>
+              <a:t>27/11/2017</a:t>
             </a:fld>
             <a:endParaRPr lang="nl-NL" dirty="0"/>
           </a:p>
@@ -8148,7 +8292,7 @@
   </p:clrMapOvr>
   <p:extLst mod="1">
     <p:ext uri="{DCECCB84-F9BA-43D5-87BE-67443E8EF086}">
-      <p15:sldGuideLst xmlns="" xmlns:p15="http://schemas.microsoft.com/office/powerpoint/2012/main">
+      <p15:sldGuideLst xmlns:p15="http://schemas.microsoft.com/office/powerpoint/2012/main" xmlns="">
         <p15:guide id="1" orient="horz" pos="2160" userDrawn="1">
           <p15:clr>
             <a:srgbClr val="FBAE40"/>
@@ -8319,7 +8463,7 @@
           <a:p>
             <a:fld id="{EA5FBAB9-5FA3-46D6-A3EF-8850D13E3E94}" type="datetime1">
               <a:rPr lang="nl-BE" smtClean="0"/>
-              <a:t>26/11/2017</a:t>
+              <a:t>27/11/2017</a:t>
             </a:fld>
             <a:endParaRPr lang="nl-NL" dirty="0"/>
           </a:p>
@@ -8698,7 +8842,7 @@
           <a:p>
             <a:fld id="{D02784A5-45C8-4246-ADE0-8842E3C66E5D}" type="datetime1">
               <a:rPr lang="nl-BE" smtClean="0"/>
-              <a:t>26/11/2017</a:t>
+              <a:t>27/11/2017</a:t>
             </a:fld>
             <a:endParaRPr lang="nl-NL" dirty="0"/>
           </a:p>
@@ -8821,7 +8965,7 @@
           <a:p>
             <a:fld id="{C477E6CE-7017-4F77-9645-5F8638D9B9E2}" type="datetime1">
               <a:rPr lang="nl-BE" smtClean="0"/>
-              <a:t>26/11/2017</a:t>
+              <a:t>27/11/2017</a:t>
             </a:fld>
             <a:endParaRPr lang="nl-NL" dirty="0"/>
           </a:p>
@@ -8944,7 +9088,7 @@
           <a:p>
             <a:fld id="{56055E81-6827-4C1D-AD12-F50C5BE907ED}" type="datetime1">
               <a:rPr lang="nl-BE" smtClean="0"/>
-              <a:t>26/11/2017</a:t>
+              <a:t>27/11/2017</a:t>
             </a:fld>
             <a:endParaRPr lang="nl-NL" dirty="0"/>
           </a:p>
@@ -9093,7 +9237,7 @@
           <a:p>
             <a:fld id="{F7042BA5-0515-4B7F-B8A4-B74FD521147B}" type="datetime1">
               <a:rPr lang="nl-BE" smtClean="0"/>
-              <a:t>26/11/2017</a:t>
+              <a:t>27/11/2017</a:t>
             </a:fld>
             <a:endParaRPr lang="nl-NL" dirty="0"/>
           </a:p>
@@ -9261,7 +9405,7 @@
           <a:p>
             <a:fld id="{09EF3F9E-B585-4D67-B28C-5D7ABCECB608}" type="datetime1">
               <a:rPr lang="nl-BE" smtClean="0"/>
-              <a:t>26/11/2017</a:t>
+              <a:t>27/11/2017</a:t>
             </a:fld>
             <a:endParaRPr lang="nl-NL" dirty="0"/>
           </a:p>
@@ -9775,7 +9919,7 @@
   </p:txStyles>
   <p:extLst mod="1">
     <p:ext uri="{27BBF7A9-308A-43DC-89C8-2F10F3537804}">
-      <p15:sldGuideLst xmlns="" xmlns:p15="http://schemas.microsoft.com/office/powerpoint/2012/main">
+      <p15:sldGuideLst xmlns:p15="http://schemas.microsoft.com/office/powerpoint/2012/main" xmlns="">
         <p15:guide id="1" orient="horz" pos="3816" userDrawn="1">
           <p15:clr>
             <a:srgbClr val="F26B43"/>
@@ -9899,7 +10043,7 @@
           <a:p>
             <a:fld id="{15BE6352-CF92-4CB8-B2C0-9F716CAEF608}" type="datetime1">
               <a:rPr lang="nl-BE" smtClean="0"/>
-              <a:t>26/11/2017</a:t>
+              <a:t>27/11/2017</a:t>
             </a:fld>
             <a:endParaRPr lang="nl-NL" dirty="0"/>
           </a:p>
@@ -10407,7 +10551,7 @@
   </p:txStyles>
   <p:extLst mod="1">
     <p:ext uri="{27BBF7A9-308A-43DC-89C8-2F10F3537804}">
-      <p15:sldGuideLst xmlns="" xmlns:p15="http://schemas.microsoft.com/office/powerpoint/2012/main">
+      <p15:sldGuideLst xmlns:p15="http://schemas.microsoft.com/office/powerpoint/2012/main" xmlns="">
         <p15:guide id="1" orient="horz" pos="1026" userDrawn="1">
           <p15:clr>
             <a:srgbClr val="F26B43"/>
@@ -11522,8 +11666,8 @@
           </p:nvSpPr>
           <p:spPr>
             <a:xfrm>
-              <a:off x="913361" y="4038628"/>
-              <a:ext cx="1250731" cy="646331"/>
+              <a:off x="913361" y="4177125"/>
+              <a:ext cx="1250731" cy="369332"/>
             </a:xfrm>
             <a:prstGeom prst="rect">
               <a:avLst/>
@@ -11539,7 +11683,11 @@
               <a:pPr algn="ctr"/>
               <a:r>
                 <a:rPr lang="en-US" dirty="0" smtClean="0"/>
-                <a:t>LISP-like PPL</a:t>
+                <a:t>LISP </a:t>
+              </a:r>
+              <a:r>
+                <a:rPr lang="en-US" dirty="0" smtClean="0"/>
+                <a:t>PPL</a:t>
               </a:r>
               <a:endParaRPr lang="en-US" dirty="0"/>
             </a:p>
@@ -11649,8 +11797,8 @@
           </p:nvSpPr>
           <p:spPr>
             <a:xfrm>
-              <a:off x="913361" y="4038628"/>
-              <a:ext cx="1250731" cy="646331"/>
+              <a:off x="913360" y="4177124"/>
+              <a:ext cx="1250731" cy="369332"/>
             </a:xfrm>
             <a:prstGeom prst="rect">
               <a:avLst/>
@@ -11666,7 +11814,11 @@
               <a:pPr algn="ctr"/>
               <a:r>
                 <a:rPr lang="en-US" dirty="0" smtClean="0"/>
-                <a:t>LISP-like PPL</a:t>
+                <a:t>LISP </a:t>
+              </a:r>
+              <a:r>
+                <a:rPr lang="en-US" dirty="0" smtClean="0"/>
+                <a:t>PPL</a:t>
               </a:r>
               <a:endParaRPr lang="en-US" dirty="0"/>
             </a:p>
@@ -12582,8 +12734,8 @@
           </p:nvSpPr>
           <p:spPr>
             <a:xfrm>
-              <a:off x="913361" y="4038628"/>
-              <a:ext cx="1250731" cy="646331"/>
+              <a:off x="913359" y="4177126"/>
+              <a:ext cx="1250731" cy="369332"/>
             </a:xfrm>
             <a:prstGeom prst="rect">
               <a:avLst/>
@@ -12599,7 +12751,11 @@
               <a:pPr algn="ctr"/>
               <a:r>
                 <a:rPr lang="en-US" dirty="0" smtClean="0"/>
-                <a:t>LISP-like PPL</a:t>
+                <a:t>LISP </a:t>
+              </a:r>
+              <a:r>
+                <a:rPr lang="en-US" dirty="0" smtClean="0"/>
+                <a:t>PPL</a:t>
               </a:r>
               <a:endParaRPr lang="en-US" dirty="0"/>
             </a:p>
@@ -12709,8 +12865,8 @@
           </p:nvSpPr>
           <p:spPr>
             <a:xfrm>
-              <a:off x="913361" y="4038628"/>
-              <a:ext cx="1250731" cy="646331"/>
+              <a:off x="913361" y="4170341"/>
+              <a:ext cx="1250731" cy="369332"/>
             </a:xfrm>
             <a:prstGeom prst="rect">
               <a:avLst/>
@@ -12726,7 +12882,11 @@
               <a:pPr algn="ctr"/>
               <a:r>
                 <a:rPr lang="en-US" dirty="0" smtClean="0"/>
-                <a:t>LISP-like PPL</a:t>
+                <a:t>LISP </a:t>
+              </a:r>
+              <a:r>
+                <a:rPr lang="en-US" dirty="0" smtClean="0"/>
+                <a:t>PPL</a:t>
               </a:r>
               <a:endParaRPr lang="en-US" dirty="0"/>
             </a:p>
@@ -13116,8 +13276,13 @@
             </a:r>
             <a:r>
               <a:rPr lang="en-US" dirty="0"/>
-              <a:t> PPL’s</a:t>
-            </a:r>
+              <a:t> </a:t>
+            </a:r>
+            <a:r>
+              <a:rPr lang="en-US" dirty="0" smtClean="0"/>
+              <a:t>PPL’s.</a:t>
+            </a:r>
+            <a:endParaRPr lang="en-US" dirty="0"/>
           </a:p>
           <a:p>
             <a:r>
@@ -13145,52 +13310,64 @@
               <a:t> in </a:t>
             </a:r>
             <a:r>
+              <a:rPr lang="en-US" dirty="0" err="1" smtClean="0"/>
+              <a:t>implementatie</a:t>
+            </a:r>
+            <a:r>
+              <a:rPr lang="en-US" dirty="0" smtClean="0"/>
+              <a:t>.</a:t>
+            </a:r>
+            <a:endParaRPr lang="en-US" dirty="0"/>
+          </a:p>
+          <a:p>
+            <a:pPr lvl="1"/>
+            <a:r>
+              <a:rPr lang="en-US" dirty="0" smtClean="0"/>
+              <a:t>ProbLog2 </a:t>
+            </a:r>
+            <a:r>
+              <a:rPr lang="en-US" dirty="0" err="1" smtClean="0"/>
+              <a:t>logisch</a:t>
+            </a:r>
+            <a:r>
+              <a:rPr lang="en-US" dirty="0" smtClean="0"/>
+              <a:t>.</a:t>
+            </a:r>
+            <a:endParaRPr lang="en-US" dirty="0"/>
+          </a:p>
+          <a:p>
+            <a:pPr lvl="1"/>
+            <a:r>
+              <a:rPr lang="en-US" dirty="0"/>
+              <a:t>Anglican </a:t>
+            </a:r>
+            <a:r>
+              <a:rPr lang="en-US" dirty="0" err="1" smtClean="0"/>
+              <a:t>functioneel</a:t>
+            </a:r>
+            <a:r>
+              <a:rPr lang="en-US" dirty="0" smtClean="0"/>
+              <a:t>.</a:t>
+            </a:r>
+            <a:endParaRPr lang="en-US" dirty="0"/>
+          </a:p>
+          <a:p>
+            <a:r>
+              <a:rPr lang="en-US" dirty="0"/>
+              <a:t>De </a:t>
+            </a:r>
+            <a:r>
+              <a:rPr lang="en-US" dirty="0" err="1"/>
+              <a:t>ontwikkeling</a:t>
+            </a:r>
+            <a:r>
+              <a:rPr lang="en-US" dirty="0"/>
+              <a:t> en </a:t>
+            </a:r>
+            <a:r>
               <a:rPr lang="en-US" dirty="0" err="1"/>
               <a:t>implementatie</a:t>
             </a:r>
-            <a:endParaRPr lang="en-US" dirty="0"/>
-          </a:p>
-          <a:p>
-            <a:pPr lvl="1"/>
-            <a:r>
-              <a:rPr lang="en-US" dirty="0" smtClean="0"/>
-              <a:t>ProbLog2 </a:t>
-            </a:r>
-            <a:r>
-              <a:rPr lang="en-US" dirty="0" err="1"/>
-              <a:t>logisch</a:t>
-            </a:r>
-            <a:endParaRPr lang="en-US" dirty="0"/>
-          </a:p>
-          <a:p>
-            <a:pPr lvl="1"/>
-            <a:r>
-              <a:rPr lang="en-US" dirty="0"/>
-              <a:t>Anglican </a:t>
-            </a:r>
-            <a:r>
-              <a:rPr lang="en-US" dirty="0" err="1"/>
-              <a:t>functioneel</a:t>
-            </a:r>
-            <a:endParaRPr lang="en-US" dirty="0"/>
-          </a:p>
-          <a:p>
-            <a:r>
-              <a:rPr lang="en-US" dirty="0"/>
-              <a:t>De </a:t>
-            </a:r>
-            <a:r>
-              <a:rPr lang="en-US" dirty="0" err="1"/>
-              <a:t>ontwikkeling</a:t>
-            </a:r>
-            <a:r>
-              <a:rPr lang="en-US" dirty="0"/>
-              <a:t> en </a:t>
-            </a:r>
-            <a:r>
-              <a:rPr lang="en-US" dirty="0" err="1"/>
-              <a:t>implementatie</a:t>
-            </a:r>
             <a:r>
               <a:rPr lang="en-US" dirty="0"/>
               <a:t> </a:t>
@@ -13198,6 +13375,10 @@
             <a:r>
               <a:rPr lang="en-US" dirty="0" err="1" smtClean="0"/>
               <a:t>evalueren</a:t>
+            </a:r>
+            <a:r>
+              <a:rPr lang="en-US" dirty="0" smtClean="0"/>
+              <a:t>.</a:t>
             </a:r>
             <a:endParaRPr lang="en-US" dirty="0"/>
           </a:p>
@@ -13922,7 +14103,7 @@
         <p:spPr>
           <a:xfrm>
             <a:off x="228600" y="1231352"/>
-            <a:ext cx="2057399" cy="1477328"/>
+            <a:ext cx="2057399" cy="2031325"/>
           </a:xfrm>
           <a:prstGeom prst="rect">
             <a:avLst/>
@@ -13937,14 +14118,26 @@
           <a:p>
             <a:r>
               <a:rPr lang="nl-BE" dirty="0" smtClean="0"/>
-              <a:t>Meer als 3 naast elkaar, verwijder blokken en laat rest vallen.</a:t>
-            </a:r>
-          </a:p>
-          <a:p>
+              <a:t>Meer als 3 naast elkaar, verwijder blokken en laat rest vallen</a:t>
+            </a:r>
             <a:r>
               <a:rPr lang="nl-BE" dirty="0" smtClean="0"/>
-              <a:t>Zie volgende slide</a:t>
-            </a:r>
+              <a:t>.</a:t>
+            </a:r>
+          </a:p>
+          <a:p>
+            <a:endParaRPr lang="nl-BE" dirty="0" smtClean="0"/>
+          </a:p>
+          <a:p>
+            <a:r>
+              <a:rPr lang="nl-BE" dirty="0" smtClean="0"/>
+              <a:t>Zie volgende </a:t>
+            </a:r>
+            <a:r>
+              <a:rPr lang="nl-BE" dirty="0" smtClean="0"/>
+              <a:t>slide.</a:t>
+            </a:r>
+            <a:endParaRPr lang="nl-BE" dirty="0" smtClean="0"/>
           </a:p>
         </p:txBody>
       </p:sp>
@@ -14811,14 +15004,24 @@
           <a:p>
             <a:r>
               <a:rPr lang="nl-BE" dirty="0" smtClean="0"/>
-              <a:t>Einde beurt</a:t>
-            </a:r>
-          </a:p>
-          <a:p>
+              <a:t>Einde </a:t>
+            </a:r>
             <a:r>
               <a:rPr lang="nl-BE" dirty="0" smtClean="0"/>
-              <a:t>Score is 23</a:t>
-            </a:r>
+              <a:t>beurt,</a:t>
+            </a:r>
+            <a:endParaRPr lang="nl-BE" dirty="0" smtClean="0"/>
+          </a:p>
+          <a:p>
+            <a:r>
+              <a:rPr lang="nl-BE" dirty="0" smtClean="0"/>
+              <a:t>Score is </a:t>
+            </a:r>
+            <a:r>
+              <a:rPr lang="nl-BE" dirty="0" smtClean="0"/>
+              <a:t>23.</a:t>
+            </a:r>
+            <a:endParaRPr lang="nl-BE" dirty="0" smtClean="0"/>
           </a:p>
         </p:txBody>
       </p:sp>
@@ -14926,8 +15129,8 @@
               <a:t>3 </a:t>
             </a:r>
             <a:r>
-              <a:rPr lang="en-US" dirty="0" err="1" smtClean="0"/>
-              <a:t>strategien</a:t>
+              <a:rPr lang="en-US" dirty="0" err="1"/>
+              <a:t>strategiën</a:t>
             </a:r>
             <a:endParaRPr lang="en-US" dirty="0" smtClean="0"/>
           </a:p>
@@ -15495,7 +15698,11 @@
           <a:p>
             <a:r>
               <a:rPr lang="nl-BE" dirty="0" smtClean="0"/>
-              <a:t>Er wordt uniform een blauwe blok gekozen om op te drukken</a:t>
+              <a:t>Er wordt uniform een blauwe blok gekozen om op te </a:t>
+            </a:r>
+            <a:r>
+              <a:rPr lang="nl-BE" dirty="0" smtClean="0"/>
+              <a:t>drukken.</a:t>
             </a:r>
             <a:endParaRPr lang="nl-BE" dirty="0"/>
           </a:p>
@@ -16351,7 +16558,11 @@
           <a:p>
             <a:r>
               <a:rPr lang="nl-BE" dirty="0" smtClean="0"/>
-              <a:t>48 blokken met een mogelijke score</a:t>
+              <a:t>48 blokken met een mogelijke </a:t>
+            </a:r>
+            <a:r>
+              <a:rPr lang="nl-BE" dirty="0" smtClean="0"/>
+              <a:t>score.</a:t>
             </a:r>
             <a:endParaRPr lang="nl-BE" dirty="0"/>
           </a:p>
@@ -16381,7 +16592,11 @@
           <a:p>
             <a:r>
               <a:rPr lang="nl-BE" dirty="0" smtClean="0"/>
-              <a:t>Er wordt uniform 1 blok gekozen uit de 48 mogelijke opties om op te drukken</a:t>
+              <a:t>Er wordt uniform 1 blok gekozen uit de 48 mogelijke opties om op te </a:t>
+            </a:r>
+            <a:r>
+              <a:rPr lang="nl-BE" dirty="0" smtClean="0"/>
+              <a:t>drukken.</a:t>
             </a:r>
             <a:endParaRPr lang="nl-BE" dirty="0"/>
           </a:p>
@@ -18418,7 +18633,7 @@
             <p:ph sz="quarter" idx="13"/>
             <p:extLst>
               <p:ext uri="{D42A27DB-BD31-4B8C-83A1-F6EECF244321}">
-                <p14:modId xmlns:p14="http://schemas.microsoft.com/office/powerpoint/2010/main" val="545286861"/>
+                <p14:modId xmlns:p14="http://schemas.microsoft.com/office/powerpoint/2010/main" val="1628054147"/>
               </p:ext>
             </p:extLst>
           </p:nvPr>
@@ -18443,6 +18658,13 @@
   <p:clrMapOvr>
     <a:masterClrMapping/>
   </p:clrMapOvr>
+  <p:timing>
+    <p:tnLst>
+      <p:par>
+        <p:cTn id="1" dur="indefinite" restart="never" nodeType="tmRoot"/>
+      </p:par>
+    </p:tnLst>
+  </p:timing>
 </p:sld>
 </file>
 
@@ -18512,12 +18734,12 @@
       </p:sp>
       <p:sp>
         <p:nvSpPr>
-          <p:cNvPr id="4" name="Content Placeholder 3"/>
+          <p:cNvPr id="5" name="Title 4"/>
           <p:cNvSpPr>
             <a:spLocks noGrp="1"/>
           </p:cNvSpPr>
           <p:nvPr>
-            <p:ph sz="quarter" idx="13"/>
+            <p:ph type="title"/>
           </p:nvPr>
         </p:nvSpPr>
         <p:spPr/>
@@ -18525,51 +18747,125 @@
           <a:bodyPr/>
           <a:lstStyle/>
           <a:p>
-            <a:endParaRPr lang="en-US"/>
-          </a:p>
-        </p:txBody>
-      </p:sp>
-      <p:sp>
-        <p:nvSpPr>
-          <p:cNvPr id="5" name="Title 4"/>
-          <p:cNvSpPr>
-            <a:spLocks noGrp="1"/>
-          </p:cNvSpPr>
-          <p:nvPr>
-            <p:ph type="title"/>
-          </p:nvPr>
-        </p:nvSpPr>
-        <p:spPr/>
-        <p:txBody>
-          <a:bodyPr/>
-          <a:lstStyle/>
-          <a:p>
             <a:pPr algn="ctr"/>
             <a:r>
-              <a:rPr lang="en-US" dirty="0" err="1" smtClean="0"/>
+              <a:rPr lang="en-US" dirty="0" err="1"/>
               <a:t>Resultaten</a:t>
             </a:r>
-            <a:endParaRPr lang="en-US" dirty="0"/>
-          </a:p>
-        </p:txBody>
-      </p:sp>
+            <a:endParaRPr lang="nl-BE" dirty="0"/>
+          </a:p>
+        </p:txBody>
+      </p:sp>
+      <p:sp>
+        <p:nvSpPr>
+          <p:cNvPr id="7" name="TextBox 6"/>
+          <p:cNvSpPr txBox="1"/>
+          <p:nvPr/>
+        </p:nvSpPr>
+        <p:spPr>
+          <a:xfrm>
+            <a:off x="3357562" y="1104900"/>
+            <a:ext cx="2428875" cy="369332"/>
+          </a:xfrm>
+          <a:prstGeom prst="rect">
+            <a:avLst/>
+          </a:prstGeom>
+          <a:noFill/>
+        </p:spPr>
+        <p:txBody>
+          <a:bodyPr wrap="square" rtlCol="0">
+            <a:spAutoFit/>
+          </a:bodyPr>
+          <a:lstStyle/>
+          <a:p>
+            <a:pPr algn="ctr"/>
+            <a:r>
+              <a:rPr lang="nl-BE" dirty="0" smtClean="0"/>
+              <a:t>ProbLog2</a:t>
+            </a:r>
+            <a:endParaRPr lang="nl-BE" dirty="0"/>
+          </a:p>
+        </p:txBody>
+      </p:sp>
+      <p:sp>
+        <p:nvSpPr>
+          <p:cNvPr id="8" name="TextBox 7"/>
+          <p:cNvSpPr txBox="1"/>
+          <p:nvPr/>
+        </p:nvSpPr>
+        <p:spPr>
+          <a:xfrm>
+            <a:off x="1309149" y="1299805"/>
+            <a:ext cx="3693318" cy="307777"/>
+          </a:xfrm>
+          <a:prstGeom prst="rect">
+            <a:avLst/>
+          </a:prstGeom>
+          <a:noFill/>
+        </p:spPr>
+        <p:txBody>
+          <a:bodyPr wrap="square" rtlCol="0">
+            <a:spAutoFit/>
+          </a:bodyPr>
+          <a:lstStyle/>
+          <a:p>
+            <a:r>
+              <a:rPr lang="nl-BE" sz="1400" dirty="0"/>
+              <a:t>Kleuren veranderen distributie</a:t>
+            </a:r>
+            <a:endParaRPr lang="nl-BE" sz="1400" dirty="0"/>
+          </a:p>
+        </p:txBody>
+      </p:sp>
+      <p:pic>
+        <p:nvPicPr>
+          <p:cNvPr id="9" name="Picture 2" descr="C:\Users\susve\Desktop\T208-Probabilistic-Programming-A-Case-Study\thesis\presentations\2 second\result_distribution.png"/>
+          <p:cNvPicPr>
+            <a:picLocks noChangeAspect="1" noChangeArrowheads="1"/>
+          </p:cNvPicPr>
+          <p:nvPr/>
+        </p:nvPicPr>
+        <p:blipFill rotWithShape="1">
+          <a:blip r:embed="rId2">
+            <a:extLst>
+              <a:ext uri="{28A0092B-C50C-407E-A947-70E740481C1C}">
+                <a14:useLocalDpi xmlns:a14="http://schemas.microsoft.com/office/drawing/2010/main" val="0"/>
+              </a:ext>
+            </a:extLst>
+          </a:blip>
+          <a:srcRect l="7160"/>
+          <a:stretch/>
+        </p:blipFill>
+        <p:spPr bwMode="auto">
+          <a:xfrm>
+            <a:off x="1309149" y="1607582"/>
+            <a:ext cx="7615237" cy="657225"/>
+          </a:xfrm>
+          <a:prstGeom prst="rect">
+            <a:avLst/>
+          </a:prstGeom>
+          <a:noFill/>
+          <a:extLst>
+            <a:ext uri="{909E8E84-426E-40DD-AFC4-6F175D3DCCD1}">
+              <a14:hiddenFill xmlns:a14="http://schemas.microsoft.com/office/drawing/2010/main">
+                <a:solidFill>
+                  <a:srgbClr val="FFFFFF"/>
+                </a:solidFill>
+              </a14:hiddenFill>
+            </a:ext>
+          </a:extLst>
+        </p:spPr>
+      </p:pic>
     </p:spTree>
     <p:extLst>
       <p:ext uri="{BB962C8B-B14F-4D97-AF65-F5344CB8AC3E}">
-        <p14:creationId xmlns:p14="http://schemas.microsoft.com/office/powerpoint/2010/main" val="337119491"/>
+        <p14:creationId xmlns:p14="http://schemas.microsoft.com/office/powerpoint/2010/main" val="1740491581"/>
       </p:ext>
     </p:extLst>
   </p:cSld>
   <p:clrMapOvr>
     <a:masterClrMapping/>
   </p:clrMapOvr>
-  <p:timing>
-    <p:tnLst>
-      <p:par>
-        <p:cTn id="1" dur="indefinite" restart="never" nodeType="tmRoot"/>
-      </p:par>
-    </p:tnLst>
-  </p:timing>
 </p:sld>
 </file>
 
@@ -18639,12 +18935,12 @@
       </p:sp>
       <p:sp>
         <p:nvSpPr>
-          <p:cNvPr id="4" name="Content Placeholder 3"/>
+          <p:cNvPr id="5" name="Title 4"/>
           <p:cNvSpPr>
             <a:spLocks noGrp="1"/>
           </p:cNvSpPr>
           <p:nvPr>
-            <p:ph sz="quarter" idx="13"/>
+            <p:ph type="title"/>
           </p:nvPr>
         </p:nvSpPr>
         <p:spPr/>
@@ -18652,181 +18948,330 @@
           <a:bodyPr/>
           <a:lstStyle/>
           <a:p>
-            <a:r>
-              <a:rPr lang="en-US" dirty="0" err="1" smtClean="0"/>
-              <a:t>Verdere</a:t>
-            </a:r>
-            <a:r>
-              <a:rPr lang="en-US" dirty="0" smtClean="0"/>
-              <a:t> </a:t>
-            </a:r>
-            <a:r>
-              <a:rPr lang="en-US" dirty="0" err="1" smtClean="0"/>
-              <a:t>evaluatie</a:t>
-            </a:r>
-            <a:r>
-              <a:rPr lang="en-US" dirty="0" smtClean="0"/>
-              <a:t> van </a:t>
-            </a:r>
-            <a:r>
-              <a:rPr lang="en-US" dirty="0" err="1" smtClean="0"/>
-              <a:t>ProbLog</a:t>
-            </a:r>
-            <a:r>
-              <a:rPr lang="en-US" dirty="0" smtClean="0"/>
-              <a:t>.</a:t>
-            </a:r>
-          </a:p>
-          <a:p>
-            <a:r>
-              <a:rPr lang="en-US" dirty="0" err="1" smtClean="0"/>
-              <a:t>Implementatie</a:t>
-            </a:r>
-            <a:r>
-              <a:rPr lang="en-US" dirty="0" smtClean="0"/>
-              <a:t> van model in Anglican.</a:t>
-            </a:r>
-          </a:p>
-          <a:p>
-            <a:r>
-              <a:rPr lang="en-US" dirty="0" err="1" smtClean="0"/>
-              <a:t>Evaluatie</a:t>
-            </a:r>
-            <a:r>
-              <a:rPr lang="en-US" dirty="0" smtClean="0"/>
-              <a:t> van Anglican.</a:t>
-            </a:r>
-          </a:p>
-          <a:p>
-            <a:r>
-              <a:rPr lang="en-US" dirty="0" err="1" smtClean="0"/>
-              <a:t>Evaluatie</a:t>
-            </a:r>
-            <a:r>
-              <a:rPr lang="en-US" dirty="0" smtClean="0"/>
-              <a:t> Anglican                 </a:t>
-            </a:r>
-            <a:r>
-              <a:rPr lang="en-US" dirty="0" err="1" smtClean="0"/>
-              <a:t>ProbLog</a:t>
-            </a:r>
-            <a:r>
-              <a:rPr lang="en-US" dirty="0" smtClean="0"/>
-              <a:t>.</a:t>
-            </a:r>
-          </a:p>
-          <a:p>
-            <a:r>
-              <a:rPr lang="en-US" dirty="0" err="1" smtClean="0"/>
-              <a:t>Derde</a:t>
-            </a:r>
-            <a:r>
-              <a:rPr lang="en-US" dirty="0" smtClean="0"/>
-              <a:t> PPL </a:t>
-            </a:r>
-            <a:r>
-              <a:rPr lang="en-US" dirty="0" err="1" smtClean="0"/>
-              <a:t>implementeren</a:t>
-            </a:r>
-            <a:r>
-              <a:rPr lang="en-US" dirty="0" smtClean="0"/>
-              <a:t> en </a:t>
-            </a:r>
-            <a:r>
-              <a:rPr lang="en-US" dirty="0" err="1" smtClean="0"/>
-              <a:t>evalueren</a:t>
-            </a:r>
-            <a:r>
-              <a:rPr lang="en-US" dirty="0" smtClean="0"/>
-              <a:t>.</a:t>
-            </a:r>
-          </a:p>
-          <a:p>
-            <a:endParaRPr lang="en-US" dirty="0"/>
-          </a:p>
-        </p:txBody>
-      </p:sp>
-      <p:sp>
-        <p:nvSpPr>
-          <p:cNvPr id="5" name="Title 4"/>
-          <p:cNvSpPr>
-            <a:spLocks noGrp="1"/>
-          </p:cNvSpPr>
-          <p:nvPr>
-            <p:ph type="title"/>
-          </p:nvPr>
-        </p:nvSpPr>
-        <p:spPr/>
-        <p:txBody>
-          <a:bodyPr/>
-          <a:lstStyle/>
-          <a:p>
             <a:pPr algn="ctr"/>
             <a:r>
-              <a:rPr lang="en-US" dirty="0" err="1" smtClean="0"/>
-              <a:t>Toekomst</a:t>
-            </a:r>
-            <a:endParaRPr lang="en-US" dirty="0"/>
-          </a:p>
-        </p:txBody>
-      </p:sp>
-      <p:sp>
-        <p:nvSpPr>
-          <p:cNvPr id="6" name="Left-Right Arrow 5"/>
-          <p:cNvSpPr/>
+              <a:rPr lang="en-US" dirty="0" err="1"/>
+              <a:t>Resultaten</a:t>
+            </a:r>
+            <a:endParaRPr lang="nl-BE" dirty="0"/>
+          </a:p>
+        </p:txBody>
+      </p:sp>
+      <p:sp>
+        <p:nvSpPr>
+          <p:cNvPr id="7" name="TextBox 6"/>
+          <p:cNvSpPr txBox="1"/>
           <p:nvPr/>
         </p:nvSpPr>
         <p:spPr>
           <a:xfrm>
-            <a:off x="3550141" y="3312217"/>
-            <a:ext cx="1124606" cy="168899"/>
+            <a:off x="3357562" y="1104900"/>
+            <a:ext cx="2428875" cy="369332"/>
           </a:xfrm>
-          <a:prstGeom prst="leftRightArrow">
+          <a:prstGeom prst="rect">
             <a:avLst/>
           </a:prstGeom>
+          <a:noFill/>
         </p:spPr>
-        <p:style>
-          <a:lnRef idx="2">
-            <a:schemeClr val="accent1">
-              <a:shade val="50000"/>
-            </a:schemeClr>
-          </a:lnRef>
-          <a:fillRef idx="1">
-            <a:schemeClr val="accent1"/>
-          </a:fillRef>
-          <a:effectRef idx="0">
-            <a:schemeClr val="accent1"/>
-          </a:effectRef>
-          <a:fontRef idx="minor">
-            <a:schemeClr val="lt1"/>
-          </a:fontRef>
-        </p:style>
-        <p:txBody>
-          <a:bodyPr rtlCol="0" anchor="ctr"/>
+        <p:txBody>
+          <a:bodyPr wrap="square" rtlCol="0">
+            <a:spAutoFit/>
+          </a:bodyPr>
           <a:lstStyle/>
           <a:p>
             <a:pPr algn="ctr"/>
-            <a:endParaRPr lang="nl-BE"/>
-          </a:p>
-        </p:txBody>
-      </p:sp>
+            <a:r>
+              <a:rPr lang="nl-BE" dirty="0" smtClean="0"/>
+              <a:t>ProbLog2</a:t>
+            </a:r>
+            <a:endParaRPr lang="nl-BE" dirty="0"/>
+          </a:p>
+        </p:txBody>
+      </p:sp>
+      <p:sp>
+        <p:nvSpPr>
+          <p:cNvPr id="8" name="TextBox 7"/>
+          <p:cNvSpPr txBox="1"/>
+          <p:nvPr/>
+        </p:nvSpPr>
+        <p:spPr>
+          <a:xfrm>
+            <a:off x="1309149" y="1299805"/>
+            <a:ext cx="3693318" cy="307777"/>
+          </a:xfrm>
+          <a:prstGeom prst="rect">
+            <a:avLst/>
+          </a:prstGeom>
+          <a:noFill/>
+        </p:spPr>
+        <p:txBody>
+          <a:bodyPr wrap="square" rtlCol="0">
+            <a:spAutoFit/>
+          </a:bodyPr>
+          <a:lstStyle/>
+          <a:p>
+            <a:r>
+              <a:rPr lang="nl-BE" sz="1400" dirty="0" smtClean="0"/>
+              <a:t>Strategie, blok drukken distributie</a:t>
+            </a:r>
+            <a:endParaRPr lang="nl-BE" sz="1400" dirty="0"/>
+          </a:p>
+        </p:txBody>
+      </p:sp>
+      <p:pic>
+        <p:nvPicPr>
+          <p:cNvPr id="3074" name="Picture 2" descr="C:\Users\susve\Desktop\T208-Probabilistic-Programming-A-Case-Study\thesis\presentations\2 second\result_distribution_press.png"/>
+          <p:cNvPicPr>
+            <a:picLocks noChangeAspect="1" noChangeArrowheads="1"/>
+          </p:cNvPicPr>
+          <p:nvPr/>
+        </p:nvPicPr>
+        <p:blipFill>
+          <a:blip r:embed="rId2">
+            <a:extLst>
+              <a:ext uri="{28A0092B-C50C-407E-A947-70E740481C1C}">
+                <a14:useLocalDpi xmlns:a14="http://schemas.microsoft.com/office/drawing/2010/main" val="0"/>
+              </a:ext>
+            </a:extLst>
+          </a:blip>
+          <a:srcRect/>
+          <a:stretch>
+            <a:fillRect/>
+          </a:stretch>
+        </p:blipFill>
+        <p:spPr bwMode="auto">
+          <a:xfrm>
+            <a:off x="1309150" y="1617107"/>
+            <a:ext cx="6525700" cy="4572000"/>
+          </a:xfrm>
+          <a:prstGeom prst="rect">
+            <a:avLst/>
+          </a:prstGeom>
+          <a:noFill/>
+          <a:extLst>
+            <a:ext uri="{909E8E84-426E-40DD-AFC4-6F175D3DCCD1}">
+              <a14:hiddenFill xmlns:a14="http://schemas.microsoft.com/office/drawing/2010/main">
+                <a:solidFill>
+                  <a:srgbClr val="FFFFFF"/>
+                </a:solidFill>
+              </a14:hiddenFill>
+            </a:ext>
+          </a:extLst>
+        </p:spPr>
+      </p:pic>
     </p:spTree>
     <p:extLst>
       <p:ext uri="{BB962C8B-B14F-4D97-AF65-F5344CB8AC3E}">
-        <p14:creationId xmlns:p14="http://schemas.microsoft.com/office/powerpoint/2010/main" val="984370636"/>
+        <p14:creationId xmlns:p14="http://schemas.microsoft.com/office/powerpoint/2010/main" val="2024154832"/>
       </p:ext>
     </p:extLst>
   </p:cSld>
   <p:clrMapOvr>
     <a:masterClrMapping/>
   </p:clrMapOvr>
-  <p:timing>
-    <p:tnLst>
-      <p:par>
-        <p:cTn id="1" dur="indefinite" restart="never" nodeType="tmRoot"/>
-      </p:par>
-    </p:tnLst>
-  </p:timing>
+</p:sld>
+</file>
+
+<file path=ppt/slides/slide29.xml><?xml version="1.0" encoding="utf-8"?>
+<p:sld xmlns:a="http://schemas.openxmlformats.org/drawingml/2006/main" xmlns:r="http://schemas.openxmlformats.org/officeDocument/2006/relationships" xmlns:p="http://schemas.openxmlformats.org/presentationml/2006/main">
+  <p:cSld>
+    <p:spTree>
+      <p:nvGrpSpPr>
+        <p:cNvPr id="1" name=""/>
+        <p:cNvGrpSpPr/>
+        <p:nvPr/>
+      </p:nvGrpSpPr>
+      <p:grpSpPr>
+        <a:xfrm>
+          <a:off x="0" y="0"/>
+          <a:ext cx="0" cy="0"/>
+          <a:chOff x="0" y="0"/>
+          <a:chExt cx="0" cy="0"/>
+        </a:xfrm>
+      </p:grpSpPr>
+      <p:sp>
+        <p:nvSpPr>
+          <p:cNvPr id="2" name="Footer Placeholder 1"/>
+          <p:cNvSpPr>
+            <a:spLocks noGrp="1"/>
+          </p:cNvSpPr>
+          <p:nvPr>
+            <p:ph type="ftr" sz="quarter" idx="11"/>
+          </p:nvPr>
+        </p:nvSpPr>
+        <p:spPr/>
+        <p:txBody>
+          <a:bodyPr/>
+          <a:lstStyle/>
+          <a:p>
+            <a:r>
+              <a:rPr lang="nl-NL" smtClean="0"/>
+              <a:t>Departement Computerwetenschappen · Faculteit Wetenschappen · KU Leuven</a:t>
+            </a:r>
+            <a:endParaRPr lang="nl-NL" dirty="0"/>
+          </a:p>
+        </p:txBody>
+      </p:sp>
+      <p:sp>
+        <p:nvSpPr>
+          <p:cNvPr id="3" name="Slide Number Placeholder 2"/>
+          <p:cNvSpPr>
+            <a:spLocks noGrp="1"/>
+          </p:cNvSpPr>
+          <p:nvPr>
+            <p:ph type="sldNum" sz="quarter" idx="12"/>
+          </p:nvPr>
+        </p:nvSpPr>
+        <p:spPr/>
+        <p:txBody>
+          <a:bodyPr/>
+          <a:lstStyle/>
+          <a:p>
+            <a:fld id="{0A297500-7527-634B-90F4-69D0994C32B4}" type="slidenum">
+              <a:rPr lang="nl-NL" smtClean="0"/>
+              <a:pPr/>
+              <a:t>28</a:t>
+            </a:fld>
+            <a:endParaRPr lang="nl-NL" dirty="0"/>
+          </a:p>
+        </p:txBody>
+      </p:sp>
+      <p:sp>
+        <p:nvSpPr>
+          <p:cNvPr id="5" name="Title 4"/>
+          <p:cNvSpPr>
+            <a:spLocks noGrp="1"/>
+          </p:cNvSpPr>
+          <p:nvPr>
+            <p:ph type="title"/>
+          </p:nvPr>
+        </p:nvSpPr>
+        <p:spPr/>
+        <p:txBody>
+          <a:bodyPr/>
+          <a:lstStyle/>
+          <a:p>
+            <a:pPr algn="ctr"/>
+            <a:r>
+              <a:rPr lang="en-US" dirty="0" err="1"/>
+              <a:t>Resultaten</a:t>
+            </a:r>
+            <a:endParaRPr lang="nl-BE" dirty="0"/>
+          </a:p>
+        </p:txBody>
+      </p:sp>
+      <p:sp>
+        <p:nvSpPr>
+          <p:cNvPr id="7" name="TextBox 6"/>
+          <p:cNvSpPr txBox="1"/>
+          <p:nvPr/>
+        </p:nvSpPr>
+        <p:spPr>
+          <a:xfrm>
+            <a:off x="3357562" y="1104900"/>
+            <a:ext cx="2428875" cy="369332"/>
+          </a:xfrm>
+          <a:prstGeom prst="rect">
+            <a:avLst/>
+          </a:prstGeom>
+          <a:noFill/>
+        </p:spPr>
+        <p:txBody>
+          <a:bodyPr wrap="square" rtlCol="0">
+            <a:spAutoFit/>
+          </a:bodyPr>
+          <a:lstStyle/>
+          <a:p>
+            <a:pPr algn="ctr"/>
+            <a:r>
+              <a:rPr lang="nl-BE" dirty="0" smtClean="0"/>
+              <a:t>ProbLog2</a:t>
+            </a:r>
+            <a:endParaRPr lang="nl-BE" dirty="0"/>
+          </a:p>
+        </p:txBody>
+      </p:sp>
+      <p:sp>
+        <p:nvSpPr>
+          <p:cNvPr id="8" name="TextBox 7"/>
+          <p:cNvSpPr txBox="1"/>
+          <p:nvPr/>
+        </p:nvSpPr>
+        <p:spPr>
+          <a:xfrm>
+            <a:off x="1309149" y="1299805"/>
+            <a:ext cx="3693318" cy="307777"/>
+          </a:xfrm>
+          <a:prstGeom prst="rect">
+            <a:avLst/>
+          </a:prstGeom>
+          <a:noFill/>
+        </p:spPr>
+        <p:txBody>
+          <a:bodyPr wrap="square" rtlCol="0">
+            <a:spAutoFit/>
+          </a:bodyPr>
+          <a:lstStyle/>
+          <a:p>
+            <a:r>
+              <a:rPr lang="nl-BE" sz="1400" dirty="0" smtClean="0"/>
+              <a:t>Spel predicaten</a:t>
+            </a:r>
+            <a:endParaRPr lang="nl-BE" sz="1400" dirty="0"/>
+          </a:p>
+        </p:txBody>
+      </p:sp>
+      <p:pic>
+        <p:nvPicPr>
+          <p:cNvPr id="4098" name="Picture 2" descr="C:\Users\susve\Desktop\T208-Probabilistic-Programming-A-Case-Study\thesis\presentations\2 second\result_game_predicates.png"/>
+          <p:cNvPicPr>
+            <a:picLocks noChangeAspect="1" noChangeArrowheads="1"/>
+          </p:cNvPicPr>
+          <p:nvPr/>
+        </p:nvPicPr>
+        <p:blipFill>
+          <a:blip r:embed="rId2">
+            <a:extLst>
+              <a:ext uri="{28A0092B-C50C-407E-A947-70E740481C1C}">
+                <a14:useLocalDpi xmlns:a14="http://schemas.microsoft.com/office/drawing/2010/main" val="0"/>
+              </a:ext>
+            </a:extLst>
+          </a:blip>
+          <a:srcRect/>
+          <a:stretch>
+            <a:fillRect/>
+          </a:stretch>
+        </p:blipFill>
+        <p:spPr bwMode="auto">
+          <a:xfrm>
+            <a:off x="1309149" y="1607582"/>
+            <a:ext cx="5572125" cy="2314575"/>
+          </a:xfrm>
+          <a:prstGeom prst="rect">
+            <a:avLst/>
+          </a:prstGeom>
+          <a:noFill/>
+          <a:extLst>
+            <a:ext uri="{909E8E84-426E-40DD-AFC4-6F175D3DCCD1}">
+              <a14:hiddenFill xmlns:a14="http://schemas.microsoft.com/office/drawing/2010/main">
+                <a:solidFill>
+                  <a:srgbClr val="FFFFFF"/>
+                </a:solidFill>
+              </a14:hiddenFill>
+            </a:ext>
+          </a:extLst>
+        </p:spPr>
+      </p:pic>
+    </p:spTree>
+    <p:extLst>
+      <p:ext uri="{BB962C8B-B14F-4D97-AF65-F5344CB8AC3E}">
+        <p14:creationId xmlns:p14="http://schemas.microsoft.com/office/powerpoint/2010/main" val="1729640478"/>
+      </p:ext>
+    </p:extLst>
+  </p:cSld>
+  <p:clrMapOvr>
+    <a:masterClrMapping/>
+  </p:clrMapOvr>
 </p:sld>
 </file>
 
@@ -19049,6 +19494,940 @@
     <p:extLst>
       <p:ext uri="{BB962C8B-B14F-4D97-AF65-F5344CB8AC3E}">
         <p14:creationId xmlns:p14="http://schemas.microsoft.com/office/powerpoint/2010/main" val="1776738454"/>
+      </p:ext>
+    </p:extLst>
+  </p:cSld>
+  <p:clrMapOvr>
+    <a:masterClrMapping/>
+  </p:clrMapOvr>
+  <p:timing>
+    <p:tnLst>
+      <p:par>
+        <p:cTn id="1" dur="indefinite" restart="never" nodeType="tmRoot"/>
+      </p:par>
+    </p:tnLst>
+  </p:timing>
+</p:sld>
+</file>
+
+<file path=ppt/slides/slide30.xml><?xml version="1.0" encoding="utf-8"?>
+<p:sld xmlns:a="http://schemas.openxmlformats.org/drawingml/2006/main" xmlns:r="http://schemas.openxmlformats.org/officeDocument/2006/relationships" xmlns:p="http://schemas.openxmlformats.org/presentationml/2006/main">
+  <p:cSld>
+    <p:spTree>
+      <p:nvGrpSpPr>
+        <p:cNvPr id="1" name=""/>
+        <p:cNvGrpSpPr/>
+        <p:nvPr/>
+      </p:nvGrpSpPr>
+      <p:grpSpPr>
+        <a:xfrm>
+          <a:off x="0" y="0"/>
+          <a:ext cx="0" cy="0"/>
+          <a:chOff x="0" y="0"/>
+          <a:chExt cx="0" cy="0"/>
+        </a:xfrm>
+      </p:grpSpPr>
+      <p:sp>
+        <p:nvSpPr>
+          <p:cNvPr id="2" name="Footer Placeholder 1"/>
+          <p:cNvSpPr>
+            <a:spLocks noGrp="1"/>
+          </p:cNvSpPr>
+          <p:nvPr>
+            <p:ph type="ftr" sz="quarter" idx="11"/>
+          </p:nvPr>
+        </p:nvSpPr>
+        <p:spPr/>
+        <p:txBody>
+          <a:bodyPr/>
+          <a:lstStyle/>
+          <a:p>
+            <a:r>
+              <a:rPr lang="nl-NL" smtClean="0"/>
+              <a:t>Departement Computerwetenschappen · Faculteit Wetenschappen · KU Leuven</a:t>
+            </a:r>
+            <a:endParaRPr lang="nl-NL" dirty="0"/>
+          </a:p>
+        </p:txBody>
+      </p:sp>
+      <p:sp>
+        <p:nvSpPr>
+          <p:cNvPr id="3" name="Slide Number Placeholder 2"/>
+          <p:cNvSpPr>
+            <a:spLocks noGrp="1"/>
+          </p:cNvSpPr>
+          <p:nvPr>
+            <p:ph type="sldNum" sz="quarter" idx="12"/>
+          </p:nvPr>
+        </p:nvSpPr>
+        <p:spPr/>
+        <p:txBody>
+          <a:bodyPr/>
+          <a:lstStyle/>
+          <a:p>
+            <a:fld id="{0A297500-7527-634B-90F4-69D0994C32B4}" type="slidenum">
+              <a:rPr lang="nl-NL" smtClean="0"/>
+              <a:pPr/>
+              <a:t>29</a:t>
+            </a:fld>
+            <a:endParaRPr lang="nl-NL" dirty="0"/>
+          </a:p>
+        </p:txBody>
+      </p:sp>
+      <p:sp>
+        <p:nvSpPr>
+          <p:cNvPr id="4" name="Content Placeholder 3"/>
+          <p:cNvSpPr>
+            <a:spLocks noGrp="1"/>
+          </p:cNvSpPr>
+          <p:nvPr>
+            <p:ph sz="quarter" idx="13"/>
+          </p:nvPr>
+        </p:nvSpPr>
+        <p:spPr/>
+        <p:txBody>
+          <a:bodyPr/>
+          <a:lstStyle/>
+          <a:p>
+            <a:endParaRPr lang="en-US" dirty="0"/>
+          </a:p>
+        </p:txBody>
+      </p:sp>
+      <p:sp>
+        <p:nvSpPr>
+          <p:cNvPr id="5" name="Title 4"/>
+          <p:cNvSpPr>
+            <a:spLocks noGrp="1"/>
+          </p:cNvSpPr>
+          <p:nvPr>
+            <p:ph type="title"/>
+          </p:nvPr>
+        </p:nvSpPr>
+        <p:spPr/>
+        <p:txBody>
+          <a:bodyPr/>
+          <a:lstStyle/>
+          <a:p>
+            <a:pPr algn="ctr"/>
+            <a:r>
+              <a:rPr lang="en-US" dirty="0" err="1" smtClean="0"/>
+              <a:t>Resultaten</a:t>
+            </a:r>
+            <a:endParaRPr lang="en-US" dirty="0"/>
+          </a:p>
+        </p:txBody>
+      </p:sp>
+      <p:pic>
+        <p:nvPicPr>
+          <p:cNvPr id="1026" name="Picture 2" descr="C:\Users\susve\Desktop\T208-Probabilistic-Programming-A-Case-Study\thesis\presentations\2 second\result_problog_query1.png"/>
+          <p:cNvPicPr>
+            <a:picLocks noChangeAspect="1" noChangeArrowheads="1"/>
+          </p:cNvPicPr>
+          <p:nvPr/>
+        </p:nvPicPr>
+        <p:blipFill>
+          <a:blip r:embed="rId3">
+            <a:extLst>
+              <a:ext uri="{28A0092B-C50C-407E-A947-70E740481C1C}">
+                <a14:useLocalDpi xmlns:a14="http://schemas.microsoft.com/office/drawing/2010/main" val="0"/>
+              </a:ext>
+            </a:extLst>
+          </a:blip>
+          <a:srcRect/>
+          <a:stretch>
+            <a:fillRect/>
+          </a:stretch>
+        </p:blipFill>
+        <p:spPr bwMode="auto">
+          <a:xfrm>
+            <a:off x="236195" y="1129384"/>
+            <a:ext cx="8671609" cy="4114800"/>
+          </a:xfrm>
+          <a:prstGeom prst="rect">
+            <a:avLst/>
+          </a:prstGeom>
+          <a:noFill/>
+          <a:extLst>
+            <a:ext uri="{909E8E84-426E-40DD-AFC4-6F175D3DCCD1}">
+              <a14:hiddenFill xmlns:a14="http://schemas.microsoft.com/office/drawing/2010/main">
+                <a:solidFill>
+                  <a:srgbClr val="FFFFFF"/>
+                </a:solidFill>
+              </a14:hiddenFill>
+            </a:ext>
+          </a:extLst>
+        </p:spPr>
+      </p:pic>
+      <p:pic>
+        <p:nvPicPr>
+          <p:cNvPr id="1027" name="Picture 3" descr="C:\Users\susve\Desktop\T208-Probabilistic-Programming-A-Case-Study\thesis\presentations\2 second\result_problog_query2.png"/>
+          <p:cNvPicPr>
+            <a:picLocks noChangeAspect="1" noChangeArrowheads="1"/>
+          </p:cNvPicPr>
+          <p:nvPr/>
+        </p:nvPicPr>
+        <p:blipFill>
+          <a:blip r:embed="rId4">
+            <a:extLst>
+              <a:ext uri="{28A0092B-C50C-407E-A947-70E740481C1C}">
+                <a14:useLocalDpi xmlns:a14="http://schemas.microsoft.com/office/drawing/2010/main" val="0"/>
+              </a:ext>
+            </a:extLst>
+          </a:blip>
+          <a:srcRect/>
+          <a:stretch>
+            <a:fillRect/>
+          </a:stretch>
+        </p:blipFill>
+        <p:spPr bwMode="auto">
+          <a:xfrm>
+            <a:off x="914400" y="5533016"/>
+            <a:ext cx="7315200" cy="483650"/>
+          </a:xfrm>
+          <a:prstGeom prst="rect">
+            <a:avLst/>
+          </a:prstGeom>
+          <a:noFill/>
+          <a:extLst>
+            <a:ext uri="{909E8E84-426E-40DD-AFC4-6F175D3DCCD1}">
+              <a14:hiddenFill xmlns:a14="http://schemas.microsoft.com/office/drawing/2010/main">
+                <a:solidFill>
+                  <a:srgbClr val="FFFFFF"/>
+                </a:solidFill>
+              </a14:hiddenFill>
+            </a:ext>
+          </a:extLst>
+        </p:spPr>
+      </p:pic>
+    </p:spTree>
+    <p:extLst>
+      <p:ext uri="{BB962C8B-B14F-4D97-AF65-F5344CB8AC3E}">
+        <p14:creationId xmlns:p14="http://schemas.microsoft.com/office/powerpoint/2010/main" val="337119491"/>
+      </p:ext>
+    </p:extLst>
+  </p:cSld>
+  <p:clrMapOvr>
+    <a:masterClrMapping/>
+  </p:clrMapOvr>
+  <p:timing>
+    <p:tnLst>
+      <p:par>
+        <p:cTn id="1" dur="indefinite" restart="never" nodeType="tmRoot"/>
+      </p:par>
+    </p:tnLst>
+  </p:timing>
+</p:sld>
+</file>
+
+<file path=ppt/slides/slide31.xml><?xml version="1.0" encoding="utf-8"?>
+<p:sld xmlns:a="http://schemas.openxmlformats.org/drawingml/2006/main" xmlns:r="http://schemas.openxmlformats.org/officeDocument/2006/relationships" xmlns:p="http://schemas.openxmlformats.org/presentationml/2006/main">
+  <p:cSld>
+    <p:spTree>
+      <p:nvGrpSpPr>
+        <p:cNvPr id="1" name=""/>
+        <p:cNvGrpSpPr/>
+        <p:nvPr/>
+      </p:nvGrpSpPr>
+      <p:grpSpPr>
+        <a:xfrm>
+          <a:off x="0" y="0"/>
+          <a:ext cx="0" cy="0"/>
+          <a:chOff x="0" y="0"/>
+          <a:chExt cx="0" cy="0"/>
+        </a:xfrm>
+      </p:grpSpPr>
+      <p:sp>
+        <p:nvSpPr>
+          <p:cNvPr id="2" name="Footer Placeholder 1"/>
+          <p:cNvSpPr>
+            <a:spLocks noGrp="1"/>
+          </p:cNvSpPr>
+          <p:nvPr>
+            <p:ph type="ftr" sz="quarter" idx="11"/>
+          </p:nvPr>
+        </p:nvSpPr>
+        <p:spPr/>
+        <p:txBody>
+          <a:bodyPr/>
+          <a:lstStyle/>
+          <a:p>
+            <a:r>
+              <a:rPr lang="nl-NL" smtClean="0"/>
+              <a:t>Departement Computerwetenschappen · Faculteit Wetenschappen · KU Leuven</a:t>
+            </a:r>
+            <a:endParaRPr lang="nl-NL" dirty="0"/>
+          </a:p>
+        </p:txBody>
+      </p:sp>
+      <p:sp>
+        <p:nvSpPr>
+          <p:cNvPr id="3" name="Slide Number Placeholder 2"/>
+          <p:cNvSpPr>
+            <a:spLocks noGrp="1"/>
+          </p:cNvSpPr>
+          <p:nvPr>
+            <p:ph type="sldNum" sz="quarter" idx="12"/>
+          </p:nvPr>
+        </p:nvSpPr>
+        <p:spPr/>
+        <p:txBody>
+          <a:bodyPr/>
+          <a:lstStyle/>
+          <a:p>
+            <a:fld id="{0A297500-7527-634B-90F4-69D0994C32B4}" type="slidenum">
+              <a:rPr lang="nl-NL" smtClean="0"/>
+              <a:pPr/>
+              <a:t>30</a:t>
+            </a:fld>
+            <a:endParaRPr lang="nl-NL" dirty="0"/>
+          </a:p>
+        </p:txBody>
+      </p:sp>
+      <p:sp>
+        <p:nvSpPr>
+          <p:cNvPr id="5" name="Title 4"/>
+          <p:cNvSpPr>
+            <a:spLocks noGrp="1"/>
+          </p:cNvSpPr>
+          <p:nvPr>
+            <p:ph type="title"/>
+          </p:nvPr>
+        </p:nvSpPr>
+        <p:spPr/>
+        <p:txBody>
+          <a:bodyPr/>
+          <a:lstStyle/>
+          <a:p>
+            <a:pPr algn="ctr"/>
+            <a:r>
+              <a:rPr lang="en-US" dirty="0" err="1"/>
+              <a:t>Resultaten</a:t>
+            </a:r>
+            <a:endParaRPr lang="nl-BE" dirty="0"/>
+          </a:p>
+        </p:txBody>
+      </p:sp>
+      <p:graphicFrame>
+        <p:nvGraphicFramePr>
+          <p:cNvPr id="6" name="Table 5"/>
+          <p:cNvGraphicFramePr>
+            <a:graphicFrameLocks noGrp="1"/>
+          </p:cNvGraphicFramePr>
+          <p:nvPr>
+            <p:extLst>
+              <p:ext uri="{D42A27DB-BD31-4B8C-83A1-F6EECF244321}">
+                <p14:modId xmlns:p14="http://schemas.microsoft.com/office/powerpoint/2010/main" val="3608301725"/>
+              </p:ext>
+            </p:extLst>
+          </p:nvPr>
+        </p:nvGraphicFramePr>
+        <p:xfrm>
+          <a:off x="1237378" y="1274904"/>
+          <a:ext cx="6669244" cy="4744896"/>
+        </p:xfrm>
+        <a:graphic>
+          <a:graphicData uri="http://schemas.openxmlformats.org/drawingml/2006/table">
+            <a:tbl>
+              <a:tblPr firstRow="1" firstCol="1" bandRow="1">
+                <a:tableStyleId>{5C22544A-7EE6-4342-B048-85BDC9FD1C3A}</a:tableStyleId>
+              </a:tblPr>
+              <a:tblGrid>
+                <a:gridCol w="2841852"/>
+                <a:gridCol w="3827392"/>
+              </a:tblGrid>
+              <a:tr h="433552">
+                <a:tc>
+                  <a:txBody>
+                    <a:bodyPr/>
+                    <a:lstStyle/>
+                    <a:p>
+                      <a:pPr algn="ctr"/>
+                      <a:endParaRPr lang="nl-BE" dirty="0"/>
+                    </a:p>
+                  </a:txBody>
+                  <a:tcPr/>
+                </a:tc>
+                <a:tc>
+                  <a:txBody>
+                    <a:bodyPr/>
+                    <a:lstStyle/>
+                    <a:p>
+                      <a:pPr algn="ctr"/>
+                      <a:r>
+                        <a:rPr lang="nl-BE" dirty="0" smtClean="0"/>
+                        <a:t>ProbLog2</a:t>
+                      </a:r>
+                      <a:endParaRPr lang="nl-BE" dirty="0"/>
+                    </a:p>
+                  </a:txBody>
+                  <a:tcPr/>
+                </a:tc>
+              </a:tr>
+              <a:tr h="433552">
+                <a:tc>
+                  <a:txBody>
+                    <a:bodyPr/>
+                    <a:lstStyle/>
+                    <a:p>
+                      <a:pPr algn="ctr"/>
+                      <a:r>
+                        <a:rPr lang="nl-BE" dirty="0" err="1" smtClean="0"/>
+                        <a:t>Performantie</a:t>
+                      </a:r>
+                      <a:endParaRPr lang="nl-BE" dirty="0"/>
+                    </a:p>
+                  </a:txBody>
+                  <a:tcPr/>
+                </a:tc>
+                <a:tc>
+                  <a:txBody>
+                    <a:bodyPr/>
+                    <a:lstStyle/>
+                    <a:p>
+                      <a:pPr algn="ctr"/>
+                      <a:r>
+                        <a:rPr lang="nl-BE" sz="1400" dirty="0" smtClean="0"/>
+                        <a:t>Onmogelijk voor 10x10 borden.</a:t>
+                      </a:r>
+                    </a:p>
+                    <a:p>
+                      <a:pPr algn="ctr"/>
+                      <a:r>
+                        <a:rPr lang="nl-BE" sz="1400" dirty="0" smtClean="0"/>
+                        <a:t>Onmogelijk voor alle bord configuraties. Benaderende</a:t>
+                      </a:r>
+                      <a:r>
+                        <a:rPr lang="nl-BE" sz="1400" baseline="0" dirty="0" smtClean="0"/>
+                        <a:t> inferentie nodig.</a:t>
+                      </a:r>
+                      <a:endParaRPr lang="nl-BE" sz="1400" dirty="0" smtClean="0"/>
+                    </a:p>
+                  </a:txBody>
+                  <a:tcPr/>
+                </a:tc>
+              </a:tr>
+              <a:tr h="433552">
+                <a:tc>
+                  <a:txBody>
+                    <a:bodyPr/>
+                    <a:lstStyle/>
+                    <a:p>
+                      <a:pPr algn="ctr"/>
+                      <a:r>
+                        <a:rPr lang="en-US" dirty="0" err="1" smtClean="0"/>
+                        <a:t>Geheugengebruik</a:t>
+                      </a:r>
+                      <a:endParaRPr lang="nl-BE" dirty="0"/>
+                    </a:p>
+                  </a:txBody>
+                  <a:tcPr/>
+                </a:tc>
+                <a:tc>
+                  <a:txBody>
+                    <a:bodyPr/>
+                    <a:lstStyle/>
+                    <a:p>
+                      <a:pPr algn="ctr"/>
+                      <a:r>
+                        <a:rPr lang="nl-BE" sz="1400" dirty="0" smtClean="0"/>
+                        <a:t>Pure functies.</a:t>
+                      </a:r>
+                    </a:p>
+                    <a:p>
+                      <a:pPr algn="ctr"/>
+                      <a:r>
+                        <a:rPr lang="nl-BE" sz="1400" dirty="0" smtClean="0"/>
+                        <a:t>?</a:t>
+                      </a:r>
+                      <a:endParaRPr lang="nl-BE" sz="1400" dirty="0"/>
+                    </a:p>
+                  </a:txBody>
+                  <a:tcPr/>
+                </a:tc>
+              </a:tr>
+              <a:tr h="433552">
+                <a:tc>
+                  <a:txBody>
+                    <a:bodyPr/>
+                    <a:lstStyle/>
+                    <a:p>
+                      <a:pPr algn="ctr"/>
+                      <a:r>
+                        <a:rPr lang="nl-NL" dirty="0" smtClean="0"/>
+                        <a:t>Expressiviteit</a:t>
+                      </a:r>
+                      <a:endParaRPr lang="nl-BE" dirty="0"/>
+                    </a:p>
+                  </a:txBody>
+                  <a:tcPr/>
+                </a:tc>
+                <a:tc>
+                  <a:txBody>
+                    <a:bodyPr/>
+                    <a:lstStyle/>
+                    <a:p>
+                      <a:pPr algn="ctr"/>
+                      <a:r>
+                        <a:rPr lang="nl-BE" sz="1400" dirty="0" smtClean="0"/>
+                        <a:t>?</a:t>
+                      </a:r>
+                      <a:endParaRPr lang="nl-BE" sz="1400" dirty="0"/>
+                    </a:p>
+                  </a:txBody>
+                  <a:tcPr/>
+                </a:tc>
+              </a:tr>
+              <a:tr h="433552">
+                <a:tc>
+                  <a:txBody>
+                    <a:bodyPr/>
+                    <a:lstStyle/>
+                    <a:p>
+                      <a:pPr algn="ctr"/>
+                      <a:r>
+                        <a:rPr lang="nl-BE" dirty="0" smtClean="0"/>
+                        <a:t>Uitbreidbaarheid</a:t>
+                      </a:r>
+                      <a:endParaRPr lang="nl-BE" dirty="0"/>
+                    </a:p>
+                  </a:txBody>
+                  <a:tcPr/>
+                </a:tc>
+                <a:tc>
+                  <a:txBody>
+                    <a:bodyPr/>
+                    <a:lstStyle/>
+                    <a:p>
+                      <a:pPr algn="ctr"/>
+                      <a:r>
+                        <a:rPr lang="nl-BE" sz="1400" dirty="0" smtClean="0"/>
+                        <a:t>Uitstekend</a:t>
+                      </a:r>
+                      <a:r>
+                        <a:rPr lang="nl-BE" sz="1400" baseline="0" dirty="0" smtClean="0"/>
+                        <a:t> voor het veranderen van distributies.</a:t>
+                      </a:r>
+                      <a:endParaRPr lang="nl-BE" sz="1400" dirty="0"/>
+                    </a:p>
+                  </a:txBody>
+                  <a:tcPr/>
+                </a:tc>
+              </a:tr>
+              <a:tr h="433552">
+                <a:tc>
+                  <a:txBody>
+                    <a:bodyPr/>
+                    <a:lstStyle/>
+                    <a:p>
+                      <a:pPr algn="ctr"/>
+                      <a:r>
+                        <a:rPr lang="nl-BE" dirty="0" smtClean="0"/>
+                        <a:t>Tools beschikbaar</a:t>
+                      </a:r>
+                    </a:p>
+                  </a:txBody>
+                  <a:tcPr/>
+                </a:tc>
+                <a:tc>
+                  <a:txBody>
+                    <a:bodyPr/>
+                    <a:lstStyle/>
+                    <a:p>
+                      <a:pPr algn="ctr"/>
+                      <a:r>
+                        <a:rPr lang="nl-BE" sz="1400" dirty="0" smtClean="0"/>
+                        <a:t>Geen debugger,</a:t>
+                      </a:r>
+                      <a:r>
+                        <a:rPr lang="nl-BE" sz="1400" baseline="0" dirty="0" smtClean="0"/>
+                        <a:t> geen IDE, geen REPL. Gebruik van SWI-PL voor debuggen van predicaten.</a:t>
+                      </a:r>
+                    </a:p>
+                    <a:p>
+                      <a:pPr algn="ctr"/>
+                      <a:r>
+                        <a:rPr lang="nl-BE" sz="1400" baseline="0" dirty="0" smtClean="0"/>
+                        <a:t>Mogelijkheid om python te gebruiken.</a:t>
+                      </a:r>
+                      <a:endParaRPr lang="nl-BE" sz="1400" dirty="0"/>
+                    </a:p>
+                  </a:txBody>
+                  <a:tcPr/>
+                </a:tc>
+              </a:tr>
+              <a:tr h="433552">
+                <a:tc>
+                  <a:txBody>
+                    <a:bodyPr/>
+                    <a:lstStyle/>
+                    <a:p>
+                      <a:pPr algn="ctr"/>
+                      <a:r>
+                        <a:rPr lang="nl-BE" dirty="0" smtClean="0"/>
+                        <a:t>Moeilijkheidsgraad</a:t>
+                      </a:r>
+                      <a:endParaRPr lang="nl-BE" dirty="0"/>
+                    </a:p>
+                  </a:txBody>
+                  <a:tcPr/>
+                </a:tc>
+                <a:tc>
+                  <a:txBody>
+                    <a:bodyPr/>
+                    <a:lstStyle/>
+                    <a:p>
+                      <a:pPr algn="ctr"/>
+                      <a:r>
+                        <a:rPr lang="nl-BE" sz="1400" dirty="0" smtClean="0"/>
+                        <a:t>Gebruiksvriendelijke installatie (python</a:t>
+                      </a:r>
+                      <a:r>
+                        <a:rPr lang="nl-BE" sz="1400" baseline="0" dirty="0" smtClean="0"/>
+                        <a:t> nodig</a:t>
+                      </a:r>
+                      <a:r>
+                        <a:rPr lang="nl-BE" sz="1400" dirty="0" smtClean="0"/>
+                        <a:t>).</a:t>
+                      </a:r>
+                    </a:p>
+                    <a:p>
+                      <a:pPr algn="ctr"/>
+                      <a:r>
+                        <a:rPr lang="nl-BE" sz="1400" dirty="0" smtClean="0"/>
+                        <a:t>Elegante</a:t>
+                      </a:r>
+                      <a:r>
+                        <a:rPr lang="nl-BE" sz="1400" baseline="0" dirty="0" smtClean="0"/>
+                        <a:t> code (subjectief).</a:t>
+                      </a:r>
+                    </a:p>
+                    <a:p>
+                      <a:pPr algn="ctr"/>
+                      <a:r>
+                        <a:rPr lang="nl-BE" sz="1400" baseline="0" dirty="0" smtClean="0"/>
+                        <a:t>Makkelijk (subjectief).</a:t>
+                      </a:r>
+                      <a:endParaRPr lang="nl-BE" sz="1400" dirty="0" smtClean="0"/>
+                    </a:p>
+                  </a:txBody>
+                  <a:tcPr/>
+                </a:tc>
+              </a:tr>
+              <a:tr h="433552">
+                <a:tc>
+                  <a:txBody>
+                    <a:bodyPr/>
+                    <a:lstStyle/>
+                    <a:p>
+                      <a:pPr algn="ctr"/>
+                      <a:r>
+                        <a:rPr lang="nl-BE" dirty="0" smtClean="0"/>
+                        <a:t>Programmeerparadigma</a:t>
+                      </a:r>
+                      <a:endParaRPr lang="nl-BE" dirty="0"/>
+                    </a:p>
+                  </a:txBody>
+                  <a:tcPr/>
+                </a:tc>
+                <a:tc>
+                  <a:txBody>
+                    <a:bodyPr/>
+                    <a:lstStyle/>
+                    <a:p>
+                      <a:pPr algn="ctr"/>
+                      <a:r>
+                        <a:rPr lang="nl-BE" sz="1400" dirty="0" smtClean="0"/>
+                        <a:t>Logisch</a:t>
+                      </a:r>
+                      <a:endParaRPr lang="nl-BE" sz="1400" dirty="0"/>
+                    </a:p>
+                  </a:txBody>
+                  <a:tcPr/>
+                </a:tc>
+              </a:tr>
+            </a:tbl>
+          </a:graphicData>
+        </a:graphic>
+      </p:graphicFrame>
+    </p:spTree>
+    <p:extLst>
+      <p:ext uri="{BB962C8B-B14F-4D97-AF65-F5344CB8AC3E}">
+        <p14:creationId xmlns:p14="http://schemas.microsoft.com/office/powerpoint/2010/main" val="4116867107"/>
+      </p:ext>
+    </p:extLst>
+  </p:cSld>
+  <p:clrMapOvr>
+    <a:masterClrMapping/>
+  </p:clrMapOvr>
+</p:sld>
+</file>
+
+<file path=ppt/slides/slide32.xml><?xml version="1.0" encoding="utf-8"?>
+<p:sld xmlns:a="http://schemas.openxmlformats.org/drawingml/2006/main" xmlns:r="http://schemas.openxmlformats.org/officeDocument/2006/relationships" xmlns:p="http://schemas.openxmlformats.org/presentationml/2006/main">
+  <p:cSld>
+    <p:spTree>
+      <p:nvGrpSpPr>
+        <p:cNvPr id="1" name=""/>
+        <p:cNvGrpSpPr/>
+        <p:nvPr/>
+      </p:nvGrpSpPr>
+      <p:grpSpPr>
+        <a:xfrm>
+          <a:off x="0" y="0"/>
+          <a:ext cx="0" cy="0"/>
+          <a:chOff x="0" y="0"/>
+          <a:chExt cx="0" cy="0"/>
+        </a:xfrm>
+      </p:grpSpPr>
+      <p:sp>
+        <p:nvSpPr>
+          <p:cNvPr id="2" name="Footer Placeholder 1"/>
+          <p:cNvSpPr>
+            <a:spLocks noGrp="1"/>
+          </p:cNvSpPr>
+          <p:nvPr>
+            <p:ph type="ftr" sz="quarter" idx="11"/>
+          </p:nvPr>
+        </p:nvSpPr>
+        <p:spPr/>
+        <p:txBody>
+          <a:bodyPr/>
+          <a:lstStyle/>
+          <a:p>
+            <a:r>
+              <a:rPr lang="nl-NL" smtClean="0"/>
+              <a:t>Departement Computerwetenschappen · Faculteit Wetenschappen · KU Leuven</a:t>
+            </a:r>
+            <a:endParaRPr lang="nl-NL" dirty="0"/>
+          </a:p>
+        </p:txBody>
+      </p:sp>
+      <p:sp>
+        <p:nvSpPr>
+          <p:cNvPr id="3" name="Slide Number Placeholder 2"/>
+          <p:cNvSpPr>
+            <a:spLocks noGrp="1"/>
+          </p:cNvSpPr>
+          <p:nvPr>
+            <p:ph type="sldNum" sz="quarter" idx="12"/>
+          </p:nvPr>
+        </p:nvSpPr>
+        <p:spPr/>
+        <p:txBody>
+          <a:bodyPr/>
+          <a:lstStyle/>
+          <a:p>
+            <a:fld id="{0A297500-7527-634B-90F4-69D0994C32B4}" type="slidenum">
+              <a:rPr lang="nl-NL" smtClean="0"/>
+              <a:pPr/>
+              <a:t>31</a:t>
+            </a:fld>
+            <a:endParaRPr lang="nl-NL" dirty="0"/>
+          </a:p>
+        </p:txBody>
+      </p:sp>
+      <p:sp>
+        <p:nvSpPr>
+          <p:cNvPr id="4" name="Content Placeholder 3"/>
+          <p:cNvSpPr>
+            <a:spLocks noGrp="1"/>
+          </p:cNvSpPr>
+          <p:nvPr>
+            <p:ph sz="quarter" idx="13"/>
+          </p:nvPr>
+        </p:nvSpPr>
+        <p:spPr/>
+        <p:txBody>
+          <a:bodyPr/>
+          <a:lstStyle/>
+          <a:p>
+            <a:r>
+              <a:rPr lang="en-US" dirty="0" err="1" smtClean="0"/>
+              <a:t>Verdere</a:t>
+            </a:r>
+            <a:r>
+              <a:rPr lang="en-US" dirty="0" smtClean="0"/>
+              <a:t> </a:t>
+            </a:r>
+            <a:r>
+              <a:rPr lang="en-US" dirty="0" err="1" smtClean="0"/>
+              <a:t>evaluatie</a:t>
+            </a:r>
+            <a:r>
+              <a:rPr lang="en-US" dirty="0" smtClean="0"/>
+              <a:t> van </a:t>
+            </a:r>
+            <a:r>
+              <a:rPr lang="en-US" dirty="0" smtClean="0"/>
+              <a:t>ProbLog2.</a:t>
+            </a:r>
+          </a:p>
+          <a:p>
+            <a:pPr lvl="1"/>
+            <a:r>
+              <a:rPr lang="en-US" dirty="0" err="1" smtClean="0"/>
+              <a:t>Performantie</a:t>
+            </a:r>
+            <a:r>
+              <a:rPr lang="en-US" dirty="0"/>
+              <a:t>;</a:t>
+            </a:r>
+            <a:r>
+              <a:rPr lang="en-US" dirty="0" smtClean="0"/>
+              <a:t> </a:t>
+            </a:r>
+            <a:r>
+              <a:rPr lang="en-US" dirty="0" err="1" smtClean="0"/>
+              <a:t>Geheugengebruik</a:t>
+            </a:r>
+            <a:r>
+              <a:rPr lang="en-US" dirty="0" smtClean="0"/>
+              <a:t>; </a:t>
+            </a:r>
+            <a:r>
+              <a:rPr lang="en-US" dirty="0" err="1" smtClean="0"/>
+              <a:t>expressiviteit</a:t>
+            </a:r>
+            <a:r>
+              <a:rPr lang="en-US" dirty="0" smtClean="0"/>
+              <a:t>,…</a:t>
+            </a:r>
+            <a:endParaRPr lang="en-US" dirty="0" smtClean="0"/>
+          </a:p>
+          <a:p>
+            <a:r>
+              <a:rPr lang="en-US" dirty="0" err="1" smtClean="0"/>
+              <a:t>Implementatie</a:t>
+            </a:r>
+            <a:r>
+              <a:rPr lang="en-US" dirty="0" smtClean="0"/>
+              <a:t> van model in Anglican.</a:t>
+            </a:r>
+          </a:p>
+          <a:p>
+            <a:r>
+              <a:rPr lang="en-US" dirty="0" err="1" smtClean="0"/>
+              <a:t>Evaluatie</a:t>
+            </a:r>
+            <a:r>
+              <a:rPr lang="en-US" dirty="0" smtClean="0"/>
+              <a:t> van Anglican.</a:t>
+            </a:r>
+          </a:p>
+          <a:p>
+            <a:r>
+              <a:rPr lang="en-US" dirty="0" err="1" smtClean="0"/>
+              <a:t>Evaluatie</a:t>
+            </a:r>
+            <a:r>
+              <a:rPr lang="en-US" dirty="0" smtClean="0"/>
+              <a:t> Anglican                 </a:t>
+            </a:r>
+            <a:r>
+              <a:rPr lang="en-US" dirty="0" smtClean="0"/>
+              <a:t>ProbLog2.</a:t>
+            </a:r>
+            <a:endParaRPr lang="en-US" dirty="0" smtClean="0"/>
+          </a:p>
+          <a:p>
+            <a:r>
+              <a:rPr lang="en-US" dirty="0" err="1" smtClean="0"/>
+              <a:t>Derde</a:t>
+            </a:r>
+            <a:r>
+              <a:rPr lang="en-US" dirty="0" smtClean="0"/>
+              <a:t> PPL </a:t>
+            </a:r>
+            <a:r>
+              <a:rPr lang="en-US" dirty="0" err="1" smtClean="0"/>
+              <a:t>implementeren</a:t>
+            </a:r>
+            <a:r>
+              <a:rPr lang="en-US" dirty="0" smtClean="0"/>
+              <a:t> en </a:t>
+            </a:r>
+            <a:r>
+              <a:rPr lang="en-US" dirty="0" err="1" smtClean="0"/>
+              <a:t>evalueren</a:t>
+            </a:r>
+            <a:r>
+              <a:rPr lang="en-US" dirty="0" smtClean="0"/>
+              <a:t>.</a:t>
+            </a:r>
+          </a:p>
+          <a:p>
+            <a:endParaRPr lang="en-US" dirty="0"/>
+          </a:p>
+        </p:txBody>
+      </p:sp>
+      <p:sp>
+        <p:nvSpPr>
+          <p:cNvPr id="5" name="Title 4"/>
+          <p:cNvSpPr>
+            <a:spLocks noGrp="1"/>
+          </p:cNvSpPr>
+          <p:nvPr>
+            <p:ph type="title"/>
+          </p:nvPr>
+        </p:nvSpPr>
+        <p:spPr/>
+        <p:txBody>
+          <a:bodyPr/>
+          <a:lstStyle/>
+          <a:p>
+            <a:pPr algn="ctr"/>
+            <a:r>
+              <a:rPr lang="en-US" dirty="0" err="1" smtClean="0"/>
+              <a:t>Toekomst</a:t>
+            </a:r>
+            <a:endParaRPr lang="en-US" dirty="0"/>
+          </a:p>
+        </p:txBody>
+      </p:sp>
+      <p:sp>
+        <p:nvSpPr>
+          <p:cNvPr id="6" name="Left-Right Arrow 5"/>
+          <p:cNvSpPr/>
+          <p:nvPr/>
+        </p:nvSpPr>
+        <p:spPr>
+          <a:xfrm>
+            <a:off x="3550141" y="3712267"/>
+            <a:ext cx="1124606" cy="168899"/>
+          </a:xfrm>
+          <a:prstGeom prst="leftRightArrow">
+            <a:avLst/>
+          </a:prstGeom>
+        </p:spPr>
+        <p:style>
+          <a:lnRef idx="2">
+            <a:schemeClr val="accent1">
+              <a:shade val="50000"/>
+            </a:schemeClr>
+          </a:lnRef>
+          <a:fillRef idx="1">
+            <a:schemeClr val="accent1"/>
+          </a:fillRef>
+          <a:effectRef idx="0">
+            <a:schemeClr val="accent1"/>
+          </a:effectRef>
+          <a:fontRef idx="minor">
+            <a:schemeClr val="lt1"/>
+          </a:fontRef>
+        </p:style>
+        <p:txBody>
+          <a:bodyPr rtlCol="0" anchor="ctr"/>
+          <a:lstStyle/>
+          <a:p>
+            <a:pPr algn="ctr"/>
+            <a:endParaRPr lang="nl-BE"/>
+          </a:p>
+        </p:txBody>
+      </p:sp>
+    </p:spTree>
+    <p:extLst>
+      <p:ext uri="{BB962C8B-B14F-4D97-AF65-F5344CB8AC3E}">
+        <p14:creationId xmlns:p14="http://schemas.microsoft.com/office/powerpoint/2010/main" val="984370636"/>
       </p:ext>
     </p:extLst>
   </p:cSld>
@@ -19670,7 +21049,7 @@
         <p:spPr>
           <a:xfrm>
             <a:off x="1460938" y="5034455"/>
-            <a:ext cx="6222124" cy="646331"/>
+            <a:ext cx="6222124" cy="923330"/>
           </a:xfrm>
           <a:prstGeom prst="rect">
             <a:avLst/>
@@ -19721,7 +21100,15 @@
             </a:r>
             <a:r>
               <a:rPr lang="en-US" dirty="0" smtClean="0"/>
-              <a:t> munt </a:t>
+              <a:t> </a:t>
+            </a:r>
+            <a:r>
+              <a:rPr lang="en-US" dirty="0" err="1" smtClean="0"/>
+              <a:t>muntstuk</a:t>
+            </a:r>
+            <a:r>
+              <a:rPr lang="en-US" dirty="0" smtClean="0"/>
+              <a:t> </a:t>
             </a:r>
             <a:r>
               <a:rPr lang="en-US" dirty="0" err="1" smtClean="0"/>
@@ -19737,7 +21124,19 @@
             </a:r>
             <a:r>
               <a:rPr lang="en-US" dirty="0" smtClean="0"/>
-              <a:t> we het 20 </a:t>
+              <a:t> we </a:t>
+            </a:r>
+            <a:r>
+              <a:rPr lang="en-US" dirty="0" smtClean="0"/>
+              <a:t>het </a:t>
+            </a:r>
+            <a:r>
+              <a:rPr lang="en-US" dirty="0" err="1" smtClean="0"/>
+              <a:t>muntstuk</a:t>
+            </a:r>
+            <a:r>
+              <a:rPr lang="en-US" dirty="0" smtClean="0"/>
+              <a:t> 20 </a:t>
             </a:r>
             <a:r>
               <a:rPr lang="en-US" dirty="0" err="1" smtClean="0"/>
@@ -19753,7 +21152,11 @@
             </a:r>
             <a:r>
               <a:rPr lang="en-US" dirty="0" smtClean="0"/>
-              <a:t> en 15 </a:t>
+              <a:t> en </a:t>
+            </a:r>
+            <a:r>
+              <a:rPr lang="en-US" dirty="0" smtClean="0"/>
+              <a:t>we 15 </a:t>
             </a:r>
             <a:r>
               <a:rPr lang="en-US" dirty="0" err="1" smtClean="0"/>
@@ -19777,7 +21180,11 @@
             </a:r>
             <a:r>
               <a:rPr lang="en-US" dirty="0" smtClean="0"/>
-              <a:t> kop.</a:t>
+              <a:t> </a:t>
+            </a:r>
+            <a:r>
+              <a:rPr lang="en-US" dirty="0" smtClean="0"/>
+              <a:t>kop?</a:t>
             </a:r>
             <a:endParaRPr lang="en-US" dirty="0"/>
           </a:p>
@@ -19909,8 +21316,8 @@
               <a:t>(PPL’s </a:t>
             </a:r>
             <a:r>
-              <a:rPr lang="en-US" dirty="0" err="1" smtClean="0"/>
-              <a:t>engels</a:t>
+              <a:rPr lang="en-US" dirty="0" smtClean="0"/>
+              <a:t>Engels</a:t>
             </a:r>
             <a:r>
               <a:rPr lang="en-US" dirty="0" smtClean="0"/>
@@ -20464,8 +21871,8 @@
               <a:t>(PPL’s </a:t>
             </a:r>
             <a:r>
-              <a:rPr lang="en-US" dirty="0" err="1"/>
-              <a:t>engels</a:t>
+              <a:rPr lang="en-US" dirty="0" smtClean="0"/>
+              <a:t>Engels</a:t>
             </a:r>
             <a:r>
               <a:rPr lang="en-US" dirty="0"/>
@@ -20968,7 +22375,15 @@
             <a:pPr algn="ctr"/>
             <a:r>
               <a:rPr lang="nl-BE" dirty="0" smtClean="0"/>
-              <a:t>Verschillend in inferentie methode</a:t>
+              <a:t>Verschillen </a:t>
+            </a:r>
+            <a:r>
+              <a:rPr lang="nl-BE" dirty="0" smtClean="0"/>
+              <a:t>in inferentie </a:t>
+            </a:r>
+            <a:r>
+              <a:rPr lang="nl-BE" dirty="0" smtClean="0"/>
+              <a:t>methode.</a:t>
             </a:r>
             <a:endParaRPr lang="nl-BE" dirty="0"/>
           </a:p>
@@ -22238,7 +23653,7 @@
   <a:extraClrSchemeLst/>
   <a:extLst>
     <a:ext uri="{05A4C25C-085E-4340-85A3-A5531E510DB2}">
-      <thm15:themeFamily xmlns="" xmlns:thm15="http://schemas.microsoft.com/office/thememl/2012/main" name="Office Theme" id="{62F939B6-93AF-4DB8-9C6B-D6C7DFDC589F}" vid="{4A3C46E8-61CC-4603-A589-7422A47A8E4A}"/>
+      <thm15:themeFamily xmlns:thm15="http://schemas.microsoft.com/office/thememl/2012/main" xmlns="" name="Office Theme" id="{62F939B6-93AF-4DB8-9C6B-D6C7DFDC589F}" vid="{4A3C46E8-61CC-4603-A589-7422A47A8E4A}"/>
     </a:ext>
   </a:extLst>
 </a:theme>
@@ -22499,7 +23914,7 @@
   <a:extraClrSchemeLst/>
   <a:extLst>
     <a:ext uri="{05A4C25C-085E-4340-85A3-A5531E510DB2}">
-      <thm15:themeFamily xmlns="" xmlns:thm15="http://schemas.microsoft.com/office/thememl/2012/main" name="Office Theme" id="{62F939B6-93AF-4DB8-9C6B-D6C7DFDC589F}" vid="{4A3C46E8-61CC-4603-A589-7422A47A8E4A}"/>
+      <thm15:themeFamily xmlns:thm15="http://schemas.microsoft.com/office/thememl/2012/main" xmlns="" name="Office Theme" id="{62F939B6-93AF-4DB8-9C6B-D6C7DFDC589F}" vid="{4A3C46E8-61CC-4603-A589-7422A47A8E4A}"/>
     </a:ext>
   </a:extLst>
 </a:theme>
@@ -22760,7 +24175,7 @@
   <a:extraClrSchemeLst/>
   <a:extLst>
     <a:ext uri="{05A4C25C-085E-4340-85A3-A5531E510DB2}">
-      <thm15:themeFamily xmlns="" xmlns:thm15="http://schemas.microsoft.com/office/thememl/2012/main" name="Office Theme" id="{62F939B6-93AF-4DB8-9C6B-D6C7DFDC589F}" vid="{4A3C46E8-61CC-4603-A589-7422A47A8E4A}"/>
+      <thm15:themeFamily xmlns:thm15="http://schemas.microsoft.com/office/thememl/2012/main" xmlns="" name="Office Theme" id="{62F939B6-93AF-4DB8-9C6B-D6C7DFDC589F}" vid="{4A3C46E8-61CC-4603-A589-7422A47A8E4A}"/>
     </a:ext>
   </a:extLst>
 </a:theme>

--- a/thesis/presentations/2 second/second.pptx
+++ b/thesis/presentations/2 second/second.pptx
@@ -144,7 +144,7 @@
   </p:defaultTextStyle>
   <p:extLst>
     <p:ext uri="{EFAFB233-063F-42B5-8137-9DF3F51BA10A}">
-      <p15:sldGuideLst xmlns:p15="http://schemas.microsoft.com/office/powerpoint/2012/main" xmlns="">
+      <p15:sldGuideLst xmlns="" xmlns:p15="http://schemas.microsoft.com/office/powerpoint/2012/main">
         <p15:guide id="1" orient="horz" pos="2160" userDrawn="1">
           <p15:clr>
             <a:srgbClr val="A4A3A4"/>
@@ -229,10 +229,6 @@
             <a:r>
               <a:rPr lang="en-US" baseline="0" dirty="0" smtClean="0"/>
               <a:t> </a:t>
-            </a:r>
-            <a:r>
-              <a:rPr lang="en-US" baseline="0" dirty="0" smtClean="0"/>
-              <a:t/>
             </a:r>
             <a:br>
               <a:rPr lang="en-US" baseline="0" dirty="0" smtClean="0"/>
@@ -442,11 +438,11 @@
           <c:showBubbleSize val="0"/>
         </c:dLbls>
         <c:gapWidth val="150"/>
-        <c:axId val="133994368"/>
-        <c:axId val="134004736"/>
+        <c:axId val="10901760"/>
+        <c:axId val="10903936"/>
       </c:barChart>
       <c:catAx>
-        <c:axId val="133994368"/>
+        <c:axId val="10901760"/>
         <c:scaling>
           <c:orientation val="minMax"/>
         </c:scaling>
@@ -476,7 +472,7 @@
         <c:majorTickMark val="out"/>
         <c:minorTickMark val="none"/>
         <c:tickLblPos val="nextTo"/>
-        <c:crossAx val="134004736"/>
+        <c:crossAx val="10903936"/>
         <c:crosses val="autoZero"/>
         <c:auto val="1"/>
         <c:lblAlgn val="ctr"/>
@@ -484,7 +480,7 @@
         <c:noMultiLvlLbl val="0"/>
       </c:catAx>
       <c:valAx>
-        <c:axId val="134004736"/>
+        <c:axId val="10903936"/>
         <c:scaling>
           <c:orientation val="minMax"/>
         </c:scaling>
@@ -515,7 +511,7 @@
         <c:majorTickMark val="out"/>
         <c:minorTickMark val="none"/>
         <c:tickLblPos val="nextTo"/>
-        <c:crossAx val="133994368"/>
+        <c:crossAx val="10901760"/>
         <c:crosses val="autoZero"/>
         <c:crossBetween val="between"/>
       </c:valAx>
@@ -1123,11 +1119,7 @@
             </a:pPr>
             <a:r>
               <a:rPr lang="nl-NL" dirty="0" smtClean="0"/>
-              <a:t>Hallo, Ik ben Sus Verwimp, een master </a:t>
-            </a:r>
-            <a:r>
-              <a:rPr lang="nl-NL" dirty="0" smtClean="0"/>
-              <a:t>student</a:t>
+              <a:t>Hallo, Ik ben Sus Verwimp, een master student</a:t>
             </a:r>
             <a:r>
               <a:rPr lang="nl-NL" baseline="0" dirty="0" smtClean="0"/>
@@ -1135,11 +1127,7 @@
             </a:r>
             <a:r>
               <a:rPr lang="nl-NL" dirty="0" smtClean="0"/>
-              <a:t>toegepaste </a:t>
-            </a:r>
-            <a:r>
-              <a:rPr lang="nl-NL" dirty="0" smtClean="0"/>
-              <a:t>informatica en mijn thesis onderwerp bestaat uit een case study over het programmeren met onzekerheid.</a:t>
+              <a:t>toegepaste informatica en mijn thesis onderwerp bestaat uit een case study over het programmeren met onzekerheid.</a:t>
             </a:r>
             <a:endParaRPr lang="en-US" baseline="0" dirty="0" smtClean="0"/>
           </a:p>
@@ -1395,11 +1383,7 @@
             </a:r>
             <a:r>
               <a:rPr lang="en-US" baseline="0" dirty="0" smtClean="0"/>
-              <a:t> </a:t>
-            </a:r>
-            <a:r>
-              <a:rPr lang="en-US" baseline="0" dirty="0" smtClean="0"/>
-              <a:t>technology, </a:t>
+              <a:t> technology, </a:t>
             </a:r>
             <a:r>
               <a:rPr lang="en-US" baseline="0" dirty="0" err="1" smtClean="0"/>
@@ -1407,11 +1391,7 @@
             </a:r>
             <a:r>
               <a:rPr lang="en-US" baseline="0" dirty="0" smtClean="0"/>
-              <a:t> </a:t>
-            </a:r>
-            <a:r>
-              <a:rPr lang="en-US" baseline="0" dirty="0" smtClean="0"/>
-              <a:t>Anglican en Church die </a:t>
+              <a:t> Anglican en Church die </a:t>
             </a:r>
             <a:r>
               <a:rPr lang="en-US" baseline="0" dirty="0" err="1" smtClean="0"/>
@@ -1615,15 +1595,7 @@
             </a:r>
             <a:r>
               <a:rPr lang="en-US" baseline="0" dirty="0" smtClean="0"/>
-              <a:t>. </a:t>
-            </a:r>
-            <a:r>
-              <a:rPr lang="en-US" baseline="0" dirty="0" smtClean="0"/>
-              <a:t>Logic </a:t>
-            </a:r>
-            <a:r>
-              <a:rPr lang="en-US" baseline="0" dirty="0" smtClean="0"/>
-              <a:t>PPL </a:t>
+              <a:t>. Logic PPL </a:t>
             </a:r>
             <a:r>
               <a:rPr lang="en-US" baseline="0" dirty="0" err="1" smtClean="0"/>
@@ -1631,15 +1603,7 @@
             </a:r>
             <a:r>
               <a:rPr lang="en-US" baseline="0" dirty="0" smtClean="0"/>
-              <a:t> </a:t>
-            </a:r>
-            <a:r>
-              <a:rPr lang="en-US" baseline="0" dirty="0" smtClean="0"/>
-              <a:t>logic </a:t>
-            </a:r>
-            <a:r>
-              <a:rPr lang="en-US" baseline="0" dirty="0" smtClean="0"/>
-              <a:t>PPL of van LISP-like PPL </a:t>
+              <a:t> logic PPL of van LISP-like PPL </a:t>
             </a:r>
             <a:r>
               <a:rPr lang="en-US" baseline="0" dirty="0" err="1" smtClean="0"/>
@@ -1751,11 +1715,7 @@
           <a:p>
             <a:r>
               <a:rPr lang="en-US" dirty="0" smtClean="0"/>
-              <a:t>Van </a:t>
-            </a:r>
-            <a:r>
-              <a:rPr lang="en-US" dirty="0" smtClean="0"/>
-              <a:t>host-</a:t>
+              <a:t>Van host-</a:t>
             </a:r>
             <a:r>
               <a:rPr lang="en-US" dirty="0" err="1" smtClean="0"/>
@@ -1763,11 +1723,7 @@
             </a:r>
             <a:r>
               <a:rPr lang="en-US" dirty="0" smtClean="0"/>
-              <a:t> </a:t>
-            </a:r>
-            <a:r>
-              <a:rPr lang="en-US" dirty="0" smtClean="0"/>
-              <a:t>PPL </a:t>
+              <a:t> PPL </a:t>
             </a:r>
             <a:r>
               <a:rPr lang="en-US" dirty="0" err="1" smtClean="0"/>
@@ -1775,11 +1731,7 @@
             </a:r>
             <a:r>
               <a:rPr lang="en-US" dirty="0" smtClean="0"/>
-              <a:t> </a:t>
-            </a:r>
-            <a:r>
-              <a:rPr lang="en-US" dirty="0" smtClean="0"/>
-              <a:t>host-</a:t>
+              <a:t> host-</a:t>
             </a:r>
             <a:r>
               <a:rPr lang="en-US" dirty="0" err="1" smtClean="0"/>
@@ -1787,11 +1739,7 @@
             </a:r>
             <a:r>
               <a:rPr lang="en-US" baseline="0" dirty="0" smtClean="0"/>
-              <a:t> </a:t>
-            </a:r>
-            <a:r>
-              <a:rPr lang="en-US" baseline="0" dirty="0" smtClean="0"/>
-              <a:t>PPL of van </a:t>
+              <a:t> PPL of van </a:t>
             </a:r>
             <a:r>
               <a:rPr lang="en-US" baseline="0" dirty="0" err="1" smtClean="0"/>
@@ -2059,15 +2007,19 @@
             </a:r>
             <a:r>
               <a:rPr lang="en-US" baseline="0" dirty="0" smtClean="0"/>
+              <a:t> is, </a:t>
+            </a:r>
+            <a:r>
+              <a:rPr lang="en-US" baseline="0" dirty="0" err="1" smtClean="0"/>
+              <a:t>maak</a:t>
+            </a:r>
+            <a:r>
+              <a:rPr lang="en-US" baseline="0" dirty="0" smtClean="0"/>
               <a:t> </a:t>
             </a:r>
             <a:r>
-              <a:rPr lang="en-US" baseline="0" dirty="0" smtClean="0"/>
-              <a:t>is, </a:t>
-            </a:r>
-            <a:r>
-              <a:rPr lang="en-US" baseline="0" dirty="0" err="1" smtClean="0"/>
-              <a:t>maak</a:t>
+              <a:rPr lang="en-US" baseline="0" dirty="0" err="1" smtClean="0"/>
+              <a:t>ik</a:t>
             </a:r>
             <a:r>
               <a:rPr lang="en-US" baseline="0" dirty="0" smtClean="0"/>
@@ -2075,82 +2027,62 @@
             </a:r>
             <a:r>
               <a:rPr lang="en-US" baseline="0" dirty="0" err="1" smtClean="0"/>
+              <a:t>gebruik</a:t>
+            </a:r>
+            <a:r>
+              <a:rPr lang="en-US" baseline="0" dirty="0" smtClean="0"/>
+              <a:t> van </a:t>
+            </a:r>
+            <a:r>
+              <a:rPr lang="en-US" baseline="0" dirty="0" err="1" smtClean="0"/>
+              <a:t>een</a:t>
+            </a:r>
+            <a:r>
+              <a:rPr lang="en-US" baseline="0" dirty="0" smtClean="0"/>
+              <a:t> case study. </a:t>
+            </a:r>
+            <a:r>
+              <a:rPr lang="en-US" baseline="0" dirty="0" err="1" smtClean="0"/>
+              <a:t>Aan</a:t>
+            </a:r>
+            <a:r>
+              <a:rPr lang="en-US" baseline="0" dirty="0" smtClean="0"/>
+              <a:t> de hand van </a:t>
+            </a:r>
+            <a:r>
+              <a:rPr lang="en-US" baseline="0" dirty="0" err="1" smtClean="0"/>
+              <a:t>deze</a:t>
+            </a:r>
+            <a:r>
+              <a:rPr lang="en-US" baseline="0" dirty="0" smtClean="0"/>
+              <a:t> case study </a:t>
+            </a:r>
+            <a:r>
+              <a:rPr lang="en-US" baseline="0" dirty="0" err="1" smtClean="0"/>
+              <a:t>kan</a:t>
+            </a:r>
+            <a:r>
+              <a:rPr lang="en-US" baseline="0" dirty="0" smtClean="0"/>
+              <a:t> </a:t>
+            </a:r>
+            <a:r>
+              <a:rPr lang="en-US" baseline="0" dirty="0" err="1" smtClean="0"/>
               <a:t>ik</a:t>
             </a:r>
             <a:r>
               <a:rPr lang="en-US" baseline="0" dirty="0" smtClean="0"/>
+              <a:t> de criteria </a:t>
+            </a:r>
+            <a:r>
+              <a:rPr lang="en-US" baseline="0" dirty="0" err="1" smtClean="0"/>
+              <a:t>gaan</a:t>
+            </a:r>
+            <a:r>
+              <a:rPr lang="en-US" baseline="0" dirty="0" smtClean="0"/>
               <a:t> </a:t>
             </a:r>
             <a:r>
               <a:rPr lang="en-US" baseline="0" dirty="0" err="1" smtClean="0"/>
-              <a:t>gebruik</a:t>
-            </a:r>
-            <a:r>
-              <a:rPr lang="en-US" baseline="0" dirty="0" smtClean="0"/>
-              <a:t> van </a:t>
-            </a:r>
-            <a:r>
-              <a:rPr lang="en-US" baseline="0" dirty="0" err="1" smtClean="0"/>
-              <a:t>een</a:t>
-            </a:r>
-            <a:r>
-              <a:rPr lang="en-US" baseline="0" dirty="0" smtClean="0"/>
-              <a:t> case study. </a:t>
-            </a:r>
-            <a:r>
-              <a:rPr lang="en-US" baseline="0" dirty="0" err="1" smtClean="0"/>
-              <a:t>Aan</a:t>
-            </a:r>
-            <a:r>
-              <a:rPr lang="en-US" baseline="0" dirty="0" smtClean="0"/>
-              <a:t> de hand van </a:t>
-            </a:r>
-            <a:r>
-              <a:rPr lang="en-US" baseline="0" dirty="0" err="1" smtClean="0"/>
-              <a:t>deze</a:t>
-            </a:r>
-            <a:r>
-              <a:rPr lang="en-US" baseline="0" dirty="0" smtClean="0"/>
-              <a:t> </a:t>
-            </a:r>
-            <a:r>
-              <a:rPr lang="en-US" baseline="0" dirty="0" smtClean="0"/>
-              <a:t>case study </a:t>
-            </a:r>
-            <a:r>
-              <a:rPr lang="en-US" baseline="0" dirty="0" err="1" smtClean="0"/>
-              <a:t>kan</a:t>
-            </a:r>
-            <a:r>
-              <a:rPr lang="en-US" baseline="0" dirty="0" smtClean="0"/>
-              <a:t> </a:t>
-            </a:r>
-            <a:r>
-              <a:rPr lang="en-US" baseline="0" dirty="0" err="1" smtClean="0"/>
-              <a:t>ik</a:t>
-            </a:r>
-            <a:r>
-              <a:rPr lang="en-US" baseline="0" dirty="0" smtClean="0"/>
-              <a:t> </a:t>
-            </a:r>
-            <a:r>
-              <a:rPr lang="en-US" baseline="0" dirty="0" smtClean="0"/>
-              <a:t>de </a:t>
-            </a:r>
-            <a:r>
-              <a:rPr lang="en-US" baseline="0" dirty="0" smtClean="0"/>
-              <a:t>criteria </a:t>
-            </a:r>
-            <a:r>
-              <a:rPr lang="en-US" baseline="0" dirty="0" err="1" smtClean="0"/>
-              <a:t>gaan</a:t>
-            </a:r>
-            <a:r>
-              <a:rPr lang="en-US" baseline="0" dirty="0" smtClean="0"/>
-              <a:t> </a:t>
-            </a:r>
-            <a:r>
-              <a:rPr lang="en-US" baseline="0" dirty="0" err="1" smtClean="0"/>
               <a:t>evaluaren</a:t>
             </a:r>
             <a:r>
@@ -2163,11 +2095,7 @@
             </a:r>
             <a:r>
               <a:rPr lang="en-US" baseline="0" dirty="0" smtClean="0"/>
-              <a:t> </a:t>
-            </a:r>
-            <a:r>
-              <a:rPr lang="en-US" baseline="0" dirty="0" smtClean="0"/>
-              <a:t>slides </a:t>
+              <a:t> slides </a:t>
             </a:r>
             <a:r>
               <a:rPr lang="en-US" baseline="0" dirty="0" err="1" smtClean="0"/>
@@ -2536,11 +2464,7 @@
             </a:r>
             <a:r>
               <a:rPr lang="en-US" baseline="0" dirty="0" smtClean="0"/>
-              <a:t> </a:t>
-            </a:r>
-            <a:r>
-              <a:rPr lang="en-US" baseline="0" dirty="0" smtClean="0"/>
-              <a:t>het de </a:t>
+              <a:t> het de </a:t>
             </a:r>
             <a:r>
               <a:rPr lang="en-US" baseline="0" dirty="0" err="1" smtClean="0"/>
@@ -2580,31 +2504,23 @@
             </a:r>
             <a:r>
               <a:rPr lang="en-US" baseline="0" dirty="0" smtClean="0"/>
+              <a:t> (ProbLog2 </a:t>
+            </a:r>
+            <a:r>
+              <a:rPr lang="en-US" baseline="0" dirty="0" err="1" smtClean="0"/>
+              <a:t>logisch</a:t>
+            </a:r>
+            <a:r>
+              <a:rPr lang="en-US" baseline="0" dirty="0" smtClean="0"/>
               <a:t> </a:t>
             </a:r>
             <a:r>
-              <a:rPr lang="en-US" baseline="0" dirty="0" smtClean="0"/>
-              <a:t>(ProbLog2 </a:t>
-            </a:r>
-            <a:r>
-              <a:rPr lang="en-US" baseline="0" dirty="0" err="1" smtClean="0"/>
-              <a:t>logisch</a:t>
-            </a:r>
-            <a:r>
-              <a:rPr lang="en-US" baseline="0" dirty="0" smtClean="0"/>
-              <a:t> </a:t>
-            </a:r>
-            <a:r>
               <a:rPr lang="en-US" baseline="0" dirty="0" err="1" smtClean="0"/>
               <a:t>programmeren</a:t>
             </a:r>
             <a:r>
               <a:rPr lang="en-US" baseline="0" dirty="0" smtClean="0"/>
-              <a:t>, </a:t>
-            </a:r>
-            <a:r>
-              <a:rPr lang="en-US" baseline="0" dirty="0" smtClean="0"/>
-              <a:t>Anglican </a:t>
+              <a:t>, Anglican </a:t>
             </a:r>
             <a:r>
               <a:rPr lang="en-US" baseline="0" dirty="0" err="1" smtClean="0"/>
@@ -3152,31 +3068,27 @@
             </a:r>
             <a:r>
               <a:rPr lang="nl-NL" baseline="0" dirty="0" smtClean="0"/>
-              <a:t> geef ik </a:t>
-            </a:r>
-            <a:r>
-              <a:rPr lang="nl-NL" baseline="0" dirty="0" smtClean="0"/>
-              <a:t>eerst een </a:t>
-            </a:r>
-            <a:r>
-              <a:rPr lang="nl-NL" baseline="0" dirty="0" smtClean="0"/>
-              <a:t>korte achtergrond </a:t>
-            </a:r>
-            <a:r>
-              <a:rPr lang="nl-NL" baseline="0" dirty="0" smtClean="0"/>
-              <a:t>informatie;</a:t>
+              <a:t> geef ik eerst een korte achtergrond informatie;</a:t>
             </a:r>
             <a:r>
               <a:rPr lang="nl-NL" dirty="0" smtClean="0"/>
+              <a:t> de context van mijn thesis;</a:t>
+            </a:r>
+            <a:r>
+              <a:rPr lang="en-US" baseline="0" dirty="0" smtClean="0"/>
               <a:t> </a:t>
             </a:r>
             <a:r>
-              <a:rPr lang="nl-NL" dirty="0" smtClean="0"/>
-              <a:t>de context van mijn </a:t>
-            </a:r>
-            <a:r>
-              <a:rPr lang="nl-NL" dirty="0" smtClean="0"/>
-              <a:t>thesis;</a:t>
+              <a:rPr lang="en-US" baseline="0" dirty="0" err="1" smtClean="0"/>
+              <a:t>daarna</a:t>
+            </a:r>
+            <a:r>
+              <a:rPr lang="en-US" baseline="0" dirty="0" smtClean="0"/>
+              <a:t> de </a:t>
+            </a:r>
+            <a:r>
+              <a:rPr lang="en-US" baseline="0" dirty="0" err="1" smtClean="0"/>
+              <a:t>motivatie</a:t>
             </a:r>
             <a:r>
               <a:rPr lang="en-US" baseline="0" dirty="0" smtClean="0"/>
@@ -3184,19 +3096,15 @@
             </a:r>
             <a:r>
               <a:rPr lang="en-US" baseline="0" dirty="0" err="1" smtClean="0"/>
-              <a:t>daarna</a:t>
+              <a:t>waarom</a:t>
             </a:r>
             <a:r>
               <a:rPr lang="en-US" baseline="0" dirty="0" smtClean="0"/>
               <a:t> </a:t>
             </a:r>
             <a:r>
-              <a:rPr lang="en-US" baseline="0" dirty="0" smtClean="0"/>
-              <a:t>de </a:t>
-            </a:r>
-            <a:r>
-              <a:rPr lang="en-US" baseline="0" dirty="0" err="1" smtClean="0"/>
-              <a:t>motivatie</a:t>
+              <a:rPr lang="en-US" baseline="0" dirty="0" err="1" smtClean="0"/>
+              <a:t>ik</a:t>
             </a:r>
             <a:r>
               <a:rPr lang="en-US" baseline="0" dirty="0" smtClean="0"/>
@@ -3204,7 +3112,7 @@
             </a:r>
             <a:r>
               <a:rPr lang="en-US" baseline="0" dirty="0" err="1" smtClean="0"/>
-              <a:t>waarom</a:t>
+              <a:t>dit</a:t>
             </a:r>
             <a:r>
               <a:rPr lang="en-US" baseline="0" dirty="0" smtClean="0"/>
@@ -3212,7 +3120,7 @@
             </a:r>
             <a:r>
               <a:rPr lang="en-US" baseline="0" dirty="0" err="1" smtClean="0"/>
-              <a:t>ik</a:t>
+              <a:t>ga</a:t>
             </a:r>
             <a:r>
               <a:rPr lang="en-US" baseline="0" dirty="0" smtClean="0"/>
@@ -3220,7 +3128,15 @@
             </a:r>
             <a:r>
               <a:rPr lang="en-US" baseline="0" dirty="0" err="1" smtClean="0"/>
-              <a:t>dit</a:t>
+              <a:t>doen</a:t>
+            </a:r>
+            <a:r>
+              <a:rPr lang="en-US" baseline="0" dirty="0" smtClean="0"/>
+              <a:t> en tot slot de tot nu toe </a:t>
+            </a:r>
+            <a:r>
+              <a:rPr lang="en-US" baseline="0" dirty="0" err="1" smtClean="0"/>
+              <a:t>behaalde</a:t>
             </a:r>
             <a:r>
               <a:rPr lang="en-US" baseline="0" dirty="0" smtClean="0"/>
@@ -3228,43 +3144,11 @@
             </a:r>
             <a:r>
               <a:rPr lang="en-US" baseline="0" dirty="0" err="1" smtClean="0"/>
-              <a:t>ga</a:t>
-            </a:r>
-            <a:r>
-              <a:rPr lang="en-US" baseline="0" dirty="0" smtClean="0"/>
-              <a:t> </a:t>
-            </a:r>
-            <a:r>
-              <a:rPr lang="en-US" baseline="0" dirty="0" err="1" smtClean="0"/>
-              <a:t>doen</a:t>
-            </a:r>
-            <a:r>
-              <a:rPr lang="en-US" baseline="0" dirty="0" smtClean="0"/>
-              <a:t> en tot slot de tot </a:t>
-            </a:r>
-            <a:r>
-              <a:rPr lang="en-US" baseline="0" dirty="0" smtClean="0"/>
-              <a:t>nu toe </a:t>
-            </a:r>
-            <a:r>
-              <a:rPr lang="en-US" baseline="0" dirty="0" err="1" smtClean="0"/>
-              <a:t>behaalde</a:t>
-            </a:r>
-            <a:r>
-              <a:rPr lang="en-US" baseline="0" dirty="0" smtClean="0"/>
-              <a:t> </a:t>
-            </a:r>
-            <a:r>
-              <a:rPr lang="en-US" baseline="0" dirty="0" err="1" smtClean="0"/>
               <a:t>resultaten</a:t>
             </a:r>
             <a:r>
               <a:rPr lang="en-US" baseline="0" dirty="0" smtClean="0"/>
-              <a:t> </a:t>
-            </a:r>
-            <a:r>
-              <a:rPr lang="en-US" baseline="0" dirty="0" smtClean="0"/>
-              <a:t>en </a:t>
+              <a:t> en </a:t>
             </a:r>
             <a:r>
               <a:rPr lang="en-US" baseline="0" dirty="0" err="1" smtClean="0"/>
@@ -3280,11 +3164,7 @@
             </a:r>
             <a:r>
               <a:rPr lang="en-US" baseline="0" dirty="0" smtClean="0"/>
-              <a:t> </a:t>
-            </a:r>
-            <a:r>
-              <a:rPr lang="en-US" baseline="0" dirty="0" smtClean="0"/>
-              <a:t>de </a:t>
+              <a:t> de </a:t>
             </a:r>
             <a:r>
               <a:rPr lang="en-US" baseline="0" dirty="0" err="1" smtClean="0"/>
@@ -3891,11 +3771,7 @@
             </a:r>
             <a:r>
               <a:rPr lang="en-US" baseline="0" dirty="0" smtClean="0"/>
-              <a:t> </a:t>
-            </a:r>
-            <a:r>
-              <a:rPr lang="en-US" baseline="0" dirty="0" smtClean="0"/>
-              <a:t>van de </a:t>
+              <a:t> van de </a:t>
             </a:r>
             <a:r>
               <a:rPr lang="en-US" baseline="0" dirty="0" err="1" smtClean="0"/>
@@ -3923,19 +3799,7 @@
             </a:r>
             <a:r>
               <a:rPr lang="en-US" baseline="0" dirty="0" smtClean="0"/>
-              <a:t>is de Bayes</a:t>
-            </a:r>
-            <a:r>
-              <a:rPr lang="en-US" baseline="0" dirty="0" smtClean="0"/>
-              <a:t>’ </a:t>
-            </a:r>
-            <a:r>
-              <a:rPr lang="en-US" baseline="0" dirty="0" smtClean="0"/>
-              <a:t>Rule</a:t>
-            </a:r>
-            <a:r>
-              <a:rPr lang="en-US" baseline="0" dirty="0" smtClean="0"/>
-              <a:t>.</a:t>
+              <a:t>is de Bayes’ Rule.</a:t>
             </a:r>
           </a:p>
           <a:p>
@@ -4284,11 +4148,111 @@
             </a:r>
             <a:r>
               <a:rPr lang="en-US" baseline="0" dirty="0" smtClean="0"/>
+              <a:t> de </a:t>
+            </a:r>
+            <a:r>
+              <a:rPr lang="en-US" baseline="0" dirty="0" err="1" smtClean="0"/>
+              <a:t>uitkomst</a:t>
+            </a:r>
+            <a:r>
+              <a:rPr lang="en-US" baseline="0" dirty="0" smtClean="0"/>
+              <a:t> 15 </a:t>
+            </a:r>
+            <a:r>
+              <a:rPr lang="en-US" baseline="0" dirty="0" err="1" smtClean="0"/>
+              <a:t>keer</a:t>
+            </a:r>
+            <a:r>
+              <a:rPr lang="en-US" baseline="0" dirty="0" smtClean="0"/>
+              <a:t> munt is en 5 </a:t>
+            </a:r>
+            <a:r>
+              <a:rPr lang="en-US" baseline="0" dirty="0" err="1" smtClean="0"/>
+              <a:t>keer</a:t>
+            </a:r>
+            <a:r>
+              <a:rPr lang="en-US" baseline="0" dirty="0" smtClean="0"/>
+              <a:t> kop. </a:t>
+            </a:r>
+            <a:r>
+              <a:rPr lang="en-US" baseline="0" dirty="0" err="1" smtClean="0"/>
+              <a:t>Wat</a:t>
+            </a:r>
+            <a:r>
+              <a:rPr lang="en-US" baseline="0" dirty="0" smtClean="0"/>
+              <a:t> is nu de </a:t>
+            </a:r>
+            <a:r>
+              <a:rPr lang="en-US" baseline="0" dirty="0" err="1" smtClean="0"/>
+              <a:t>kans</a:t>
+            </a:r>
+            <a:r>
+              <a:rPr lang="en-US" baseline="0" dirty="0" smtClean="0"/>
               <a:t> </a:t>
             </a:r>
             <a:r>
-              <a:rPr lang="en-US" baseline="0" dirty="0" smtClean="0"/>
-              <a:t>de </a:t>
+              <a:rPr lang="en-US" baseline="0" dirty="0" err="1" smtClean="0"/>
+              <a:t>dat</a:t>
+            </a:r>
+            <a:r>
+              <a:rPr lang="en-US" baseline="0" dirty="0" smtClean="0"/>
+              <a:t> </a:t>
+            </a:r>
+            <a:r>
+              <a:rPr lang="en-US" baseline="0" dirty="0" err="1" smtClean="0"/>
+              <a:t>dit</a:t>
+            </a:r>
+            <a:r>
+              <a:rPr lang="en-US" baseline="0" dirty="0" smtClean="0"/>
+              <a:t> </a:t>
+            </a:r>
+            <a:r>
+              <a:rPr lang="en-US" baseline="0" dirty="0" err="1" smtClean="0"/>
+              <a:t>muntstuk</a:t>
+            </a:r>
+            <a:r>
+              <a:rPr lang="en-US" baseline="0" dirty="0" smtClean="0"/>
+              <a:t> </a:t>
+            </a:r>
+            <a:r>
+              <a:rPr lang="en-US" baseline="0" dirty="0" err="1" smtClean="0"/>
+              <a:t>eerlijk</a:t>
+            </a:r>
+            <a:r>
+              <a:rPr lang="en-US" baseline="0" dirty="0" smtClean="0"/>
+              <a:t> is? </a:t>
+            </a:r>
+            <a:r>
+              <a:rPr lang="en-US" baseline="0" dirty="0" err="1" smtClean="0"/>
+              <a:t>Hier</a:t>
+            </a:r>
+            <a:r>
+              <a:rPr lang="en-US" baseline="0" dirty="0" smtClean="0"/>
+              <a:t> is het </a:t>
+            </a:r>
+            <a:r>
+              <a:rPr lang="en-US" baseline="0" dirty="0" err="1" smtClean="0"/>
+              <a:t>bewijs</a:t>
+            </a:r>
+            <a:r>
+              <a:rPr lang="en-US" baseline="0" dirty="0" smtClean="0"/>
+              <a:t>: de 20 </a:t>
+            </a:r>
+            <a:r>
+              <a:rPr lang="en-US" baseline="0" dirty="0" err="1" smtClean="0"/>
+              <a:t>tossen</a:t>
+            </a:r>
+            <a:r>
+              <a:rPr lang="en-US" baseline="0" dirty="0" smtClean="0"/>
+              <a:t> met </a:t>
+            </a:r>
+            <a:r>
+              <a:rPr lang="en-US" baseline="0" dirty="0" err="1" smtClean="0"/>
+              <a:t>hun</a:t>
+            </a:r>
+            <a:r>
+              <a:rPr lang="en-US" baseline="0" dirty="0" smtClean="0"/>
+              <a:t> </a:t>
             </a:r>
             <a:r>
               <a:rPr lang="en-US" baseline="0" dirty="0" err="1" smtClean="0"/>
@@ -4296,35 +4260,11 @@
             </a:r>
             <a:r>
               <a:rPr lang="en-US" baseline="0" dirty="0" smtClean="0"/>
-              <a:t> 15 </a:t>
-            </a:r>
-            <a:r>
-              <a:rPr lang="en-US" baseline="0" dirty="0" err="1" smtClean="0"/>
-              <a:t>keer</a:t>
-            </a:r>
-            <a:r>
-              <a:rPr lang="en-US" baseline="0" dirty="0" smtClean="0"/>
-              <a:t> munt is en 5 </a:t>
-            </a:r>
-            <a:r>
-              <a:rPr lang="en-US" baseline="0" dirty="0" err="1" smtClean="0"/>
-              <a:t>keer</a:t>
-            </a:r>
-            <a:r>
-              <a:rPr lang="en-US" baseline="0" dirty="0" smtClean="0"/>
-              <a:t> kop. </a:t>
-            </a:r>
-            <a:r>
-              <a:rPr lang="en-US" baseline="0" dirty="0" err="1" smtClean="0"/>
-              <a:t>Wat</a:t>
-            </a:r>
-            <a:r>
-              <a:rPr lang="en-US" baseline="0" dirty="0" smtClean="0"/>
-              <a:t> is nu de </a:t>
-            </a:r>
-            <a:r>
-              <a:rPr lang="en-US" baseline="0" dirty="0" err="1" smtClean="0"/>
-              <a:t>kans</a:t>
+              <a:t> en de </a:t>
+            </a:r>
+            <a:r>
+              <a:rPr lang="en-US" baseline="0" dirty="0" err="1" smtClean="0"/>
+              <a:t>hypothese</a:t>
             </a:r>
             <a:r>
               <a:rPr lang="en-US" baseline="0" dirty="0" smtClean="0"/>
@@ -4336,11 +4276,27 @@
             </a:r>
             <a:r>
               <a:rPr lang="en-US" baseline="0" dirty="0" smtClean="0"/>
+              <a:t> het </a:t>
+            </a:r>
+            <a:r>
+              <a:rPr lang="en-US" baseline="0" dirty="0" err="1" smtClean="0"/>
+              <a:t>muntstuk</a:t>
+            </a:r>
+            <a:r>
+              <a:rPr lang="en-US" baseline="0" dirty="0" smtClean="0"/>
               <a:t> </a:t>
             </a:r>
             <a:r>
               <a:rPr lang="en-US" baseline="0" dirty="0" err="1" smtClean="0"/>
-              <a:t>dit</a:t>
+              <a:t>eerlijk</a:t>
+            </a:r>
+            <a:r>
+              <a:rPr lang="en-US" baseline="0" dirty="0" smtClean="0"/>
+              <a:t> is. </a:t>
+            </a:r>
+            <a:r>
+              <a:rPr lang="en-US" baseline="0" dirty="0" err="1" smtClean="0"/>
+              <a:t>Dit</a:t>
             </a:r>
             <a:r>
               <a:rPr lang="en-US" baseline="0" dirty="0" smtClean="0"/>
@@ -4348,7 +4304,15 @@
             </a:r>
             <a:r>
               <a:rPr lang="en-US" baseline="0" dirty="0" err="1" smtClean="0"/>
-              <a:t>muntstuk</a:t>
+              <a:t>noemen</a:t>
+            </a:r>
+            <a:r>
+              <a:rPr lang="en-US" baseline="0" dirty="0" smtClean="0"/>
+              <a:t> we </a:t>
+            </a:r>
+            <a:r>
+              <a:rPr lang="en-US" baseline="0" dirty="0" err="1" smtClean="0"/>
+              <a:t>ook</a:t>
             </a:r>
             <a:r>
               <a:rPr lang="en-US" baseline="0" dirty="0" smtClean="0"/>
@@ -4356,19 +4320,35 @@
             </a:r>
             <a:r>
               <a:rPr lang="en-US" baseline="0" dirty="0" err="1" smtClean="0"/>
-              <a:t>eerlijk</a:t>
-            </a:r>
-            <a:r>
-              <a:rPr lang="en-US" baseline="0" dirty="0" smtClean="0"/>
-              <a:t> is? </a:t>
-            </a:r>
-            <a:r>
-              <a:rPr lang="en-US" baseline="0" dirty="0" err="1" smtClean="0"/>
-              <a:t>Hier</a:t>
-            </a:r>
-            <a:r>
-              <a:rPr lang="en-US" baseline="0" dirty="0" smtClean="0"/>
-              <a:t> is het </a:t>
+              <a:t>inferentie</a:t>
+            </a:r>
+            <a:r>
+              <a:rPr lang="en-US" baseline="0" dirty="0" smtClean="0"/>
+              <a:t> van </a:t>
+            </a:r>
+            <a:r>
+              <a:rPr lang="en-US" baseline="0" dirty="0" err="1" smtClean="0"/>
+              <a:t>een</a:t>
+            </a:r>
+            <a:r>
+              <a:rPr lang="en-US" baseline="0" dirty="0" smtClean="0"/>
+              <a:t> </a:t>
+            </a:r>
+            <a:r>
+              <a:rPr lang="en-US" baseline="0" dirty="0" err="1" smtClean="0"/>
+              <a:t>hypothese</a:t>
+            </a:r>
+            <a:r>
+              <a:rPr lang="en-US" baseline="0" dirty="0" smtClean="0"/>
+              <a:t> </a:t>
+            </a:r>
+            <a:r>
+              <a:rPr lang="en-US" baseline="0" dirty="0" err="1" smtClean="0"/>
+              <a:t>aan</a:t>
+            </a:r>
+            <a:r>
+              <a:rPr lang="en-US" baseline="0" dirty="0" smtClean="0"/>
+              <a:t> de hand van het </a:t>
             </a:r>
             <a:r>
               <a:rPr lang="en-US" baseline="0" dirty="0" err="1" smtClean="0"/>
@@ -4376,23 +4356,21 @@
             </a:r>
             <a:r>
               <a:rPr lang="en-US" baseline="0" dirty="0" smtClean="0"/>
-              <a:t>: de </a:t>
-            </a:r>
-            <a:r>
-              <a:rPr lang="en-US" baseline="0" dirty="0" smtClean="0"/>
-              <a:t>20 </a:t>
-            </a:r>
-            <a:r>
-              <a:rPr lang="en-US" baseline="0" dirty="0" err="1" smtClean="0"/>
-              <a:t>tossen</a:t>
-            </a:r>
-            <a:r>
-              <a:rPr lang="en-US" baseline="0" dirty="0" smtClean="0"/>
-              <a:t> met </a:t>
-            </a:r>
-            <a:r>
-              <a:rPr lang="en-US" baseline="0" dirty="0" err="1" smtClean="0"/>
-              <a:t>hun</a:t>
+              <a:t>.</a:t>
+            </a:r>
+          </a:p>
+          <a:p>
+            <a:r>
+              <a:rPr lang="en-US" baseline="0" dirty="0" err="1" smtClean="0"/>
+              <a:t>Inferentie</a:t>
+            </a:r>
+            <a:r>
+              <a:rPr lang="en-US" baseline="0" dirty="0" smtClean="0"/>
+              <a:t> van </a:t>
+            </a:r>
+            <a:r>
+              <a:rPr lang="en-US" baseline="0" dirty="0" err="1" smtClean="0"/>
+              <a:t>een</a:t>
             </a:r>
             <a:r>
               <a:rPr lang="en-US" baseline="0" dirty="0" smtClean="0"/>
@@ -4400,14 +4378,6 @@
             </a:r>
             <a:r>
               <a:rPr lang="en-US" baseline="0" dirty="0" err="1" smtClean="0"/>
-              <a:t>uitkomst</a:t>
-            </a:r>
-            <a:r>
-              <a:rPr lang="en-US" baseline="0" dirty="0" smtClean="0"/>
-              <a:t> en de </a:t>
-            </a:r>
-            <a:r>
-              <a:rPr lang="en-US" baseline="0" dirty="0" err="1" smtClean="0"/>
               <a:t>hypothese</a:t>
             </a:r>
             <a:r>
@@ -4416,141 +4386,11 @@
             </a:r>
             <a:r>
               <a:rPr lang="en-US" baseline="0" dirty="0" err="1" smtClean="0"/>
-              <a:t>dat</a:t>
-            </a:r>
-            <a:r>
-              <a:rPr lang="en-US" baseline="0" dirty="0" smtClean="0"/>
-              <a:t> </a:t>
-            </a:r>
-            <a:r>
-              <a:rPr lang="en-US" baseline="0" dirty="0" smtClean="0"/>
-              <a:t>het </a:t>
-            </a:r>
-            <a:r>
-              <a:rPr lang="en-US" baseline="0" dirty="0" err="1" smtClean="0"/>
-              <a:t>muntstuk</a:t>
-            </a:r>
-            <a:r>
-              <a:rPr lang="en-US" baseline="0" dirty="0" smtClean="0"/>
-              <a:t> </a:t>
-            </a:r>
-            <a:r>
-              <a:rPr lang="en-US" baseline="0" dirty="0" err="1" smtClean="0"/>
-              <a:t>eerlijk</a:t>
-            </a:r>
-            <a:r>
-              <a:rPr lang="en-US" baseline="0" dirty="0" smtClean="0"/>
-              <a:t> is. </a:t>
-            </a:r>
-            <a:r>
-              <a:rPr lang="en-US" baseline="0" dirty="0" err="1" smtClean="0"/>
-              <a:t>Dit</a:t>
-            </a:r>
-            <a:r>
-              <a:rPr lang="en-US" baseline="0" dirty="0" smtClean="0"/>
-              <a:t> </a:t>
-            </a:r>
-            <a:r>
-              <a:rPr lang="en-US" baseline="0" dirty="0" err="1" smtClean="0"/>
-              <a:t>noemen</a:t>
-            </a:r>
-            <a:r>
-              <a:rPr lang="en-US" baseline="0" dirty="0" smtClean="0"/>
-              <a:t> we </a:t>
-            </a:r>
-            <a:r>
-              <a:rPr lang="en-US" baseline="0" dirty="0" err="1" smtClean="0"/>
-              <a:t>ook</a:t>
-            </a:r>
-            <a:r>
-              <a:rPr lang="en-US" baseline="0" dirty="0" smtClean="0"/>
-              <a:t> </a:t>
-            </a:r>
-            <a:r>
-              <a:rPr lang="en-US" baseline="0" dirty="0" err="1" smtClean="0"/>
-              <a:t>inferentie</a:t>
-            </a:r>
-            <a:r>
-              <a:rPr lang="en-US" baseline="0" dirty="0" smtClean="0"/>
-              <a:t> van </a:t>
-            </a:r>
-            <a:r>
-              <a:rPr lang="en-US" baseline="0" dirty="0" err="1" smtClean="0"/>
-              <a:t>een</a:t>
-            </a:r>
-            <a:r>
-              <a:rPr lang="en-US" baseline="0" dirty="0" smtClean="0"/>
-              <a:t> </a:t>
-            </a:r>
-            <a:r>
-              <a:rPr lang="en-US" baseline="0" dirty="0" err="1" smtClean="0"/>
-              <a:t>hypothese</a:t>
-            </a:r>
-            <a:r>
-              <a:rPr lang="en-US" baseline="0" dirty="0" smtClean="0"/>
-              <a:t> </a:t>
-            </a:r>
-            <a:r>
-              <a:rPr lang="en-US" baseline="0" dirty="0" err="1" smtClean="0"/>
               <a:t>aan</a:t>
             </a:r>
             <a:r>
               <a:rPr lang="en-US" baseline="0" dirty="0" smtClean="0"/>
-              <a:t> de hand van </a:t>
-            </a:r>
-            <a:r>
-              <a:rPr lang="en-US" baseline="0" dirty="0" smtClean="0"/>
-              <a:t>het </a:t>
-            </a:r>
-            <a:r>
-              <a:rPr lang="en-US" baseline="0" dirty="0" err="1" smtClean="0"/>
-              <a:t>bewijs</a:t>
-            </a:r>
-            <a:r>
-              <a:rPr lang="en-US" baseline="0" dirty="0" smtClean="0"/>
-              <a:t>.</a:t>
-            </a:r>
-          </a:p>
-          <a:p>
-            <a:r>
-              <a:rPr lang="en-US" baseline="0" dirty="0" err="1" smtClean="0"/>
-              <a:t>Inferentie</a:t>
-            </a:r>
-            <a:r>
-              <a:rPr lang="en-US" baseline="0" dirty="0" smtClean="0"/>
-              <a:t> </a:t>
-            </a:r>
-            <a:r>
-              <a:rPr lang="en-US" baseline="0" dirty="0" smtClean="0"/>
-              <a:t>van </a:t>
-            </a:r>
-            <a:r>
-              <a:rPr lang="en-US" baseline="0" dirty="0" err="1" smtClean="0"/>
-              <a:t>een</a:t>
-            </a:r>
-            <a:r>
-              <a:rPr lang="en-US" baseline="0" dirty="0" smtClean="0"/>
-              <a:t> </a:t>
-            </a:r>
-            <a:r>
-              <a:rPr lang="en-US" baseline="0" dirty="0" err="1" smtClean="0"/>
-              <a:t>hypothese</a:t>
-            </a:r>
-            <a:r>
-              <a:rPr lang="en-US" baseline="0" dirty="0" smtClean="0"/>
-              <a:t> </a:t>
-            </a:r>
-            <a:r>
-              <a:rPr lang="en-US" baseline="0" dirty="0" err="1" smtClean="0"/>
-              <a:t>aan</a:t>
-            </a:r>
-            <a:r>
-              <a:rPr lang="en-US" baseline="0" dirty="0" smtClean="0"/>
-              <a:t> de hand </a:t>
-            </a:r>
-            <a:r>
-              <a:rPr lang="en-US" baseline="0" dirty="0" smtClean="0"/>
-              <a:t>van het </a:t>
+              <a:t> de hand van het </a:t>
             </a:r>
             <a:r>
               <a:rPr lang="en-US" baseline="0" dirty="0" err="1" smtClean="0"/>
@@ -4710,11 +4550,7 @@
             </a:r>
             <a:r>
               <a:rPr lang="en-US" baseline="0" dirty="0" smtClean="0"/>
-              <a:t> Programming Languages (PPL’s)? </a:t>
-            </a:r>
-            <a:r>
-              <a:rPr lang="en-US" baseline="0" dirty="0" smtClean="0"/>
-              <a:t>PPL’s </a:t>
+              <a:t> Programming Languages (PPL’s)? PPL’s </a:t>
             </a:r>
             <a:r>
               <a:rPr lang="nl-BE" baseline="0" noProof="0" dirty="0" smtClean="0"/>
@@ -4850,51 +4686,51 @@
             </a:r>
             <a:r>
               <a:rPr lang="en-US" baseline="0" dirty="0" smtClean="0"/>
+              <a:t> PPL’s. De </a:t>
+            </a:r>
+            <a:r>
+              <a:rPr lang="en-US" baseline="0" dirty="0" err="1" smtClean="0"/>
+              <a:t>lijst</a:t>
+            </a:r>
+            <a:r>
+              <a:rPr lang="en-US" baseline="0" dirty="0" smtClean="0"/>
+              <a:t> met </a:t>
+            </a:r>
+            <a:r>
+              <a:rPr lang="en-US" baseline="0" dirty="0" err="1" smtClean="0"/>
+              <a:t>verschillende</a:t>
+            </a:r>
+            <a:r>
+              <a:rPr lang="en-US" baseline="0" dirty="0" smtClean="0"/>
+              <a:t> PPL’s is </a:t>
+            </a:r>
+            <a:r>
+              <a:rPr lang="en-US" baseline="0" dirty="0" err="1" smtClean="0"/>
+              <a:t>beschikbaar</a:t>
+            </a:r>
+            <a:r>
+              <a:rPr lang="en-US" baseline="0" dirty="0" smtClean="0"/>
+              <a:t> via </a:t>
+            </a:r>
+            <a:r>
+              <a:rPr lang="en-US" baseline="0" dirty="0" err="1" smtClean="0"/>
+              <a:t>deze</a:t>
+            </a:r>
+            <a:r>
+              <a:rPr lang="en-US" baseline="0" dirty="0" smtClean="0"/>
+              <a:t> link. De 2 PPL’s </a:t>
+            </a:r>
+            <a:r>
+              <a:rPr lang="en-US" baseline="0" dirty="0" err="1" smtClean="0"/>
+              <a:t>waar</a:t>
+            </a:r>
+            <a:r>
+              <a:rPr lang="en-US" baseline="0" dirty="0" smtClean="0"/>
               <a:t> </a:t>
             </a:r>
             <a:r>
-              <a:rPr lang="en-US" baseline="0" dirty="0" smtClean="0"/>
-              <a:t>PPL’s. </a:t>
-            </a:r>
-            <a:r>
-              <a:rPr lang="en-US" baseline="0" dirty="0" smtClean="0"/>
-              <a:t>De </a:t>
-            </a:r>
-            <a:r>
-              <a:rPr lang="en-US" baseline="0" dirty="0" err="1" smtClean="0"/>
-              <a:t>lijst</a:t>
-            </a:r>
-            <a:r>
-              <a:rPr lang="en-US" baseline="0" dirty="0" smtClean="0"/>
-              <a:t> met </a:t>
-            </a:r>
-            <a:r>
-              <a:rPr lang="en-US" baseline="0" dirty="0" err="1" smtClean="0"/>
-              <a:t>verschillende</a:t>
-            </a:r>
-            <a:r>
-              <a:rPr lang="en-US" baseline="0" dirty="0" smtClean="0"/>
-              <a:t> PPL’s is </a:t>
-            </a:r>
-            <a:r>
-              <a:rPr lang="en-US" baseline="0" dirty="0" err="1" smtClean="0"/>
-              <a:t>beschikbaar</a:t>
-            </a:r>
-            <a:r>
-              <a:rPr lang="en-US" baseline="0" dirty="0" smtClean="0"/>
-              <a:t> via </a:t>
-            </a:r>
-            <a:r>
-              <a:rPr lang="en-US" baseline="0" dirty="0" err="1" smtClean="0"/>
-              <a:t>deze</a:t>
-            </a:r>
-            <a:r>
-              <a:rPr lang="en-US" baseline="0" dirty="0" smtClean="0"/>
-              <a:t> link. De 2 PPL’s </a:t>
-            </a:r>
-            <a:r>
-              <a:rPr lang="en-US" baseline="0" dirty="0" err="1" smtClean="0"/>
-              <a:t>waar</a:t>
+              <a:rPr lang="en-US" baseline="0" dirty="0" err="1" smtClean="0"/>
+              <a:t>ik</a:t>
             </a:r>
             <a:r>
               <a:rPr lang="en-US" baseline="0" dirty="0" smtClean="0"/>
@@ -4902,14 +4738,6 @@
             </a:r>
             <a:r>
               <a:rPr lang="en-US" baseline="0" dirty="0" err="1" smtClean="0"/>
-              <a:t>ik</a:t>
-            </a:r>
-            <a:r>
-              <a:rPr lang="en-US" baseline="0" dirty="0" smtClean="0"/>
-              <a:t> </a:t>
-            </a:r>
-            <a:r>
-              <a:rPr lang="en-US" baseline="0" dirty="0" err="1" smtClean="0"/>
               <a:t>mij</a:t>
             </a:r>
             <a:r>
@@ -4922,15 +4750,7 @@
             </a:r>
             <a:r>
               <a:rPr lang="en-US" baseline="0" dirty="0" smtClean="0"/>
-              <a:t> </a:t>
-            </a:r>
-            <a:r>
-              <a:rPr lang="en-US" baseline="0" dirty="0" smtClean="0"/>
-              <a:t>ProbLog2 </a:t>
-            </a:r>
-            <a:r>
-              <a:rPr lang="en-US" baseline="0" dirty="0" smtClean="0"/>
-              <a:t>en Anglican.</a:t>
+              <a:t> ProbLog2 en Anglican.</a:t>
             </a:r>
             <a:endParaRPr lang="en-US" dirty="0"/>
           </a:p>
@@ -5218,11 +5038,7 @@
             </a:r>
             <a:r>
               <a:rPr lang="en-US" baseline="0" dirty="0" smtClean="0"/>
-              <a:t> </a:t>
-            </a:r>
-            <a:r>
-              <a:rPr lang="en-US" baseline="0" dirty="0" smtClean="0"/>
-              <a:t>thesis, </a:t>
+              <a:t> thesis, </a:t>
             </a:r>
             <a:r>
               <a:rPr lang="en-US" baseline="0" dirty="0" err="1" smtClean="0"/>
@@ -5230,11 +5046,7 @@
             </a:r>
             <a:r>
               <a:rPr lang="en-US" baseline="0" dirty="0" smtClean="0"/>
-              <a:t> </a:t>
-            </a:r>
-            <a:r>
-              <a:rPr lang="en-US" baseline="0" dirty="0" smtClean="0"/>
-              <a:t>ben </a:t>
+              <a:t> ben </a:t>
             </a:r>
             <a:r>
               <a:rPr lang="en-US" baseline="0" dirty="0" err="1" smtClean="0"/>
@@ -5727,23 +5539,35 @@
             </a:r>
             <a:r>
               <a:rPr lang="en-US" baseline="0" dirty="0" smtClean="0"/>
+              <a:t> hoe </a:t>
+            </a:r>
+            <a:r>
+              <a:rPr lang="en-US" baseline="0" dirty="0" err="1" smtClean="0"/>
+              <a:t>gemakkelijk</a:t>
+            </a:r>
+            <a:r>
+              <a:rPr lang="en-US" baseline="0" dirty="0" smtClean="0"/>
+              <a:t> het is </a:t>
+            </a:r>
+            <a:r>
+              <a:rPr lang="en-US" baseline="0" dirty="0" err="1" smtClean="0"/>
+              <a:t>om</a:t>
+            </a:r>
+            <a:r>
+              <a:rPr lang="en-US" baseline="0" dirty="0" smtClean="0"/>
               <a:t> </a:t>
             </a:r>
             <a:r>
-              <a:rPr lang="en-US" baseline="0" dirty="0" smtClean="0"/>
-              <a:t>hoe </a:t>
-            </a:r>
-            <a:r>
-              <a:rPr lang="en-US" baseline="0" dirty="0" err="1" smtClean="0"/>
-              <a:t>gemakkelijk</a:t>
-            </a:r>
-            <a:r>
-              <a:rPr lang="en-US" baseline="0" dirty="0" smtClean="0"/>
-              <a:t> het is </a:t>
-            </a:r>
-            <a:r>
-              <a:rPr lang="en-US" baseline="0" dirty="0" err="1" smtClean="0"/>
-              <a:t>om</a:t>
+              <a:rPr lang="en-US" baseline="0" dirty="0" err="1" smtClean="0"/>
+              <a:t>distributies</a:t>
+            </a:r>
+            <a:r>
+              <a:rPr lang="en-US" baseline="0" dirty="0" smtClean="0"/>
+              <a:t> en regels van het model </a:t>
+            </a:r>
+            <a:r>
+              <a:rPr lang="en-US" baseline="0" dirty="0" err="1" smtClean="0"/>
+              <a:t>aan</a:t>
             </a:r>
             <a:r>
               <a:rPr lang="en-US" baseline="0" dirty="0" smtClean="0"/>
@@ -5751,15 +5575,7 @@
             </a:r>
             <a:r>
               <a:rPr lang="en-US" baseline="0" dirty="0" err="1" smtClean="0"/>
-              <a:t>distributies</a:t>
-            </a:r>
-            <a:r>
-              <a:rPr lang="en-US" baseline="0" dirty="0" smtClean="0"/>
-              <a:t> en regels van het model </a:t>
-            </a:r>
-            <a:r>
-              <a:rPr lang="en-US" baseline="0" dirty="0" err="1" smtClean="0"/>
-              <a:t>aan</a:t>
+              <a:t>te</a:t>
             </a:r>
             <a:r>
               <a:rPr lang="en-US" baseline="0" dirty="0" smtClean="0"/>
@@ -5767,14 +5583,6 @@
             </a:r>
             <a:r>
               <a:rPr lang="en-US" baseline="0" dirty="0" err="1" smtClean="0"/>
-              <a:t>te</a:t>
-            </a:r>
-            <a:r>
-              <a:rPr lang="en-US" baseline="0" dirty="0" smtClean="0"/>
-              <a:t> </a:t>
-            </a:r>
-            <a:r>
-              <a:rPr lang="en-US" baseline="0" dirty="0" err="1" smtClean="0"/>
               <a:t>passen</a:t>
             </a:r>
             <a:r>
@@ -5795,11 +5603,7 @@
             </a:r>
             <a:r>
               <a:rPr lang="en-US" baseline="0" dirty="0" smtClean="0"/>
-              <a:t> debugger, REPL, IDE,… </a:t>
-            </a:r>
-            <a:r>
-              <a:rPr lang="en-US" baseline="0" dirty="0" smtClean="0"/>
-              <a:t>; de </a:t>
+              <a:t> debugger, REPL, IDE,… ; de </a:t>
             </a:r>
             <a:r>
               <a:rPr lang="en-US" baseline="0" dirty="0" err="1" smtClean="0"/>
@@ -6010,15 +5814,7 @@
             </a:pPr>
             <a:r>
               <a:rPr lang="nl-NL" baseline="0" dirty="0" smtClean="0"/>
-              <a:t>Tijdens de ontwikkeling kan ik al verschillende criteria evalueren zoals welke tools er beschikbaar zijn, de moeilijkheidsgraad en </a:t>
-            </a:r>
-            <a:r>
-              <a:rPr lang="nl-NL" baseline="0" dirty="0" smtClean="0"/>
-              <a:t>het programmeerparadigma</a:t>
-            </a:r>
-            <a:r>
-              <a:rPr lang="nl-NL" baseline="0" dirty="0" smtClean="0"/>
-              <a:t>. Na de implementatie kan ik andere criteria gaan evalueren, zoals </a:t>
+              <a:t>Tijdens de ontwikkeling kan ik al verschillende criteria evalueren zoals welke tools er beschikbaar zijn, de moeilijkheidsgraad en het programmeerparadigma. Na de implementatie kan ik andere criteria gaan evalueren, zoals </a:t>
             </a:r>
             <a:r>
               <a:rPr lang="nl-NL" baseline="0" dirty="0" err="1" smtClean="0"/>
@@ -6430,7 +6226,7 @@
   </p:clrMapOvr>
   <p:extLst mod="1">
     <p:ext uri="{DCECCB84-F9BA-43D5-87BE-67443E8EF086}">
-      <p15:sldGuideLst xmlns:p15="http://schemas.microsoft.com/office/powerpoint/2012/main" xmlns="">
+      <p15:sldGuideLst xmlns="" xmlns:p15="http://schemas.microsoft.com/office/powerpoint/2012/main">
         <p15:guide id="1" orient="horz" pos="3929" userDrawn="1">
           <p15:clr>
             <a:srgbClr val="FBAE40"/>
@@ -6741,7 +6537,7 @@
   </p:clrMapOvr>
   <p:extLst mod="1">
     <p:ext uri="{DCECCB84-F9BA-43D5-87BE-67443E8EF086}">
-      <p15:sldGuideLst xmlns:p15="http://schemas.microsoft.com/office/powerpoint/2012/main" xmlns="">
+      <p15:sldGuideLst xmlns="" xmlns:p15="http://schemas.microsoft.com/office/powerpoint/2012/main">
         <p15:guide id="1" orient="horz" pos="3929">
           <p15:clr>
             <a:srgbClr val="FBAE40"/>
@@ -7094,7 +6890,7 @@
   </p:clrMapOvr>
   <p:extLst mod="1">
     <p:ext uri="{DCECCB84-F9BA-43D5-87BE-67443E8EF086}">
-      <p15:sldGuideLst xmlns:p15="http://schemas.microsoft.com/office/powerpoint/2012/main" xmlns="">
+      <p15:sldGuideLst xmlns="" xmlns:p15="http://schemas.microsoft.com/office/powerpoint/2012/main">
         <p15:guide id="1" orient="horz" pos="2160">
           <p15:clr>
             <a:srgbClr val="FBAE40"/>
@@ -7401,7 +7197,7 @@
   </p:clrMapOvr>
   <p:extLst mod="1">
     <p:ext uri="{DCECCB84-F9BA-43D5-87BE-67443E8EF086}">
-      <p15:sldGuideLst xmlns:p15="http://schemas.microsoft.com/office/powerpoint/2012/main" xmlns="">
+      <p15:sldGuideLst xmlns="" xmlns:p15="http://schemas.microsoft.com/office/powerpoint/2012/main">
         <p15:guide id="1" orient="horz" pos="2160">
           <p15:clr>
             <a:srgbClr val="FBAE40"/>
@@ -7961,7 +7757,7 @@
   </p:clrMapOvr>
   <p:extLst mod="1">
     <p:ext uri="{DCECCB84-F9BA-43D5-87BE-67443E8EF086}">
-      <p15:sldGuideLst xmlns:p15="http://schemas.microsoft.com/office/powerpoint/2012/main" xmlns="">
+      <p15:sldGuideLst xmlns="" xmlns:p15="http://schemas.microsoft.com/office/powerpoint/2012/main">
         <p15:guide id="1" orient="horz" pos="2160" userDrawn="1">
           <p15:clr>
             <a:srgbClr val="FBAE40"/>
@@ -8292,7 +8088,7 @@
   </p:clrMapOvr>
   <p:extLst mod="1">
     <p:ext uri="{DCECCB84-F9BA-43D5-87BE-67443E8EF086}">
-      <p15:sldGuideLst xmlns:p15="http://schemas.microsoft.com/office/powerpoint/2012/main" xmlns="">
+      <p15:sldGuideLst xmlns="" xmlns:p15="http://schemas.microsoft.com/office/powerpoint/2012/main">
         <p15:guide id="1" orient="horz" pos="2160" userDrawn="1">
           <p15:clr>
             <a:srgbClr val="FBAE40"/>
@@ -9919,7 +9715,7 @@
   </p:txStyles>
   <p:extLst mod="1">
     <p:ext uri="{27BBF7A9-308A-43DC-89C8-2F10F3537804}">
-      <p15:sldGuideLst xmlns:p15="http://schemas.microsoft.com/office/powerpoint/2012/main" xmlns="">
+      <p15:sldGuideLst xmlns="" xmlns:p15="http://schemas.microsoft.com/office/powerpoint/2012/main">
         <p15:guide id="1" orient="horz" pos="3816" userDrawn="1">
           <p15:clr>
             <a:srgbClr val="F26B43"/>
@@ -10551,7 +10347,7 @@
   </p:txStyles>
   <p:extLst mod="1">
     <p:ext uri="{27BBF7A9-308A-43DC-89C8-2F10F3537804}">
-      <p15:sldGuideLst xmlns:p15="http://schemas.microsoft.com/office/powerpoint/2012/main" xmlns="">
+      <p15:sldGuideLst xmlns="" xmlns:p15="http://schemas.microsoft.com/office/powerpoint/2012/main">
         <p15:guide id="1" orient="horz" pos="1026" userDrawn="1">
           <p15:clr>
             <a:srgbClr val="F26B43"/>
@@ -10614,8 +10410,12 @@
               <a:t> met </a:t>
             </a:r>
             <a:r>
+              <a:rPr lang="en-US" b="1" dirty="0" err="1"/>
+              <a:t>O</a:t>
+            </a:r>
+            <a:r>
               <a:rPr lang="en-US" b="1" dirty="0" err="1" smtClean="0"/>
-              <a:t>onzekerheid</a:t>
+              <a:t>nzekerheid</a:t>
             </a:r>
             <a:r>
               <a:rPr lang="en-US" b="1" dirty="0" smtClean="0"/>
@@ -10627,7 +10427,19 @@
             </a:r>
             <a:r>
               <a:rPr lang="en-US" b="1" dirty="0" smtClean="0"/>
-              <a:t> case study</a:t>
+              <a:t> </a:t>
+            </a:r>
+            <a:r>
+              <a:rPr lang="en-US" b="1" dirty="0" smtClean="0"/>
+              <a:t>Case </a:t>
+            </a:r>
+            <a:r>
+              <a:rPr lang="en-US" b="1" dirty="0"/>
+              <a:t>S</a:t>
+            </a:r>
+            <a:r>
+              <a:rPr lang="en-US" b="1" dirty="0" smtClean="0"/>
+              <a:t>tudy</a:t>
             </a:r>
             <a:endParaRPr lang="nl-NL" dirty="0"/>
           </a:p>
@@ -11683,11 +11495,7 @@
               <a:pPr algn="ctr"/>
               <a:r>
                 <a:rPr lang="en-US" dirty="0" smtClean="0"/>
-                <a:t>LISP </a:t>
-              </a:r>
-              <a:r>
-                <a:rPr lang="en-US" dirty="0" smtClean="0"/>
-                <a:t>PPL</a:t>
+                <a:t>LISP PPL</a:t>
               </a:r>
               <a:endParaRPr lang="en-US" dirty="0"/>
             </a:p>
@@ -11814,11 +11622,7 @@
               <a:pPr algn="ctr"/>
               <a:r>
                 <a:rPr lang="en-US" dirty="0" smtClean="0"/>
-                <a:t>LISP </a:t>
-              </a:r>
-              <a:r>
-                <a:rPr lang="en-US" dirty="0" smtClean="0"/>
-                <a:t>PPL</a:t>
+                <a:t>LISP PPL</a:t>
               </a:r>
               <a:endParaRPr lang="en-US" dirty="0"/>
             </a:p>
@@ -12751,11 +12555,7 @@
               <a:pPr algn="ctr"/>
               <a:r>
                 <a:rPr lang="en-US" dirty="0" smtClean="0"/>
-                <a:t>LISP </a:t>
-              </a:r>
-              <a:r>
-                <a:rPr lang="en-US" dirty="0" smtClean="0"/>
-                <a:t>PPL</a:t>
+                <a:t>LISP PPL</a:t>
               </a:r>
               <a:endParaRPr lang="en-US" dirty="0"/>
             </a:p>
@@ -12882,11 +12682,7 @@
               <a:pPr algn="ctr"/>
               <a:r>
                 <a:rPr lang="en-US" dirty="0" smtClean="0"/>
-                <a:t>LISP </a:t>
-              </a:r>
-              <a:r>
-                <a:rPr lang="en-US" dirty="0" smtClean="0"/>
-                <a:t>PPL</a:t>
+                <a:t>LISP PPL</a:t>
               </a:r>
               <a:endParaRPr lang="en-US" dirty="0"/>
             </a:p>
@@ -13418,6 +13214,13 @@
   <p:clrMapOvr>
     <a:masterClrMapping/>
   </p:clrMapOvr>
+  <p:timing>
+    <p:tnLst>
+      <p:par>
+        <p:cTn id="1" dur="indefinite" restart="never" nodeType="tmRoot"/>
+      </p:par>
+    </p:tnLst>
+  </p:timing>
 </p:sld>
 </file>
 
@@ -14118,26 +13921,17 @@
           <a:p>
             <a:r>
               <a:rPr lang="nl-BE" dirty="0" smtClean="0"/>
-              <a:t>Meer als 3 naast elkaar, verwijder blokken en laat rest vallen</a:t>
-            </a:r>
+              <a:t>Meer als 3 naast elkaar, verwijder blokken en laat rest vallen.</a:t>
+            </a:r>
+          </a:p>
+          <a:p>
+            <a:endParaRPr lang="nl-BE" dirty="0" smtClean="0"/>
+          </a:p>
+          <a:p>
             <a:r>
               <a:rPr lang="nl-BE" dirty="0" smtClean="0"/>
-              <a:t>.</a:t>
-            </a:r>
-          </a:p>
-          <a:p>
-            <a:endParaRPr lang="nl-BE" dirty="0" smtClean="0"/>
-          </a:p>
-          <a:p>
-            <a:r>
-              <a:rPr lang="nl-BE" dirty="0" smtClean="0"/>
-              <a:t>Zie volgende </a:t>
-            </a:r>
-            <a:r>
-              <a:rPr lang="nl-BE" dirty="0" smtClean="0"/>
-              <a:t>slide.</a:t>
-            </a:r>
-            <a:endParaRPr lang="nl-BE" dirty="0" smtClean="0"/>
+              <a:t>Zie volgende slide.</a:t>
+            </a:r>
           </a:p>
         </p:txBody>
       </p:sp>
@@ -15004,24 +14798,14 @@
           <a:p>
             <a:r>
               <a:rPr lang="nl-BE" dirty="0" smtClean="0"/>
-              <a:t>Einde </a:t>
-            </a:r>
+              <a:t>Einde beurt,</a:t>
+            </a:r>
+          </a:p>
+          <a:p>
             <a:r>
               <a:rPr lang="nl-BE" dirty="0" smtClean="0"/>
-              <a:t>beurt,</a:t>
-            </a:r>
-            <a:endParaRPr lang="nl-BE" dirty="0" smtClean="0"/>
-          </a:p>
-          <a:p>
-            <a:r>
-              <a:rPr lang="nl-BE" dirty="0" smtClean="0"/>
-              <a:t>Score is </a:t>
-            </a:r>
-            <a:r>
-              <a:rPr lang="nl-BE" dirty="0" smtClean="0"/>
-              <a:t>23.</a:t>
-            </a:r>
-            <a:endParaRPr lang="nl-BE" dirty="0" smtClean="0"/>
+              <a:t>Score is 23.</a:t>
+            </a:r>
           </a:p>
         </p:txBody>
       </p:sp>
@@ -15436,6 +15220,13 @@
   <p:clrMapOvr>
     <a:masterClrMapping/>
   </p:clrMapOvr>
+  <p:timing>
+    <p:tnLst>
+      <p:par>
+        <p:cTn id="1" dur="indefinite" restart="never" nodeType="tmRoot"/>
+      </p:par>
+    </p:tnLst>
+  </p:timing>
 </p:sld>
 </file>
 
@@ -15698,11 +15489,7 @@
           <a:p>
             <a:r>
               <a:rPr lang="nl-BE" dirty="0" smtClean="0"/>
-              <a:t>Er wordt uniform een blauwe blok gekozen om op te </a:t>
-            </a:r>
-            <a:r>
-              <a:rPr lang="nl-BE" dirty="0" smtClean="0"/>
-              <a:t>drukken.</a:t>
+              <a:t>Er wordt uniform een blauwe blok gekozen om op te drukken.</a:t>
             </a:r>
             <a:endParaRPr lang="nl-BE" dirty="0"/>
           </a:p>
@@ -16398,6 +16185,13 @@
   <p:clrMapOvr>
     <a:masterClrMapping/>
   </p:clrMapOvr>
+  <p:timing>
+    <p:tnLst>
+      <p:par>
+        <p:cTn id="1" dur="indefinite" restart="never" nodeType="tmRoot"/>
+      </p:par>
+    </p:tnLst>
+  </p:timing>
 </p:sld>
 </file>
 
@@ -16558,11 +16352,7 @@
           <a:p>
             <a:r>
               <a:rPr lang="nl-BE" dirty="0" smtClean="0"/>
-              <a:t>48 blokken met een mogelijke </a:t>
-            </a:r>
-            <a:r>
-              <a:rPr lang="nl-BE" dirty="0" smtClean="0"/>
-              <a:t>score.</a:t>
+              <a:t>48 blokken met een mogelijke score.</a:t>
             </a:r>
             <a:endParaRPr lang="nl-BE" dirty="0"/>
           </a:p>
@@ -16592,11 +16382,7 @@
           <a:p>
             <a:r>
               <a:rPr lang="nl-BE" dirty="0" smtClean="0"/>
-              <a:t>Er wordt uniform 1 blok gekozen uit de 48 mogelijke opties om op te </a:t>
-            </a:r>
-            <a:r>
-              <a:rPr lang="nl-BE" dirty="0" smtClean="0"/>
-              <a:t>drukken.</a:t>
+              <a:t>Er wordt uniform 1 blok gekozen uit de 48 mogelijke opties om op te drukken.</a:t>
             </a:r>
             <a:endParaRPr lang="nl-BE" dirty="0"/>
           </a:p>
@@ -18532,6 +18318,13 @@
   <p:clrMapOvr>
     <a:masterClrMapping/>
   </p:clrMapOvr>
+  <p:timing>
+    <p:tnLst>
+      <p:par>
+        <p:cTn id="1" dur="indefinite" restart="never" nodeType="tmRoot"/>
+      </p:par>
+    </p:tnLst>
+  </p:timing>
 </p:sld>
 </file>
 
@@ -18813,7 +18606,6 @@
               <a:rPr lang="nl-BE" sz="1400" dirty="0"/>
               <a:t>Kleuren veranderen distributie</a:t>
             </a:r>
-            <a:endParaRPr lang="nl-BE" sz="1400" dirty="0"/>
           </a:p>
         </p:txBody>
       </p:sp>
@@ -18866,6 +18658,13 @@
   <p:clrMapOvr>
     <a:masterClrMapping/>
   </p:clrMapOvr>
+  <p:timing>
+    <p:tnLst>
+      <p:par>
+        <p:cTn id="1" dur="indefinite" restart="never" nodeType="tmRoot"/>
+      </p:par>
+    </p:tnLst>
+  </p:timing>
 </p:sld>
 </file>
 
@@ -19069,6 +18868,13 @@
   <p:clrMapOvr>
     <a:masterClrMapping/>
   </p:clrMapOvr>
+  <p:timing>
+    <p:tnLst>
+      <p:par>
+        <p:cTn id="1" dur="indefinite" restart="never" nodeType="tmRoot"/>
+      </p:par>
+    </p:tnLst>
+  </p:timing>
 </p:sld>
 </file>
 
@@ -19272,6 +19078,13 @@
   <p:clrMapOvr>
     <a:masterClrMapping/>
   </p:clrMapOvr>
+  <p:timing>
+    <p:tnLst>
+      <p:par>
+        <p:cTn id="1" dur="indefinite" restart="never" nodeType="tmRoot"/>
+      </p:par>
+    </p:tnLst>
+  </p:timing>
 </p:sld>
 </file>
 
@@ -20159,6 +19972,13 @@
   <p:clrMapOvr>
     <a:masterClrMapping/>
   </p:clrMapOvr>
+  <p:timing>
+    <p:tnLst>
+      <p:par>
+        <p:cTn id="1" dur="indefinite" restart="never" nodeType="tmRoot"/>
+      </p:par>
+    </p:tnLst>
+  </p:timing>
 </p:sld>
 </file>
 
@@ -20255,11 +20075,7 @@
             </a:r>
             <a:r>
               <a:rPr lang="en-US" dirty="0" smtClean="0"/>
-              <a:t> van </a:t>
-            </a:r>
-            <a:r>
-              <a:rPr lang="en-US" dirty="0" smtClean="0"/>
-              <a:t>ProbLog2.</a:t>
+              <a:t> van ProbLog2.</a:t>
             </a:r>
           </a:p>
           <a:p>
@@ -20292,7 +20108,6 @@
               <a:rPr lang="en-US" dirty="0" smtClean="0"/>
               <a:t>,…</a:t>
             </a:r>
-            <a:endParaRPr lang="en-US" dirty="0" smtClean="0"/>
           </a:p>
           <a:p>
             <a:r>
@@ -20311,8 +20126,13 @@
             </a:r>
             <a:r>
               <a:rPr lang="en-US" dirty="0" smtClean="0"/>
-              <a:t> van Anglican.</a:t>
-            </a:r>
+              <a:t> van </a:t>
+            </a:r>
+            <a:r>
+              <a:rPr lang="en-US" dirty="0" smtClean="0"/>
+              <a:t>Anglican model.</a:t>
+            </a:r>
+            <a:endParaRPr lang="en-US" dirty="0" smtClean="0"/>
           </a:p>
           <a:p>
             <a:r>
@@ -20321,22 +20141,29 @@
             </a:r>
             <a:r>
               <a:rPr lang="en-US" dirty="0" smtClean="0"/>
-              <a:t> Anglican                 </a:t>
-            </a:r>
+              <a:t> Anglican                 ProbLog2.</a:t>
+            </a:r>
+          </a:p>
+          <a:p>
             <a:r>
               <a:rPr lang="en-US" dirty="0" smtClean="0"/>
-              <a:t>ProbLog2.</a:t>
-            </a:r>
-            <a:endParaRPr lang="en-US" dirty="0" smtClean="0"/>
-          </a:p>
-          <a:p>
+              <a:t>(</a:t>
+            </a:r>
             <a:r>
               <a:rPr lang="en-US" dirty="0" err="1" smtClean="0"/>
-              <a:t>Derde</a:t>
+              <a:t>optioneel</a:t>
+            </a:r>
+            <a:r>
+              <a:rPr lang="en-US" smtClean="0"/>
+              <a:t>) Derde</a:t>
             </a:r>
             <a:r>
               <a:rPr lang="en-US" dirty="0" smtClean="0"/>
-              <a:t> PPL </a:t>
+              <a:t> </a:t>
+            </a:r>
+            <a:r>
+              <a:rPr lang="en-US" dirty="0" smtClean="0"/>
+              <a:t>PPL </a:t>
             </a:r>
             <a:r>
               <a:rPr lang="en-US" dirty="0" err="1" smtClean="0"/>
@@ -21124,11 +20951,7 @@
             </a:r>
             <a:r>
               <a:rPr lang="en-US" dirty="0" smtClean="0"/>
-              <a:t> we </a:t>
-            </a:r>
-            <a:r>
-              <a:rPr lang="en-US" dirty="0" smtClean="0"/>
-              <a:t>het </a:t>
+              <a:t> we het </a:t>
             </a:r>
             <a:r>
               <a:rPr lang="en-US" dirty="0" err="1" smtClean="0"/>
@@ -21152,11 +20975,7 @@
             </a:r>
             <a:r>
               <a:rPr lang="en-US" dirty="0" smtClean="0"/>
-              <a:t> en </a:t>
-            </a:r>
-            <a:r>
-              <a:rPr lang="en-US" dirty="0" smtClean="0"/>
-              <a:t>we 15 </a:t>
+              <a:t> en we 15 </a:t>
             </a:r>
             <a:r>
               <a:rPr lang="en-US" dirty="0" err="1" smtClean="0"/>
@@ -21180,11 +20999,7 @@
             </a:r>
             <a:r>
               <a:rPr lang="en-US" dirty="0" smtClean="0"/>
-              <a:t> </a:t>
-            </a:r>
-            <a:r>
-              <a:rPr lang="en-US" dirty="0" smtClean="0"/>
-              <a:t>kop?</a:t>
+              <a:t> kop?</a:t>
             </a:r>
             <a:endParaRPr lang="en-US" dirty="0"/>
           </a:p>
@@ -21313,15 +21128,7 @@
             </a:br>
             <a:r>
               <a:rPr lang="en-US" dirty="0" smtClean="0"/>
-              <a:t>(PPL’s </a:t>
-            </a:r>
-            <a:r>
-              <a:rPr lang="en-US" dirty="0" smtClean="0"/>
-              <a:t>Engels</a:t>
-            </a:r>
-            <a:r>
-              <a:rPr lang="en-US" dirty="0" smtClean="0"/>
-              <a:t>)</a:t>
+              <a:t>(PPL’s Engels)</a:t>
             </a:r>
             <a:endParaRPr lang="en-US" dirty="0"/>
           </a:p>
@@ -21868,11 +21675,7 @@
             </a:br>
             <a:r>
               <a:rPr lang="en-US" dirty="0" smtClean="0"/>
-              <a:t>(PPL’s </a:t>
-            </a:r>
-            <a:r>
-              <a:rPr lang="en-US" dirty="0" smtClean="0"/>
-              <a:t>Engels</a:t>
+              <a:t>(PPL’s Engels</a:t>
             </a:r>
             <a:r>
               <a:rPr lang="en-US" dirty="0"/>
@@ -22375,15 +22178,7 @@
             <a:pPr algn="ctr"/>
             <a:r>
               <a:rPr lang="nl-BE" dirty="0" smtClean="0"/>
-              <a:t>Verschillen </a:t>
-            </a:r>
-            <a:r>
-              <a:rPr lang="nl-BE" dirty="0" smtClean="0"/>
-              <a:t>in inferentie </a:t>
-            </a:r>
-            <a:r>
-              <a:rPr lang="nl-BE" dirty="0" smtClean="0"/>
-              <a:t>methode.</a:t>
+              <a:t>Verschillen in inferentie methode.</a:t>
             </a:r>
             <a:endParaRPr lang="nl-BE" dirty="0"/>
           </a:p>
@@ -23653,7 +23448,7 @@
   <a:extraClrSchemeLst/>
   <a:extLst>
     <a:ext uri="{05A4C25C-085E-4340-85A3-A5531E510DB2}">
-      <thm15:themeFamily xmlns:thm15="http://schemas.microsoft.com/office/thememl/2012/main" xmlns="" name="Office Theme" id="{62F939B6-93AF-4DB8-9C6B-D6C7DFDC589F}" vid="{4A3C46E8-61CC-4603-A589-7422A47A8E4A}"/>
+      <thm15:themeFamily xmlns="" xmlns:thm15="http://schemas.microsoft.com/office/thememl/2012/main" name="Office Theme" id="{62F939B6-93AF-4DB8-9C6B-D6C7DFDC589F}" vid="{4A3C46E8-61CC-4603-A589-7422A47A8E4A}"/>
     </a:ext>
   </a:extLst>
 </a:theme>
@@ -23914,7 +23709,7 @@
   <a:extraClrSchemeLst/>
   <a:extLst>
     <a:ext uri="{05A4C25C-085E-4340-85A3-A5531E510DB2}">
-      <thm15:themeFamily xmlns:thm15="http://schemas.microsoft.com/office/thememl/2012/main" xmlns="" name="Office Theme" id="{62F939B6-93AF-4DB8-9C6B-D6C7DFDC589F}" vid="{4A3C46E8-61CC-4603-A589-7422A47A8E4A}"/>
+      <thm15:themeFamily xmlns="" xmlns:thm15="http://schemas.microsoft.com/office/thememl/2012/main" name="Office Theme" id="{62F939B6-93AF-4DB8-9C6B-D6C7DFDC589F}" vid="{4A3C46E8-61CC-4603-A589-7422A47A8E4A}"/>
     </a:ext>
   </a:extLst>
 </a:theme>
@@ -24175,7 +23970,7 @@
   <a:extraClrSchemeLst/>
   <a:extLst>
     <a:ext uri="{05A4C25C-085E-4340-85A3-A5531E510DB2}">
-      <thm15:themeFamily xmlns:thm15="http://schemas.microsoft.com/office/thememl/2012/main" xmlns="" name="Office Theme" id="{62F939B6-93AF-4DB8-9C6B-D6C7DFDC589F}" vid="{4A3C46E8-61CC-4603-A589-7422A47A8E4A}"/>
+      <thm15:themeFamily xmlns="" xmlns:thm15="http://schemas.microsoft.com/office/thememl/2012/main" name="Office Theme" id="{62F939B6-93AF-4DB8-9C6B-D6C7DFDC589F}" vid="{4A3C46E8-61CC-4603-A589-7422A47A8E4A}"/>
     </a:ext>
   </a:extLst>
 </a:theme>
